--- a/customer_churn_anlaysis.pptx
+++ b/customer_churn_anlaysis.pptx
@@ -5,7 +5,7 @@
     <p:sldMasterId id="2147483673" r:id="rId1"/>
   </p:sldMasterIdLst>
   <p:notesMasterIdLst>
-    <p:notesMasterId r:id="rId11"/>
+    <p:notesMasterId r:id="rId14"/>
   </p:notesMasterIdLst>
   <p:sldIdLst>
     <p:sldId id="256" r:id="rId2"/>
@@ -15,8 +15,11 @@
     <p:sldId id="260" r:id="rId6"/>
     <p:sldId id="261" r:id="rId7"/>
     <p:sldId id="262" r:id="rId8"/>
-    <p:sldId id="263" r:id="rId9"/>
-    <p:sldId id="264" r:id="rId10"/>
+    <p:sldId id="267" r:id="rId9"/>
+    <p:sldId id="265" r:id="rId10"/>
+    <p:sldId id="266" r:id="rId11"/>
+    <p:sldId id="263" r:id="rId12"/>
+    <p:sldId id="264" r:id="rId13"/>
   </p:sldIdLst>
   <p:sldSz cx="12192000" cy="6858000"/>
   <p:notesSz cx="6858000" cy="9144000"/>
@@ -115,13 +118,18 @@
       </a:defRPr>
     </a:lvl9pPr>
   </p:defaultTextStyle>
+  <p:extLst>
+    <p:ext uri="{EFAFB233-063F-42B5-8137-9DF3F51BA10A}">
+      <p15:sldGuideLst xmlns:p15="http://schemas.microsoft.com/office/powerpoint/2012/main"/>
+    </p:ext>
+  </p:extLst>
 </p:presentation>
 </file>
 
 <file path=ppt/revisionInfo.xml><?xml version="1.0" encoding="utf-8"?>
 <p1510:revInfo xmlns:a="http://schemas.openxmlformats.org/drawingml/2006/main" xmlns:r="http://schemas.openxmlformats.org/officeDocument/2006/relationships" xmlns:p1510="http://schemas.microsoft.com/office/powerpoint/2015/10/main">
   <p1510:revLst>
-    <p1510:client id="{4AB0597C-0072-441D-9633-080F4DC31281}" v="102" dt="2024-11-28T21:18:44.385"/>
+    <p1510:client id="{4AB0597C-0072-441D-9633-080F4DC31281}" v="158" dt="2024-12-04T01:06:49.782"/>
   </p1510:revLst>
 </p1510:revInfo>
 </file>
@@ -131,7 +139,7 @@
   <pc:docChgLst>
     <pc:chgData name="Alec Schonfeld" userId="908fa86f43668255" providerId="LiveId" clId="{4AB0597C-0072-441D-9633-080F4DC31281}"/>
     <pc:docChg chg="undo redo custSel addSld delSld modSld addMainMaster delMainMaster modMainMaster">
-      <pc:chgData name="Alec Schonfeld" userId="908fa86f43668255" providerId="LiveId" clId="{4AB0597C-0072-441D-9633-080F4DC31281}" dt="2024-11-28T21:24:02.514" v="2454" actId="20577"/>
+      <pc:chgData name="Alec Schonfeld" userId="908fa86f43668255" providerId="LiveId" clId="{4AB0597C-0072-441D-9633-080F4DC31281}" dt="2024-12-04T03:11:50.328" v="3728" actId="20577"/>
       <pc:docMkLst>
         <pc:docMk/>
       </pc:docMkLst>
@@ -464,13 +472,13 @@
         </pc:spChg>
       </pc:sldChg>
       <pc:sldChg chg="addSp delSp modSp add mod">
-        <pc:chgData name="Alec Schonfeld" userId="908fa86f43668255" providerId="LiveId" clId="{4AB0597C-0072-441D-9633-080F4DC31281}" dt="2024-11-26T23:06:10.383" v="1034" actId="113"/>
+        <pc:chgData name="Alec Schonfeld" userId="908fa86f43668255" providerId="LiveId" clId="{4AB0597C-0072-441D-9633-080F4DC31281}" dt="2024-12-02T23:35:07.644" v="2468" actId="26606"/>
         <pc:sldMkLst>
           <pc:docMk/>
           <pc:sldMk cId="2725960149" sldId="259"/>
         </pc:sldMkLst>
         <pc:spChg chg="mod">
-          <ac:chgData name="Alec Schonfeld" userId="908fa86f43668255" providerId="LiveId" clId="{4AB0597C-0072-441D-9633-080F4DC31281}" dt="2024-11-26T23:01:04.634" v="816" actId="20577"/>
+          <ac:chgData name="Alec Schonfeld" userId="908fa86f43668255" providerId="LiveId" clId="{4AB0597C-0072-441D-9633-080F4DC31281}" dt="2024-12-02T23:33:48.406" v="2460" actId="26606"/>
           <ac:spMkLst>
             <pc:docMk/>
             <pc:sldMk cId="2725960149" sldId="259"/>
@@ -478,11 +486,51 @@
           </ac:spMkLst>
         </pc:spChg>
         <pc:spChg chg="mod">
-          <ac:chgData name="Alec Schonfeld" userId="908fa86f43668255" providerId="LiveId" clId="{4AB0597C-0072-441D-9633-080F4DC31281}" dt="2024-11-26T23:06:10.383" v="1034" actId="113"/>
+          <ac:chgData name="Alec Schonfeld" userId="908fa86f43668255" providerId="LiveId" clId="{4AB0597C-0072-441D-9633-080F4DC31281}" dt="2024-12-02T23:33:48.406" v="2460" actId="26606"/>
           <ac:spMkLst>
             <pc:docMk/>
             <pc:sldMk cId="2725960149" sldId="259"/>
             <ac:spMk id="3" creationId="{B0BE3DFC-AC63-9631-C471-4D75964FA2C3}"/>
+          </ac:spMkLst>
+        </pc:spChg>
+        <pc:spChg chg="del">
+          <ac:chgData name="Alec Schonfeld" userId="908fa86f43668255" providerId="LiveId" clId="{4AB0597C-0072-441D-9633-080F4DC31281}" dt="2024-12-02T23:33:48.406" v="2460" actId="26606"/>
+          <ac:spMkLst>
+            <pc:docMk/>
+            <pc:sldMk cId="2725960149" sldId="259"/>
+            <ac:spMk id="8" creationId="{0D13761D-BD9A-2D05-C77F-CAAAA1985F57}"/>
+          </ac:spMkLst>
+        </pc:spChg>
+        <pc:spChg chg="del">
+          <ac:chgData name="Alec Schonfeld" userId="908fa86f43668255" providerId="LiveId" clId="{4AB0597C-0072-441D-9633-080F4DC31281}" dt="2024-12-02T23:33:48.406" v="2460" actId="26606"/>
+          <ac:spMkLst>
+            <pc:docMk/>
+            <pc:sldMk cId="2725960149" sldId="259"/>
+            <ac:spMk id="10" creationId="{3DDC9575-2BA9-C134-AAE8-F8EEB88FBBB8}"/>
+          </ac:spMkLst>
+        </pc:spChg>
+        <pc:spChg chg="del">
+          <ac:chgData name="Alec Schonfeld" userId="908fa86f43668255" providerId="LiveId" clId="{4AB0597C-0072-441D-9633-080F4DC31281}" dt="2024-12-02T23:33:48.406" v="2460" actId="26606"/>
+          <ac:spMkLst>
+            <pc:docMk/>
+            <pc:sldMk cId="2725960149" sldId="259"/>
+            <ac:spMk id="12" creationId="{0C8D120F-B47E-BD24-2647-4A44B996BFA1}"/>
+          </ac:spMkLst>
+        </pc:spChg>
+        <pc:spChg chg="add del">
+          <ac:chgData name="Alec Schonfeld" userId="908fa86f43668255" providerId="LiveId" clId="{4AB0597C-0072-441D-9633-080F4DC31281}" dt="2024-12-02T23:35:07.644" v="2468" actId="26606"/>
+          <ac:spMkLst>
+            <pc:docMk/>
+            <pc:sldMk cId="2725960149" sldId="259"/>
+            <ac:spMk id="1031" creationId="{84136905-015B-4510-B514-027CBA846BD6}"/>
+          </ac:spMkLst>
+        </pc:spChg>
+        <pc:spChg chg="add">
+          <ac:chgData name="Alec Schonfeld" userId="908fa86f43668255" providerId="LiveId" clId="{4AB0597C-0072-441D-9633-080F4DC31281}" dt="2024-12-02T23:35:07.644" v="2468" actId="26606"/>
+          <ac:spMkLst>
+            <pc:docMk/>
+            <pc:sldMk cId="2725960149" sldId="259"/>
+            <ac:spMk id="1036" creationId="{84136905-015B-4510-B514-027CBA846BD6}"/>
           </ac:spMkLst>
         </pc:spChg>
         <pc:picChg chg="del">
@@ -494,6 +542,30 @@
           </ac:picMkLst>
         </pc:picChg>
         <pc:picChg chg="add del mod">
+          <ac:chgData name="Alec Schonfeld" userId="908fa86f43668255" providerId="LiveId" clId="{4AB0597C-0072-441D-9633-080F4DC31281}" dt="2024-12-02T23:34:37.505" v="2462" actId="478"/>
+          <ac:picMkLst>
+            <pc:docMk/>
+            <pc:sldMk cId="2725960149" sldId="259"/>
+            <ac:picMk id="1026" creationId="{5A431E96-154D-D77E-F6F2-C6AB37EEA929}"/>
+          </ac:picMkLst>
+        </pc:picChg>
+        <pc:picChg chg="add del mod">
+          <ac:chgData name="Alec Schonfeld" userId="908fa86f43668255" providerId="LiveId" clId="{4AB0597C-0072-441D-9633-080F4DC31281}" dt="2024-12-02T23:35:04.865" v="2465" actId="478"/>
+          <ac:picMkLst>
+            <pc:docMk/>
+            <pc:sldMk cId="2725960149" sldId="259"/>
+            <ac:picMk id="1028" creationId="{832FB439-3EC7-103C-3A0B-E2160D07650B}"/>
+          </ac:picMkLst>
+        </pc:picChg>
+        <pc:picChg chg="add mod">
+          <ac:chgData name="Alec Schonfeld" userId="908fa86f43668255" providerId="LiveId" clId="{4AB0597C-0072-441D-9633-080F4DC31281}" dt="2024-12-02T23:35:07.644" v="2468" actId="26606"/>
+          <ac:picMkLst>
+            <pc:docMk/>
+            <pc:sldMk cId="2725960149" sldId="259"/>
+            <ac:picMk id="1030" creationId="{D7DAE467-50FB-04E5-C2A4-3E4117AE1554}"/>
+          </ac:picMkLst>
+        </pc:picChg>
+        <pc:picChg chg="add del mod">
           <ac:chgData name="Alec Schonfeld" userId="908fa86f43668255" providerId="LiveId" clId="{4AB0597C-0072-441D-9633-080F4DC31281}" dt="2024-11-26T23:01:54.779" v="888" actId="478"/>
           <ac:picMkLst>
             <pc:docMk/>
@@ -501,8 +573,8 @@
             <ac:picMk id="2050" creationId="{F552F367-20A4-8B5D-A2AD-C4BDF3CFCA88}"/>
           </ac:picMkLst>
         </pc:picChg>
-        <pc:picChg chg="add mod">
-          <ac:chgData name="Alec Schonfeld" userId="908fa86f43668255" providerId="LiveId" clId="{4AB0597C-0072-441D-9633-080F4DC31281}" dt="2024-11-26T23:05:48.457" v="974" actId="1076"/>
+        <pc:picChg chg="add del mod">
+          <ac:chgData name="Alec Schonfeld" userId="908fa86f43668255" providerId="LiveId" clId="{4AB0597C-0072-441D-9633-080F4DC31281}" dt="2024-12-02T23:33:40.390" v="2457" actId="478"/>
           <ac:picMkLst>
             <pc:docMk/>
             <pc:sldMk cId="2725960149" sldId="259"/>
@@ -541,14 +613,14 @@
           </ac:spMkLst>
         </pc:spChg>
       </pc:sldChg>
-      <pc:sldChg chg="modSp add mod">
-        <pc:chgData name="Alec Schonfeld" userId="908fa86f43668255" providerId="LiveId" clId="{4AB0597C-0072-441D-9633-080F4DC31281}" dt="2024-11-26T23:07:05.451" v="1207" actId="20577"/>
+      <pc:sldChg chg="addSp delSp modSp add mod">
+        <pc:chgData name="Alec Schonfeld" userId="908fa86f43668255" providerId="LiveId" clId="{4AB0597C-0072-441D-9633-080F4DC31281}" dt="2024-12-02T23:35:28.722" v="2472" actId="14100"/>
         <pc:sldMkLst>
           <pc:docMk/>
           <pc:sldMk cId="2483449933" sldId="260"/>
         </pc:sldMkLst>
         <pc:spChg chg="mod">
-          <ac:chgData name="Alec Schonfeld" userId="908fa86f43668255" providerId="LiveId" clId="{4AB0597C-0072-441D-9633-080F4DC31281}" dt="2024-11-26T23:06:34.037" v="1065" actId="1076"/>
+          <ac:chgData name="Alec Schonfeld" userId="908fa86f43668255" providerId="LiveId" clId="{4AB0597C-0072-441D-9633-080F4DC31281}" dt="2024-12-02T23:35:24.537" v="2471" actId="14100"/>
           <ac:spMkLst>
             <pc:docMk/>
             <pc:sldMk cId="2483449933" sldId="260"/>
@@ -556,13 +628,53 @@
           </ac:spMkLst>
         </pc:spChg>
         <pc:spChg chg="mod">
-          <ac:chgData name="Alec Schonfeld" userId="908fa86f43668255" providerId="LiveId" clId="{4AB0597C-0072-441D-9633-080F4DC31281}" dt="2024-11-26T23:07:05.451" v="1207" actId="20577"/>
+          <ac:chgData name="Alec Schonfeld" userId="908fa86f43668255" providerId="LiveId" clId="{4AB0597C-0072-441D-9633-080F4DC31281}" dt="2024-12-02T23:33:54.072" v="2461" actId="26606"/>
           <ac:spMkLst>
             <pc:docMk/>
             <pc:sldMk cId="2483449933" sldId="260"/>
             <ac:spMk id="3" creationId="{B4FC6458-A65D-851A-9CE3-D6E92EEA53B2}"/>
           </ac:spMkLst>
         </pc:spChg>
+        <pc:spChg chg="del">
+          <ac:chgData name="Alec Schonfeld" userId="908fa86f43668255" providerId="LiveId" clId="{4AB0597C-0072-441D-9633-080F4DC31281}" dt="2024-12-02T23:33:54.072" v="2461" actId="26606"/>
+          <ac:spMkLst>
+            <pc:docMk/>
+            <pc:sldMk cId="2483449933" sldId="260"/>
+            <ac:spMk id="8" creationId="{DDE4CAC2-BA4B-623B-9C1D-6BA3E86BE3ED}"/>
+          </ac:spMkLst>
+        </pc:spChg>
+        <pc:spChg chg="del">
+          <ac:chgData name="Alec Schonfeld" userId="908fa86f43668255" providerId="LiveId" clId="{4AB0597C-0072-441D-9633-080F4DC31281}" dt="2024-12-02T23:33:54.072" v="2461" actId="26606"/>
+          <ac:spMkLst>
+            <pc:docMk/>
+            <pc:sldMk cId="2483449933" sldId="260"/>
+            <ac:spMk id="10" creationId="{0EBFBFE5-2969-B19F-CD61-28D1C22CB62A}"/>
+          </ac:spMkLst>
+        </pc:spChg>
+        <pc:spChg chg="del">
+          <ac:chgData name="Alec Schonfeld" userId="908fa86f43668255" providerId="LiveId" clId="{4AB0597C-0072-441D-9633-080F4DC31281}" dt="2024-12-02T23:33:54.072" v="2461" actId="26606"/>
+          <ac:spMkLst>
+            <pc:docMk/>
+            <pc:sldMk cId="2483449933" sldId="260"/>
+            <ac:spMk id="12" creationId="{E99EAC6C-DAFE-5BFA-0146-3507A7536B34}"/>
+          </ac:spMkLst>
+        </pc:spChg>
+        <pc:spChg chg="add">
+          <ac:chgData name="Alec Schonfeld" userId="908fa86f43668255" providerId="LiveId" clId="{4AB0597C-0072-441D-9633-080F4DC31281}" dt="2024-12-02T23:33:54.072" v="2461" actId="26606"/>
+          <ac:spMkLst>
+            <pc:docMk/>
+            <pc:sldMk cId="2483449933" sldId="260"/>
+            <ac:spMk id="2055" creationId="{84136905-015B-4510-B514-027CBA846BD6}"/>
+          </ac:spMkLst>
+        </pc:spChg>
+        <pc:picChg chg="mod">
+          <ac:chgData name="Alec Schonfeld" userId="908fa86f43668255" providerId="LiveId" clId="{4AB0597C-0072-441D-9633-080F4DC31281}" dt="2024-12-02T23:35:28.722" v="2472" actId="14100"/>
+          <ac:picMkLst>
+            <pc:docMk/>
+            <pc:sldMk cId="2483449933" sldId="260"/>
+            <ac:picMk id="2050" creationId="{4B4D9727-5ABF-89F7-9A56-0B400AFCB6A0}"/>
+          </ac:picMkLst>
+        </pc:picChg>
       </pc:sldChg>
       <pc:sldChg chg="new del">
         <pc:chgData name="Alec Schonfeld" userId="908fa86f43668255" providerId="LiveId" clId="{4AB0597C-0072-441D-9633-080F4DC31281}" dt="2024-11-26T23:10:50.352" v="1209" actId="680"/>
@@ -572,13 +684,13 @@
         </pc:sldMkLst>
       </pc:sldChg>
       <pc:sldChg chg="addSp delSp modSp add mod">
-        <pc:chgData name="Alec Schonfeld" userId="908fa86f43668255" providerId="LiveId" clId="{4AB0597C-0072-441D-9633-080F4DC31281}" dt="2024-11-28T17:04:54.539" v="1497" actId="20577"/>
+        <pc:chgData name="Alec Schonfeld" userId="908fa86f43668255" providerId="LiveId" clId="{4AB0597C-0072-441D-9633-080F4DC31281}" dt="2024-12-02T23:40:15.753" v="2481" actId="14100"/>
         <pc:sldMkLst>
           <pc:docMk/>
           <pc:sldMk cId="2264253089" sldId="261"/>
         </pc:sldMkLst>
         <pc:spChg chg="mod">
-          <ac:chgData name="Alec Schonfeld" userId="908fa86f43668255" providerId="LiveId" clId="{4AB0597C-0072-441D-9633-080F4DC31281}" dt="2024-11-28T17:04:54.539" v="1497" actId="20577"/>
+          <ac:chgData name="Alec Schonfeld" userId="908fa86f43668255" providerId="LiveId" clId="{4AB0597C-0072-441D-9633-080F4DC31281}" dt="2024-12-02T23:40:15.753" v="2481" actId="14100"/>
           <ac:spMkLst>
             <pc:docMk/>
             <pc:sldMk cId="2264253089" sldId="261"/>
@@ -586,7 +698,7 @@
           </ac:spMkLst>
         </pc:spChg>
         <pc:spChg chg="add del mod ord">
-          <ac:chgData name="Alec Schonfeld" userId="908fa86f43668255" providerId="LiveId" clId="{4AB0597C-0072-441D-9633-080F4DC31281}" dt="2024-11-28T17:04:31.017" v="1484" actId="21"/>
+          <ac:chgData name="Alec Schonfeld" userId="908fa86f43668255" providerId="LiveId" clId="{4AB0597C-0072-441D-9633-080F4DC31281}" dt="2024-12-02T23:40:13.546" v="2480" actId="14100"/>
           <ac:spMkLst>
             <pc:docMk/>
             <pc:sldMk cId="2264253089" sldId="261"/>
@@ -602,7 +714,7 @@
           </ac:spMkLst>
         </pc:spChg>
         <pc:spChg chg="add del">
-          <ac:chgData name="Alec Schonfeld" userId="908fa86f43668255" providerId="LiveId" clId="{4AB0597C-0072-441D-9633-080F4DC31281}" dt="2024-11-28T17:04:20.382" v="1482" actId="26606"/>
+          <ac:chgData name="Alec Schonfeld" userId="908fa86f43668255" providerId="LiveId" clId="{4AB0597C-0072-441D-9633-080F4DC31281}" dt="2024-12-02T23:35:13.673" v="2469" actId="26606"/>
           <ac:spMkLst>
             <pc:docMk/>
             <pc:sldMk cId="2264253089" sldId="261"/>
@@ -610,7 +722,7 @@
           </ac:spMkLst>
         </pc:spChg>
         <pc:spChg chg="add del">
-          <ac:chgData name="Alec Schonfeld" userId="908fa86f43668255" providerId="LiveId" clId="{4AB0597C-0072-441D-9633-080F4DC31281}" dt="2024-11-28T17:04:20.382" v="1482" actId="26606"/>
+          <ac:chgData name="Alec Schonfeld" userId="908fa86f43668255" providerId="LiveId" clId="{4AB0597C-0072-441D-9633-080F4DC31281}" dt="2024-12-02T23:35:13.673" v="2469" actId="26606"/>
           <ac:spMkLst>
             <pc:docMk/>
             <pc:sldMk cId="2264253089" sldId="261"/>
@@ -618,7 +730,7 @@
           </ac:spMkLst>
         </pc:spChg>
         <pc:spChg chg="add del">
-          <ac:chgData name="Alec Schonfeld" userId="908fa86f43668255" providerId="LiveId" clId="{4AB0597C-0072-441D-9633-080F4DC31281}" dt="2024-11-28T17:04:20.382" v="1482" actId="26606"/>
+          <ac:chgData name="Alec Schonfeld" userId="908fa86f43668255" providerId="LiveId" clId="{4AB0597C-0072-441D-9633-080F4DC31281}" dt="2024-12-02T23:35:13.673" v="2469" actId="26606"/>
           <ac:spMkLst>
             <pc:docMk/>
             <pc:sldMk cId="2264253089" sldId="261"/>
@@ -666,11 +778,27 @@
           </ac:spMkLst>
         </pc:spChg>
         <pc:spChg chg="add del">
+          <ac:chgData name="Alec Schonfeld" userId="908fa86f43668255" providerId="LiveId" clId="{4AB0597C-0072-441D-9633-080F4DC31281}" dt="2024-12-02T23:40:05.898" v="2478" actId="26606"/>
+          <ac:spMkLst>
+            <pc:docMk/>
+            <pc:sldMk cId="2264253089" sldId="261"/>
+            <ac:spMk id="5134" creationId="{84136905-015B-4510-B514-027CBA846BD6}"/>
+          </ac:spMkLst>
+        </pc:spChg>
+        <pc:spChg chg="add del">
           <ac:chgData name="Alec Schonfeld" userId="908fa86f43668255" providerId="LiveId" clId="{4AB0597C-0072-441D-9633-080F4DC31281}" dt="2024-11-26T23:11:27.449" v="1247" actId="26606"/>
           <ac:spMkLst>
             <pc:docMk/>
             <pc:sldMk cId="2264253089" sldId="261"/>
             <ac:spMk id="5135" creationId="{84136905-015B-4510-B514-027CBA846BD6}"/>
+          </ac:spMkLst>
+        </pc:spChg>
+        <pc:spChg chg="add">
+          <ac:chgData name="Alec Schonfeld" userId="908fa86f43668255" providerId="LiveId" clId="{4AB0597C-0072-441D-9633-080F4DC31281}" dt="2024-12-02T23:40:05.898" v="2478" actId="26606"/>
+          <ac:spMkLst>
+            <pc:docMk/>
+            <pc:sldMk cId="2264253089" sldId="261"/>
+            <ac:spMk id="5136" creationId="{84136905-015B-4510-B514-027CBA846BD6}"/>
           </ac:spMkLst>
         </pc:spChg>
         <pc:spChg chg="add del">
@@ -697,6 +825,14 @@
             <ac:picMk id="2050" creationId="{3C716927-6FBC-5CE4-90D7-8383FDBA9FDA}"/>
           </ac:picMkLst>
         </pc:picChg>
+        <pc:picChg chg="add mod">
+          <ac:chgData name="Alec Schonfeld" userId="908fa86f43668255" providerId="LiveId" clId="{4AB0597C-0072-441D-9633-080F4DC31281}" dt="2024-12-02T23:40:11.665" v="2479" actId="14100"/>
+          <ac:picMkLst>
+            <pc:docMk/>
+            <pc:sldMk cId="2264253089" sldId="261"/>
+            <ac:picMk id="2050" creationId="{FE34DF05-B8D3-E5BE-E3C8-3943411146A1}"/>
+          </ac:picMkLst>
+        </pc:picChg>
         <pc:picChg chg="add del mod">
           <ac:chgData name="Alec Schonfeld" userId="908fa86f43668255" providerId="LiveId" clId="{4AB0597C-0072-441D-9633-080F4DC31281}" dt="2024-11-26T23:13:31.707" v="1260" actId="478"/>
           <ac:picMkLst>
@@ -721,8 +857,8 @@
             <ac:picMk id="5126" creationId="{619F8B8E-68FA-E957-CFFB-A762DE7B3823}"/>
           </ac:picMkLst>
         </pc:picChg>
-        <pc:picChg chg="add mod">
-          <ac:chgData name="Alec Schonfeld" userId="908fa86f43668255" providerId="LiveId" clId="{4AB0597C-0072-441D-9633-080F4DC31281}" dt="2024-11-28T17:04:47.786" v="1489" actId="14100"/>
+        <pc:picChg chg="add del mod">
+          <ac:chgData name="Alec Schonfeld" userId="908fa86f43668255" providerId="LiveId" clId="{4AB0597C-0072-441D-9633-080F4DC31281}" dt="2024-12-02T23:40:04.069" v="2476" actId="478"/>
           <ac:picMkLst>
             <pc:docMk/>
             <pc:sldMk cId="2264253089" sldId="261"/>
@@ -832,13 +968,13 @@
         </pc:spChg>
       </pc:sldChg>
       <pc:sldChg chg="addSp delSp modSp add mod">
-        <pc:chgData name="Alec Schonfeld" userId="908fa86f43668255" providerId="LiveId" clId="{4AB0597C-0072-441D-9633-080F4DC31281}" dt="2024-11-28T17:51:03.253" v="1579" actId="20577"/>
+        <pc:chgData name="Alec Schonfeld" userId="908fa86f43668255" providerId="LiveId" clId="{4AB0597C-0072-441D-9633-080F4DC31281}" dt="2024-12-04T01:04:33.005" v="3168" actId="478"/>
         <pc:sldMkLst>
           <pc:docMk/>
           <pc:sldMk cId="3311938744" sldId="262"/>
         </pc:sldMkLst>
         <pc:spChg chg="mod">
-          <ac:chgData name="Alec Schonfeld" userId="908fa86f43668255" providerId="LiveId" clId="{4AB0597C-0072-441D-9633-080F4DC31281}" dt="2024-11-28T17:05:03.435" v="1507" actId="20577"/>
+          <ac:chgData name="Alec Schonfeld" userId="908fa86f43668255" providerId="LiveId" clId="{4AB0597C-0072-441D-9633-080F4DC31281}" dt="2024-12-02T23:40:34.736" v="2487" actId="14100"/>
           <ac:spMkLst>
             <pc:docMk/>
             <pc:sldMk cId="3311938744" sldId="262"/>
@@ -846,13 +982,61 @@
           </ac:spMkLst>
         </pc:spChg>
         <pc:spChg chg="mod">
-          <ac:chgData name="Alec Schonfeld" userId="908fa86f43668255" providerId="LiveId" clId="{4AB0597C-0072-441D-9633-080F4DC31281}" dt="2024-11-28T17:51:03.253" v="1579" actId="20577"/>
+          <ac:chgData name="Alec Schonfeld" userId="908fa86f43668255" providerId="LiveId" clId="{4AB0597C-0072-441D-9633-080F4DC31281}" dt="2024-12-02T23:40:37.391" v="2488" actId="14100"/>
           <ac:spMkLst>
             <pc:docMk/>
             <pc:sldMk cId="3311938744" sldId="262"/>
             <ac:spMk id="3" creationId="{EEF4819A-0EEC-4261-28EC-B59F031575D7}"/>
           </ac:spMkLst>
         </pc:spChg>
+        <pc:spChg chg="del">
+          <ac:chgData name="Alec Schonfeld" userId="908fa86f43668255" providerId="LiveId" clId="{4AB0597C-0072-441D-9633-080F4DC31281}" dt="2024-12-02T23:40:27.342" v="2484" actId="26606"/>
+          <ac:spMkLst>
+            <pc:docMk/>
+            <pc:sldMk cId="3311938744" sldId="262"/>
+            <ac:spMk id="8" creationId="{A97D964B-763F-DA6E-BFF4-21BAC071CAF6}"/>
+          </ac:spMkLst>
+        </pc:spChg>
+        <pc:spChg chg="del">
+          <ac:chgData name="Alec Schonfeld" userId="908fa86f43668255" providerId="LiveId" clId="{4AB0597C-0072-441D-9633-080F4DC31281}" dt="2024-12-02T23:40:27.342" v="2484" actId="26606"/>
+          <ac:spMkLst>
+            <pc:docMk/>
+            <pc:sldMk cId="3311938744" sldId="262"/>
+            <ac:spMk id="10" creationId="{ACB116C1-EC6A-CC46-FEE6-11571E6B1548}"/>
+          </ac:spMkLst>
+        </pc:spChg>
+        <pc:spChg chg="del">
+          <ac:chgData name="Alec Schonfeld" userId="908fa86f43668255" providerId="LiveId" clId="{4AB0597C-0072-441D-9633-080F4DC31281}" dt="2024-12-02T23:40:27.342" v="2484" actId="26606"/>
+          <ac:spMkLst>
+            <pc:docMk/>
+            <pc:sldMk cId="3311938744" sldId="262"/>
+            <ac:spMk id="12" creationId="{CEC1AE04-CD7F-32F8-7277-861721BB82DB}"/>
+          </ac:spMkLst>
+        </pc:spChg>
+        <pc:spChg chg="add">
+          <ac:chgData name="Alec Schonfeld" userId="908fa86f43668255" providerId="LiveId" clId="{4AB0597C-0072-441D-9633-080F4DC31281}" dt="2024-12-02T23:40:27.342" v="2484" actId="26606"/>
+          <ac:spMkLst>
+            <pc:docMk/>
+            <pc:sldMk cId="3311938744" sldId="262"/>
+            <ac:spMk id="3079" creationId="{84136905-015B-4510-B514-027CBA846BD6}"/>
+          </ac:spMkLst>
+        </pc:spChg>
+        <pc:picChg chg="add mod">
+          <ac:chgData name="Alec Schonfeld" userId="908fa86f43668255" providerId="LiveId" clId="{4AB0597C-0072-441D-9633-080F4DC31281}" dt="2024-12-02T23:40:31.092" v="2486" actId="1076"/>
+          <ac:picMkLst>
+            <pc:docMk/>
+            <pc:sldMk cId="3311938744" sldId="262"/>
+            <ac:picMk id="3074" creationId="{588FF957-8911-C246-BE81-89D23413B805}"/>
+          </ac:picMkLst>
+        </pc:picChg>
+        <pc:picChg chg="add del">
+          <ac:chgData name="Alec Schonfeld" userId="908fa86f43668255" providerId="LiveId" clId="{4AB0597C-0072-441D-9633-080F4DC31281}" dt="2024-12-04T01:04:33.005" v="3168" actId="478"/>
+          <ac:picMkLst>
+            <pc:docMk/>
+            <pc:sldMk cId="3311938744" sldId="262"/>
+            <ac:picMk id="3076" creationId="{89063C1B-E78E-8D86-A9B8-DE9FE17832FE}"/>
+          </ac:picMkLst>
+        </pc:picChg>
         <pc:picChg chg="del">
           <ac:chgData name="Alec Schonfeld" userId="908fa86f43668255" providerId="LiveId" clId="{4AB0597C-0072-441D-9633-080F4DC31281}" dt="2024-11-28T17:50:23.539" v="1508" actId="478"/>
           <ac:picMkLst>
@@ -861,8 +1045,8 @@
             <ac:picMk id="5128" creationId="{E6443A8A-9792-D210-B2D1-BA3F210D4B56}"/>
           </ac:picMkLst>
         </pc:picChg>
-        <pc:picChg chg="add mod">
-          <ac:chgData name="Alec Schonfeld" userId="908fa86f43668255" providerId="LiveId" clId="{4AB0597C-0072-441D-9633-080F4DC31281}" dt="2024-11-28T17:50:31.565" v="1511" actId="1076"/>
+        <pc:picChg chg="add del mod">
+          <ac:chgData name="Alec Schonfeld" userId="908fa86f43668255" providerId="LiveId" clId="{4AB0597C-0072-441D-9633-080F4DC31281}" dt="2024-12-02T23:40:25.264" v="2482" actId="478"/>
           <ac:picMkLst>
             <pc:docMk/>
             <pc:sldMk cId="3311938744" sldId="262"/>
@@ -999,6 +1183,200 @@
             <pc:docMk/>
             <pc:sldMk cId="3788485678" sldId="264"/>
             <ac:spMk id="12" creationId="{62CBFBFA-CC65-39DE-27E9-CA8024C003F1}"/>
+          </ac:spMkLst>
+        </pc:spChg>
+      </pc:sldChg>
+      <pc:sldChg chg="addSp delSp modSp add mod">
+        <pc:chgData name="Alec Schonfeld" userId="908fa86f43668255" providerId="LiveId" clId="{4AB0597C-0072-441D-9633-080F4DC31281}" dt="2024-12-03T00:31:06.386" v="2627" actId="20577"/>
+        <pc:sldMkLst>
+          <pc:docMk/>
+          <pc:sldMk cId="279014751" sldId="265"/>
+        </pc:sldMkLst>
+        <pc:spChg chg="mod">
+          <ac:chgData name="Alec Schonfeld" userId="908fa86f43668255" providerId="LiveId" clId="{4AB0597C-0072-441D-9633-080F4DC31281}" dt="2024-12-03T00:01:26.612" v="2522" actId="20577"/>
+          <ac:spMkLst>
+            <pc:docMk/>
+            <pc:sldMk cId="279014751" sldId="265"/>
+            <ac:spMk id="2" creationId="{D4A2308F-DA11-DB2B-B9A1-6EAF1C1A4E59}"/>
+          </ac:spMkLst>
+        </pc:spChg>
+        <pc:spChg chg="mod">
+          <ac:chgData name="Alec Schonfeld" userId="908fa86f43668255" providerId="LiveId" clId="{4AB0597C-0072-441D-9633-080F4DC31281}" dt="2024-12-03T00:31:06.386" v="2627" actId="20577"/>
+          <ac:spMkLst>
+            <pc:docMk/>
+            <pc:sldMk cId="279014751" sldId="265"/>
+            <ac:spMk id="3" creationId="{1FE2CD8C-E4D5-44EE-07B0-8F69E852D5AA}"/>
+          </ac:spMkLst>
+        </pc:spChg>
+        <pc:picChg chg="del">
+          <ac:chgData name="Alec Schonfeld" userId="908fa86f43668255" providerId="LiveId" clId="{4AB0597C-0072-441D-9633-080F4DC31281}" dt="2024-12-03T00:01:06.976" v="2493" actId="478"/>
+          <ac:picMkLst>
+            <pc:docMk/>
+            <pc:sldMk cId="279014751" sldId="265"/>
+            <ac:picMk id="3074" creationId="{61CC8906-EC66-DADB-FADB-19D32DAF5A51}"/>
+          </ac:picMkLst>
+        </pc:picChg>
+        <pc:picChg chg="add mod">
+          <ac:chgData name="Alec Schonfeld" userId="908fa86f43668255" providerId="LiveId" clId="{4AB0597C-0072-441D-9633-080F4DC31281}" dt="2024-12-03T00:01:39.937" v="2525" actId="1076"/>
+          <ac:picMkLst>
+            <pc:docMk/>
+            <pc:sldMk cId="279014751" sldId="265"/>
+            <ac:picMk id="4098" creationId="{86306031-5C2E-2A4D-80FA-8A355BFCC1DA}"/>
+          </ac:picMkLst>
+        </pc:picChg>
+      </pc:sldChg>
+      <pc:sldChg chg="addSp delSp add del setBg delDesignElem">
+        <pc:chgData name="Alec Schonfeld" userId="908fa86f43668255" providerId="LiveId" clId="{4AB0597C-0072-441D-9633-080F4DC31281}" dt="2024-12-03T00:01:00.406" v="2491"/>
+        <pc:sldMkLst>
+          <pc:docMk/>
+          <pc:sldMk cId="2937342936" sldId="265"/>
+        </pc:sldMkLst>
+        <pc:spChg chg="add del">
+          <ac:chgData name="Alec Schonfeld" userId="908fa86f43668255" providerId="LiveId" clId="{4AB0597C-0072-441D-9633-080F4DC31281}" dt="2024-12-03T00:01:00.406" v="2491"/>
+          <ac:spMkLst>
+            <pc:docMk/>
+            <pc:sldMk cId="2937342936" sldId="265"/>
+            <ac:spMk id="3079" creationId="{17AE82F5-5E48-7CC3-6583-88251A7BEF04}"/>
+          </ac:spMkLst>
+        </pc:spChg>
+      </pc:sldChg>
+      <pc:sldChg chg="addSp delSp add del setBg delDesignElem">
+        <pc:chgData name="Alec Schonfeld" userId="908fa86f43668255" providerId="LiveId" clId="{4AB0597C-0072-441D-9633-080F4DC31281}" dt="2024-12-03T00:40:02.836" v="2630"/>
+        <pc:sldMkLst>
+          <pc:docMk/>
+          <pc:sldMk cId="609266959" sldId="266"/>
+        </pc:sldMkLst>
+        <pc:spChg chg="add del">
+          <ac:chgData name="Alec Schonfeld" userId="908fa86f43668255" providerId="LiveId" clId="{4AB0597C-0072-441D-9633-080F4DC31281}" dt="2024-12-03T00:40:02.836" v="2630"/>
+          <ac:spMkLst>
+            <pc:docMk/>
+            <pc:sldMk cId="609266959" sldId="266"/>
+            <ac:spMk id="3079" creationId="{2DFDADB9-5799-D1FC-9498-C268A75C8B83}"/>
+          </ac:spMkLst>
+        </pc:spChg>
+      </pc:sldChg>
+      <pc:sldChg chg="addSp delSp modSp add mod">
+        <pc:chgData name="Alec Schonfeld" userId="908fa86f43668255" providerId="LiveId" clId="{4AB0597C-0072-441D-9633-080F4DC31281}" dt="2024-12-04T03:11:50.328" v="3728" actId="20577"/>
+        <pc:sldMkLst>
+          <pc:docMk/>
+          <pc:sldMk cId="2256875583" sldId="266"/>
+        </pc:sldMkLst>
+        <pc:spChg chg="mod">
+          <ac:chgData name="Alec Schonfeld" userId="908fa86f43668255" providerId="LiveId" clId="{4AB0597C-0072-441D-9633-080F4DC31281}" dt="2024-12-03T00:48:23.890" v="2926" actId="14100"/>
+          <ac:spMkLst>
+            <pc:docMk/>
+            <pc:sldMk cId="2256875583" sldId="266"/>
+            <ac:spMk id="2" creationId="{75B2DFCA-7A62-06FE-20EA-72B1429897E7}"/>
+          </ac:spMkLst>
+        </pc:spChg>
+        <pc:spChg chg="del">
+          <ac:chgData name="Alec Schonfeld" userId="908fa86f43668255" providerId="LiveId" clId="{4AB0597C-0072-441D-9633-080F4DC31281}" dt="2024-12-03T00:40:12.078" v="2633" actId="478"/>
+          <ac:spMkLst>
+            <pc:docMk/>
+            <pc:sldMk cId="2256875583" sldId="266"/>
+            <ac:spMk id="3" creationId="{E14E31A9-CEE9-EBD0-9E49-D02F4E21450E}"/>
+          </ac:spMkLst>
+        </pc:spChg>
+        <pc:spChg chg="add del mod">
+          <ac:chgData name="Alec Schonfeld" userId="908fa86f43668255" providerId="LiveId" clId="{4AB0597C-0072-441D-9633-080F4DC31281}" dt="2024-12-03T00:40:19.884" v="2656" actId="478"/>
+          <ac:spMkLst>
+            <pc:docMk/>
+            <pc:sldMk cId="2256875583" sldId="266"/>
+            <ac:spMk id="5" creationId="{70B415E9-020D-B521-4021-9D667E114975}"/>
+          </ac:spMkLst>
+        </pc:spChg>
+        <pc:graphicFrameChg chg="add mod modGraphic">
+          <ac:chgData name="Alec Schonfeld" userId="908fa86f43668255" providerId="LiveId" clId="{4AB0597C-0072-441D-9633-080F4DC31281}" dt="2024-12-04T03:11:50.328" v="3728" actId="20577"/>
+          <ac:graphicFrameMkLst>
+            <pc:docMk/>
+            <pc:sldMk cId="2256875583" sldId="266"/>
+            <ac:graphicFrameMk id="6" creationId="{30780B21-79F8-79FA-2E49-FB4358EA513E}"/>
+          </ac:graphicFrameMkLst>
+        </pc:graphicFrameChg>
+        <pc:picChg chg="del">
+          <ac:chgData name="Alec Schonfeld" userId="908fa86f43668255" providerId="LiveId" clId="{4AB0597C-0072-441D-9633-080F4DC31281}" dt="2024-12-03T00:40:05.155" v="2632" actId="478"/>
+          <ac:picMkLst>
+            <pc:docMk/>
+            <pc:sldMk cId="2256875583" sldId="266"/>
+            <ac:picMk id="4098" creationId="{B72716C6-BCF5-44B5-9E9D-AD5A501C003F}"/>
+          </ac:picMkLst>
+        </pc:picChg>
+      </pc:sldChg>
+      <pc:sldChg chg="addSp delSp modSp add mod">
+        <pc:chgData name="Alec Schonfeld" userId="908fa86f43668255" providerId="LiveId" clId="{4AB0597C-0072-441D-9633-080F4DC31281}" dt="2024-12-04T01:09:52.528" v="3458" actId="20577"/>
+        <pc:sldMkLst>
+          <pc:docMk/>
+          <pc:sldMk cId="872879150" sldId="267"/>
+        </pc:sldMkLst>
+        <pc:spChg chg="mod">
+          <ac:chgData name="Alec Schonfeld" userId="908fa86f43668255" providerId="LiveId" clId="{4AB0597C-0072-441D-9633-080F4DC31281}" dt="2024-12-04T01:06:44.837" v="3232" actId="14100"/>
+          <ac:spMkLst>
+            <pc:docMk/>
+            <pc:sldMk cId="872879150" sldId="267"/>
+            <ac:spMk id="2" creationId="{C51E5E4F-DCE8-984D-CB5D-384E5F5E66FB}"/>
+          </ac:spMkLst>
+        </pc:spChg>
+        <pc:spChg chg="mod">
+          <ac:chgData name="Alec Schonfeld" userId="908fa86f43668255" providerId="LiveId" clId="{4AB0597C-0072-441D-9633-080F4DC31281}" dt="2024-12-04T01:09:52.528" v="3458" actId="20577"/>
+          <ac:spMkLst>
+            <pc:docMk/>
+            <pc:sldMk cId="872879150" sldId="267"/>
+            <ac:spMk id="3" creationId="{BB2BCAA4-6804-75EB-4137-1E9EC90FCF30}"/>
+          </ac:spMkLst>
+        </pc:spChg>
+        <pc:spChg chg="del">
+          <ac:chgData name="Alec Schonfeld" userId="908fa86f43668255" providerId="LiveId" clId="{4AB0597C-0072-441D-9633-080F4DC31281}" dt="2024-12-04T01:06:38.441" v="3229" actId="26606"/>
+          <ac:spMkLst>
+            <pc:docMk/>
+            <pc:sldMk cId="872879150" sldId="267"/>
+            <ac:spMk id="3079" creationId="{2487B93C-FF4B-CA1B-90B1-F0860DD1A2CD}"/>
+          </ac:spMkLst>
+        </pc:spChg>
+        <pc:spChg chg="add">
+          <ac:chgData name="Alec Schonfeld" userId="908fa86f43668255" providerId="LiveId" clId="{4AB0597C-0072-441D-9633-080F4DC31281}" dt="2024-12-04T01:06:38.441" v="3229" actId="26606"/>
+          <ac:spMkLst>
+            <pc:docMk/>
+            <pc:sldMk cId="872879150" sldId="267"/>
+            <ac:spMk id="6153" creationId="{84136905-015B-4510-B514-027CBA846BD6}"/>
+          </ac:spMkLst>
+        </pc:spChg>
+        <pc:picChg chg="del">
+          <ac:chgData name="Alec Schonfeld" userId="908fa86f43668255" providerId="LiveId" clId="{4AB0597C-0072-441D-9633-080F4DC31281}" dt="2024-12-04T01:04:45.246" v="3173" actId="478"/>
+          <ac:picMkLst>
+            <pc:docMk/>
+            <pc:sldMk cId="872879150" sldId="267"/>
+            <ac:picMk id="3074" creationId="{230B6064-459F-FD3D-1599-CB2DED358886}"/>
+          </ac:picMkLst>
+        </pc:picChg>
+        <pc:picChg chg="add del mod">
+          <ac:chgData name="Alec Schonfeld" userId="908fa86f43668255" providerId="LiveId" clId="{4AB0597C-0072-441D-9633-080F4DC31281}" dt="2024-12-04T01:06:24.447" v="3179" actId="478"/>
+          <ac:picMkLst>
+            <pc:docMk/>
+            <pc:sldMk cId="872879150" sldId="267"/>
+            <ac:picMk id="6146" creationId="{10B2EF3C-C428-A3AC-2332-38036C60D6CA}"/>
+          </ac:picMkLst>
+        </pc:picChg>
+        <pc:picChg chg="add mod">
+          <ac:chgData name="Alec Schonfeld" userId="908fa86f43668255" providerId="LiveId" clId="{4AB0597C-0072-441D-9633-080F4DC31281}" dt="2024-12-04T01:06:49.780" v="3234" actId="1076"/>
+          <ac:picMkLst>
+            <pc:docMk/>
+            <pc:sldMk cId="872879150" sldId="267"/>
+            <ac:picMk id="6148" creationId="{0AA4019C-1685-2E52-F13A-F1D11F0AA5D3}"/>
+          </ac:picMkLst>
+        </pc:picChg>
+      </pc:sldChg>
+      <pc:sldChg chg="addSp delSp add del setBg delDesignElem">
+        <pc:chgData name="Alec Schonfeld" userId="908fa86f43668255" providerId="LiveId" clId="{4AB0597C-0072-441D-9633-080F4DC31281}" dt="2024-12-04T01:04:38.610" v="3171"/>
+        <pc:sldMkLst>
+          <pc:docMk/>
+          <pc:sldMk cId="2129009124" sldId="267"/>
+        </pc:sldMkLst>
+        <pc:spChg chg="add del">
+          <ac:chgData name="Alec Schonfeld" userId="908fa86f43668255" providerId="LiveId" clId="{4AB0597C-0072-441D-9633-080F4DC31281}" dt="2024-12-04T01:04:38.610" v="3171"/>
+          <ac:spMkLst>
+            <pc:docMk/>
+            <pc:sldMk cId="2129009124" sldId="267"/>
+            <ac:spMk id="3079" creationId="{0D4BDB39-7085-9936-64DE-80CD547B2B31}"/>
           </ac:spMkLst>
         </pc:spChg>
       </pc:sldChg>
@@ -1487,7 +1865,7 @@
           <a:p>
             <a:fld id="{E86C5D06-FEB2-4644-964F-247051B88786}" type="datetimeFigureOut">
               <a:rPr lang="en-US" smtClean="0"/>
-              <a:t>11/28/2024</a:t>
+              <a:t>12/2/2024</a:t>
             </a:fld>
             <a:endParaRPr lang="en-US"/>
           </a:p>
@@ -1819,7 +2197,7 @@
           <a:p>
             <a:fld id="{9331C6EB-D02B-4AEE-B618-9F764DB1A96F}" type="slidenum">
               <a:rPr lang="en-US" smtClean="0"/>
-              <a:t>9</a:t>
+              <a:t>12</a:t>
             </a:fld>
             <a:endParaRPr lang="en-US"/>
           </a:p>
@@ -1993,7 +2371,7 @@
             <a:fld id="{3F9AFA87-1417-4992-ABD9-27C3BC8CC883}" type="datetimeFigureOut">
               <a:rPr lang="en-US" smtClean="0"/>
               <a:pPr algn="r"/>
-              <a:t>11/26/2024</a:t>
+              <a:t>12/2/2024</a:t>
             </a:fld>
             <a:endParaRPr lang="en-US" dirty="0"/>
           </a:p>
@@ -2194,7 +2572,7 @@
           <a:p>
             <a:fld id="{3F9AFA87-1417-4992-ABD9-27C3BC8CC883}" type="datetimeFigureOut">
               <a:rPr lang="en-US" smtClean="0"/>
-              <a:t>11/26/2024</a:t>
+              <a:t>12/2/2024</a:t>
             </a:fld>
             <a:endParaRPr lang="en-US"/>
           </a:p>
@@ -2404,7 +2782,7 @@
           <a:p>
             <a:fld id="{3F9AFA87-1417-4992-ABD9-27C3BC8CC883}" type="datetimeFigureOut">
               <a:rPr lang="en-US" smtClean="0"/>
-              <a:t>11/26/2024</a:t>
+              <a:t>12/2/2024</a:t>
             </a:fld>
             <a:endParaRPr lang="en-US"/>
           </a:p>
@@ -2612,7 +2990,7 @@
           <a:p>
             <a:fld id="{3F9AFA87-1417-4992-ABD9-27C3BC8CC883}" type="datetimeFigureOut">
               <a:rPr lang="en-US" smtClean="0"/>
-              <a:t>11/26/2024</a:t>
+              <a:t>12/2/2024</a:t>
             </a:fld>
             <a:endParaRPr lang="en-US"/>
           </a:p>
@@ -2886,7 +3264,7 @@
           <a:p>
             <a:fld id="{3F9AFA87-1417-4992-ABD9-27C3BC8CC883}" type="datetimeFigureOut">
               <a:rPr lang="en-US" smtClean="0"/>
-              <a:t>11/26/2024</a:t>
+              <a:t>12/2/2024</a:t>
             </a:fld>
             <a:endParaRPr lang="en-US"/>
           </a:p>
@@ -3151,7 +3529,7 @@
           <a:p>
             <a:fld id="{3F9AFA87-1417-4992-ABD9-27C3BC8CC883}" type="datetimeFigureOut">
               <a:rPr lang="en-US" smtClean="0"/>
-              <a:t>11/26/2024</a:t>
+              <a:t>12/2/2024</a:t>
             </a:fld>
             <a:endParaRPr lang="en-US" dirty="0"/>
           </a:p>
@@ -3538,7 +3916,7 @@
           <a:p>
             <a:fld id="{3F9AFA87-1417-4992-ABD9-27C3BC8CC883}" type="datetimeFigureOut">
               <a:rPr lang="en-US" smtClean="0"/>
-              <a:t>11/26/2024</a:t>
+              <a:t>12/2/2024</a:t>
             </a:fld>
             <a:endParaRPr lang="en-US"/>
           </a:p>
@@ -3708,7 +4086,7 @@
           <a:p>
             <a:fld id="{3F9AFA87-1417-4992-ABD9-27C3BC8CC883}" type="datetimeFigureOut">
               <a:rPr lang="en-US" smtClean="0"/>
-              <a:t>11/26/2024</a:t>
+              <a:t>12/2/2024</a:t>
             </a:fld>
             <a:endParaRPr lang="en-US"/>
           </a:p>
@@ -3821,7 +4199,7 @@
           <a:p>
             <a:fld id="{3F9AFA87-1417-4992-ABD9-27C3BC8CC883}" type="datetimeFigureOut">
               <a:rPr lang="en-US" smtClean="0"/>
-              <a:t>11/26/2024</a:t>
+              <a:t>12/2/2024</a:t>
             </a:fld>
             <a:endParaRPr lang="en-US"/>
           </a:p>
@@ -4141,7 +4519,7 @@
           <a:p>
             <a:fld id="{3F9AFA87-1417-4992-ABD9-27C3BC8CC883}" type="datetimeFigureOut">
               <a:rPr lang="en-US" smtClean="0"/>
-              <a:t>11/26/2024</a:t>
+              <a:t>12/2/2024</a:t>
             </a:fld>
             <a:endParaRPr lang="en-US"/>
           </a:p>
@@ -4446,7 +4824,7 @@
           <a:p>
             <a:fld id="{3F9AFA87-1417-4992-ABD9-27C3BC8CC883}" type="datetimeFigureOut">
               <a:rPr lang="en-US" smtClean="0"/>
-              <a:t>11/26/2024</a:t>
+              <a:t>12/2/2024</a:t>
             </a:fld>
             <a:endParaRPr lang="en-US"/>
           </a:p>
@@ -4689,7 +5067,7 @@
             <a:fld id="{3F9AFA87-1417-4992-ABD9-27C3BC8CC883}" type="datetimeFigureOut">
               <a:rPr lang="en-US" smtClean="0"/>
               <a:pPr algn="r"/>
-              <a:t>11/26/2024</a:t>
+              <a:t>12/2/2024</a:t>
             </a:fld>
             <a:endParaRPr lang="en-US" dirty="0"/>
           </a:p>
@@ -5743,6 +6121,1904 @@
 </p:sld>
 </file>
 
+<file path=ppt/slides/slide10.xml><?xml version="1.0" encoding="utf-8"?>
+<p:sld xmlns:a="http://schemas.openxmlformats.org/drawingml/2006/main" xmlns:r="http://schemas.openxmlformats.org/officeDocument/2006/relationships" xmlns:p="http://schemas.openxmlformats.org/presentationml/2006/main">
+  <p:cSld>
+    <p:bg>
+      <p:bgPr>
+        <a:solidFill>
+          <a:schemeClr val="bg1"/>
+        </a:solidFill>
+        <a:effectLst/>
+      </p:bgPr>
+    </p:bg>
+    <p:spTree>
+      <p:nvGrpSpPr>
+        <p:cNvPr id="1" name="">
+          <a:extLst>
+            <a:ext uri="{FF2B5EF4-FFF2-40B4-BE49-F238E27FC236}">
+              <a16:creationId xmlns:a16="http://schemas.microsoft.com/office/drawing/2014/main" id="{3F6DC380-DB92-87D8-C957-7EE613BCFDF0}"/>
+            </a:ext>
+          </a:extLst>
+        </p:cNvPr>
+        <p:cNvGrpSpPr/>
+        <p:nvPr/>
+      </p:nvGrpSpPr>
+      <p:grpSpPr>
+        <a:xfrm>
+          <a:off x="0" y="0"/>
+          <a:ext cx="0" cy="0"/>
+          <a:chOff x="0" y="0"/>
+          <a:chExt cx="0" cy="0"/>
+        </a:xfrm>
+      </p:grpSpPr>
+      <p:sp useBgFill="1">
+        <p:nvSpPr>
+          <p:cNvPr id="3079" name="Rectangle 3078">
+            <a:extLst>
+              <a:ext uri="{FF2B5EF4-FFF2-40B4-BE49-F238E27FC236}">
+                <a16:creationId xmlns:a16="http://schemas.microsoft.com/office/drawing/2014/main" id="{AD81998C-CBAB-D0CF-EE4D-772A38DCAA50}"/>
+              </a:ext>
+              <a:ext uri="{C183D7F6-B498-43B3-948B-1728B52AA6E4}">
+                <adec:decorative xmlns:adec="http://schemas.microsoft.com/office/drawing/2017/decorative" val="1"/>
+              </a:ext>
+            </a:extLst>
+          </p:cNvPr>
+          <p:cNvSpPr>
+            <a:spLocks noGrp="1" noRot="1" noChangeAspect="1" noMove="1" noResize="1" noEditPoints="1" noAdjustHandles="1" noChangeArrowheads="1" noChangeShapeType="1" noTextEdit="1"/>
+          </p:cNvSpPr>
+          <p:nvPr>
+            <p:extLst>
+              <p:ext uri="{386F3935-93C4-4BCD-93E2-E3B085C9AB24}">
+                <p16:designElem xmlns:p16="http://schemas.microsoft.com/office/powerpoint/2015/main" val="1"/>
+              </p:ext>
+            </p:extLst>
+          </p:nvPr>
+        </p:nvSpPr>
+        <p:spPr>
+          <a:xfrm>
+            <a:off x="0" y="0"/>
+            <a:ext cx="12192000" cy="6858000"/>
+          </a:xfrm>
+          <a:prstGeom prst="rect">
+            <a:avLst/>
+          </a:prstGeom>
+          <a:ln>
+            <a:noFill/>
+          </a:ln>
+        </p:spPr>
+        <p:style>
+          <a:lnRef idx="2">
+            <a:schemeClr val="accent1">
+              <a:shade val="50000"/>
+            </a:schemeClr>
+          </a:lnRef>
+          <a:fillRef idx="1">
+            <a:schemeClr val="accent1"/>
+          </a:fillRef>
+          <a:effectRef idx="0">
+            <a:schemeClr val="accent1"/>
+          </a:effectRef>
+          <a:fontRef idx="minor">
+            <a:schemeClr val="lt1"/>
+          </a:fontRef>
+        </p:style>
+        <p:txBody>
+          <a:bodyPr rtlCol="0" anchor="ctr"/>
+          <a:lstStyle/>
+          <a:p>
+            <a:pPr marL="0" marR="0" lvl="0" indent="0" algn="ctr" defTabSz="914400" rtl="0" eaLnBrk="1" fontAlgn="auto" latinLnBrk="0" hangingPunct="1">
+              <a:lnSpc>
+                <a:spcPct val="100000"/>
+              </a:lnSpc>
+              <a:spcBef>
+                <a:spcPts val="0"/>
+              </a:spcBef>
+              <a:spcAft>
+                <a:spcPts val="0"/>
+              </a:spcAft>
+              <a:buClrTx/>
+              <a:buSzTx/>
+              <a:buFontTx/>
+              <a:buNone/>
+              <a:tabLst/>
+              <a:defRPr/>
+            </a:pPr>
+            <a:endParaRPr kumimoji="0" lang="en-US" sz="1800" b="0" i="0" u="none" strike="noStrike" kern="1200" cap="none" spc="0" normalizeH="0" baseline="0" noProof="0">
+              <a:ln>
+                <a:noFill/>
+              </a:ln>
+              <a:solidFill>
+                <a:srgbClr val="FFFFFF"/>
+              </a:solidFill>
+              <a:effectLst/>
+              <a:uLnTx/>
+              <a:uFillTx/>
+              <a:latin typeface="Avenir Next LT Pro"/>
+              <a:ea typeface="+mn-ea"/>
+              <a:cs typeface="+mn-cs"/>
+            </a:endParaRPr>
+          </a:p>
+        </p:txBody>
+      </p:sp>
+      <p:sp>
+        <p:nvSpPr>
+          <p:cNvPr id="2" name="Title 1">
+            <a:extLst>
+              <a:ext uri="{FF2B5EF4-FFF2-40B4-BE49-F238E27FC236}">
+                <a16:creationId xmlns:a16="http://schemas.microsoft.com/office/drawing/2014/main" id="{75B2DFCA-7A62-06FE-20EA-72B1429897E7}"/>
+              </a:ext>
+            </a:extLst>
+          </p:cNvPr>
+          <p:cNvSpPr>
+            <a:spLocks noGrp="1"/>
+          </p:cNvSpPr>
+          <p:nvPr>
+            <p:ph type="title"/>
+          </p:nvPr>
+        </p:nvSpPr>
+        <p:spPr>
+          <a:xfrm>
+            <a:off x="762000" y="755650"/>
+            <a:ext cx="7225375" cy="1345115"/>
+          </a:xfrm>
+        </p:spPr>
+        <p:txBody>
+          <a:bodyPr>
+            <a:normAutofit/>
+          </a:bodyPr>
+          <a:lstStyle/>
+          <a:p>
+            <a:r>
+              <a:rPr lang="en-US" dirty="0"/>
+              <a:t>Model Evaluation</a:t>
+            </a:r>
+          </a:p>
+        </p:txBody>
+      </p:sp>
+      <p:graphicFrame>
+        <p:nvGraphicFramePr>
+          <p:cNvPr id="6" name="Table 5">
+            <a:extLst>
+              <a:ext uri="{FF2B5EF4-FFF2-40B4-BE49-F238E27FC236}">
+                <a16:creationId xmlns:a16="http://schemas.microsoft.com/office/drawing/2014/main" id="{30780B21-79F8-79FA-2E49-FB4358EA513E}"/>
+              </a:ext>
+            </a:extLst>
+          </p:cNvPr>
+          <p:cNvGraphicFramePr>
+            <a:graphicFrameLocks noGrp="1"/>
+          </p:cNvGraphicFramePr>
+          <p:nvPr>
+            <p:extLst>
+              <p:ext uri="{D42A27DB-BD31-4B8C-83A1-F6EECF244321}">
+                <p14:modId xmlns:p14="http://schemas.microsoft.com/office/powerpoint/2010/main" val="2587138958"/>
+              </p:ext>
+            </p:extLst>
+          </p:nvPr>
+        </p:nvGraphicFramePr>
+        <p:xfrm>
+          <a:off x="762000" y="1629502"/>
+          <a:ext cx="10792141" cy="2992120"/>
+        </p:xfrm>
+        <a:graphic>
+          <a:graphicData uri="http://schemas.openxmlformats.org/drawingml/2006/table">
+            <a:tbl>
+              <a:tblPr firstRow="1" bandRow="1">
+                <a:tableStyleId>{073A0DAA-6AF3-43AB-8588-CEC1D06C72B9}</a:tableStyleId>
+              </a:tblPr>
+              <a:tblGrid>
+                <a:gridCol w="1605751">
+                  <a:extLst>
+                    <a:ext uri="{9D8B030D-6E8A-4147-A177-3AD203B41FA5}">
+                      <a16:colId xmlns:a16="http://schemas.microsoft.com/office/drawing/2014/main" val="17199705"/>
+                    </a:ext>
+                  </a:extLst>
+                </a:gridCol>
+                <a:gridCol w="4045160">
+                  <a:extLst>
+                    <a:ext uri="{9D8B030D-6E8A-4147-A177-3AD203B41FA5}">
+                      <a16:colId xmlns:a16="http://schemas.microsoft.com/office/drawing/2014/main" val="25984607"/>
+                    </a:ext>
+                  </a:extLst>
+                </a:gridCol>
+                <a:gridCol w="2924871">
+                  <a:extLst>
+                    <a:ext uri="{9D8B030D-6E8A-4147-A177-3AD203B41FA5}">
+                      <a16:colId xmlns:a16="http://schemas.microsoft.com/office/drawing/2014/main" val="451929716"/>
+                    </a:ext>
+                  </a:extLst>
+                </a:gridCol>
+                <a:gridCol w="2216359">
+                  <a:extLst>
+                    <a:ext uri="{9D8B030D-6E8A-4147-A177-3AD203B41FA5}">
+                      <a16:colId xmlns:a16="http://schemas.microsoft.com/office/drawing/2014/main" val="3302166231"/>
+                    </a:ext>
+                  </a:extLst>
+                </a:gridCol>
+              </a:tblGrid>
+              <a:tr h="370840">
+                <a:tc>
+                  <a:txBody>
+                    <a:bodyPr/>
+                    <a:lstStyle/>
+                    <a:p>
+                      <a:r>
+                        <a:rPr lang="en-US" dirty="0"/>
+                        <a:t>Model</a:t>
+                      </a:r>
+                    </a:p>
+                  </a:txBody>
+                  <a:tcPr/>
+                </a:tc>
+                <a:tc>
+                  <a:txBody>
+                    <a:bodyPr/>
+                    <a:lstStyle/>
+                    <a:p>
+                      <a:r>
+                        <a:rPr lang="en-US" dirty="0"/>
+                        <a:t>Features</a:t>
+                      </a:r>
+                    </a:p>
+                  </a:txBody>
+                  <a:tcPr/>
+                </a:tc>
+                <a:tc>
+                  <a:txBody>
+                    <a:bodyPr/>
+                    <a:lstStyle/>
+                    <a:p>
+                      <a:r>
+                        <a:rPr lang="en-US" dirty="0"/>
+                        <a:t>Key Metrics</a:t>
+                      </a:r>
+                    </a:p>
+                  </a:txBody>
+                  <a:tcPr/>
+                </a:tc>
+                <a:tc>
+                  <a:txBody>
+                    <a:bodyPr/>
+                    <a:lstStyle/>
+                    <a:p>
+                      <a:r>
+                        <a:rPr lang="en-US" dirty="0"/>
+                        <a:t>Next Steps</a:t>
+                      </a:r>
+                    </a:p>
+                  </a:txBody>
+                  <a:tcPr/>
+                </a:tc>
+                <a:extLst>
+                  <a:ext uri="{0D108BD9-81ED-4DB2-BD59-A6C34878D82A}">
+                    <a16:rowId xmlns:a16="http://schemas.microsoft.com/office/drawing/2014/main" val="62201549"/>
+                  </a:ext>
+                </a:extLst>
+              </a:tr>
+              <a:tr h="370840">
+                <a:tc>
+                  <a:txBody>
+                    <a:bodyPr/>
+                    <a:lstStyle/>
+                    <a:p>
+                      <a:r>
+                        <a:rPr lang="en-US" sz="1400" dirty="0"/>
+                        <a:t>Baseline Model</a:t>
+                      </a:r>
+                    </a:p>
+                  </a:txBody>
+                  <a:tcPr/>
+                </a:tc>
+                <a:tc>
+                  <a:txBody>
+                    <a:bodyPr/>
+                    <a:lstStyle/>
+                    <a:p>
+                      <a:pPr marL="285750" indent="-285750">
+                        <a:buFont typeface="Arial" panose="020B0604020202020204" pitchFamily="34" charset="0"/>
+                        <a:buChar char="•"/>
+                      </a:pPr>
+                      <a:r>
+                        <a:rPr lang="en-US" sz="1400" dirty="0"/>
+                        <a:t>11 Features</a:t>
+                      </a:r>
+                    </a:p>
+                    <a:p>
+                      <a:pPr marL="285750" indent="-285750">
+                        <a:buFont typeface="Arial" panose="020B0604020202020204" pitchFamily="34" charset="0"/>
+                        <a:buChar char="•"/>
+                      </a:pPr>
+                      <a:r>
+                        <a:rPr lang="en-US" sz="1400" dirty="0"/>
+                        <a:t>State, account length, area code, international plan, voice mail plan, # </a:t>
+                      </a:r>
+                      <a:r>
+                        <a:rPr lang="en-US" sz="1400" dirty="0" err="1"/>
+                        <a:t>vmail</a:t>
+                      </a:r>
+                      <a:r>
+                        <a:rPr lang="en-US" sz="1400" dirty="0"/>
+                        <a:t> messages, total day / eve / night / </a:t>
+                      </a:r>
+                      <a:r>
+                        <a:rPr lang="en-US" sz="1400" dirty="0" err="1"/>
+                        <a:t>intl</a:t>
+                      </a:r>
+                      <a:r>
+                        <a:rPr lang="en-US" sz="1400" dirty="0"/>
+                        <a:t> calls, customer service calls</a:t>
+                      </a:r>
+                    </a:p>
+                  </a:txBody>
+                  <a:tcPr/>
+                </a:tc>
+                <a:tc>
+                  <a:txBody>
+                    <a:bodyPr/>
+                    <a:lstStyle/>
+                    <a:p>
+                      <a:pPr marL="285750" indent="-285750">
+                        <a:buFont typeface="Arial" panose="020B0604020202020204" pitchFamily="34" charset="0"/>
+                        <a:buChar char="•"/>
+                      </a:pPr>
+                      <a:r>
+                        <a:rPr lang="en-US" sz="1400" dirty="0"/>
+                        <a:t>R-squared: 6.25%</a:t>
+                      </a:r>
+                    </a:p>
+                    <a:p>
+                      <a:pPr marL="285750" indent="-285750">
+                        <a:buFont typeface="Arial" panose="020B0604020202020204" pitchFamily="34" charset="0"/>
+                        <a:buChar char="•"/>
+                      </a:pPr>
+                      <a:endParaRPr lang="en-US" sz="1400" dirty="0"/>
+                    </a:p>
+                  </a:txBody>
+                  <a:tcPr/>
+                </a:tc>
+                <a:tc>
+                  <a:txBody>
+                    <a:bodyPr/>
+                    <a:lstStyle/>
+                    <a:p>
+                      <a:endParaRPr lang="en-US" sz="1400" dirty="0"/>
+                    </a:p>
+                  </a:txBody>
+                  <a:tcPr/>
+                </a:tc>
+                <a:extLst>
+                  <a:ext uri="{0D108BD9-81ED-4DB2-BD59-A6C34878D82A}">
+                    <a16:rowId xmlns:a16="http://schemas.microsoft.com/office/drawing/2014/main" val="268599275"/>
+                  </a:ext>
+                </a:extLst>
+              </a:tr>
+              <a:tr h="370840">
+                <a:tc>
+                  <a:txBody>
+                    <a:bodyPr/>
+                    <a:lstStyle/>
+                    <a:p>
+                      <a:r>
+                        <a:rPr lang="en-US" sz="1400" dirty="0"/>
+                        <a:t>Optimized Model</a:t>
+                      </a:r>
+                    </a:p>
+                  </a:txBody>
+                  <a:tcPr/>
+                </a:tc>
+                <a:tc>
+                  <a:txBody>
+                    <a:bodyPr/>
+                    <a:lstStyle/>
+                    <a:p>
+                      <a:pPr marL="285750" indent="-285750">
+                        <a:buFont typeface="Arial" panose="020B0604020202020204" pitchFamily="34" charset="0"/>
+                        <a:buChar char="•"/>
+                      </a:pPr>
+                      <a:r>
+                        <a:rPr lang="en-US" sz="1400" dirty="0"/>
+                        <a:t>4 features</a:t>
+                      </a:r>
+                    </a:p>
+                    <a:p>
+                      <a:pPr marL="285750" indent="-285750">
+                        <a:buFont typeface="Arial" panose="020B0604020202020204" pitchFamily="34" charset="0"/>
+                        <a:buChar char="•"/>
+                      </a:pPr>
+                      <a:r>
+                        <a:rPr lang="en-US" sz="1400" dirty="0"/>
+                        <a:t>Customer service calls, international plan, voice mail plan, total </a:t>
+                      </a:r>
+                      <a:r>
+                        <a:rPr lang="en-US" sz="1400" dirty="0" err="1"/>
+                        <a:t>intl</a:t>
+                      </a:r>
+                      <a:r>
+                        <a:rPr lang="en-US" sz="1400" dirty="0"/>
+                        <a:t> calls</a:t>
+                      </a:r>
+                    </a:p>
+                  </a:txBody>
+                  <a:tcPr/>
+                </a:tc>
+                <a:tc>
+                  <a:txBody>
+                    <a:bodyPr/>
+                    <a:lstStyle/>
+                    <a:p>
+                      <a:pPr marL="285750" indent="-285750">
+                        <a:buFont typeface="Arial" panose="020B0604020202020204" pitchFamily="34" charset="0"/>
+                        <a:buChar char="•"/>
+                      </a:pPr>
+                      <a:r>
+                        <a:rPr lang="en-US" sz="1400"/>
+                        <a:t>R-squared: 13.5%</a:t>
+                      </a:r>
+                      <a:endParaRPr lang="en-US" sz="1400" dirty="0"/>
+                    </a:p>
+                  </a:txBody>
+                  <a:tcPr/>
+                </a:tc>
+                <a:tc>
+                  <a:txBody>
+                    <a:bodyPr/>
+                    <a:lstStyle/>
+                    <a:p>
+                      <a:endParaRPr lang="en-US" sz="1400" dirty="0"/>
+                    </a:p>
+                  </a:txBody>
+                  <a:tcPr/>
+                </a:tc>
+                <a:extLst>
+                  <a:ext uri="{0D108BD9-81ED-4DB2-BD59-A6C34878D82A}">
+                    <a16:rowId xmlns:a16="http://schemas.microsoft.com/office/drawing/2014/main" val="2736182308"/>
+                  </a:ext>
+                </a:extLst>
+              </a:tr>
+              <a:tr h="370840">
+                <a:tc>
+                  <a:txBody>
+                    <a:bodyPr/>
+                    <a:lstStyle/>
+                    <a:p>
+                      <a:r>
+                        <a:rPr lang="en-US" sz="1400" dirty="0"/>
+                        <a:t>Feature-less Model</a:t>
+                      </a:r>
+                    </a:p>
+                  </a:txBody>
+                  <a:tcPr/>
+                </a:tc>
+                <a:tc>
+                  <a:txBody>
+                    <a:bodyPr/>
+                    <a:lstStyle/>
+                    <a:p>
+                      <a:pPr marL="285750" indent="-285750">
+                        <a:buFont typeface="Arial" panose="020B0604020202020204" pitchFamily="34" charset="0"/>
+                        <a:buChar char="•"/>
+                      </a:pPr>
+                      <a:r>
+                        <a:rPr lang="en-US" sz="1400" dirty="0"/>
+                        <a:t>6 Features</a:t>
+                      </a:r>
+                    </a:p>
+                    <a:p>
+                      <a:pPr marL="285750" indent="-285750">
+                        <a:buFont typeface="Arial" panose="020B0604020202020204" pitchFamily="34" charset="0"/>
+                        <a:buChar char="•"/>
+                      </a:pPr>
+                      <a:r>
+                        <a:rPr lang="en-US" sz="1400" dirty="0"/>
+                        <a:t>Customer service calls, international plan, voice mail plan, total </a:t>
+                      </a:r>
+                      <a:r>
+                        <a:rPr lang="en-US" sz="1400" dirty="0" err="1"/>
+                        <a:t>intl</a:t>
+                      </a:r>
+                      <a:r>
+                        <a:rPr lang="en-US" sz="1400" dirty="0"/>
+                        <a:t> calls</a:t>
+                      </a:r>
+                    </a:p>
+                  </a:txBody>
+                  <a:tcPr/>
+                </a:tc>
+                <a:tc>
+                  <a:txBody>
+                    <a:bodyPr/>
+                    <a:lstStyle/>
+                    <a:p>
+                      <a:endParaRPr lang="en-US" sz="1400" dirty="0"/>
+                    </a:p>
+                  </a:txBody>
+                  <a:tcPr/>
+                </a:tc>
+                <a:tc>
+                  <a:txBody>
+                    <a:bodyPr/>
+                    <a:lstStyle/>
+                    <a:p>
+                      <a:endParaRPr lang="en-US" sz="1400" dirty="0"/>
+                    </a:p>
+                  </a:txBody>
+                  <a:tcPr/>
+                </a:tc>
+                <a:extLst>
+                  <a:ext uri="{0D108BD9-81ED-4DB2-BD59-A6C34878D82A}">
+                    <a16:rowId xmlns:a16="http://schemas.microsoft.com/office/drawing/2014/main" val="1489104653"/>
+                  </a:ext>
+                </a:extLst>
+              </a:tr>
+            </a:tbl>
+          </a:graphicData>
+        </a:graphic>
+      </p:graphicFrame>
+    </p:spTree>
+    <p:extLst>
+      <p:ext uri="{BB962C8B-B14F-4D97-AF65-F5344CB8AC3E}">
+        <p14:creationId xmlns:p14="http://schemas.microsoft.com/office/powerpoint/2010/main" val="2256875583"/>
+      </p:ext>
+    </p:extLst>
+  </p:cSld>
+  <p:clrMapOvr>
+    <a:masterClrMapping/>
+  </p:clrMapOvr>
+</p:sld>
+</file>
+
+<file path=ppt/slides/slide11.xml><?xml version="1.0" encoding="utf-8"?>
+<p:sld xmlns:a="http://schemas.openxmlformats.org/drawingml/2006/main" xmlns:r="http://schemas.openxmlformats.org/officeDocument/2006/relationships" xmlns:p="http://schemas.openxmlformats.org/presentationml/2006/main">
+  <p:cSld>
+    <p:bg>
+      <p:bgPr>
+        <a:solidFill>
+          <a:schemeClr val="bg1"/>
+        </a:solidFill>
+        <a:effectLst/>
+      </p:bgPr>
+    </p:bg>
+    <p:spTree>
+      <p:nvGrpSpPr>
+        <p:cNvPr id="1" name="">
+          <a:extLst>
+            <a:ext uri="{FF2B5EF4-FFF2-40B4-BE49-F238E27FC236}">
+              <a16:creationId xmlns:a16="http://schemas.microsoft.com/office/drawing/2014/main" id="{E87E892A-53A6-6BA0-C09A-F5B9746BEB09}"/>
+            </a:ext>
+          </a:extLst>
+        </p:cNvPr>
+        <p:cNvGrpSpPr/>
+        <p:nvPr/>
+      </p:nvGrpSpPr>
+      <p:grpSpPr>
+        <a:xfrm>
+          <a:off x="0" y="0"/>
+          <a:ext cx="0" cy="0"/>
+          <a:chOff x="0" y="0"/>
+          <a:chExt cx="0" cy="0"/>
+        </a:xfrm>
+      </p:grpSpPr>
+      <p:sp useBgFill="1">
+        <p:nvSpPr>
+          <p:cNvPr id="8" name="Rectangle 7">
+            <a:extLst>
+              <a:ext uri="{FF2B5EF4-FFF2-40B4-BE49-F238E27FC236}">
+                <a16:creationId xmlns:a16="http://schemas.microsoft.com/office/drawing/2014/main" id="{EB618EBB-41F5-683D-993B-007B4D75F341}"/>
+              </a:ext>
+              <a:ext uri="{C183D7F6-B498-43B3-948B-1728B52AA6E4}">
+                <adec:decorative xmlns:adec="http://schemas.microsoft.com/office/drawing/2017/decorative" val="1"/>
+              </a:ext>
+            </a:extLst>
+          </p:cNvPr>
+          <p:cNvSpPr>
+            <a:spLocks noGrp="1" noRot="1" noChangeAspect="1" noMove="1" noResize="1" noEditPoints="1" noAdjustHandles="1" noChangeArrowheads="1" noChangeShapeType="1" noTextEdit="1"/>
+          </p:cNvSpPr>
+          <p:nvPr>
+            <p:extLst>
+              <p:ext uri="{386F3935-93C4-4BCD-93E2-E3B085C9AB24}">
+                <p16:designElem xmlns:p16="http://schemas.microsoft.com/office/powerpoint/2015/main" val="1"/>
+              </p:ext>
+            </p:extLst>
+          </p:nvPr>
+        </p:nvSpPr>
+        <p:spPr>
+          <a:xfrm>
+            <a:off x="0" y="0"/>
+            <a:ext cx="12192000" cy="6858000"/>
+          </a:xfrm>
+          <a:prstGeom prst="rect">
+            <a:avLst/>
+          </a:prstGeom>
+          <a:ln>
+            <a:noFill/>
+          </a:ln>
+        </p:spPr>
+        <p:style>
+          <a:lnRef idx="2">
+            <a:schemeClr val="accent1">
+              <a:shade val="50000"/>
+            </a:schemeClr>
+          </a:lnRef>
+          <a:fillRef idx="1">
+            <a:schemeClr val="accent1"/>
+          </a:fillRef>
+          <a:effectRef idx="0">
+            <a:schemeClr val="accent1"/>
+          </a:effectRef>
+          <a:fontRef idx="minor">
+            <a:schemeClr val="lt1"/>
+          </a:fontRef>
+        </p:style>
+        <p:txBody>
+          <a:bodyPr rtlCol="0" anchor="ctr"/>
+          <a:lstStyle/>
+          <a:p>
+            <a:pPr marL="0" marR="0" lvl="0" indent="0" algn="ctr" defTabSz="914400" rtl="0" eaLnBrk="1" fontAlgn="auto" latinLnBrk="0" hangingPunct="1">
+              <a:lnSpc>
+                <a:spcPct val="100000"/>
+              </a:lnSpc>
+              <a:spcBef>
+                <a:spcPts val="0"/>
+              </a:spcBef>
+              <a:spcAft>
+                <a:spcPts val="0"/>
+              </a:spcAft>
+              <a:buClrTx/>
+              <a:buSzTx/>
+              <a:buFontTx/>
+              <a:buNone/>
+              <a:tabLst/>
+              <a:defRPr/>
+            </a:pPr>
+            <a:endParaRPr kumimoji="0" lang="en-US" sz="1800" b="0" i="0" u="none" strike="noStrike" kern="1200" cap="none" spc="0" normalizeH="0" baseline="0" noProof="0">
+              <a:ln>
+                <a:noFill/>
+              </a:ln>
+              <a:solidFill>
+                <a:srgbClr val="FFFFFF"/>
+              </a:solidFill>
+              <a:effectLst/>
+              <a:uLnTx/>
+              <a:uFillTx/>
+              <a:latin typeface="Avenir Next LT Pro"/>
+              <a:ea typeface="+mn-ea"/>
+              <a:cs typeface="+mn-cs"/>
+            </a:endParaRPr>
+          </a:p>
+        </p:txBody>
+      </p:sp>
+      <p:sp>
+        <p:nvSpPr>
+          <p:cNvPr id="10" name="Rectangle 9">
+            <a:extLst>
+              <a:ext uri="{FF2B5EF4-FFF2-40B4-BE49-F238E27FC236}">
+                <a16:creationId xmlns:a16="http://schemas.microsoft.com/office/drawing/2014/main" id="{D416AC3C-5DCE-AEE6-2DD0-B717E327E1A9}"/>
+              </a:ext>
+              <a:ext uri="{C183D7F6-B498-43B3-948B-1728B52AA6E4}">
+                <adec:decorative xmlns:adec="http://schemas.microsoft.com/office/drawing/2017/decorative" val="1"/>
+              </a:ext>
+            </a:extLst>
+          </p:cNvPr>
+          <p:cNvSpPr>
+            <a:spLocks noGrp="1" noRot="1" noChangeAspect="1" noMove="1" noResize="1" noEditPoints="1" noAdjustHandles="1" noChangeArrowheads="1" noChangeShapeType="1" noTextEdit="1"/>
+          </p:cNvSpPr>
+          <p:nvPr>
+            <p:extLst>
+              <p:ext uri="{386F3935-93C4-4BCD-93E2-E3B085C9AB24}">
+                <p16:designElem xmlns:p16="http://schemas.microsoft.com/office/powerpoint/2015/main" val="1"/>
+              </p:ext>
+            </p:extLst>
+          </p:nvPr>
+        </p:nvSpPr>
+        <p:spPr>
+          <a:xfrm>
+            <a:off x="0" y="0"/>
+            <a:ext cx="12192000" cy="6858000"/>
+          </a:xfrm>
+          <a:prstGeom prst="rect">
+            <a:avLst/>
+          </a:prstGeom>
+          <a:gradFill flip="none" rotWithShape="1">
+            <a:gsLst>
+              <a:gs pos="10000">
+                <a:schemeClr val="accent5"/>
+              </a:gs>
+              <a:gs pos="90000">
+                <a:schemeClr val="accent1"/>
+              </a:gs>
+              <a:gs pos="70000">
+                <a:schemeClr val="accent2"/>
+              </a:gs>
+              <a:gs pos="30000">
+                <a:schemeClr val="accent4"/>
+              </a:gs>
+              <a:gs pos="50000">
+                <a:schemeClr val="accent3">
+                  <a:lumMod val="60000"/>
+                  <a:lumOff val="40000"/>
+                </a:schemeClr>
+              </a:gs>
+            </a:gsLst>
+            <a:lin ang="7200000" scaled="0"/>
+            <a:tileRect/>
+          </a:gradFill>
+          <a:ln>
+            <a:noFill/>
+          </a:ln>
+        </p:spPr>
+        <p:style>
+          <a:lnRef idx="2">
+            <a:schemeClr val="accent1">
+              <a:shade val="50000"/>
+            </a:schemeClr>
+          </a:lnRef>
+          <a:fillRef idx="1">
+            <a:schemeClr val="accent1"/>
+          </a:fillRef>
+          <a:effectRef idx="0">
+            <a:schemeClr val="accent1"/>
+          </a:effectRef>
+          <a:fontRef idx="minor">
+            <a:schemeClr val="lt1"/>
+          </a:fontRef>
+        </p:style>
+        <p:txBody>
+          <a:bodyPr rtlCol="0" anchor="ctr"/>
+          <a:lstStyle/>
+          <a:p>
+            <a:pPr marL="0" marR="0" lvl="0" indent="0" algn="ctr" defTabSz="914400" rtl="0" eaLnBrk="1" fontAlgn="auto" latinLnBrk="0" hangingPunct="1">
+              <a:lnSpc>
+                <a:spcPct val="100000"/>
+              </a:lnSpc>
+              <a:spcBef>
+                <a:spcPts val="0"/>
+              </a:spcBef>
+              <a:spcAft>
+                <a:spcPts val="0"/>
+              </a:spcAft>
+              <a:buClrTx/>
+              <a:buSzTx/>
+              <a:buFontTx/>
+              <a:buNone/>
+              <a:tabLst/>
+              <a:defRPr/>
+            </a:pPr>
+            <a:endParaRPr kumimoji="0" lang="en-US" sz="1800" b="0" i="0" u="none" strike="noStrike" kern="1200" cap="none" spc="0" normalizeH="0" baseline="0" noProof="0">
+              <a:ln>
+                <a:noFill/>
+              </a:ln>
+              <a:solidFill>
+                <a:srgbClr val="FFFFFF"/>
+              </a:solidFill>
+              <a:effectLst/>
+              <a:uLnTx/>
+              <a:uFillTx/>
+              <a:latin typeface="Avenir Next LT Pro"/>
+              <a:ea typeface="+mn-ea"/>
+              <a:cs typeface="+mn-cs"/>
+            </a:endParaRPr>
+          </a:p>
+        </p:txBody>
+      </p:sp>
+      <p:sp useBgFill="1">
+        <p:nvSpPr>
+          <p:cNvPr id="12" name="Rectangle 11">
+            <a:extLst>
+              <a:ext uri="{FF2B5EF4-FFF2-40B4-BE49-F238E27FC236}">
+                <a16:creationId xmlns:a16="http://schemas.microsoft.com/office/drawing/2014/main" id="{1FDC6E00-FF15-4DBA-E113-9736EC2EBF54}"/>
+              </a:ext>
+              <a:ext uri="{C183D7F6-B498-43B3-948B-1728B52AA6E4}">
+                <adec:decorative xmlns:adec="http://schemas.microsoft.com/office/drawing/2017/decorative" val="1"/>
+              </a:ext>
+            </a:extLst>
+          </p:cNvPr>
+          <p:cNvSpPr>
+            <a:spLocks noGrp="1" noRot="1" noChangeAspect="1" noMove="1" noResize="1" noEditPoints="1" noAdjustHandles="1" noChangeArrowheads="1" noChangeShapeType="1" noTextEdit="1"/>
+          </p:cNvSpPr>
+          <p:nvPr>
+            <p:extLst>
+              <p:ext uri="{386F3935-93C4-4BCD-93E2-E3B085C9AB24}">
+                <p16:designElem xmlns:p16="http://schemas.microsoft.com/office/powerpoint/2015/main" val="1"/>
+              </p:ext>
+            </p:extLst>
+          </p:nvPr>
+        </p:nvSpPr>
+        <p:spPr>
+          <a:xfrm>
+            <a:off x="0" y="762000"/>
+            <a:ext cx="12192000" cy="6096000"/>
+          </a:xfrm>
+          <a:prstGeom prst="rect">
+            <a:avLst/>
+          </a:prstGeom>
+          <a:ln w="76200">
+            <a:noFill/>
+          </a:ln>
+        </p:spPr>
+        <p:style>
+          <a:lnRef idx="2">
+            <a:schemeClr val="accent1">
+              <a:shade val="50000"/>
+            </a:schemeClr>
+          </a:lnRef>
+          <a:fillRef idx="1">
+            <a:schemeClr val="accent1"/>
+          </a:fillRef>
+          <a:effectRef idx="0">
+            <a:schemeClr val="accent1"/>
+          </a:effectRef>
+          <a:fontRef idx="minor">
+            <a:schemeClr val="lt1"/>
+          </a:fontRef>
+        </p:style>
+        <p:txBody>
+          <a:bodyPr rtlCol="0" anchor="ctr"/>
+          <a:lstStyle/>
+          <a:p>
+            <a:pPr marL="0" marR="0" lvl="0" indent="0" algn="ctr" defTabSz="914400" rtl="0" eaLnBrk="1" fontAlgn="auto" latinLnBrk="0" hangingPunct="1">
+              <a:lnSpc>
+                <a:spcPct val="100000"/>
+              </a:lnSpc>
+              <a:spcBef>
+                <a:spcPts val="0"/>
+              </a:spcBef>
+              <a:spcAft>
+                <a:spcPts val="0"/>
+              </a:spcAft>
+              <a:buClrTx/>
+              <a:buSzTx/>
+              <a:buFontTx/>
+              <a:buNone/>
+              <a:tabLst/>
+              <a:defRPr/>
+            </a:pPr>
+            <a:endParaRPr kumimoji="0" lang="en-US" sz="1800" b="0" i="0" u="none" strike="noStrike" kern="1200" cap="none" spc="0" normalizeH="0" baseline="0" noProof="0">
+              <a:ln>
+                <a:noFill/>
+              </a:ln>
+              <a:solidFill>
+                <a:srgbClr val="FFFFFF"/>
+              </a:solidFill>
+              <a:effectLst/>
+              <a:uLnTx/>
+              <a:uFillTx/>
+              <a:latin typeface="Avenir Next LT Pro"/>
+              <a:ea typeface="+mn-ea"/>
+              <a:cs typeface="+mn-cs"/>
+            </a:endParaRPr>
+          </a:p>
+        </p:txBody>
+      </p:sp>
+      <p:sp>
+        <p:nvSpPr>
+          <p:cNvPr id="2" name="Title 1">
+            <a:extLst>
+              <a:ext uri="{FF2B5EF4-FFF2-40B4-BE49-F238E27FC236}">
+                <a16:creationId xmlns:a16="http://schemas.microsoft.com/office/drawing/2014/main" id="{C366137E-AEA2-5A04-8B6A-38850090C4E6}"/>
+              </a:ext>
+            </a:extLst>
+          </p:cNvPr>
+          <p:cNvSpPr>
+            <a:spLocks noGrp="1"/>
+          </p:cNvSpPr>
+          <p:nvPr>
+            <p:ph type="title"/>
+          </p:nvPr>
+        </p:nvSpPr>
+        <p:spPr>
+          <a:xfrm>
+            <a:off x="533840" y="1081899"/>
+            <a:ext cx="10668000" cy="1345115"/>
+          </a:xfrm>
+        </p:spPr>
+        <p:txBody>
+          <a:bodyPr>
+            <a:normAutofit/>
+          </a:bodyPr>
+          <a:lstStyle/>
+          <a:p>
+            <a:r>
+              <a:rPr lang="en-US" dirty="0"/>
+              <a:t>Model Explanation - </a:t>
+            </a:r>
+            <a:r>
+              <a:rPr lang="en-US" b="1" dirty="0"/>
+              <a:t>Feature Selection</a:t>
+            </a:r>
+            <a:br>
+              <a:rPr lang="en-US" b="1" dirty="0"/>
+            </a:br>
+            <a:endParaRPr lang="en-US" dirty="0"/>
+          </a:p>
+        </p:txBody>
+      </p:sp>
+      <p:sp>
+        <p:nvSpPr>
+          <p:cNvPr id="3" name="Content Placeholder 2">
+            <a:extLst>
+              <a:ext uri="{FF2B5EF4-FFF2-40B4-BE49-F238E27FC236}">
+                <a16:creationId xmlns:a16="http://schemas.microsoft.com/office/drawing/2014/main" id="{EC909ED9-10ED-1D9B-4457-3A7C65949D87}"/>
+              </a:ext>
+            </a:extLst>
+          </p:cNvPr>
+          <p:cNvSpPr>
+            <a:spLocks noGrp="1"/>
+          </p:cNvSpPr>
+          <p:nvPr>
+            <p:ph idx="1"/>
+          </p:nvPr>
+        </p:nvSpPr>
+        <p:spPr>
+          <a:xfrm>
+            <a:off x="276758" y="1866111"/>
+            <a:ext cx="11452996" cy="3125777"/>
+          </a:xfrm>
+        </p:spPr>
+        <p:txBody>
+          <a:bodyPr>
+            <a:normAutofit/>
+          </a:bodyPr>
+          <a:lstStyle/>
+          <a:p>
+            <a:r>
+              <a:rPr lang="en-US" sz="2000" i="1" dirty="0">
+                <a:solidFill>
+                  <a:srgbClr val="000000">
+                    <a:lumMod val="75000"/>
+                    <a:lumOff val="25000"/>
+                  </a:srgbClr>
+                </a:solidFill>
+                <a:latin typeface="Avenir Next LT Pro"/>
+              </a:rPr>
+              <a:t>We selected features with the highest correlation with our target Churn variable</a:t>
+            </a:r>
+          </a:p>
+          <a:p>
+            <a:pPr marL="342900" indent="-342900">
+              <a:buFont typeface="+mj-lt"/>
+              <a:buAutoNum type="arabicPeriod"/>
+            </a:pPr>
+            <a:r>
+              <a:rPr lang="en-US" sz="1600" b="1" dirty="0">
+                <a:solidFill>
+                  <a:srgbClr val="000000">
+                    <a:lumMod val="75000"/>
+                    <a:lumOff val="25000"/>
+                  </a:srgbClr>
+                </a:solidFill>
+                <a:latin typeface="Avenir Next LT Pro"/>
+              </a:rPr>
+              <a:t>Customer Service Calls: </a:t>
+            </a:r>
+            <a:r>
+              <a:rPr lang="en-US" sz="1600" dirty="0">
+                <a:solidFill>
+                  <a:srgbClr val="000000">
+                    <a:lumMod val="75000"/>
+                    <a:lumOff val="25000"/>
+                  </a:srgbClr>
+                </a:solidFill>
+                <a:latin typeface="Avenir Next LT Pro"/>
+              </a:rPr>
+              <a:t>Customers who make frequent calls to customer service are more likely to churn. This suggests dissatisfaction or unresolved issues.</a:t>
+            </a:r>
+          </a:p>
+          <a:p>
+            <a:pPr marL="342900" indent="-342900">
+              <a:buFont typeface="+mj-lt"/>
+              <a:buAutoNum type="arabicPeriod"/>
+            </a:pPr>
+            <a:r>
+              <a:rPr lang="en-US" sz="1600" b="1" dirty="0">
+                <a:solidFill>
+                  <a:srgbClr val="000000">
+                    <a:lumMod val="75000"/>
+                    <a:lumOff val="25000"/>
+                  </a:srgbClr>
+                </a:solidFill>
+                <a:latin typeface="Avenir Next LT Pro"/>
+              </a:rPr>
+              <a:t>International Plan: </a:t>
+            </a:r>
+            <a:r>
+              <a:rPr lang="en-US" sz="1600" dirty="0">
+                <a:solidFill>
+                  <a:srgbClr val="000000">
+                    <a:lumMod val="75000"/>
+                    <a:lumOff val="25000"/>
+                  </a:srgbClr>
+                </a:solidFill>
+                <a:latin typeface="Avenir Next LT Pro"/>
+              </a:rPr>
+              <a:t>Customers with an international calling plan are more likely to churn. This might indicate dissatisfaction with international service pricing or competitors offering better deals.</a:t>
+            </a:r>
+          </a:p>
+          <a:p>
+            <a:pPr marL="342900" indent="-342900">
+              <a:buFont typeface="+mj-lt"/>
+              <a:buAutoNum type="arabicPeriod"/>
+            </a:pPr>
+            <a:r>
+              <a:rPr lang="en-US" sz="1600" b="1" dirty="0">
+                <a:solidFill>
+                  <a:srgbClr val="000000">
+                    <a:lumMod val="75000"/>
+                    <a:lumOff val="25000"/>
+                  </a:srgbClr>
+                </a:solidFill>
+                <a:latin typeface="Avenir Next LT Pro"/>
+              </a:rPr>
+              <a:t>Voice Mail Plan: </a:t>
+            </a:r>
+            <a:r>
+              <a:rPr lang="en-US" sz="1600" dirty="0">
+                <a:solidFill>
+                  <a:srgbClr val="000000">
+                    <a:lumMod val="75000"/>
+                    <a:lumOff val="25000"/>
+                  </a:srgbClr>
+                </a:solidFill>
+                <a:latin typeface="Avenir Next LT Pro"/>
+              </a:rPr>
+              <a:t>The presence or absence of a voicemail plan also contributes to predicting churn. It could reflect usage patterns or preferences.</a:t>
+            </a:r>
+          </a:p>
+          <a:p>
+            <a:pPr marL="342900" indent="-342900">
+              <a:buFont typeface="+mj-lt"/>
+              <a:buAutoNum type="arabicPeriod"/>
+            </a:pPr>
+            <a:r>
+              <a:rPr lang="en-US" sz="1600" b="1" dirty="0">
+                <a:solidFill>
+                  <a:srgbClr val="000000">
+                    <a:lumMod val="75000"/>
+                    <a:lumOff val="25000"/>
+                  </a:srgbClr>
+                </a:solidFill>
+                <a:latin typeface="Avenir Next LT Pro"/>
+              </a:rPr>
+              <a:t>Total International Calls: </a:t>
+            </a:r>
+            <a:r>
+              <a:rPr lang="en-US" sz="1600" dirty="0">
+                <a:solidFill>
+                  <a:srgbClr val="000000">
+                    <a:lumMod val="75000"/>
+                    <a:lumOff val="25000"/>
+                  </a:srgbClr>
+                </a:solidFill>
+                <a:latin typeface="Avenir Next LT Pro"/>
+              </a:rPr>
+              <a:t>The number of international calls made could signal specific customer behaviors or service usage patterns that relate to churn. </a:t>
+            </a:r>
+          </a:p>
+          <a:p>
+            <a:pPr marL="342900" indent="-342900">
+              <a:buFont typeface="+mj-lt"/>
+              <a:buAutoNum type="arabicPeriod"/>
+            </a:pPr>
+            <a:endParaRPr lang="en-US" sz="1600" dirty="0">
+              <a:solidFill>
+                <a:srgbClr val="000000">
+                  <a:lumMod val="75000"/>
+                  <a:lumOff val="25000"/>
+                </a:srgbClr>
+              </a:solidFill>
+              <a:latin typeface="Avenir Next LT Pro"/>
+            </a:endParaRPr>
+          </a:p>
+          <a:p>
+            <a:pPr marL="788670" lvl="2" indent="-514350"/>
+            <a:endParaRPr kumimoji="0" lang="en-US" sz="1000" i="0" u="none" strike="noStrike" kern="1200" cap="none" spc="0" normalizeH="0" baseline="0" noProof="0" dirty="0">
+              <a:ln>
+                <a:noFill/>
+              </a:ln>
+              <a:solidFill>
+                <a:srgbClr val="000000">
+                  <a:lumMod val="75000"/>
+                  <a:lumOff val="25000"/>
+                </a:srgbClr>
+              </a:solidFill>
+              <a:effectLst/>
+              <a:uLnTx/>
+              <a:uFillTx/>
+              <a:latin typeface="Avenir Next LT Pro"/>
+              <a:ea typeface="+mn-ea"/>
+              <a:cs typeface="+mn-cs"/>
+            </a:endParaRPr>
+          </a:p>
+          <a:p>
+            <a:pPr marL="0" indent="0">
+              <a:buClr>
+                <a:srgbClr val="B0A63A"/>
+              </a:buClr>
+              <a:buNone/>
+              <a:defRPr/>
+            </a:pPr>
+            <a:endParaRPr kumimoji="0" lang="en-US" sz="2600" i="0" u="none" strike="noStrike" kern="1200" cap="none" spc="0" normalizeH="0" baseline="0" noProof="0" dirty="0">
+              <a:ln>
+                <a:noFill/>
+              </a:ln>
+              <a:solidFill>
+                <a:srgbClr val="000000"/>
+              </a:solidFill>
+              <a:effectLst/>
+              <a:uLnTx/>
+              <a:uFillTx/>
+              <a:latin typeface="Avenir Next LT Pro"/>
+              <a:ea typeface="+mn-ea"/>
+              <a:cs typeface="+mn-cs"/>
+            </a:endParaRPr>
+          </a:p>
+          <a:p>
+            <a:pPr marL="0" indent="0">
+              <a:buClr>
+                <a:srgbClr val="B0A63A"/>
+              </a:buClr>
+              <a:buNone/>
+              <a:defRPr/>
+            </a:pPr>
+            <a:endParaRPr kumimoji="0" lang="en-US" sz="2600" i="0" u="none" strike="noStrike" kern="1200" cap="none" spc="0" normalizeH="0" baseline="0" noProof="0" dirty="0">
+              <a:ln>
+                <a:noFill/>
+              </a:ln>
+              <a:solidFill>
+                <a:srgbClr val="000000"/>
+              </a:solidFill>
+              <a:effectLst/>
+              <a:uLnTx/>
+              <a:uFillTx/>
+              <a:latin typeface="Avenir Next LT Pro"/>
+              <a:ea typeface="+mn-ea"/>
+              <a:cs typeface="+mn-cs"/>
+            </a:endParaRPr>
+          </a:p>
+          <a:p>
+            <a:pPr lvl="1"/>
+            <a:endParaRPr lang="en-US" dirty="0"/>
+          </a:p>
+          <a:p>
+            <a:pPr lvl="1"/>
+            <a:endParaRPr lang="en-US" dirty="0"/>
+          </a:p>
+          <a:p>
+            <a:pPr marL="708660" indent="-342900">
+              <a:buFont typeface="Arial" panose="020B0604020202020204" pitchFamily="34" charset="0"/>
+              <a:buChar char="•"/>
+            </a:pPr>
+            <a:endParaRPr lang="en-US" dirty="0"/>
+          </a:p>
+        </p:txBody>
+      </p:sp>
+    </p:spTree>
+    <p:extLst>
+      <p:ext uri="{BB962C8B-B14F-4D97-AF65-F5344CB8AC3E}">
+        <p14:creationId xmlns:p14="http://schemas.microsoft.com/office/powerpoint/2010/main" val="4173976318"/>
+      </p:ext>
+    </p:extLst>
+  </p:cSld>
+  <p:clrMapOvr>
+    <a:masterClrMapping/>
+  </p:clrMapOvr>
+</p:sld>
+</file>
+
+<file path=ppt/slides/slide12.xml><?xml version="1.0" encoding="utf-8"?>
+<p:sld xmlns:a="http://schemas.openxmlformats.org/drawingml/2006/main" xmlns:r="http://schemas.openxmlformats.org/officeDocument/2006/relationships" xmlns:p="http://schemas.openxmlformats.org/presentationml/2006/main">
+  <p:cSld>
+    <p:bg>
+      <p:bgPr>
+        <a:solidFill>
+          <a:schemeClr val="bg1"/>
+        </a:solidFill>
+        <a:effectLst/>
+      </p:bgPr>
+    </p:bg>
+    <p:spTree>
+      <p:nvGrpSpPr>
+        <p:cNvPr id="1" name="">
+          <a:extLst>
+            <a:ext uri="{FF2B5EF4-FFF2-40B4-BE49-F238E27FC236}">
+              <a16:creationId xmlns:a16="http://schemas.microsoft.com/office/drawing/2014/main" id="{B4D9A14F-301C-C76D-DF1E-EB066AD7BCD0}"/>
+            </a:ext>
+          </a:extLst>
+        </p:cNvPr>
+        <p:cNvGrpSpPr/>
+        <p:nvPr/>
+      </p:nvGrpSpPr>
+      <p:grpSpPr>
+        <a:xfrm>
+          <a:off x="0" y="0"/>
+          <a:ext cx="0" cy="0"/>
+          <a:chOff x="0" y="0"/>
+          <a:chExt cx="0" cy="0"/>
+        </a:xfrm>
+      </p:grpSpPr>
+      <p:sp useBgFill="1">
+        <p:nvSpPr>
+          <p:cNvPr id="8" name="Rectangle 7">
+            <a:extLst>
+              <a:ext uri="{FF2B5EF4-FFF2-40B4-BE49-F238E27FC236}">
+                <a16:creationId xmlns:a16="http://schemas.microsoft.com/office/drawing/2014/main" id="{B2377083-D87F-55BF-D636-211D88C26D17}"/>
+              </a:ext>
+              <a:ext uri="{C183D7F6-B498-43B3-948B-1728B52AA6E4}">
+                <adec:decorative xmlns:adec="http://schemas.microsoft.com/office/drawing/2017/decorative" val="1"/>
+              </a:ext>
+            </a:extLst>
+          </p:cNvPr>
+          <p:cNvSpPr>
+            <a:spLocks noGrp="1" noRot="1" noChangeAspect="1" noMove="1" noResize="1" noEditPoints="1" noAdjustHandles="1" noChangeArrowheads="1" noChangeShapeType="1" noTextEdit="1"/>
+          </p:cNvSpPr>
+          <p:nvPr>
+            <p:extLst>
+              <p:ext uri="{386F3935-93C4-4BCD-93E2-E3B085C9AB24}">
+                <p16:designElem xmlns:p16="http://schemas.microsoft.com/office/powerpoint/2015/main" val="1"/>
+              </p:ext>
+            </p:extLst>
+          </p:nvPr>
+        </p:nvSpPr>
+        <p:spPr>
+          <a:xfrm>
+            <a:off x="0" y="0"/>
+            <a:ext cx="12192000" cy="6858000"/>
+          </a:xfrm>
+          <a:prstGeom prst="rect">
+            <a:avLst/>
+          </a:prstGeom>
+          <a:ln>
+            <a:noFill/>
+          </a:ln>
+        </p:spPr>
+        <p:style>
+          <a:lnRef idx="2">
+            <a:schemeClr val="accent1">
+              <a:shade val="50000"/>
+            </a:schemeClr>
+          </a:lnRef>
+          <a:fillRef idx="1">
+            <a:schemeClr val="accent1"/>
+          </a:fillRef>
+          <a:effectRef idx="0">
+            <a:schemeClr val="accent1"/>
+          </a:effectRef>
+          <a:fontRef idx="minor">
+            <a:schemeClr val="lt1"/>
+          </a:fontRef>
+        </p:style>
+        <p:txBody>
+          <a:bodyPr rtlCol="0" anchor="ctr"/>
+          <a:lstStyle/>
+          <a:p>
+            <a:pPr marL="0" marR="0" lvl="0" indent="0" algn="ctr" defTabSz="914400" rtl="0" eaLnBrk="1" fontAlgn="auto" latinLnBrk="0" hangingPunct="1">
+              <a:lnSpc>
+                <a:spcPct val="100000"/>
+              </a:lnSpc>
+              <a:spcBef>
+                <a:spcPts val="0"/>
+              </a:spcBef>
+              <a:spcAft>
+                <a:spcPts val="0"/>
+              </a:spcAft>
+              <a:buClrTx/>
+              <a:buSzTx/>
+              <a:buFontTx/>
+              <a:buNone/>
+              <a:tabLst/>
+              <a:defRPr/>
+            </a:pPr>
+            <a:endParaRPr kumimoji="0" lang="en-US" sz="1800" b="0" i="0" u="none" strike="noStrike" kern="1200" cap="none" spc="0" normalizeH="0" baseline="0" noProof="0">
+              <a:ln>
+                <a:noFill/>
+              </a:ln>
+              <a:solidFill>
+                <a:srgbClr val="FFFFFF"/>
+              </a:solidFill>
+              <a:effectLst/>
+              <a:uLnTx/>
+              <a:uFillTx/>
+              <a:latin typeface="Avenir Next LT Pro"/>
+              <a:ea typeface="+mn-ea"/>
+              <a:cs typeface="+mn-cs"/>
+            </a:endParaRPr>
+          </a:p>
+        </p:txBody>
+      </p:sp>
+      <p:sp>
+        <p:nvSpPr>
+          <p:cNvPr id="10" name="Rectangle 9">
+            <a:extLst>
+              <a:ext uri="{FF2B5EF4-FFF2-40B4-BE49-F238E27FC236}">
+                <a16:creationId xmlns:a16="http://schemas.microsoft.com/office/drawing/2014/main" id="{73AEB1CB-68CA-DBC5-8882-44AE0D819BCD}"/>
+              </a:ext>
+              <a:ext uri="{C183D7F6-B498-43B3-948B-1728B52AA6E4}">
+                <adec:decorative xmlns:adec="http://schemas.microsoft.com/office/drawing/2017/decorative" val="1"/>
+              </a:ext>
+            </a:extLst>
+          </p:cNvPr>
+          <p:cNvSpPr>
+            <a:spLocks noGrp="1" noRot="1" noChangeAspect="1" noMove="1" noResize="1" noEditPoints="1" noAdjustHandles="1" noChangeArrowheads="1" noChangeShapeType="1" noTextEdit="1"/>
+          </p:cNvSpPr>
+          <p:nvPr>
+            <p:extLst>
+              <p:ext uri="{386F3935-93C4-4BCD-93E2-E3B085C9AB24}">
+                <p16:designElem xmlns:p16="http://schemas.microsoft.com/office/powerpoint/2015/main" val="1"/>
+              </p:ext>
+            </p:extLst>
+          </p:nvPr>
+        </p:nvSpPr>
+        <p:spPr>
+          <a:xfrm>
+            <a:off x="0" y="0"/>
+            <a:ext cx="12192000" cy="6858000"/>
+          </a:xfrm>
+          <a:prstGeom prst="rect">
+            <a:avLst/>
+          </a:prstGeom>
+          <a:gradFill flip="none" rotWithShape="1">
+            <a:gsLst>
+              <a:gs pos="10000">
+                <a:schemeClr val="accent5"/>
+              </a:gs>
+              <a:gs pos="90000">
+                <a:schemeClr val="accent1"/>
+              </a:gs>
+              <a:gs pos="70000">
+                <a:schemeClr val="accent2"/>
+              </a:gs>
+              <a:gs pos="30000">
+                <a:schemeClr val="accent4"/>
+              </a:gs>
+              <a:gs pos="50000">
+                <a:schemeClr val="accent3">
+                  <a:lumMod val="60000"/>
+                  <a:lumOff val="40000"/>
+                </a:schemeClr>
+              </a:gs>
+            </a:gsLst>
+            <a:lin ang="7200000" scaled="0"/>
+            <a:tileRect/>
+          </a:gradFill>
+          <a:ln>
+            <a:noFill/>
+          </a:ln>
+        </p:spPr>
+        <p:style>
+          <a:lnRef idx="2">
+            <a:schemeClr val="accent1">
+              <a:shade val="50000"/>
+            </a:schemeClr>
+          </a:lnRef>
+          <a:fillRef idx="1">
+            <a:schemeClr val="accent1"/>
+          </a:fillRef>
+          <a:effectRef idx="0">
+            <a:schemeClr val="accent1"/>
+          </a:effectRef>
+          <a:fontRef idx="minor">
+            <a:schemeClr val="lt1"/>
+          </a:fontRef>
+        </p:style>
+        <p:txBody>
+          <a:bodyPr rtlCol="0" anchor="ctr"/>
+          <a:lstStyle/>
+          <a:p>
+            <a:pPr marL="0" marR="0" lvl="0" indent="0" algn="ctr" defTabSz="914400" rtl="0" eaLnBrk="1" fontAlgn="auto" latinLnBrk="0" hangingPunct="1">
+              <a:lnSpc>
+                <a:spcPct val="100000"/>
+              </a:lnSpc>
+              <a:spcBef>
+                <a:spcPts val="0"/>
+              </a:spcBef>
+              <a:spcAft>
+                <a:spcPts val="0"/>
+              </a:spcAft>
+              <a:buClrTx/>
+              <a:buSzTx/>
+              <a:buFontTx/>
+              <a:buNone/>
+              <a:tabLst/>
+              <a:defRPr/>
+            </a:pPr>
+            <a:endParaRPr kumimoji="0" lang="en-US" sz="1800" b="0" i="0" u="none" strike="noStrike" kern="1200" cap="none" spc="0" normalizeH="0" baseline="0" noProof="0">
+              <a:ln>
+                <a:noFill/>
+              </a:ln>
+              <a:solidFill>
+                <a:srgbClr val="FFFFFF"/>
+              </a:solidFill>
+              <a:effectLst/>
+              <a:uLnTx/>
+              <a:uFillTx/>
+              <a:latin typeface="Avenir Next LT Pro"/>
+              <a:ea typeface="+mn-ea"/>
+              <a:cs typeface="+mn-cs"/>
+            </a:endParaRPr>
+          </a:p>
+        </p:txBody>
+      </p:sp>
+      <p:sp useBgFill="1">
+        <p:nvSpPr>
+          <p:cNvPr id="12" name="Rectangle 11">
+            <a:extLst>
+              <a:ext uri="{FF2B5EF4-FFF2-40B4-BE49-F238E27FC236}">
+                <a16:creationId xmlns:a16="http://schemas.microsoft.com/office/drawing/2014/main" id="{658AF780-4C1B-FB20-9A8B-3718F0114426}"/>
+              </a:ext>
+              <a:ext uri="{C183D7F6-B498-43B3-948B-1728B52AA6E4}">
+                <adec:decorative xmlns:adec="http://schemas.microsoft.com/office/drawing/2017/decorative" val="1"/>
+              </a:ext>
+            </a:extLst>
+          </p:cNvPr>
+          <p:cNvSpPr>
+            <a:spLocks noGrp="1" noRot="1" noChangeAspect="1" noMove="1" noResize="1" noEditPoints="1" noAdjustHandles="1" noChangeArrowheads="1" noChangeShapeType="1" noTextEdit="1"/>
+          </p:cNvSpPr>
+          <p:nvPr>
+            <p:extLst>
+              <p:ext uri="{386F3935-93C4-4BCD-93E2-E3B085C9AB24}">
+                <p16:designElem xmlns:p16="http://schemas.microsoft.com/office/powerpoint/2015/main" val="1"/>
+              </p:ext>
+            </p:extLst>
+          </p:nvPr>
+        </p:nvSpPr>
+        <p:spPr>
+          <a:xfrm>
+            <a:off x="0" y="762000"/>
+            <a:ext cx="12192000" cy="6096000"/>
+          </a:xfrm>
+          <a:prstGeom prst="rect">
+            <a:avLst/>
+          </a:prstGeom>
+          <a:ln w="76200">
+            <a:noFill/>
+          </a:ln>
+        </p:spPr>
+        <p:style>
+          <a:lnRef idx="2">
+            <a:schemeClr val="accent1">
+              <a:shade val="50000"/>
+            </a:schemeClr>
+          </a:lnRef>
+          <a:fillRef idx="1">
+            <a:schemeClr val="accent1"/>
+          </a:fillRef>
+          <a:effectRef idx="0">
+            <a:schemeClr val="accent1"/>
+          </a:effectRef>
+          <a:fontRef idx="minor">
+            <a:schemeClr val="lt1"/>
+          </a:fontRef>
+        </p:style>
+        <p:txBody>
+          <a:bodyPr rtlCol="0" anchor="ctr"/>
+          <a:lstStyle/>
+          <a:p>
+            <a:pPr marL="0" marR="0" lvl="0" indent="0" algn="ctr" defTabSz="914400" rtl="0" eaLnBrk="1" fontAlgn="auto" latinLnBrk="0" hangingPunct="1">
+              <a:lnSpc>
+                <a:spcPct val="100000"/>
+              </a:lnSpc>
+              <a:spcBef>
+                <a:spcPts val="0"/>
+              </a:spcBef>
+              <a:spcAft>
+                <a:spcPts val="0"/>
+              </a:spcAft>
+              <a:buClrTx/>
+              <a:buSzTx/>
+              <a:buFontTx/>
+              <a:buNone/>
+              <a:tabLst/>
+              <a:defRPr/>
+            </a:pPr>
+            <a:endParaRPr kumimoji="0" lang="en-US" sz="1800" b="0" i="0" u="none" strike="noStrike" kern="1200" cap="none" spc="0" normalizeH="0" baseline="0" noProof="0">
+              <a:ln>
+                <a:noFill/>
+              </a:ln>
+              <a:solidFill>
+                <a:srgbClr val="FFFFFF"/>
+              </a:solidFill>
+              <a:effectLst/>
+              <a:uLnTx/>
+              <a:uFillTx/>
+              <a:latin typeface="Avenir Next LT Pro"/>
+              <a:ea typeface="+mn-ea"/>
+              <a:cs typeface="+mn-cs"/>
+            </a:endParaRPr>
+          </a:p>
+        </p:txBody>
+      </p:sp>
+      <p:sp>
+        <p:nvSpPr>
+          <p:cNvPr id="2" name="Title 1">
+            <a:extLst>
+              <a:ext uri="{FF2B5EF4-FFF2-40B4-BE49-F238E27FC236}">
+                <a16:creationId xmlns:a16="http://schemas.microsoft.com/office/drawing/2014/main" id="{FA11DB89-3E68-C197-A4AA-EC3B141B7597}"/>
+              </a:ext>
+            </a:extLst>
+          </p:cNvPr>
+          <p:cNvSpPr>
+            <a:spLocks noGrp="1"/>
+          </p:cNvSpPr>
+          <p:nvPr>
+            <p:ph type="title"/>
+          </p:nvPr>
+        </p:nvSpPr>
+        <p:spPr>
+          <a:xfrm>
+            <a:off x="533840" y="1081899"/>
+            <a:ext cx="10668000" cy="1345115"/>
+          </a:xfrm>
+        </p:spPr>
+        <p:txBody>
+          <a:bodyPr>
+            <a:normAutofit/>
+          </a:bodyPr>
+          <a:lstStyle/>
+          <a:p>
+            <a:r>
+              <a:rPr lang="en-US" dirty="0"/>
+              <a:t>Model Results – </a:t>
+            </a:r>
+            <a:r>
+              <a:rPr lang="en-US" b="1" dirty="0"/>
+              <a:t>Recommendations </a:t>
+            </a:r>
+            <a:br>
+              <a:rPr lang="en-US" b="1" dirty="0"/>
+            </a:br>
+            <a:endParaRPr lang="en-US" dirty="0"/>
+          </a:p>
+        </p:txBody>
+      </p:sp>
+      <p:sp>
+        <p:nvSpPr>
+          <p:cNvPr id="3" name="Content Placeholder 2">
+            <a:extLst>
+              <a:ext uri="{FF2B5EF4-FFF2-40B4-BE49-F238E27FC236}">
+                <a16:creationId xmlns:a16="http://schemas.microsoft.com/office/drawing/2014/main" id="{8C3F51DD-9D3C-6BBC-5798-1B6850F1C0D0}"/>
+              </a:ext>
+            </a:extLst>
+          </p:cNvPr>
+          <p:cNvSpPr>
+            <a:spLocks noGrp="1"/>
+          </p:cNvSpPr>
+          <p:nvPr>
+            <p:ph idx="1"/>
+          </p:nvPr>
+        </p:nvSpPr>
+        <p:spPr>
+          <a:xfrm>
+            <a:off x="276758" y="1866111"/>
+            <a:ext cx="11452996" cy="4229889"/>
+          </a:xfrm>
+        </p:spPr>
+        <p:txBody>
+          <a:bodyPr>
+            <a:normAutofit fontScale="92500" lnSpcReduction="20000"/>
+          </a:bodyPr>
+          <a:lstStyle/>
+          <a:p>
+            <a:pPr algn="l"/>
+            <a:r>
+              <a:rPr lang="en-US" sz="2100" b="1" i="0" dirty="0">
+                <a:solidFill>
+                  <a:srgbClr val="000000"/>
+                </a:solidFill>
+                <a:effectLst/>
+                <a:latin typeface="Helvetica Neue"/>
+              </a:rPr>
+              <a:t>Customer Service Calls is the Strongest Predictor</a:t>
+            </a:r>
+          </a:p>
+          <a:p>
+            <a:pPr marL="537210" lvl="1" indent="-171450">
+              <a:buFont typeface="Arial" panose="020B0604020202020204" pitchFamily="34" charset="0"/>
+              <a:buChar char="•"/>
+            </a:pPr>
+            <a:r>
+              <a:rPr lang="en-US" sz="2100" b="0" i="0" dirty="0">
+                <a:solidFill>
+                  <a:srgbClr val="000000"/>
+                </a:solidFill>
+                <a:effectLst/>
+                <a:latin typeface="Helvetica Neue"/>
+              </a:rPr>
+              <a:t>The more frequently a customer contacts customer service, the higher the likelihood of churn. This suggests that resolving customer complaints efficiently could reduce churn. </a:t>
+            </a:r>
+          </a:p>
+          <a:p>
+            <a:r>
+              <a:rPr lang="en-US" sz="2100" b="1" dirty="0">
+                <a:solidFill>
+                  <a:srgbClr val="000000"/>
+                </a:solidFill>
+                <a:latin typeface="Helvetica Neue"/>
+              </a:rPr>
+              <a:t>Customers with an International Plan are at Higher Risk</a:t>
+            </a:r>
+            <a:endParaRPr lang="en-US" sz="2100" b="0" i="0" dirty="0">
+              <a:solidFill>
+                <a:srgbClr val="000000"/>
+              </a:solidFill>
+              <a:effectLst/>
+              <a:latin typeface="Helvetica Neue"/>
+            </a:endParaRPr>
+          </a:p>
+          <a:p>
+            <a:pPr marL="537210" lvl="1" indent="-171450">
+              <a:buFont typeface="Arial" panose="020B0604020202020204" pitchFamily="34" charset="0"/>
+              <a:buChar char="•"/>
+            </a:pPr>
+            <a:r>
+              <a:rPr lang="en-US" sz="2100" b="0" i="0" dirty="0">
+                <a:solidFill>
+                  <a:srgbClr val="000000"/>
+                </a:solidFill>
+                <a:effectLst/>
+                <a:latin typeface="Helvetica Neue"/>
+              </a:rPr>
+              <a:t>These customers may be dissatisfied with the cost or quality of the international calling plan. Improving this service could improve retention. </a:t>
+            </a:r>
+          </a:p>
+          <a:p>
+            <a:pPr marL="365760" marR="0" lvl="0" indent="-365760" algn="l" defTabSz="914400" rtl="0" eaLnBrk="1" fontAlgn="auto" latinLnBrk="0" hangingPunct="1">
+              <a:lnSpc>
+                <a:spcPct val="105000"/>
+              </a:lnSpc>
+              <a:spcBef>
+                <a:spcPts val="900"/>
+              </a:spcBef>
+              <a:spcAft>
+                <a:spcPts val="0"/>
+              </a:spcAft>
+              <a:buClr>
+                <a:srgbClr val="B0A63A"/>
+              </a:buClr>
+              <a:buSzTx/>
+              <a:buFont typeface="Avenir Next LT Pro" panose="020B0504020202020204" pitchFamily="34" charset="0"/>
+              <a:buChar char="+"/>
+              <a:tabLst/>
+              <a:defRPr/>
+            </a:pPr>
+            <a:r>
+              <a:rPr kumimoji="0" lang="en-US" sz="2400" b="1" i="0" u="none" strike="noStrike" kern="1200" cap="none" spc="0" normalizeH="0" baseline="0" noProof="0" dirty="0">
+                <a:ln>
+                  <a:noFill/>
+                </a:ln>
+                <a:solidFill>
+                  <a:srgbClr val="000000"/>
+                </a:solidFill>
+                <a:effectLst/>
+                <a:uLnTx/>
+                <a:uFillTx/>
+                <a:latin typeface="Helvetica Neue"/>
+                <a:ea typeface="+mn-ea"/>
+                <a:cs typeface="+mn-cs"/>
+              </a:rPr>
+              <a:t>Voice Mail Plan is Predictive</a:t>
+            </a:r>
+            <a:endParaRPr lang="en-US" sz="1500" b="0" i="0" dirty="0">
+              <a:solidFill>
+                <a:srgbClr val="000000"/>
+              </a:solidFill>
+              <a:effectLst/>
+              <a:latin typeface="Helvetica Neue"/>
+            </a:endParaRPr>
+          </a:p>
+          <a:p>
+            <a:pPr marL="537210" lvl="1" indent="-171450">
+              <a:buFont typeface="Arial" panose="020B0604020202020204" pitchFamily="34" charset="0"/>
+              <a:buChar char="•"/>
+            </a:pPr>
+            <a:r>
+              <a:rPr lang="en-US" sz="2200" b="0" i="0" dirty="0">
+                <a:solidFill>
+                  <a:srgbClr val="000000"/>
+                </a:solidFill>
+                <a:effectLst/>
+                <a:latin typeface="Helvetica Neue"/>
+              </a:rPr>
+              <a:t>While less obvious, whether a customer has a voicemail plan or not may relate to overall service usage or satisfaction. This could be worth exploring further. </a:t>
+            </a:r>
+          </a:p>
+          <a:p>
+            <a:pPr marL="365760" marR="0" lvl="0" indent="-365760" algn="l" defTabSz="914400" rtl="0" eaLnBrk="1" fontAlgn="auto" latinLnBrk="0" hangingPunct="1">
+              <a:lnSpc>
+                <a:spcPct val="105000"/>
+              </a:lnSpc>
+              <a:spcBef>
+                <a:spcPts val="900"/>
+              </a:spcBef>
+              <a:spcAft>
+                <a:spcPts val="0"/>
+              </a:spcAft>
+              <a:buClr>
+                <a:srgbClr val="B0A63A"/>
+              </a:buClr>
+              <a:buSzTx/>
+              <a:buFont typeface="Avenir Next LT Pro" panose="020B0504020202020204" pitchFamily="34" charset="0"/>
+              <a:buChar char="+"/>
+              <a:tabLst/>
+              <a:defRPr/>
+            </a:pPr>
+            <a:r>
+              <a:rPr kumimoji="0" lang="en-US" sz="2600" b="1" i="0" u="none" strike="noStrike" kern="1200" cap="none" spc="0" normalizeH="0" baseline="0" noProof="0" dirty="0">
+                <a:ln>
+                  <a:noFill/>
+                </a:ln>
+                <a:solidFill>
+                  <a:srgbClr val="000000"/>
+                </a:solidFill>
+                <a:effectLst/>
+                <a:uLnTx/>
+                <a:uFillTx/>
+                <a:latin typeface="Helvetica Neue"/>
+                <a:ea typeface="+mn-ea"/>
+                <a:cs typeface="+mn-cs"/>
+              </a:rPr>
+              <a:t>Total International Calls </a:t>
+            </a:r>
+            <a:r>
+              <a:rPr kumimoji="0" lang="en-US" sz="2600" b="1" i="0" u="none" strike="noStrike" kern="1200" cap="none" spc="0" normalizeH="0" baseline="0" noProof="0">
+                <a:ln>
+                  <a:noFill/>
+                </a:ln>
+                <a:solidFill>
+                  <a:srgbClr val="000000"/>
+                </a:solidFill>
+                <a:effectLst/>
+                <a:uLnTx/>
+                <a:uFillTx/>
+                <a:latin typeface="Helvetica Neue"/>
+                <a:ea typeface="+mn-ea"/>
+                <a:cs typeface="+mn-cs"/>
+              </a:rPr>
+              <a:t>Adds Context</a:t>
+            </a:r>
+            <a:endParaRPr kumimoji="0" lang="en-US" sz="2600" b="1" i="0" u="none" strike="noStrike" kern="1200" cap="none" spc="0" normalizeH="0" baseline="0" noProof="0" dirty="0">
+              <a:ln>
+                <a:noFill/>
+              </a:ln>
+              <a:solidFill>
+                <a:srgbClr val="000000"/>
+              </a:solidFill>
+              <a:effectLst/>
+              <a:uLnTx/>
+              <a:uFillTx/>
+              <a:latin typeface="Helvetica Neue"/>
+              <a:ea typeface="+mn-ea"/>
+              <a:cs typeface="+mn-cs"/>
+            </a:endParaRPr>
+          </a:p>
+          <a:p>
+            <a:pPr marL="617220" lvl="2" indent="-342900">
+              <a:buClr>
+                <a:schemeClr val="tx1"/>
+              </a:buClr>
+              <a:buFont typeface="Arial" panose="020B0604020202020204" pitchFamily="34" charset="0"/>
+              <a:buChar char="•"/>
+              <a:defRPr/>
+            </a:pPr>
+            <a:r>
+              <a:rPr lang="en-US" b="0" i="0" dirty="0">
+                <a:solidFill>
+                  <a:srgbClr val="000000"/>
+                </a:solidFill>
+                <a:effectLst/>
+                <a:latin typeface="Helvetica Neue"/>
+              </a:rPr>
+              <a:t>Customers making frequent international calls may represent a specific customer segment. Understanding their unique needs (e.g., better international rates or service quality) could reduce churn.</a:t>
+            </a:r>
+          </a:p>
+          <a:p>
+            <a:pPr marL="0" indent="0">
+              <a:buNone/>
+            </a:pPr>
+            <a:endParaRPr lang="en-US" sz="1600" dirty="0">
+              <a:solidFill>
+                <a:srgbClr val="000000">
+                  <a:lumMod val="75000"/>
+                  <a:lumOff val="25000"/>
+                </a:srgbClr>
+              </a:solidFill>
+              <a:latin typeface="Avenir Next LT Pro"/>
+            </a:endParaRPr>
+          </a:p>
+          <a:p>
+            <a:pPr marL="788670" lvl="2" indent="-514350"/>
+            <a:endParaRPr kumimoji="0" lang="en-US" sz="1000" i="0" u="none" strike="noStrike" kern="1200" cap="none" spc="0" normalizeH="0" baseline="0" noProof="0" dirty="0">
+              <a:ln>
+                <a:noFill/>
+              </a:ln>
+              <a:solidFill>
+                <a:srgbClr val="000000">
+                  <a:lumMod val="75000"/>
+                  <a:lumOff val="25000"/>
+                </a:srgbClr>
+              </a:solidFill>
+              <a:effectLst/>
+              <a:uLnTx/>
+              <a:uFillTx/>
+              <a:latin typeface="Avenir Next LT Pro"/>
+              <a:ea typeface="+mn-ea"/>
+              <a:cs typeface="+mn-cs"/>
+            </a:endParaRPr>
+          </a:p>
+          <a:p>
+            <a:pPr marL="0" indent="0">
+              <a:buClr>
+                <a:srgbClr val="B0A63A"/>
+              </a:buClr>
+              <a:buNone/>
+              <a:defRPr/>
+            </a:pPr>
+            <a:endParaRPr kumimoji="0" lang="en-US" sz="2600" i="0" u="none" strike="noStrike" kern="1200" cap="none" spc="0" normalizeH="0" baseline="0" noProof="0" dirty="0">
+              <a:ln>
+                <a:noFill/>
+              </a:ln>
+              <a:solidFill>
+                <a:srgbClr val="000000"/>
+              </a:solidFill>
+              <a:effectLst/>
+              <a:uLnTx/>
+              <a:uFillTx/>
+              <a:latin typeface="Avenir Next LT Pro"/>
+              <a:ea typeface="+mn-ea"/>
+              <a:cs typeface="+mn-cs"/>
+            </a:endParaRPr>
+          </a:p>
+          <a:p>
+            <a:pPr marL="0" indent="0">
+              <a:buClr>
+                <a:srgbClr val="B0A63A"/>
+              </a:buClr>
+              <a:buNone/>
+              <a:defRPr/>
+            </a:pPr>
+            <a:endParaRPr kumimoji="0" lang="en-US" sz="2600" i="0" u="none" strike="noStrike" kern="1200" cap="none" spc="0" normalizeH="0" baseline="0" noProof="0" dirty="0">
+              <a:ln>
+                <a:noFill/>
+              </a:ln>
+              <a:solidFill>
+                <a:srgbClr val="000000"/>
+              </a:solidFill>
+              <a:effectLst/>
+              <a:uLnTx/>
+              <a:uFillTx/>
+              <a:latin typeface="Avenir Next LT Pro"/>
+              <a:ea typeface="+mn-ea"/>
+              <a:cs typeface="+mn-cs"/>
+            </a:endParaRPr>
+          </a:p>
+          <a:p>
+            <a:pPr lvl="1"/>
+            <a:endParaRPr lang="en-US" dirty="0"/>
+          </a:p>
+          <a:p>
+            <a:pPr lvl="1"/>
+            <a:endParaRPr lang="en-US" dirty="0"/>
+          </a:p>
+          <a:p>
+            <a:pPr marL="708660" indent="-342900">
+              <a:buFont typeface="Arial" panose="020B0604020202020204" pitchFamily="34" charset="0"/>
+              <a:buChar char="•"/>
+            </a:pPr>
+            <a:endParaRPr lang="en-US" dirty="0"/>
+          </a:p>
+        </p:txBody>
+      </p:sp>
+    </p:spTree>
+    <p:extLst>
+      <p:ext uri="{BB962C8B-B14F-4D97-AF65-F5344CB8AC3E}">
+        <p14:creationId xmlns:p14="http://schemas.microsoft.com/office/powerpoint/2010/main" val="1533271132"/>
+      </p:ext>
+    </p:extLst>
+  </p:cSld>
+  <p:clrMapOvr>
+    <a:masterClrMapping/>
+  </p:clrMapOvr>
+</p:sld>
+</file>
+
 <file path=ppt/slides/slide2.xml><?xml version="1.0" encoding="utf-8"?>
 <p:sld xmlns:a="http://schemas.openxmlformats.org/drawingml/2006/main" xmlns:r="http://schemas.openxmlformats.org/officeDocument/2006/relationships" xmlns:p="http://schemas.openxmlformats.org/presentationml/2006/main">
   <p:cSld>
@@ -6882,10 +9158,10 @@
       </p:grpSpPr>
       <p:sp useBgFill="1">
         <p:nvSpPr>
-          <p:cNvPr id="8" name="Rectangle 7">
+          <p:cNvPr id="1036" name="Rectangle 1035">
             <a:extLst>
               <a:ext uri="{FF2B5EF4-FFF2-40B4-BE49-F238E27FC236}">
-                <a16:creationId xmlns:a16="http://schemas.microsoft.com/office/drawing/2014/main" id="{0D13761D-BD9A-2D05-C77F-CAAAA1985F57}"/>
+                <a16:creationId xmlns:a16="http://schemas.microsoft.com/office/drawing/2014/main" id="{84136905-015B-4510-B514-027CBA846BD6}"/>
               </a:ext>
               <a:ext uri="{C183D7F6-B498-43B3-948B-1728B52AA6E4}">
                 <adec:decorative xmlns:adec="http://schemas.microsoft.com/office/drawing/2017/decorative" val="1"/>
@@ -6935,239 +9211,8 @@
           <a:bodyPr rtlCol="0" anchor="ctr"/>
           <a:lstStyle/>
           <a:p>
-            <a:pPr marL="0" marR="0" lvl="0" indent="0" algn="ctr" defTabSz="914400" rtl="0" eaLnBrk="1" fontAlgn="auto" latinLnBrk="0" hangingPunct="1">
-              <a:lnSpc>
-                <a:spcPct val="100000"/>
-              </a:lnSpc>
-              <a:spcBef>
-                <a:spcPts val="0"/>
-              </a:spcBef>
-              <a:spcAft>
-                <a:spcPts val="0"/>
-              </a:spcAft>
-              <a:buClrTx/>
-              <a:buSzTx/>
-              <a:buFontTx/>
-              <a:buNone/>
-              <a:tabLst/>
-              <a:defRPr/>
-            </a:pPr>
-            <a:endParaRPr kumimoji="0" lang="en-US" sz="1800" b="0" i="0" u="none" strike="noStrike" kern="1200" cap="none" spc="0" normalizeH="0" baseline="0" noProof="0">
-              <a:ln>
-                <a:noFill/>
-              </a:ln>
-              <a:solidFill>
-                <a:srgbClr val="FFFFFF"/>
-              </a:solidFill>
-              <a:effectLst/>
-              <a:uLnTx/>
-              <a:uFillTx/>
-              <a:latin typeface="Avenir Next LT Pro"/>
-              <a:ea typeface="+mn-ea"/>
-              <a:cs typeface="+mn-cs"/>
-            </a:endParaRPr>
-          </a:p>
-        </p:txBody>
-      </p:sp>
-      <p:sp>
-        <p:nvSpPr>
-          <p:cNvPr id="10" name="Rectangle 9">
-            <a:extLst>
-              <a:ext uri="{FF2B5EF4-FFF2-40B4-BE49-F238E27FC236}">
-                <a16:creationId xmlns:a16="http://schemas.microsoft.com/office/drawing/2014/main" id="{3DDC9575-2BA9-C134-AAE8-F8EEB88FBBB8}"/>
-              </a:ext>
-              <a:ext uri="{C183D7F6-B498-43B3-948B-1728B52AA6E4}">
-                <adec:decorative xmlns:adec="http://schemas.microsoft.com/office/drawing/2017/decorative" val="1"/>
-              </a:ext>
-            </a:extLst>
-          </p:cNvPr>
-          <p:cNvSpPr>
-            <a:spLocks noGrp="1" noRot="1" noChangeAspect="1" noMove="1" noResize="1" noEditPoints="1" noAdjustHandles="1" noChangeArrowheads="1" noChangeShapeType="1" noTextEdit="1"/>
-          </p:cNvSpPr>
-          <p:nvPr>
-            <p:extLst>
-              <p:ext uri="{386F3935-93C4-4BCD-93E2-E3B085C9AB24}">
-                <p16:designElem xmlns:p16="http://schemas.microsoft.com/office/powerpoint/2015/main" val="1"/>
-              </p:ext>
-            </p:extLst>
-          </p:nvPr>
-        </p:nvSpPr>
-        <p:spPr>
-          <a:xfrm>
-            <a:off x="0" y="0"/>
-            <a:ext cx="12192000" cy="6858000"/>
-          </a:xfrm>
-          <a:prstGeom prst="rect">
-            <a:avLst/>
-          </a:prstGeom>
-          <a:gradFill flip="none" rotWithShape="1">
-            <a:gsLst>
-              <a:gs pos="10000">
-                <a:schemeClr val="accent5"/>
-              </a:gs>
-              <a:gs pos="90000">
-                <a:schemeClr val="accent1"/>
-              </a:gs>
-              <a:gs pos="70000">
-                <a:schemeClr val="accent2"/>
-              </a:gs>
-              <a:gs pos="30000">
-                <a:schemeClr val="accent4"/>
-              </a:gs>
-              <a:gs pos="50000">
-                <a:schemeClr val="accent3">
-                  <a:lumMod val="60000"/>
-                  <a:lumOff val="40000"/>
-                </a:schemeClr>
-              </a:gs>
-            </a:gsLst>
-            <a:lin ang="7200000" scaled="0"/>
-            <a:tileRect/>
-          </a:gradFill>
-          <a:ln>
-            <a:noFill/>
-          </a:ln>
-        </p:spPr>
-        <p:style>
-          <a:lnRef idx="2">
-            <a:schemeClr val="accent1">
-              <a:shade val="50000"/>
-            </a:schemeClr>
-          </a:lnRef>
-          <a:fillRef idx="1">
-            <a:schemeClr val="accent1"/>
-          </a:fillRef>
-          <a:effectRef idx="0">
-            <a:schemeClr val="accent1"/>
-          </a:effectRef>
-          <a:fontRef idx="minor">
-            <a:schemeClr val="lt1"/>
-          </a:fontRef>
-        </p:style>
-        <p:txBody>
-          <a:bodyPr rtlCol="0" anchor="ctr"/>
-          <a:lstStyle/>
-          <a:p>
-            <a:pPr marL="0" marR="0" lvl="0" indent="0" algn="ctr" defTabSz="914400" rtl="0" eaLnBrk="1" fontAlgn="auto" latinLnBrk="0" hangingPunct="1">
-              <a:lnSpc>
-                <a:spcPct val="100000"/>
-              </a:lnSpc>
-              <a:spcBef>
-                <a:spcPts val="0"/>
-              </a:spcBef>
-              <a:spcAft>
-                <a:spcPts val="0"/>
-              </a:spcAft>
-              <a:buClrTx/>
-              <a:buSzTx/>
-              <a:buFontTx/>
-              <a:buNone/>
-              <a:tabLst/>
-              <a:defRPr/>
-            </a:pPr>
-            <a:endParaRPr kumimoji="0" lang="en-US" sz="1800" b="0" i="0" u="none" strike="noStrike" kern="1200" cap="none" spc="0" normalizeH="0" baseline="0" noProof="0">
-              <a:ln>
-                <a:noFill/>
-              </a:ln>
-              <a:solidFill>
-                <a:srgbClr val="FFFFFF"/>
-              </a:solidFill>
-              <a:effectLst/>
-              <a:uLnTx/>
-              <a:uFillTx/>
-              <a:latin typeface="Avenir Next LT Pro"/>
-              <a:ea typeface="+mn-ea"/>
-              <a:cs typeface="+mn-cs"/>
-            </a:endParaRPr>
-          </a:p>
-        </p:txBody>
-      </p:sp>
-      <p:sp useBgFill="1">
-        <p:nvSpPr>
-          <p:cNvPr id="12" name="Rectangle 11">
-            <a:extLst>
-              <a:ext uri="{FF2B5EF4-FFF2-40B4-BE49-F238E27FC236}">
-                <a16:creationId xmlns:a16="http://schemas.microsoft.com/office/drawing/2014/main" id="{0C8D120F-B47E-BD24-2647-4A44B996BFA1}"/>
-              </a:ext>
-              <a:ext uri="{C183D7F6-B498-43B3-948B-1728B52AA6E4}">
-                <adec:decorative xmlns:adec="http://schemas.microsoft.com/office/drawing/2017/decorative" val="1"/>
-              </a:ext>
-            </a:extLst>
-          </p:cNvPr>
-          <p:cNvSpPr>
-            <a:spLocks noGrp="1" noRot="1" noChangeAspect="1" noMove="1" noResize="1" noEditPoints="1" noAdjustHandles="1" noChangeArrowheads="1" noChangeShapeType="1" noTextEdit="1"/>
-          </p:cNvSpPr>
-          <p:nvPr>
-            <p:extLst>
-              <p:ext uri="{386F3935-93C4-4BCD-93E2-E3B085C9AB24}">
-                <p16:designElem xmlns:p16="http://schemas.microsoft.com/office/powerpoint/2015/main" val="1"/>
-              </p:ext>
-            </p:extLst>
-          </p:nvPr>
-        </p:nvSpPr>
-        <p:spPr>
-          <a:xfrm>
-            <a:off x="0" y="762000"/>
-            <a:ext cx="12192000" cy="6096000"/>
-          </a:xfrm>
-          <a:prstGeom prst="rect">
-            <a:avLst/>
-          </a:prstGeom>
-          <a:ln w="76200">
-            <a:noFill/>
-          </a:ln>
-        </p:spPr>
-        <p:style>
-          <a:lnRef idx="2">
-            <a:schemeClr val="accent1">
-              <a:shade val="50000"/>
-            </a:schemeClr>
-          </a:lnRef>
-          <a:fillRef idx="1">
-            <a:schemeClr val="accent1"/>
-          </a:fillRef>
-          <a:effectRef idx="0">
-            <a:schemeClr val="accent1"/>
-          </a:effectRef>
-          <a:fontRef idx="minor">
-            <a:schemeClr val="lt1"/>
-          </a:fontRef>
-        </p:style>
-        <p:txBody>
-          <a:bodyPr rtlCol="0" anchor="ctr"/>
-          <a:lstStyle/>
-          <a:p>
-            <a:pPr marL="0" marR="0" lvl="0" indent="0" algn="ctr" defTabSz="914400" rtl="0" eaLnBrk="1" fontAlgn="auto" latinLnBrk="0" hangingPunct="1">
-              <a:lnSpc>
-                <a:spcPct val="100000"/>
-              </a:lnSpc>
-              <a:spcBef>
-                <a:spcPts val="0"/>
-              </a:spcBef>
-              <a:spcAft>
-                <a:spcPts val="0"/>
-              </a:spcAft>
-              <a:buClrTx/>
-              <a:buSzTx/>
-              <a:buFontTx/>
-              <a:buNone/>
-              <a:tabLst/>
-              <a:defRPr/>
-            </a:pPr>
-            <a:endParaRPr kumimoji="0" lang="en-US" sz="1800" b="0" i="0" u="none" strike="noStrike" kern="1200" cap="none" spc="0" normalizeH="0" baseline="0" noProof="0">
-              <a:ln>
-                <a:noFill/>
-              </a:ln>
-              <a:solidFill>
-                <a:srgbClr val="FFFFFF"/>
-              </a:solidFill>
-              <a:effectLst/>
-              <a:uLnTx/>
-              <a:uFillTx/>
-              <a:latin typeface="Avenir Next LT Pro"/>
-              <a:ea typeface="+mn-ea"/>
-              <a:cs typeface="+mn-cs"/>
-            </a:endParaRPr>
+            <a:pPr algn="ctr"/>
+            <a:endParaRPr lang="en-US"/>
           </a:p>
         </p:txBody>
       </p:sp>
@@ -7189,8 +9234,8 @@
         </p:nvSpPr>
         <p:spPr>
           <a:xfrm>
-            <a:off x="533840" y="1511848"/>
-            <a:ext cx="10668000" cy="1345115"/>
+            <a:off x="762001" y="755650"/>
+            <a:ext cx="3932830" cy="1345115"/>
           </a:xfrm>
         </p:spPr>
         <p:txBody>
@@ -7200,13 +9245,13 @@
           <a:lstStyle/>
           <a:p>
             <a:r>
-              <a:rPr lang="en-US" dirty="0"/>
+              <a:rPr lang="en-US" sz="2900"/>
               <a:t>Correlation to Churn</a:t>
             </a:r>
             <a:br>
-              <a:rPr lang="en-US" dirty="0"/>
+              <a:rPr lang="en-US" sz="2900"/>
             </a:br>
-            <a:endParaRPr lang="en-US" dirty="0"/>
+            <a:endParaRPr lang="en-US" sz="2900"/>
           </a:p>
         </p:txBody>
       </p:sp>
@@ -7228,8 +9273,8 @@
         </p:nvSpPr>
         <p:spPr>
           <a:xfrm>
-            <a:off x="356272" y="2362168"/>
-            <a:ext cx="5578245" cy="3125777"/>
+            <a:off x="762001" y="2207969"/>
+            <a:ext cx="3932830" cy="3884983"/>
           </a:xfrm>
         </p:spPr>
         <p:txBody>
@@ -7244,10 +9289,7 @@
             </a:r>
           </a:p>
           <a:p>
-            <a:pPr marL="708660" marR="0" lvl="1" indent="-342900" algn="l" defTabSz="914400" rtl="0" eaLnBrk="1" fontAlgn="auto" latinLnBrk="0" hangingPunct="1">
-              <a:lnSpc>
-                <a:spcPct val="105000"/>
-              </a:lnSpc>
+            <a:pPr marL="708660" marR="0" lvl="1" indent="-342900" defTabSz="914400" rtl="0" eaLnBrk="1" fontAlgn="auto" latinLnBrk="0" hangingPunct="1">
               <a:spcBef>
                 <a:spcPts val="900"/>
               </a:spcBef>
@@ -7262,16 +9304,10 @@
               <a:defRPr/>
             </a:pPr>
             <a:r>
-              <a:rPr kumimoji="0" lang="en-US" sz="1600" b="1" i="0" u="none" strike="noStrike" kern="1200" cap="none" spc="0" normalizeH="0" baseline="0" noProof="0" dirty="0">
+              <a:rPr kumimoji="0" lang="en-US" b="1" i="0" u="none" strike="noStrike" kern="1200" cap="none" spc="0" normalizeH="0" baseline="0" noProof="0">
                 <a:ln>
                   <a:noFill/>
                 </a:ln>
-                <a:solidFill>
-                  <a:srgbClr val="000000">
-                    <a:lumMod val="75000"/>
-                    <a:lumOff val="25000"/>
-                  </a:srgbClr>
-                </a:solidFill>
                 <a:effectLst/>
                 <a:uLnTx/>
                 <a:uFillTx/>
@@ -7283,10 +9319,7 @@
             </a:r>
           </a:p>
           <a:p>
-            <a:pPr marL="708660" marR="0" lvl="1" indent="-342900" algn="l" defTabSz="914400" rtl="0" eaLnBrk="1" fontAlgn="auto" latinLnBrk="0" hangingPunct="1">
-              <a:lnSpc>
-                <a:spcPct val="105000"/>
-              </a:lnSpc>
+            <a:pPr marL="708660" marR="0" lvl="1" indent="-342900" defTabSz="914400" rtl="0" eaLnBrk="1" fontAlgn="auto" latinLnBrk="0" hangingPunct="1">
               <a:spcBef>
                 <a:spcPts val="900"/>
               </a:spcBef>
@@ -7301,16 +9334,10 @@
               <a:defRPr/>
             </a:pPr>
             <a:r>
-              <a:rPr kumimoji="0" lang="en-US" sz="1600" b="1" i="0" u="none" strike="noStrike" kern="1200" cap="none" spc="0" normalizeH="0" baseline="0" noProof="0" dirty="0">
+              <a:rPr kumimoji="0" lang="en-US" b="1" i="0" u="none" strike="noStrike" kern="1200" cap="none" spc="0" normalizeH="0" baseline="0" noProof="0">
                 <a:ln>
                   <a:noFill/>
                 </a:ln>
-                <a:solidFill>
-                  <a:srgbClr val="000000">
-                    <a:lumMod val="75000"/>
-                    <a:lumOff val="25000"/>
-                  </a:srgbClr>
-                </a:solidFill>
                 <a:effectLst/>
                 <a:uLnTx/>
                 <a:uFillTx/>
@@ -7325,16 +9352,10 @@
             <a:pPr marL="0" indent="0">
               <a:buNone/>
             </a:pPr>
-            <a:endParaRPr kumimoji="0" lang="en-US" b="0" i="0" u="none" strike="noStrike" kern="1200" cap="none" spc="0" normalizeH="0" baseline="0" noProof="0" dirty="0">
+            <a:endParaRPr kumimoji="0" lang="en-US" b="0" i="0" u="none" strike="noStrike" kern="1200" cap="none" spc="0" normalizeH="0" baseline="0" noProof="0">
               <a:ln>
                 <a:noFill/>
               </a:ln>
-              <a:solidFill>
-                <a:srgbClr val="000000">
-                  <a:lumMod val="75000"/>
-                  <a:lumOff val="25000"/>
-                </a:srgbClr>
-              </a:solidFill>
               <a:effectLst/>
               <a:uLnTx/>
               <a:uFillTx/>
@@ -7351,13 +9372,10 @@
               <a:buNone/>
               <a:defRPr/>
             </a:pPr>
-            <a:endParaRPr kumimoji="0" lang="en-US" sz="2600" i="0" u="none" strike="noStrike" kern="1200" cap="none" spc="0" normalizeH="0" baseline="0" noProof="0" dirty="0">
+            <a:endParaRPr kumimoji="0" lang="en-US" i="0" u="none" strike="noStrike" kern="1200" cap="none" spc="0" normalizeH="0" baseline="0" noProof="0">
               <a:ln>
                 <a:noFill/>
               </a:ln>
-              <a:solidFill>
-                <a:srgbClr val="000000"/>
-              </a:solidFill>
               <a:effectLst/>
               <a:uLnTx/>
               <a:uFillTx/>
@@ -7385,10 +9403,10 @@
       </p:sp>
       <p:pic>
         <p:nvPicPr>
-          <p:cNvPr id="2052" name="Picture 4">
+          <p:cNvPr id="1030" name="Picture 6">
             <a:extLst>
               <a:ext uri="{FF2B5EF4-FFF2-40B4-BE49-F238E27FC236}">
-                <a16:creationId xmlns:a16="http://schemas.microsoft.com/office/drawing/2014/main" id="{FB65AAB6-715D-FCAC-BF4D-21BF3CB9654F}"/>
+                <a16:creationId xmlns:a16="http://schemas.microsoft.com/office/drawing/2014/main" id="{D7DAE467-50FB-04E5-C2A4-3E4117AE1554}"/>
               </a:ext>
             </a:extLst>
           </p:cNvPr>
@@ -7405,22 +9423,28 @@
               </a:ext>
             </a:extLst>
           </a:blip>
-          <a:srcRect/>
           <a:stretch>
             <a:fillRect/>
           </a:stretch>
         </p:blipFill>
         <p:spPr bwMode="auto">
           <a:xfrm>
-            <a:off x="6958227" y="1899685"/>
-            <a:ext cx="4777453" cy="4842786"/>
+            <a:off x="5401464" y="1429632"/>
+            <a:ext cx="6035826" cy="3998735"/>
           </a:xfrm>
           <a:prstGeom prst="rect">
             <a:avLst/>
           </a:prstGeom>
-          <a:solidFill>
-            <a:schemeClr val="tx1"/>
-          </a:solidFill>
+          <a:noFill/>
+          <a:extLst>
+            <a:ext uri="{909E8E84-426E-40DD-AFC4-6F175D3DCCD1}">
+              <a14:hiddenFill xmlns:a14="http://schemas.microsoft.com/office/drawing/2010/main">
+                <a:solidFill>
+                  <a:srgbClr val="FFFFFF"/>
+                </a:solidFill>
+              </a14:hiddenFill>
+            </a:ext>
+          </a:extLst>
         </p:spPr>
       </p:pic>
     </p:spTree>
@@ -7469,10 +9493,10 @@
       </p:grpSpPr>
       <p:sp useBgFill="1">
         <p:nvSpPr>
-          <p:cNvPr id="8" name="Rectangle 7">
+          <p:cNvPr id="2055" name="Rectangle 2054">
             <a:extLst>
               <a:ext uri="{FF2B5EF4-FFF2-40B4-BE49-F238E27FC236}">
-                <a16:creationId xmlns:a16="http://schemas.microsoft.com/office/drawing/2014/main" id="{DDE4CAC2-BA4B-623B-9C1D-6BA3E86BE3ED}"/>
+                <a16:creationId xmlns:a16="http://schemas.microsoft.com/office/drawing/2014/main" id="{84136905-015B-4510-B514-027CBA846BD6}"/>
               </a:ext>
               <a:ext uri="{C183D7F6-B498-43B3-948B-1728B52AA6E4}">
                 <adec:decorative xmlns:adec="http://schemas.microsoft.com/office/drawing/2017/decorative" val="1"/>
@@ -7522,239 +9546,8 @@
           <a:bodyPr rtlCol="0" anchor="ctr"/>
           <a:lstStyle/>
           <a:p>
-            <a:pPr marL="0" marR="0" lvl="0" indent="0" algn="ctr" defTabSz="914400" rtl="0" eaLnBrk="1" fontAlgn="auto" latinLnBrk="0" hangingPunct="1">
-              <a:lnSpc>
-                <a:spcPct val="100000"/>
-              </a:lnSpc>
-              <a:spcBef>
-                <a:spcPts val="0"/>
-              </a:spcBef>
-              <a:spcAft>
-                <a:spcPts val="0"/>
-              </a:spcAft>
-              <a:buClrTx/>
-              <a:buSzTx/>
-              <a:buFontTx/>
-              <a:buNone/>
-              <a:tabLst/>
-              <a:defRPr/>
-            </a:pPr>
-            <a:endParaRPr kumimoji="0" lang="en-US" sz="1800" b="0" i="0" u="none" strike="noStrike" kern="1200" cap="none" spc="0" normalizeH="0" baseline="0" noProof="0">
-              <a:ln>
-                <a:noFill/>
-              </a:ln>
-              <a:solidFill>
-                <a:srgbClr val="FFFFFF"/>
-              </a:solidFill>
-              <a:effectLst/>
-              <a:uLnTx/>
-              <a:uFillTx/>
-              <a:latin typeface="Avenir Next LT Pro"/>
-              <a:ea typeface="+mn-ea"/>
-              <a:cs typeface="+mn-cs"/>
-            </a:endParaRPr>
-          </a:p>
-        </p:txBody>
-      </p:sp>
-      <p:sp>
-        <p:nvSpPr>
-          <p:cNvPr id="10" name="Rectangle 9">
-            <a:extLst>
-              <a:ext uri="{FF2B5EF4-FFF2-40B4-BE49-F238E27FC236}">
-                <a16:creationId xmlns:a16="http://schemas.microsoft.com/office/drawing/2014/main" id="{0EBFBFE5-2969-B19F-CD61-28D1C22CB62A}"/>
-              </a:ext>
-              <a:ext uri="{C183D7F6-B498-43B3-948B-1728B52AA6E4}">
-                <adec:decorative xmlns:adec="http://schemas.microsoft.com/office/drawing/2017/decorative" val="1"/>
-              </a:ext>
-            </a:extLst>
-          </p:cNvPr>
-          <p:cNvSpPr>
-            <a:spLocks noGrp="1" noRot="1" noChangeAspect="1" noMove="1" noResize="1" noEditPoints="1" noAdjustHandles="1" noChangeArrowheads="1" noChangeShapeType="1" noTextEdit="1"/>
-          </p:cNvSpPr>
-          <p:nvPr>
-            <p:extLst>
-              <p:ext uri="{386F3935-93C4-4BCD-93E2-E3B085C9AB24}">
-                <p16:designElem xmlns:p16="http://schemas.microsoft.com/office/powerpoint/2015/main" val="1"/>
-              </p:ext>
-            </p:extLst>
-          </p:nvPr>
-        </p:nvSpPr>
-        <p:spPr>
-          <a:xfrm>
-            <a:off x="0" y="0"/>
-            <a:ext cx="12192000" cy="6858000"/>
-          </a:xfrm>
-          <a:prstGeom prst="rect">
-            <a:avLst/>
-          </a:prstGeom>
-          <a:gradFill flip="none" rotWithShape="1">
-            <a:gsLst>
-              <a:gs pos="10000">
-                <a:schemeClr val="accent5"/>
-              </a:gs>
-              <a:gs pos="90000">
-                <a:schemeClr val="accent1"/>
-              </a:gs>
-              <a:gs pos="70000">
-                <a:schemeClr val="accent2"/>
-              </a:gs>
-              <a:gs pos="30000">
-                <a:schemeClr val="accent4"/>
-              </a:gs>
-              <a:gs pos="50000">
-                <a:schemeClr val="accent3">
-                  <a:lumMod val="60000"/>
-                  <a:lumOff val="40000"/>
-                </a:schemeClr>
-              </a:gs>
-            </a:gsLst>
-            <a:lin ang="7200000" scaled="0"/>
-            <a:tileRect/>
-          </a:gradFill>
-          <a:ln>
-            <a:noFill/>
-          </a:ln>
-        </p:spPr>
-        <p:style>
-          <a:lnRef idx="2">
-            <a:schemeClr val="accent1">
-              <a:shade val="50000"/>
-            </a:schemeClr>
-          </a:lnRef>
-          <a:fillRef idx="1">
-            <a:schemeClr val="accent1"/>
-          </a:fillRef>
-          <a:effectRef idx="0">
-            <a:schemeClr val="accent1"/>
-          </a:effectRef>
-          <a:fontRef idx="minor">
-            <a:schemeClr val="lt1"/>
-          </a:fontRef>
-        </p:style>
-        <p:txBody>
-          <a:bodyPr rtlCol="0" anchor="ctr"/>
-          <a:lstStyle/>
-          <a:p>
-            <a:pPr marL="0" marR="0" lvl="0" indent="0" algn="ctr" defTabSz="914400" rtl="0" eaLnBrk="1" fontAlgn="auto" latinLnBrk="0" hangingPunct="1">
-              <a:lnSpc>
-                <a:spcPct val="100000"/>
-              </a:lnSpc>
-              <a:spcBef>
-                <a:spcPts val="0"/>
-              </a:spcBef>
-              <a:spcAft>
-                <a:spcPts val="0"/>
-              </a:spcAft>
-              <a:buClrTx/>
-              <a:buSzTx/>
-              <a:buFontTx/>
-              <a:buNone/>
-              <a:tabLst/>
-              <a:defRPr/>
-            </a:pPr>
-            <a:endParaRPr kumimoji="0" lang="en-US" sz="1800" b="0" i="0" u="none" strike="noStrike" kern="1200" cap="none" spc="0" normalizeH="0" baseline="0" noProof="0">
-              <a:ln>
-                <a:noFill/>
-              </a:ln>
-              <a:solidFill>
-                <a:srgbClr val="FFFFFF"/>
-              </a:solidFill>
-              <a:effectLst/>
-              <a:uLnTx/>
-              <a:uFillTx/>
-              <a:latin typeface="Avenir Next LT Pro"/>
-              <a:ea typeface="+mn-ea"/>
-              <a:cs typeface="+mn-cs"/>
-            </a:endParaRPr>
-          </a:p>
-        </p:txBody>
-      </p:sp>
-      <p:sp useBgFill="1">
-        <p:nvSpPr>
-          <p:cNvPr id="12" name="Rectangle 11">
-            <a:extLst>
-              <a:ext uri="{FF2B5EF4-FFF2-40B4-BE49-F238E27FC236}">
-                <a16:creationId xmlns:a16="http://schemas.microsoft.com/office/drawing/2014/main" id="{E99EAC6C-DAFE-5BFA-0146-3507A7536B34}"/>
-              </a:ext>
-              <a:ext uri="{C183D7F6-B498-43B3-948B-1728B52AA6E4}">
-                <adec:decorative xmlns:adec="http://schemas.microsoft.com/office/drawing/2017/decorative" val="1"/>
-              </a:ext>
-            </a:extLst>
-          </p:cNvPr>
-          <p:cNvSpPr>
-            <a:spLocks noGrp="1" noRot="1" noChangeAspect="1" noMove="1" noResize="1" noEditPoints="1" noAdjustHandles="1" noChangeArrowheads="1" noChangeShapeType="1" noTextEdit="1"/>
-          </p:cNvSpPr>
-          <p:nvPr>
-            <p:extLst>
-              <p:ext uri="{386F3935-93C4-4BCD-93E2-E3B085C9AB24}">
-                <p16:designElem xmlns:p16="http://schemas.microsoft.com/office/powerpoint/2015/main" val="1"/>
-              </p:ext>
-            </p:extLst>
-          </p:nvPr>
-        </p:nvSpPr>
-        <p:spPr>
-          <a:xfrm>
-            <a:off x="0" y="762000"/>
-            <a:ext cx="12192000" cy="6096000"/>
-          </a:xfrm>
-          <a:prstGeom prst="rect">
-            <a:avLst/>
-          </a:prstGeom>
-          <a:ln w="76200">
-            <a:noFill/>
-          </a:ln>
-        </p:spPr>
-        <p:style>
-          <a:lnRef idx="2">
-            <a:schemeClr val="accent1">
-              <a:shade val="50000"/>
-            </a:schemeClr>
-          </a:lnRef>
-          <a:fillRef idx="1">
-            <a:schemeClr val="accent1"/>
-          </a:fillRef>
-          <a:effectRef idx="0">
-            <a:schemeClr val="accent1"/>
-          </a:effectRef>
-          <a:fontRef idx="minor">
-            <a:schemeClr val="lt1"/>
-          </a:fontRef>
-        </p:style>
-        <p:txBody>
-          <a:bodyPr rtlCol="0" anchor="ctr"/>
-          <a:lstStyle/>
-          <a:p>
-            <a:pPr marL="0" marR="0" lvl="0" indent="0" algn="ctr" defTabSz="914400" rtl="0" eaLnBrk="1" fontAlgn="auto" latinLnBrk="0" hangingPunct="1">
-              <a:lnSpc>
-                <a:spcPct val="100000"/>
-              </a:lnSpc>
-              <a:spcBef>
-                <a:spcPts val="0"/>
-              </a:spcBef>
-              <a:spcAft>
-                <a:spcPts val="0"/>
-              </a:spcAft>
-              <a:buClrTx/>
-              <a:buSzTx/>
-              <a:buFontTx/>
-              <a:buNone/>
-              <a:tabLst/>
-              <a:defRPr/>
-            </a:pPr>
-            <a:endParaRPr kumimoji="0" lang="en-US" sz="1800" b="0" i="0" u="none" strike="noStrike" kern="1200" cap="none" spc="0" normalizeH="0" baseline="0" noProof="0">
-              <a:ln>
-                <a:noFill/>
-              </a:ln>
-              <a:solidFill>
-                <a:srgbClr val="FFFFFF"/>
-              </a:solidFill>
-              <a:effectLst/>
-              <a:uLnTx/>
-              <a:uFillTx/>
-              <a:latin typeface="Avenir Next LT Pro"/>
-              <a:ea typeface="+mn-ea"/>
-              <a:cs typeface="+mn-cs"/>
-            </a:endParaRPr>
+            <a:pPr algn="ctr"/>
+            <a:endParaRPr lang="en-US"/>
           </a:p>
         </p:txBody>
       </p:sp>
@@ -7776,8 +9569,8 @@
         </p:nvSpPr>
         <p:spPr>
           <a:xfrm>
-            <a:off x="533840" y="1081899"/>
-            <a:ext cx="10668000" cy="1345115"/>
+            <a:off x="762001" y="755650"/>
+            <a:ext cx="6879202" cy="1345115"/>
           </a:xfrm>
         </p:spPr>
         <p:txBody>
@@ -7811,8 +9604,8 @@
         </p:nvSpPr>
         <p:spPr>
           <a:xfrm>
-            <a:off x="356272" y="2362168"/>
-            <a:ext cx="5578245" cy="3125777"/>
+            <a:off x="762001" y="2207969"/>
+            <a:ext cx="3932830" cy="3884983"/>
           </a:xfrm>
         </p:spPr>
         <p:txBody>
@@ -7827,10 +9620,7 @@
             </a:r>
           </a:p>
           <a:p>
-            <a:pPr marL="708660" marR="0" lvl="1" indent="-342900" algn="l" defTabSz="914400" rtl="0" eaLnBrk="1" fontAlgn="auto" latinLnBrk="0" hangingPunct="1">
-              <a:lnSpc>
-                <a:spcPct val="105000"/>
-              </a:lnSpc>
+            <a:pPr marL="708660" marR="0" lvl="1" indent="-342900" defTabSz="914400" rtl="0" eaLnBrk="1" fontAlgn="auto" latinLnBrk="0" hangingPunct="1">
               <a:spcBef>
                 <a:spcPts val="900"/>
               </a:spcBef>
@@ -7845,16 +9635,10 @@
               <a:defRPr/>
             </a:pPr>
             <a:r>
-              <a:rPr kumimoji="0" lang="en-US" sz="1600" b="0" i="0" u="none" strike="noStrike" kern="1200" cap="none" spc="0" normalizeH="0" baseline="0" noProof="0" dirty="0">
+              <a:rPr kumimoji="0" lang="en-US" b="0" i="0" u="none" strike="noStrike" kern="1200" cap="none" spc="0" normalizeH="0" baseline="0" noProof="0">
                 <a:ln>
                   <a:noFill/>
                 </a:ln>
-                <a:solidFill>
-                  <a:srgbClr val="000000">
-                    <a:lumMod val="75000"/>
-                    <a:lumOff val="25000"/>
-                  </a:srgbClr>
-                </a:solidFill>
                 <a:effectLst/>
                 <a:uLnTx/>
                 <a:uFillTx/>
@@ -7866,10 +9650,7 @@
             </a:r>
           </a:p>
           <a:p>
-            <a:pPr marL="708660" marR="0" lvl="1" indent="-342900" algn="l" defTabSz="914400" rtl="0" eaLnBrk="1" fontAlgn="auto" latinLnBrk="0" hangingPunct="1">
-              <a:lnSpc>
-                <a:spcPct val="105000"/>
-              </a:lnSpc>
+            <a:pPr marL="708660" marR="0" lvl="1" indent="-342900" defTabSz="914400" rtl="0" eaLnBrk="1" fontAlgn="auto" latinLnBrk="0" hangingPunct="1">
               <a:spcBef>
                 <a:spcPts val="900"/>
               </a:spcBef>
@@ -7884,27 +9665,15 @@
               <a:defRPr/>
             </a:pPr>
             <a:r>
-              <a:rPr lang="en-US" sz="1600" dirty="0">
-                <a:solidFill>
-                  <a:srgbClr val="000000">
-                    <a:lumMod val="75000"/>
-                    <a:lumOff val="25000"/>
-                  </a:srgbClr>
-                </a:solidFill>
+              <a:rPr lang="en-US">
                 <a:latin typeface="Avenir Next LT Pro"/>
               </a:rPr>
               <a:t>Users who do not churn average around 1.5 calls</a:t>
             </a:r>
-            <a:endParaRPr kumimoji="0" lang="en-US" sz="1600" b="0" i="0" u="none" strike="noStrike" kern="1200" cap="none" spc="0" normalizeH="0" baseline="0" noProof="0" dirty="0">
+            <a:endParaRPr kumimoji="0" lang="en-US" b="0" i="0" u="none" strike="noStrike" kern="1200" cap="none" spc="0" normalizeH="0" baseline="0" noProof="0">
               <a:ln>
                 <a:noFill/>
               </a:ln>
-              <a:solidFill>
-                <a:srgbClr val="000000">
-                  <a:lumMod val="75000"/>
-                  <a:lumOff val="25000"/>
-                </a:srgbClr>
-              </a:solidFill>
               <a:effectLst/>
               <a:uLnTx/>
               <a:uFillTx/>
@@ -7917,16 +9686,10 @@
             <a:pPr marL="0" indent="0">
               <a:buNone/>
             </a:pPr>
-            <a:endParaRPr kumimoji="0" lang="en-US" b="0" i="0" u="none" strike="noStrike" kern="1200" cap="none" spc="0" normalizeH="0" baseline="0" noProof="0" dirty="0">
+            <a:endParaRPr kumimoji="0" lang="en-US" b="0" i="0" u="none" strike="noStrike" kern="1200" cap="none" spc="0" normalizeH="0" baseline="0" noProof="0">
               <a:ln>
                 <a:noFill/>
               </a:ln>
-              <a:solidFill>
-                <a:srgbClr val="000000">
-                  <a:lumMod val="75000"/>
-                  <a:lumOff val="25000"/>
-                </a:srgbClr>
-              </a:solidFill>
               <a:effectLst/>
               <a:uLnTx/>
               <a:uFillTx/>
@@ -7943,13 +9706,10 @@
               <a:buNone/>
               <a:defRPr/>
             </a:pPr>
-            <a:endParaRPr kumimoji="0" lang="en-US" sz="2600" i="0" u="none" strike="noStrike" kern="1200" cap="none" spc="0" normalizeH="0" baseline="0" noProof="0" dirty="0">
+            <a:endParaRPr kumimoji="0" lang="en-US" i="0" u="none" strike="noStrike" kern="1200" cap="none" spc="0" normalizeH="0" baseline="0" noProof="0">
               <a:ln>
                 <a:noFill/>
               </a:ln>
-              <a:solidFill>
-                <a:srgbClr val="000000"/>
-              </a:solidFill>
               <a:effectLst/>
               <a:uLnTx/>
               <a:uFillTx/>
@@ -7997,25 +9757,19 @@
               </a:ext>
             </a:extLst>
           </a:blip>
-          <a:srcRect/>
           <a:stretch>
             <a:fillRect/>
           </a:stretch>
         </p:blipFill>
         <p:spPr bwMode="auto">
           <a:xfrm>
-            <a:off x="6257485" y="1837570"/>
-            <a:ext cx="5400675" cy="4314825"/>
+            <a:off x="6035040" y="1521530"/>
+            <a:ext cx="5402250" cy="4321800"/>
           </a:xfrm>
           <a:prstGeom prst="rect">
             <a:avLst/>
           </a:prstGeom>
           <a:noFill/>
-          <a:ln>
-            <a:solidFill>
-              <a:schemeClr val="tx1"/>
-            </a:solidFill>
-          </a:ln>
           <a:extLst>
             <a:ext uri="{909E8E84-426E-40DD-AFC4-6F175D3DCCD1}">
               <a14:hiddenFill xmlns:a14="http://schemas.microsoft.com/office/drawing/2010/main">
@@ -8073,10 +9827,10 @@
       </p:grpSpPr>
       <p:sp useBgFill="1">
         <p:nvSpPr>
-          <p:cNvPr id="8" name="Rectangle 7">
+          <p:cNvPr id="5136" name="Rectangle 5135">
             <a:extLst>
               <a:ext uri="{FF2B5EF4-FFF2-40B4-BE49-F238E27FC236}">
-                <a16:creationId xmlns:a16="http://schemas.microsoft.com/office/drawing/2014/main" id="{B1E215F2-DB08-3D20-0CDB-74D2D609A1BE}"/>
+                <a16:creationId xmlns:a16="http://schemas.microsoft.com/office/drawing/2014/main" id="{84136905-015B-4510-B514-027CBA846BD6}"/>
               </a:ext>
               <a:ext uri="{C183D7F6-B498-43B3-948B-1728B52AA6E4}">
                 <adec:decorative xmlns:adec="http://schemas.microsoft.com/office/drawing/2017/decorative" val="1"/>
@@ -8126,239 +9880,8 @@
           <a:bodyPr rtlCol="0" anchor="ctr"/>
           <a:lstStyle/>
           <a:p>
-            <a:pPr marL="0" marR="0" lvl="0" indent="0" algn="ctr" defTabSz="914400" rtl="0" eaLnBrk="1" fontAlgn="auto" latinLnBrk="0" hangingPunct="1">
-              <a:lnSpc>
-                <a:spcPct val="100000"/>
-              </a:lnSpc>
-              <a:spcBef>
-                <a:spcPts val="0"/>
-              </a:spcBef>
-              <a:spcAft>
-                <a:spcPts val="0"/>
-              </a:spcAft>
-              <a:buClrTx/>
-              <a:buSzTx/>
-              <a:buFontTx/>
-              <a:buNone/>
-              <a:tabLst/>
-              <a:defRPr/>
-            </a:pPr>
-            <a:endParaRPr kumimoji="0" lang="en-US" sz="1800" b="0" i="0" u="none" strike="noStrike" kern="1200" cap="none" spc="0" normalizeH="0" baseline="0" noProof="0">
-              <a:ln>
-                <a:noFill/>
-              </a:ln>
-              <a:solidFill>
-                <a:srgbClr val="FFFFFF"/>
-              </a:solidFill>
-              <a:effectLst/>
-              <a:uLnTx/>
-              <a:uFillTx/>
-              <a:latin typeface="Avenir Next LT Pro"/>
-              <a:ea typeface="+mn-ea"/>
-              <a:cs typeface="+mn-cs"/>
-            </a:endParaRPr>
-          </a:p>
-        </p:txBody>
-      </p:sp>
-      <p:sp>
-        <p:nvSpPr>
-          <p:cNvPr id="10" name="Rectangle 9">
-            <a:extLst>
-              <a:ext uri="{FF2B5EF4-FFF2-40B4-BE49-F238E27FC236}">
-                <a16:creationId xmlns:a16="http://schemas.microsoft.com/office/drawing/2014/main" id="{D770A377-18DB-B6B7-F8A7-2C4E2BDC3682}"/>
-              </a:ext>
-              <a:ext uri="{C183D7F6-B498-43B3-948B-1728B52AA6E4}">
-                <adec:decorative xmlns:adec="http://schemas.microsoft.com/office/drawing/2017/decorative" val="1"/>
-              </a:ext>
-            </a:extLst>
-          </p:cNvPr>
-          <p:cNvSpPr>
-            <a:spLocks noGrp="1" noRot="1" noChangeAspect="1" noMove="1" noResize="1" noEditPoints="1" noAdjustHandles="1" noChangeArrowheads="1" noChangeShapeType="1" noTextEdit="1"/>
-          </p:cNvSpPr>
-          <p:nvPr>
-            <p:extLst>
-              <p:ext uri="{386F3935-93C4-4BCD-93E2-E3B085C9AB24}">
-                <p16:designElem xmlns:p16="http://schemas.microsoft.com/office/powerpoint/2015/main" val="1"/>
-              </p:ext>
-            </p:extLst>
-          </p:nvPr>
-        </p:nvSpPr>
-        <p:spPr>
-          <a:xfrm>
-            <a:off x="0" y="0"/>
-            <a:ext cx="12192000" cy="6858000"/>
-          </a:xfrm>
-          <a:prstGeom prst="rect">
-            <a:avLst/>
-          </a:prstGeom>
-          <a:gradFill flip="none" rotWithShape="1">
-            <a:gsLst>
-              <a:gs pos="10000">
-                <a:schemeClr val="accent5"/>
-              </a:gs>
-              <a:gs pos="90000">
-                <a:schemeClr val="accent1"/>
-              </a:gs>
-              <a:gs pos="70000">
-                <a:schemeClr val="accent2"/>
-              </a:gs>
-              <a:gs pos="30000">
-                <a:schemeClr val="accent4"/>
-              </a:gs>
-              <a:gs pos="50000">
-                <a:schemeClr val="accent3">
-                  <a:lumMod val="60000"/>
-                  <a:lumOff val="40000"/>
-                </a:schemeClr>
-              </a:gs>
-            </a:gsLst>
-            <a:lin ang="7200000" scaled="0"/>
-            <a:tileRect/>
-          </a:gradFill>
-          <a:ln>
-            <a:noFill/>
-          </a:ln>
-        </p:spPr>
-        <p:style>
-          <a:lnRef idx="2">
-            <a:schemeClr val="accent1">
-              <a:shade val="50000"/>
-            </a:schemeClr>
-          </a:lnRef>
-          <a:fillRef idx="1">
-            <a:schemeClr val="accent1"/>
-          </a:fillRef>
-          <a:effectRef idx="0">
-            <a:schemeClr val="accent1"/>
-          </a:effectRef>
-          <a:fontRef idx="minor">
-            <a:schemeClr val="lt1"/>
-          </a:fontRef>
-        </p:style>
-        <p:txBody>
-          <a:bodyPr rtlCol="0" anchor="ctr"/>
-          <a:lstStyle/>
-          <a:p>
-            <a:pPr marL="0" marR="0" lvl="0" indent="0" algn="ctr" defTabSz="914400" rtl="0" eaLnBrk="1" fontAlgn="auto" latinLnBrk="0" hangingPunct="1">
-              <a:lnSpc>
-                <a:spcPct val="100000"/>
-              </a:lnSpc>
-              <a:spcBef>
-                <a:spcPts val="0"/>
-              </a:spcBef>
-              <a:spcAft>
-                <a:spcPts val="0"/>
-              </a:spcAft>
-              <a:buClrTx/>
-              <a:buSzTx/>
-              <a:buFontTx/>
-              <a:buNone/>
-              <a:tabLst/>
-              <a:defRPr/>
-            </a:pPr>
-            <a:endParaRPr kumimoji="0" lang="en-US" sz="1800" b="0" i="0" u="none" strike="noStrike" kern="1200" cap="none" spc="0" normalizeH="0" baseline="0" noProof="0">
-              <a:ln>
-                <a:noFill/>
-              </a:ln>
-              <a:solidFill>
-                <a:srgbClr val="FFFFFF"/>
-              </a:solidFill>
-              <a:effectLst/>
-              <a:uLnTx/>
-              <a:uFillTx/>
-              <a:latin typeface="Avenir Next LT Pro"/>
-              <a:ea typeface="+mn-ea"/>
-              <a:cs typeface="+mn-cs"/>
-            </a:endParaRPr>
-          </a:p>
-        </p:txBody>
-      </p:sp>
-      <p:sp useBgFill="1">
-        <p:nvSpPr>
-          <p:cNvPr id="12" name="Rectangle 11">
-            <a:extLst>
-              <a:ext uri="{FF2B5EF4-FFF2-40B4-BE49-F238E27FC236}">
-                <a16:creationId xmlns:a16="http://schemas.microsoft.com/office/drawing/2014/main" id="{00A2CF38-DEA5-35D6-B229-91153B4516D5}"/>
-              </a:ext>
-              <a:ext uri="{C183D7F6-B498-43B3-948B-1728B52AA6E4}">
-                <adec:decorative xmlns:adec="http://schemas.microsoft.com/office/drawing/2017/decorative" val="1"/>
-              </a:ext>
-            </a:extLst>
-          </p:cNvPr>
-          <p:cNvSpPr>
-            <a:spLocks noGrp="1" noRot="1" noChangeAspect="1" noMove="1" noResize="1" noEditPoints="1" noAdjustHandles="1" noChangeArrowheads="1" noChangeShapeType="1" noTextEdit="1"/>
-          </p:cNvSpPr>
-          <p:nvPr>
-            <p:extLst>
-              <p:ext uri="{386F3935-93C4-4BCD-93E2-E3B085C9AB24}">
-                <p16:designElem xmlns:p16="http://schemas.microsoft.com/office/powerpoint/2015/main" val="1"/>
-              </p:ext>
-            </p:extLst>
-          </p:nvPr>
-        </p:nvSpPr>
-        <p:spPr>
-          <a:xfrm>
-            <a:off x="0" y="762000"/>
-            <a:ext cx="12192000" cy="6096000"/>
-          </a:xfrm>
-          <a:prstGeom prst="rect">
-            <a:avLst/>
-          </a:prstGeom>
-          <a:ln w="76200">
-            <a:noFill/>
-          </a:ln>
-        </p:spPr>
-        <p:style>
-          <a:lnRef idx="2">
-            <a:schemeClr val="accent1">
-              <a:shade val="50000"/>
-            </a:schemeClr>
-          </a:lnRef>
-          <a:fillRef idx="1">
-            <a:schemeClr val="accent1"/>
-          </a:fillRef>
-          <a:effectRef idx="0">
-            <a:schemeClr val="accent1"/>
-          </a:effectRef>
-          <a:fontRef idx="minor">
-            <a:schemeClr val="lt1"/>
-          </a:fontRef>
-        </p:style>
-        <p:txBody>
-          <a:bodyPr rtlCol="0" anchor="ctr"/>
-          <a:lstStyle/>
-          <a:p>
-            <a:pPr marL="0" marR="0" lvl="0" indent="0" algn="ctr" defTabSz="914400" rtl="0" eaLnBrk="1" fontAlgn="auto" latinLnBrk="0" hangingPunct="1">
-              <a:lnSpc>
-                <a:spcPct val="100000"/>
-              </a:lnSpc>
-              <a:spcBef>
-                <a:spcPts val="0"/>
-              </a:spcBef>
-              <a:spcAft>
-                <a:spcPts val="0"/>
-              </a:spcAft>
-              <a:buClrTx/>
-              <a:buSzTx/>
-              <a:buFontTx/>
-              <a:buNone/>
-              <a:tabLst/>
-              <a:defRPr/>
-            </a:pPr>
-            <a:endParaRPr kumimoji="0" lang="en-US" sz="1800" b="0" i="0" u="none" strike="noStrike" kern="1200" cap="none" spc="0" normalizeH="0" baseline="0" noProof="0">
-              <a:ln>
-                <a:noFill/>
-              </a:ln>
-              <a:solidFill>
-                <a:srgbClr val="FFFFFF"/>
-              </a:solidFill>
-              <a:effectLst/>
-              <a:uLnTx/>
-              <a:uFillTx/>
-              <a:latin typeface="Avenir Next LT Pro"/>
-              <a:ea typeface="+mn-ea"/>
-              <a:cs typeface="+mn-cs"/>
-            </a:endParaRPr>
+            <a:pPr algn="ctr"/>
+            <a:endParaRPr lang="en-US"/>
           </a:p>
         </p:txBody>
       </p:sp>
@@ -8380,8 +9903,8 @@
         </p:nvSpPr>
         <p:spPr>
           <a:xfrm>
-            <a:off x="533840" y="1081899"/>
-            <a:ext cx="10668000" cy="1345115"/>
+            <a:off x="762000" y="755650"/>
+            <a:ext cx="6505491" cy="1345115"/>
           </a:xfrm>
         </p:spPr>
         <p:txBody>
@@ -8415,8 +9938,8 @@
         </p:nvSpPr>
         <p:spPr>
           <a:xfrm>
-            <a:off x="276759" y="1866111"/>
-            <a:ext cx="5408424" cy="3125777"/>
+            <a:off x="762000" y="2207969"/>
+            <a:ext cx="5201477" cy="3884983"/>
           </a:xfrm>
         </p:spPr>
         <p:txBody>
@@ -8431,10 +9954,7 @@
             </a:r>
           </a:p>
           <a:p>
-            <a:pPr marL="708660" marR="0" lvl="1" indent="-342900" algn="l" defTabSz="914400" rtl="0" eaLnBrk="1" fontAlgn="auto" latinLnBrk="0" hangingPunct="1">
-              <a:lnSpc>
-                <a:spcPct val="105000"/>
-              </a:lnSpc>
+            <a:pPr marL="708660" marR="0" lvl="1" indent="-342900" defTabSz="914400" rtl="0" eaLnBrk="1" fontAlgn="auto" latinLnBrk="0" hangingPunct="1">
               <a:spcBef>
                 <a:spcPts val="900"/>
               </a:spcBef>
@@ -8449,16 +9969,10 @@
               <a:defRPr/>
             </a:pPr>
             <a:r>
-              <a:rPr kumimoji="0" lang="en-US" sz="1600" b="1" i="0" u="none" strike="noStrike" kern="1200" cap="none" spc="0" normalizeH="0" baseline="0" noProof="0" dirty="0">
+              <a:rPr kumimoji="0" lang="en-US" b="1" i="0" u="none" strike="noStrike" kern="1200" cap="none" spc="0" normalizeH="0" baseline="0" noProof="0" dirty="0">
                 <a:ln>
                   <a:noFill/>
                 </a:ln>
-                <a:solidFill>
-                  <a:srgbClr val="000000">
-                    <a:lumMod val="75000"/>
-                    <a:lumOff val="25000"/>
-                  </a:srgbClr>
-                </a:solidFill>
                 <a:effectLst/>
                 <a:uLnTx/>
                 <a:uFillTx/>
@@ -8470,10 +9984,7 @@
             </a:r>
           </a:p>
           <a:p>
-            <a:pPr marL="708660" marR="0" lvl="1" indent="-342900" algn="l" defTabSz="914400" rtl="0" eaLnBrk="1" fontAlgn="auto" latinLnBrk="0" hangingPunct="1">
-              <a:lnSpc>
-                <a:spcPct val="105000"/>
-              </a:lnSpc>
+            <a:pPr marL="708660" marR="0" lvl="1" indent="-342900" defTabSz="914400" rtl="0" eaLnBrk="1" fontAlgn="auto" latinLnBrk="0" hangingPunct="1">
               <a:spcBef>
                 <a:spcPts val="900"/>
               </a:spcBef>
@@ -8488,16 +9999,10 @@
               <a:defRPr/>
             </a:pPr>
             <a:r>
-              <a:rPr kumimoji="0" lang="en-US" sz="1600" i="0" u="none" strike="noStrike" kern="1200" cap="none" spc="0" normalizeH="0" baseline="0" noProof="0" dirty="0">
+              <a:rPr kumimoji="0" lang="en-US" i="0" u="none" strike="noStrike" kern="1200" cap="none" spc="0" normalizeH="0" baseline="0" noProof="0" dirty="0">
                 <a:ln>
                   <a:noFill/>
                 </a:ln>
-                <a:solidFill>
-                  <a:srgbClr val="000000">
-                    <a:lumMod val="75000"/>
-                    <a:lumOff val="25000"/>
-                  </a:srgbClr>
-                </a:solidFill>
                 <a:effectLst/>
                 <a:uLnTx/>
                 <a:uFillTx/>
@@ -8508,16 +10013,10 @@
               <a:t>Three of the </a:t>
             </a:r>
             <a:r>
-              <a:rPr kumimoji="0" lang="en-US" sz="1600" i="0" u="none" strike="noStrike" kern="1200" cap="none" spc="0" normalizeH="0" baseline="0" noProof="0" dirty="0" err="1">
+              <a:rPr kumimoji="0" lang="en-US" i="0" u="none" strike="noStrike" kern="1200" cap="none" spc="0" normalizeH="0" baseline="0" noProof="0" dirty="0" err="1">
                 <a:ln>
                   <a:noFill/>
                 </a:ln>
-                <a:solidFill>
-                  <a:srgbClr val="000000">
-                    <a:lumMod val="75000"/>
-                    <a:lumOff val="25000"/>
-                  </a:srgbClr>
-                </a:solidFill>
                 <a:effectLst/>
                 <a:uLnTx/>
                 <a:uFillTx/>
@@ -8528,27 +10027,15 @@
               <a:t>mos</a:t>
             </a:r>
             <a:r>
-              <a:rPr lang="en-US" sz="1600" dirty="0">
-                <a:solidFill>
-                  <a:srgbClr val="000000">
-                    <a:lumMod val="75000"/>
-                    <a:lumOff val="25000"/>
-                  </a:srgbClr>
-                </a:solidFill>
+              <a:rPr lang="en-US" dirty="0">
                 <a:latin typeface="Avenir Next LT Pro"/>
               </a:rPr>
               <a:t>t populous states have the highest churn rate</a:t>
             </a:r>
-            <a:endParaRPr kumimoji="0" lang="en-US" sz="1600" i="0" u="none" strike="noStrike" kern="1200" cap="none" spc="0" normalizeH="0" baseline="0" noProof="0" dirty="0">
+            <a:endParaRPr kumimoji="0" lang="en-US" i="0" u="none" strike="noStrike" kern="1200" cap="none" spc="0" normalizeH="0" baseline="0" noProof="0" dirty="0">
               <a:ln>
                 <a:noFill/>
               </a:ln>
-              <a:solidFill>
-                <a:srgbClr val="000000">
-                  <a:lumMod val="75000"/>
-                  <a:lumOff val="25000"/>
-                </a:srgbClr>
-              </a:solidFill>
               <a:effectLst/>
               <a:uLnTx/>
               <a:uFillTx/>
@@ -8565,12 +10052,6 @@
               <a:ln>
                 <a:noFill/>
               </a:ln>
-              <a:solidFill>
-                <a:srgbClr val="000000">
-                  <a:lumMod val="75000"/>
-                  <a:lumOff val="25000"/>
-                </a:srgbClr>
-              </a:solidFill>
               <a:effectLst/>
               <a:uLnTx/>
               <a:uFillTx/>
@@ -8587,13 +10068,10 @@
               <a:buNone/>
               <a:defRPr/>
             </a:pPr>
-            <a:endParaRPr kumimoji="0" lang="en-US" sz="2600" i="0" u="none" strike="noStrike" kern="1200" cap="none" spc="0" normalizeH="0" baseline="0" noProof="0" dirty="0">
+            <a:endParaRPr kumimoji="0" lang="en-US" i="0" u="none" strike="noStrike" kern="1200" cap="none" spc="0" normalizeH="0" baseline="0" noProof="0" dirty="0">
               <a:ln>
                 <a:noFill/>
               </a:ln>
-              <a:solidFill>
-                <a:srgbClr val="000000"/>
-              </a:solidFill>
               <a:effectLst/>
               <a:uLnTx/>
               <a:uFillTx/>
@@ -8610,13 +10088,10 @@
               <a:buNone/>
               <a:defRPr/>
             </a:pPr>
-            <a:endParaRPr kumimoji="0" lang="en-US" sz="2600" i="0" u="none" strike="noStrike" kern="1200" cap="none" spc="0" normalizeH="0" baseline="0" noProof="0" dirty="0">
+            <a:endParaRPr kumimoji="0" lang="en-US" i="0" u="none" strike="noStrike" kern="1200" cap="none" spc="0" normalizeH="0" baseline="0" noProof="0" dirty="0">
               <a:ln>
                 <a:noFill/>
               </a:ln>
-              <a:solidFill>
-                <a:srgbClr val="000000"/>
-              </a:solidFill>
               <a:effectLst/>
               <a:uLnTx/>
               <a:uFillTx/>
@@ -8644,10 +10119,10 @@
       </p:sp>
       <p:pic>
         <p:nvPicPr>
-          <p:cNvPr id="5128" name="Picture 8">
+          <p:cNvPr id="2050" name="Picture 2">
             <a:extLst>
               <a:ext uri="{FF2B5EF4-FFF2-40B4-BE49-F238E27FC236}">
-                <a16:creationId xmlns:a16="http://schemas.microsoft.com/office/drawing/2014/main" id="{0B38B155-8AC2-845D-3EBE-F64D77533DD6}"/>
+                <a16:creationId xmlns:a16="http://schemas.microsoft.com/office/drawing/2014/main" id="{FE34DF05-B8D3-E5BE-E3C8-3943411146A1}"/>
               </a:ext>
             </a:extLst>
           </p:cNvPr>
@@ -8664,15 +10139,14 @@
               </a:ext>
             </a:extLst>
           </a:blip>
-          <a:srcRect/>
           <a:stretch>
             <a:fillRect/>
           </a:stretch>
         </p:blipFill>
         <p:spPr bwMode="auto">
           <a:xfrm>
-            <a:off x="6886210" y="1124447"/>
-            <a:ext cx="5376079" cy="5371106"/>
+            <a:off x="6742705" y="1752328"/>
+            <a:ext cx="4350021" cy="4350021"/>
           </a:xfrm>
           <a:prstGeom prst="rect">
             <a:avLst/>
@@ -8735,10 +10209,10 @@
       </p:grpSpPr>
       <p:sp useBgFill="1">
         <p:nvSpPr>
-          <p:cNvPr id="8" name="Rectangle 7">
+          <p:cNvPr id="3079" name="Rectangle 3078">
             <a:extLst>
               <a:ext uri="{FF2B5EF4-FFF2-40B4-BE49-F238E27FC236}">
-                <a16:creationId xmlns:a16="http://schemas.microsoft.com/office/drawing/2014/main" id="{A97D964B-763F-DA6E-BFF4-21BAC071CAF6}"/>
+                <a16:creationId xmlns:a16="http://schemas.microsoft.com/office/drawing/2014/main" id="{84136905-015B-4510-B514-027CBA846BD6}"/>
               </a:ext>
               <a:ext uri="{C183D7F6-B498-43B3-948B-1728B52AA6E4}">
                 <adec:decorative xmlns:adec="http://schemas.microsoft.com/office/drawing/2017/decorative" val="1"/>
@@ -8788,239 +10262,8 @@
           <a:bodyPr rtlCol="0" anchor="ctr"/>
           <a:lstStyle/>
           <a:p>
-            <a:pPr marL="0" marR="0" lvl="0" indent="0" algn="ctr" defTabSz="914400" rtl="0" eaLnBrk="1" fontAlgn="auto" latinLnBrk="0" hangingPunct="1">
-              <a:lnSpc>
-                <a:spcPct val="100000"/>
-              </a:lnSpc>
-              <a:spcBef>
-                <a:spcPts val="0"/>
-              </a:spcBef>
-              <a:spcAft>
-                <a:spcPts val="0"/>
-              </a:spcAft>
-              <a:buClrTx/>
-              <a:buSzTx/>
-              <a:buFontTx/>
-              <a:buNone/>
-              <a:tabLst/>
-              <a:defRPr/>
-            </a:pPr>
-            <a:endParaRPr kumimoji="0" lang="en-US" sz="1800" b="0" i="0" u="none" strike="noStrike" kern="1200" cap="none" spc="0" normalizeH="0" baseline="0" noProof="0">
-              <a:ln>
-                <a:noFill/>
-              </a:ln>
-              <a:solidFill>
-                <a:srgbClr val="FFFFFF"/>
-              </a:solidFill>
-              <a:effectLst/>
-              <a:uLnTx/>
-              <a:uFillTx/>
-              <a:latin typeface="Avenir Next LT Pro"/>
-              <a:ea typeface="+mn-ea"/>
-              <a:cs typeface="+mn-cs"/>
-            </a:endParaRPr>
-          </a:p>
-        </p:txBody>
-      </p:sp>
-      <p:sp>
-        <p:nvSpPr>
-          <p:cNvPr id="10" name="Rectangle 9">
-            <a:extLst>
-              <a:ext uri="{FF2B5EF4-FFF2-40B4-BE49-F238E27FC236}">
-                <a16:creationId xmlns:a16="http://schemas.microsoft.com/office/drawing/2014/main" id="{ACB116C1-EC6A-CC46-FEE6-11571E6B1548}"/>
-              </a:ext>
-              <a:ext uri="{C183D7F6-B498-43B3-948B-1728B52AA6E4}">
-                <adec:decorative xmlns:adec="http://schemas.microsoft.com/office/drawing/2017/decorative" val="1"/>
-              </a:ext>
-            </a:extLst>
-          </p:cNvPr>
-          <p:cNvSpPr>
-            <a:spLocks noGrp="1" noRot="1" noChangeAspect="1" noMove="1" noResize="1" noEditPoints="1" noAdjustHandles="1" noChangeArrowheads="1" noChangeShapeType="1" noTextEdit="1"/>
-          </p:cNvSpPr>
-          <p:nvPr>
-            <p:extLst>
-              <p:ext uri="{386F3935-93C4-4BCD-93E2-E3B085C9AB24}">
-                <p16:designElem xmlns:p16="http://schemas.microsoft.com/office/powerpoint/2015/main" val="1"/>
-              </p:ext>
-            </p:extLst>
-          </p:nvPr>
-        </p:nvSpPr>
-        <p:spPr>
-          <a:xfrm>
-            <a:off x="0" y="0"/>
-            <a:ext cx="12192000" cy="6858000"/>
-          </a:xfrm>
-          <a:prstGeom prst="rect">
-            <a:avLst/>
-          </a:prstGeom>
-          <a:gradFill flip="none" rotWithShape="1">
-            <a:gsLst>
-              <a:gs pos="10000">
-                <a:schemeClr val="accent5"/>
-              </a:gs>
-              <a:gs pos="90000">
-                <a:schemeClr val="accent1"/>
-              </a:gs>
-              <a:gs pos="70000">
-                <a:schemeClr val="accent2"/>
-              </a:gs>
-              <a:gs pos="30000">
-                <a:schemeClr val="accent4"/>
-              </a:gs>
-              <a:gs pos="50000">
-                <a:schemeClr val="accent3">
-                  <a:lumMod val="60000"/>
-                  <a:lumOff val="40000"/>
-                </a:schemeClr>
-              </a:gs>
-            </a:gsLst>
-            <a:lin ang="7200000" scaled="0"/>
-            <a:tileRect/>
-          </a:gradFill>
-          <a:ln>
-            <a:noFill/>
-          </a:ln>
-        </p:spPr>
-        <p:style>
-          <a:lnRef idx="2">
-            <a:schemeClr val="accent1">
-              <a:shade val="50000"/>
-            </a:schemeClr>
-          </a:lnRef>
-          <a:fillRef idx="1">
-            <a:schemeClr val="accent1"/>
-          </a:fillRef>
-          <a:effectRef idx="0">
-            <a:schemeClr val="accent1"/>
-          </a:effectRef>
-          <a:fontRef idx="minor">
-            <a:schemeClr val="lt1"/>
-          </a:fontRef>
-        </p:style>
-        <p:txBody>
-          <a:bodyPr rtlCol="0" anchor="ctr"/>
-          <a:lstStyle/>
-          <a:p>
-            <a:pPr marL="0" marR="0" lvl="0" indent="0" algn="ctr" defTabSz="914400" rtl="0" eaLnBrk="1" fontAlgn="auto" latinLnBrk="0" hangingPunct="1">
-              <a:lnSpc>
-                <a:spcPct val="100000"/>
-              </a:lnSpc>
-              <a:spcBef>
-                <a:spcPts val="0"/>
-              </a:spcBef>
-              <a:spcAft>
-                <a:spcPts val="0"/>
-              </a:spcAft>
-              <a:buClrTx/>
-              <a:buSzTx/>
-              <a:buFontTx/>
-              <a:buNone/>
-              <a:tabLst/>
-              <a:defRPr/>
-            </a:pPr>
-            <a:endParaRPr kumimoji="0" lang="en-US" sz="1800" b="0" i="0" u="none" strike="noStrike" kern="1200" cap="none" spc="0" normalizeH="0" baseline="0" noProof="0">
-              <a:ln>
-                <a:noFill/>
-              </a:ln>
-              <a:solidFill>
-                <a:srgbClr val="FFFFFF"/>
-              </a:solidFill>
-              <a:effectLst/>
-              <a:uLnTx/>
-              <a:uFillTx/>
-              <a:latin typeface="Avenir Next LT Pro"/>
-              <a:ea typeface="+mn-ea"/>
-              <a:cs typeface="+mn-cs"/>
-            </a:endParaRPr>
-          </a:p>
-        </p:txBody>
-      </p:sp>
-      <p:sp useBgFill="1">
-        <p:nvSpPr>
-          <p:cNvPr id="12" name="Rectangle 11">
-            <a:extLst>
-              <a:ext uri="{FF2B5EF4-FFF2-40B4-BE49-F238E27FC236}">
-                <a16:creationId xmlns:a16="http://schemas.microsoft.com/office/drawing/2014/main" id="{CEC1AE04-CD7F-32F8-7277-861721BB82DB}"/>
-              </a:ext>
-              <a:ext uri="{C183D7F6-B498-43B3-948B-1728B52AA6E4}">
-                <adec:decorative xmlns:adec="http://schemas.microsoft.com/office/drawing/2017/decorative" val="1"/>
-              </a:ext>
-            </a:extLst>
-          </p:cNvPr>
-          <p:cNvSpPr>
-            <a:spLocks noGrp="1" noRot="1" noChangeAspect="1" noMove="1" noResize="1" noEditPoints="1" noAdjustHandles="1" noChangeArrowheads="1" noChangeShapeType="1" noTextEdit="1"/>
-          </p:cNvSpPr>
-          <p:nvPr>
-            <p:extLst>
-              <p:ext uri="{386F3935-93C4-4BCD-93E2-E3B085C9AB24}">
-                <p16:designElem xmlns:p16="http://schemas.microsoft.com/office/powerpoint/2015/main" val="1"/>
-              </p:ext>
-            </p:extLst>
-          </p:nvPr>
-        </p:nvSpPr>
-        <p:spPr>
-          <a:xfrm>
-            <a:off x="0" y="762000"/>
-            <a:ext cx="12192000" cy="6096000"/>
-          </a:xfrm>
-          <a:prstGeom prst="rect">
-            <a:avLst/>
-          </a:prstGeom>
-          <a:ln w="76200">
-            <a:noFill/>
-          </a:ln>
-        </p:spPr>
-        <p:style>
-          <a:lnRef idx="2">
-            <a:schemeClr val="accent1">
-              <a:shade val="50000"/>
-            </a:schemeClr>
-          </a:lnRef>
-          <a:fillRef idx="1">
-            <a:schemeClr val="accent1"/>
-          </a:fillRef>
-          <a:effectRef idx="0">
-            <a:schemeClr val="accent1"/>
-          </a:effectRef>
-          <a:fontRef idx="minor">
-            <a:schemeClr val="lt1"/>
-          </a:fontRef>
-        </p:style>
-        <p:txBody>
-          <a:bodyPr rtlCol="0" anchor="ctr"/>
-          <a:lstStyle/>
-          <a:p>
-            <a:pPr marL="0" marR="0" lvl="0" indent="0" algn="ctr" defTabSz="914400" rtl="0" eaLnBrk="1" fontAlgn="auto" latinLnBrk="0" hangingPunct="1">
-              <a:lnSpc>
-                <a:spcPct val="100000"/>
-              </a:lnSpc>
-              <a:spcBef>
-                <a:spcPts val="0"/>
-              </a:spcBef>
-              <a:spcAft>
-                <a:spcPts val="0"/>
-              </a:spcAft>
-              <a:buClrTx/>
-              <a:buSzTx/>
-              <a:buFontTx/>
-              <a:buNone/>
-              <a:tabLst/>
-              <a:defRPr/>
-            </a:pPr>
-            <a:endParaRPr kumimoji="0" lang="en-US" sz="1800" b="0" i="0" u="none" strike="noStrike" kern="1200" cap="none" spc="0" normalizeH="0" baseline="0" noProof="0">
-              <a:ln>
-                <a:noFill/>
-              </a:ln>
-              <a:solidFill>
-                <a:srgbClr val="FFFFFF"/>
-              </a:solidFill>
-              <a:effectLst/>
-              <a:uLnTx/>
-              <a:uFillTx/>
-              <a:latin typeface="Avenir Next LT Pro"/>
-              <a:ea typeface="+mn-ea"/>
-              <a:cs typeface="+mn-cs"/>
-            </a:endParaRPr>
+            <a:pPr algn="ctr"/>
+            <a:endParaRPr lang="en-US"/>
           </a:p>
         </p:txBody>
       </p:sp>
@@ -9042,8 +10285,8 @@
         </p:nvSpPr>
         <p:spPr>
           <a:xfrm>
-            <a:off x="533840" y="1081899"/>
-            <a:ext cx="10668000" cy="1345115"/>
+            <a:off x="762000" y="755650"/>
+            <a:ext cx="6092023" cy="1345115"/>
           </a:xfrm>
         </p:spPr>
         <p:txBody>
@@ -9077,8 +10320,8 @@
         </p:nvSpPr>
         <p:spPr>
           <a:xfrm>
-            <a:off x="276759" y="1866111"/>
-            <a:ext cx="5408424" cy="3125777"/>
+            <a:off x="762000" y="2207969"/>
+            <a:ext cx="5519529" cy="3884983"/>
           </a:xfrm>
         </p:spPr>
         <p:txBody>
@@ -9093,10 +10336,7 @@
             </a:r>
           </a:p>
           <a:p>
-            <a:pPr marL="708660" marR="0" lvl="1" indent="-342900" algn="l" defTabSz="914400" rtl="0" eaLnBrk="1" fontAlgn="auto" latinLnBrk="0" hangingPunct="1">
-              <a:lnSpc>
-                <a:spcPct val="105000"/>
-              </a:lnSpc>
+            <a:pPr marL="708660" marR="0" lvl="1" indent="-342900" defTabSz="914400" rtl="0" eaLnBrk="1" fontAlgn="auto" latinLnBrk="0" hangingPunct="1">
               <a:spcBef>
                 <a:spcPts val="900"/>
               </a:spcBef>
@@ -9111,16 +10351,10 @@
               <a:defRPr/>
             </a:pPr>
             <a:r>
-              <a:rPr kumimoji="0" lang="en-US" sz="1600" b="1" i="0" u="none" strike="noStrike" kern="1200" cap="none" spc="0" normalizeH="0" baseline="0" noProof="0" dirty="0">
+              <a:rPr kumimoji="0" lang="en-US" b="1" i="0" u="none" strike="noStrike" kern="1200" cap="none" spc="0" normalizeH="0" baseline="0" noProof="0" dirty="0">
                 <a:ln>
                   <a:noFill/>
                 </a:ln>
-                <a:solidFill>
-                  <a:srgbClr val="000000">
-                    <a:lumMod val="75000"/>
-                    <a:lumOff val="25000"/>
-                  </a:srgbClr>
-                </a:solidFill>
                 <a:effectLst/>
                 <a:uLnTx/>
                 <a:uFillTx/>
@@ -9139,12 +10373,6 @@
               <a:ln>
                 <a:noFill/>
               </a:ln>
-              <a:solidFill>
-                <a:srgbClr val="000000">
-                  <a:lumMod val="75000"/>
-                  <a:lumOff val="25000"/>
-                </a:srgbClr>
-              </a:solidFill>
               <a:effectLst/>
               <a:uLnTx/>
               <a:uFillTx/>
@@ -9161,13 +10389,10 @@
               <a:buNone/>
               <a:defRPr/>
             </a:pPr>
-            <a:endParaRPr kumimoji="0" lang="en-US" sz="2600" i="0" u="none" strike="noStrike" kern="1200" cap="none" spc="0" normalizeH="0" baseline="0" noProof="0" dirty="0">
+            <a:endParaRPr kumimoji="0" lang="en-US" i="0" u="none" strike="noStrike" kern="1200" cap="none" spc="0" normalizeH="0" baseline="0" noProof="0" dirty="0">
               <a:ln>
                 <a:noFill/>
               </a:ln>
-              <a:solidFill>
-                <a:srgbClr val="000000"/>
-              </a:solidFill>
               <a:effectLst/>
               <a:uLnTx/>
               <a:uFillTx/>
@@ -9184,13 +10409,10 @@
               <a:buNone/>
               <a:defRPr/>
             </a:pPr>
-            <a:endParaRPr kumimoji="0" lang="en-US" sz="2600" i="0" u="none" strike="noStrike" kern="1200" cap="none" spc="0" normalizeH="0" baseline="0" noProof="0" dirty="0">
+            <a:endParaRPr kumimoji="0" lang="en-US" i="0" u="none" strike="noStrike" kern="1200" cap="none" spc="0" normalizeH="0" baseline="0" noProof="0" dirty="0">
               <a:ln>
                 <a:noFill/>
               </a:ln>
-              <a:solidFill>
-                <a:srgbClr val="000000"/>
-              </a:solidFill>
               <a:effectLst/>
               <a:uLnTx/>
               <a:uFillTx/>
@@ -9218,10 +10440,10 @@
       </p:sp>
       <p:pic>
         <p:nvPicPr>
-          <p:cNvPr id="6146" name="Picture 2">
+          <p:cNvPr id="3074" name="Picture 2">
             <a:extLst>
               <a:ext uri="{FF2B5EF4-FFF2-40B4-BE49-F238E27FC236}">
-                <a16:creationId xmlns:a16="http://schemas.microsoft.com/office/drawing/2014/main" id="{869F46BE-3E9B-7D3D-1A87-EA1010BDEDDB}"/>
+                <a16:creationId xmlns:a16="http://schemas.microsoft.com/office/drawing/2014/main" id="{588FF957-8911-C246-BE81-89D23413B805}"/>
               </a:ext>
             </a:extLst>
           </p:cNvPr>
@@ -9238,15 +10460,14 @@
               </a:ext>
             </a:extLst>
           </a:blip>
-          <a:srcRect/>
           <a:stretch>
             <a:fillRect/>
           </a:stretch>
         </p:blipFill>
         <p:spPr bwMode="auto">
           <a:xfrm>
-            <a:off x="7309382" y="1357853"/>
-            <a:ext cx="4707552" cy="4703197"/>
+            <a:off x="6453416" y="1302567"/>
+            <a:ext cx="4790385" cy="4790385"/>
           </a:xfrm>
           <a:prstGeom prst="rect">
             <a:avLst/>
@@ -9292,7 +10513,7 @@
         <p:cNvPr id="1" name="">
           <a:extLst>
             <a:ext uri="{FF2B5EF4-FFF2-40B4-BE49-F238E27FC236}">
-              <a16:creationId xmlns:a16="http://schemas.microsoft.com/office/drawing/2014/main" id="{E87E892A-53A6-6BA0-C09A-F5B9746BEB09}"/>
+              <a16:creationId xmlns:a16="http://schemas.microsoft.com/office/drawing/2014/main" id="{438364B3-E7DD-24F2-57D0-A95FEF962CBB}"/>
             </a:ext>
           </a:extLst>
         </p:cNvPr>
@@ -9309,10 +10530,10 @@
       </p:grpSpPr>
       <p:sp useBgFill="1">
         <p:nvSpPr>
-          <p:cNvPr id="8" name="Rectangle 7">
+          <p:cNvPr id="6153" name="Rectangle 6152">
             <a:extLst>
               <a:ext uri="{FF2B5EF4-FFF2-40B4-BE49-F238E27FC236}">
-                <a16:creationId xmlns:a16="http://schemas.microsoft.com/office/drawing/2014/main" id="{EB618EBB-41F5-683D-993B-007B4D75F341}"/>
+                <a16:creationId xmlns:a16="http://schemas.microsoft.com/office/drawing/2014/main" id="{84136905-015B-4510-B514-027CBA846BD6}"/>
               </a:ext>
               <a:ext uri="{C183D7F6-B498-43B3-948B-1728B52AA6E4}">
                 <adec:decorative xmlns:adec="http://schemas.microsoft.com/office/drawing/2017/decorative" val="1"/>
@@ -9362,239 +10583,8 @@
           <a:bodyPr rtlCol="0" anchor="ctr"/>
           <a:lstStyle/>
           <a:p>
-            <a:pPr marL="0" marR="0" lvl="0" indent="0" algn="ctr" defTabSz="914400" rtl="0" eaLnBrk="1" fontAlgn="auto" latinLnBrk="0" hangingPunct="1">
-              <a:lnSpc>
-                <a:spcPct val="100000"/>
-              </a:lnSpc>
-              <a:spcBef>
-                <a:spcPts val="0"/>
-              </a:spcBef>
-              <a:spcAft>
-                <a:spcPts val="0"/>
-              </a:spcAft>
-              <a:buClrTx/>
-              <a:buSzTx/>
-              <a:buFontTx/>
-              <a:buNone/>
-              <a:tabLst/>
-              <a:defRPr/>
-            </a:pPr>
-            <a:endParaRPr kumimoji="0" lang="en-US" sz="1800" b="0" i="0" u="none" strike="noStrike" kern="1200" cap="none" spc="0" normalizeH="0" baseline="0" noProof="0">
-              <a:ln>
-                <a:noFill/>
-              </a:ln>
-              <a:solidFill>
-                <a:srgbClr val="FFFFFF"/>
-              </a:solidFill>
-              <a:effectLst/>
-              <a:uLnTx/>
-              <a:uFillTx/>
-              <a:latin typeface="Avenir Next LT Pro"/>
-              <a:ea typeface="+mn-ea"/>
-              <a:cs typeface="+mn-cs"/>
-            </a:endParaRPr>
-          </a:p>
-        </p:txBody>
-      </p:sp>
-      <p:sp>
-        <p:nvSpPr>
-          <p:cNvPr id="10" name="Rectangle 9">
-            <a:extLst>
-              <a:ext uri="{FF2B5EF4-FFF2-40B4-BE49-F238E27FC236}">
-                <a16:creationId xmlns:a16="http://schemas.microsoft.com/office/drawing/2014/main" id="{D416AC3C-5DCE-AEE6-2DD0-B717E327E1A9}"/>
-              </a:ext>
-              <a:ext uri="{C183D7F6-B498-43B3-948B-1728B52AA6E4}">
-                <adec:decorative xmlns:adec="http://schemas.microsoft.com/office/drawing/2017/decorative" val="1"/>
-              </a:ext>
-            </a:extLst>
-          </p:cNvPr>
-          <p:cNvSpPr>
-            <a:spLocks noGrp="1" noRot="1" noChangeAspect="1" noMove="1" noResize="1" noEditPoints="1" noAdjustHandles="1" noChangeArrowheads="1" noChangeShapeType="1" noTextEdit="1"/>
-          </p:cNvSpPr>
-          <p:nvPr>
-            <p:extLst>
-              <p:ext uri="{386F3935-93C4-4BCD-93E2-E3B085C9AB24}">
-                <p16:designElem xmlns:p16="http://schemas.microsoft.com/office/powerpoint/2015/main" val="1"/>
-              </p:ext>
-            </p:extLst>
-          </p:nvPr>
-        </p:nvSpPr>
-        <p:spPr>
-          <a:xfrm>
-            <a:off x="0" y="0"/>
-            <a:ext cx="12192000" cy="6858000"/>
-          </a:xfrm>
-          <a:prstGeom prst="rect">
-            <a:avLst/>
-          </a:prstGeom>
-          <a:gradFill flip="none" rotWithShape="1">
-            <a:gsLst>
-              <a:gs pos="10000">
-                <a:schemeClr val="accent5"/>
-              </a:gs>
-              <a:gs pos="90000">
-                <a:schemeClr val="accent1"/>
-              </a:gs>
-              <a:gs pos="70000">
-                <a:schemeClr val="accent2"/>
-              </a:gs>
-              <a:gs pos="30000">
-                <a:schemeClr val="accent4"/>
-              </a:gs>
-              <a:gs pos="50000">
-                <a:schemeClr val="accent3">
-                  <a:lumMod val="60000"/>
-                  <a:lumOff val="40000"/>
-                </a:schemeClr>
-              </a:gs>
-            </a:gsLst>
-            <a:lin ang="7200000" scaled="0"/>
-            <a:tileRect/>
-          </a:gradFill>
-          <a:ln>
-            <a:noFill/>
-          </a:ln>
-        </p:spPr>
-        <p:style>
-          <a:lnRef idx="2">
-            <a:schemeClr val="accent1">
-              <a:shade val="50000"/>
-            </a:schemeClr>
-          </a:lnRef>
-          <a:fillRef idx="1">
-            <a:schemeClr val="accent1"/>
-          </a:fillRef>
-          <a:effectRef idx="0">
-            <a:schemeClr val="accent1"/>
-          </a:effectRef>
-          <a:fontRef idx="minor">
-            <a:schemeClr val="lt1"/>
-          </a:fontRef>
-        </p:style>
-        <p:txBody>
-          <a:bodyPr rtlCol="0" anchor="ctr"/>
-          <a:lstStyle/>
-          <a:p>
-            <a:pPr marL="0" marR="0" lvl="0" indent="0" algn="ctr" defTabSz="914400" rtl="0" eaLnBrk="1" fontAlgn="auto" latinLnBrk="0" hangingPunct="1">
-              <a:lnSpc>
-                <a:spcPct val="100000"/>
-              </a:lnSpc>
-              <a:spcBef>
-                <a:spcPts val="0"/>
-              </a:spcBef>
-              <a:spcAft>
-                <a:spcPts val="0"/>
-              </a:spcAft>
-              <a:buClrTx/>
-              <a:buSzTx/>
-              <a:buFontTx/>
-              <a:buNone/>
-              <a:tabLst/>
-              <a:defRPr/>
-            </a:pPr>
-            <a:endParaRPr kumimoji="0" lang="en-US" sz="1800" b="0" i="0" u="none" strike="noStrike" kern="1200" cap="none" spc="0" normalizeH="0" baseline="0" noProof="0">
-              <a:ln>
-                <a:noFill/>
-              </a:ln>
-              <a:solidFill>
-                <a:srgbClr val="FFFFFF"/>
-              </a:solidFill>
-              <a:effectLst/>
-              <a:uLnTx/>
-              <a:uFillTx/>
-              <a:latin typeface="Avenir Next LT Pro"/>
-              <a:ea typeface="+mn-ea"/>
-              <a:cs typeface="+mn-cs"/>
-            </a:endParaRPr>
-          </a:p>
-        </p:txBody>
-      </p:sp>
-      <p:sp useBgFill="1">
-        <p:nvSpPr>
-          <p:cNvPr id="12" name="Rectangle 11">
-            <a:extLst>
-              <a:ext uri="{FF2B5EF4-FFF2-40B4-BE49-F238E27FC236}">
-                <a16:creationId xmlns:a16="http://schemas.microsoft.com/office/drawing/2014/main" id="{1FDC6E00-FF15-4DBA-E113-9736EC2EBF54}"/>
-              </a:ext>
-              <a:ext uri="{C183D7F6-B498-43B3-948B-1728B52AA6E4}">
-                <adec:decorative xmlns:adec="http://schemas.microsoft.com/office/drawing/2017/decorative" val="1"/>
-              </a:ext>
-            </a:extLst>
-          </p:cNvPr>
-          <p:cNvSpPr>
-            <a:spLocks noGrp="1" noRot="1" noChangeAspect="1" noMove="1" noResize="1" noEditPoints="1" noAdjustHandles="1" noChangeArrowheads="1" noChangeShapeType="1" noTextEdit="1"/>
-          </p:cNvSpPr>
-          <p:nvPr>
-            <p:extLst>
-              <p:ext uri="{386F3935-93C4-4BCD-93E2-E3B085C9AB24}">
-                <p16:designElem xmlns:p16="http://schemas.microsoft.com/office/powerpoint/2015/main" val="1"/>
-              </p:ext>
-            </p:extLst>
-          </p:nvPr>
-        </p:nvSpPr>
-        <p:spPr>
-          <a:xfrm>
-            <a:off x="0" y="762000"/>
-            <a:ext cx="12192000" cy="6096000"/>
-          </a:xfrm>
-          <a:prstGeom prst="rect">
-            <a:avLst/>
-          </a:prstGeom>
-          <a:ln w="76200">
-            <a:noFill/>
-          </a:ln>
-        </p:spPr>
-        <p:style>
-          <a:lnRef idx="2">
-            <a:schemeClr val="accent1">
-              <a:shade val="50000"/>
-            </a:schemeClr>
-          </a:lnRef>
-          <a:fillRef idx="1">
-            <a:schemeClr val="accent1"/>
-          </a:fillRef>
-          <a:effectRef idx="0">
-            <a:schemeClr val="accent1"/>
-          </a:effectRef>
-          <a:fontRef idx="minor">
-            <a:schemeClr val="lt1"/>
-          </a:fontRef>
-        </p:style>
-        <p:txBody>
-          <a:bodyPr rtlCol="0" anchor="ctr"/>
-          <a:lstStyle/>
-          <a:p>
-            <a:pPr marL="0" marR="0" lvl="0" indent="0" algn="ctr" defTabSz="914400" rtl="0" eaLnBrk="1" fontAlgn="auto" latinLnBrk="0" hangingPunct="1">
-              <a:lnSpc>
-                <a:spcPct val="100000"/>
-              </a:lnSpc>
-              <a:spcBef>
-                <a:spcPts val="0"/>
-              </a:spcBef>
-              <a:spcAft>
-                <a:spcPts val="0"/>
-              </a:spcAft>
-              <a:buClrTx/>
-              <a:buSzTx/>
-              <a:buFontTx/>
-              <a:buNone/>
-              <a:tabLst/>
-              <a:defRPr/>
-            </a:pPr>
-            <a:endParaRPr kumimoji="0" lang="en-US" sz="1800" b="0" i="0" u="none" strike="noStrike" kern="1200" cap="none" spc="0" normalizeH="0" baseline="0" noProof="0">
-              <a:ln>
-                <a:noFill/>
-              </a:ln>
-              <a:solidFill>
-                <a:srgbClr val="FFFFFF"/>
-              </a:solidFill>
-              <a:effectLst/>
-              <a:uLnTx/>
-              <a:uFillTx/>
-              <a:latin typeface="Avenir Next LT Pro"/>
-              <a:ea typeface="+mn-ea"/>
-              <a:cs typeface="+mn-cs"/>
-            </a:endParaRPr>
+            <a:pPr algn="ctr"/>
+            <a:endParaRPr lang="en-US"/>
           </a:p>
         </p:txBody>
       </p:sp>
@@ -9603,7 +10593,7 @@
           <p:cNvPr id="2" name="Title 1">
             <a:extLst>
               <a:ext uri="{FF2B5EF4-FFF2-40B4-BE49-F238E27FC236}">
-                <a16:creationId xmlns:a16="http://schemas.microsoft.com/office/drawing/2014/main" id="{C366137E-AEA2-5A04-8B6A-38850090C4E6}"/>
+                <a16:creationId xmlns:a16="http://schemas.microsoft.com/office/drawing/2014/main" id="{C51E5E4F-DCE8-984D-CB5D-384E5F5E66FB}"/>
               </a:ext>
             </a:extLst>
           </p:cNvPr>
@@ -9616,8 +10606,8 @@
         </p:nvSpPr>
         <p:spPr>
           <a:xfrm>
-            <a:off x="533840" y="1081899"/>
-            <a:ext cx="10668000" cy="1345115"/>
+            <a:off x="762000" y="755650"/>
+            <a:ext cx="6624762" cy="1345115"/>
           </a:xfrm>
         </p:spPr>
         <p:txBody>
@@ -9628,16 +10618,8 @@
           <a:p>
             <a:r>
               <a:rPr lang="en-US" dirty="0"/>
-              <a:t>Model Explanation - </a:t>
-            </a:r>
-            <a:r>
-              <a:rPr lang="en-US" b="1" dirty="0"/>
-              <a:t>Feature Selection</a:t>
-            </a:r>
-            <a:br>
-              <a:rPr lang="en-US" b="1" dirty="0"/>
-            </a:br>
-            <a:endParaRPr lang="en-US" dirty="0"/>
+              <a:t>International Plan Churn</a:t>
+            </a:r>
           </a:p>
         </p:txBody>
       </p:sp>
@@ -9646,7 +10628,7 @@
           <p:cNvPr id="3" name="Content Placeholder 2">
             <a:extLst>
               <a:ext uri="{FF2B5EF4-FFF2-40B4-BE49-F238E27FC236}">
-                <a16:creationId xmlns:a16="http://schemas.microsoft.com/office/drawing/2014/main" id="{EC909ED9-10ED-1D9B-4457-3A7C65949D87}"/>
+                <a16:creationId xmlns:a16="http://schemas.microsoft.com/office/drawing/2014/main" id="{BB2BCAA4-6804-75EB-4137-1E9EC90FCF30}"/>
               </a:ext>
             </a:extLst>
           </p:cNvPr>
@@ -9659,8 +10641,8 @@
         </p:nvSpPr>
         <p:spPr>
           <a:xfrm>
-            <a:off x="276758" y="1866111"/>
-            <a:ext cx="11452996" cy="3125777"/>
+            <a:off x="762001" y="2207969"/>
+            <a:ext cx="4875474" cy="3884983"/>
           </a:xfrm>
         </p:spPr>
         <p:txBody>
@@ -9670,165 +10652,100 @@
           <a:lstStyle/>
           <a:p>
             <a:r>
-              <a:rPr lang="en-US" sz="2000" i="1" dirty="0">
-                <a:solidFill>
-                  <a:srgbClr val="000000">
-                    <a:lumMod val="75000"/>
-                    <a:lumOff val="25000"/>
-                  </a:srgbClr>
-                </a:solidFill>
+              <a:rPr lang="en-US" b="1" dirty="0"/>
+              <a:t>Key Takeaways</a:t>
+            </a:r>
+          </a:p>
+          <a:p>
+            <a:pPr marL="708660" marR="0" lvl="1" indent="-342900" defTabSz="914400" rtl="0" eaLnBrk="1" fontAlgn="auto" latinLnBrk="0" hangingPunct="1">
+              <a:spcBef>
+                <a:spcPts val="900"/>
+              </a:spcBef>
+              <a:spcAft>
+                <a:spcPts val="0"/>
+              </a:spcAft>
+              <a:buClrTx/>
+              <a:buSzTx/>
+              <a:buFont typeface="Arial" panose="020B0604020202020204" pitchFamily="34" charset="0"/>
+              <a:buChar char="•"/>
+              <a:tabLst/>
+              <a:defRPr/>
+            </a:pPr>
+            <a:r>
+              <a:rPr kumimoji="0" lang="en-US" b="1" i="0" u="none" strike="noStrike" kern="1200" cap="none" spc="0" normalizeH="0" baseline="0" noProof="0" dirty="0">
+                <a:ln>
+                  <a:noFill/>
+                </a:ln>
+                <a:effectLst/>
+                <a:uLnTx/>
+                <a:uFillTx/>
+                <a:latin typeface="Avenir Next LT Pro"/>
+                <a:ea typeface="+mn-ea"/>
+                <a:cs typeface="+mn-cs"/>
+              </a:rPr>
+              <a:t>People with an international plan churn 42.4% of the time</a:t>
+            </a:r>
+          </a:p>
+          <a:p>
+            <a:pPr marL="708660" marR="0" lvl="1" indent="-342900" defTabSz="914400" rtl="0" eaLnBrk="1" fontAlgn="auto" latinLnBrk="0" hangingPunct="1">
+              <a:spcBef>
+                <a:spcPts val="900"/>
+              </a:spcBef>
+              <a:spcAft>
+                <a:spcPts val="0"/>
+              </a:spcAft>
+              <a:buClrTx/>
+              <a:buSzTx/>
+              <a:buFont typeface="Arial" panose="020B0604020202020204" pitchFamily="34" charset="0"/>
+              <a:buChar char="•"/>
+              <a:tabLst/>
+              <a:defRPr/>
+            </a:pPr>
+            <a:r>
+              <a:rPr lang="en-US" b="1" dirty="0">
                 <a:latin typeface="Avenir Next LT Pro"/>
               </a:rPr>
-              <a:t>We selected features with the highest correlation with our target Churn variable</a:t>
-            </a:r>
-          </a:p>
-          <a:p>
-            <a:pPr marL="342900" indent="-342900">
-              <a:buFont typeface="+mj-lt"/>
-              <a:buAutoNum type="arabicPeriod"/>
+              <a:t>People without an international plan only churn 11.5% of the time</a:t>
+            </a:r>
+          </a:p>
+          <a:p>
+            <a:pPr marL="708660" marR="0" lvl="1" indent="-342900" defTabSz="914400" rtl="0" eaLnBrk="1" fontAlgn="auto" latinLnBrk="0" hangingPunct="1">
+              <a:spcBef>
+                <a:spcPts val="900"/>
+              </a:spcBef>
+              <a:spcAft>
+                <a:spcPts val="0"/>
+              </a:spcAft>
+              <a:buClrTx/>
+              <a:buSzTx/>
+              <a:buFont typeface="Arial" panose="020B0604020202020204" pitchFamily="34" charset="0"/>
+              <a:buChar char="•"/>
+              <a:tabLst/>
+              <a:defRPr/>
             </a:pPr>
             <a:r>
-              <a:rPr lang="en-US" sz="1600" b="1" dirty="0">
-                <a:solidFill>
-                  <a:srgbClr val="000000">
-                    <a:lumMod val="75000"/>
-                    <a:lumOff val="25000"/>
-                  </a:srgbClr>
-                </a:solidFill>
+              <a:rPr kumimoji="0" lang="en-US" b="1" i="0" u="none" strike="noStrike" kern="1200" cap="none" spc="0" normalizeH="0" baseline="0" noProof="0" dirty="0">
+                <a:ln>
+                  <a:noFill/>
+                </a:ln>
+                <a:effectLst/>
+                <a:uLnTx/>
+                <a:uFillTx/>
                 <a:latin typeface="Avenir Next LT Pro"/>
+                <a:ea typeface="+mn-ea"/>
+                <a:cs typeface="+mn-cs"/>
               </a:rPr>
-              <a:t>Customer Service Calls: </a:t>
-            </a:r>
-            <a:r>
-              <a:rPr lang="en-US" sz="1600" dirty="0">
-                <a:solidFill>
-                  <a:srgbClr val="000000">
-                    <a:lumMod val="75000"/>
-                    <a:lumOff val="25000"/>
-                  </a:srgbClr>
-                </a:solidFill>
-                <a:latin typeface="Avenir Next LT Pro"/>
-              </a:rPr>
-              <a:t>Customers who make frequent calls to customer service are more likely to churn. This suggests dissatisfaction or unresolved issues.</a:t>
-            </a:r>
-          </a:p>
-          <a:p>
-            <a:pPr marL="342900" indent="-342900">
-              <a:buFont typeface="+mj-lt"/>
-              <a:buAutoNum type="arabicPeriod"/>
+              <a:t>Significant 30.9% difference between having a plan vs not</a:t>
+            </a:r>
+          </a:p>
+          <a:p>
+            <a:pPr marL="0" indent="0">
+              <a:buNone/>
             </a:pPr>
-            <a:r>
-              <a:rPr lang="en-US" sz="1600" b="1" dirty="0">
-                <a:solidFill>
-                  <a:srgbClr val="000000">
-                    <a:lumMod val="75000"/>
-                    <a:lumOff val="25000"/>
-                  </a:srgbClr>
-                </a:solidFill>
-                <a:latin typeface="Avenir Next LT Pro"/>
-              </a:rPr>
-              <a:t>International Plan: </a:t>
-            </a:r>
-            <a:r>
-              <a:rPr lang="en-US" sz="1600" dirty="0">
-                <a:solidFill>
-                  <a:srgbClr val="000000">
-                    <a:lumMod val="75000"/>
-                    <a:lumOff val="25000"/>
-                  </a:srgbClr>
-                </a:solidFill>
-                <a:latin typeface="Avenir Next LT Pro"/>
-              </a:rPr>
-              <a:t>Customers with an international calling plan are more likely to churn. This might indicate dissatisfaction with international service pricing or competitors offering better deals.</a:t>
-            </a:r>
-          </a:p>
-          <a:p>
-            <a:pPr marL="342900" indent="-342900">
-              <a:buFont typeface="+mj-lt"/>
-              <a:buAutoNum type="arabicPeriod"/>
-            </a:pPr>
-            <a:r>
-              <a:rPr lang="en-US" sz="1600" b="1" dirty="0">
-                <a:solidFill>
-                  <a:srgbClr val="000000">
-                    <a:lumMod val="75000"/>
-                    <a:lumOff val="25000"/>
-                  </a:srgbClr>
-                </a:solidFill>
-                <a:latin typeface="Avenir Next LT Pro"/>
-              </a:rPr>
-              <a:t>Voice Mail Plan: </a:t>
-            </a:r>
-            <a:r>
-              <a:rPr lang="en-US" sz="1600" dirty="0">
-                <a:solidFill>
-                  <a:srgbClr val="000000">
-                    <a:lumMod val="75000"/>
-                    <a:lumOff val="25000"/>
-                  </a:srgbClr>
-                </a:solidFill>
-                <a:latin typeface="Avenir Next LT Pro"/>
-              </a:rPr>
-              <a:t>The presence or absence of a voicemail plan also contributes to predicting churn. It could reflect usage patterns or preferences.</a:t>
-            </a:r>
-          </a:p>
-          <a:p>
-            <a:pPr marL="342900" indent="-342900">
-              <a:buFont typeface="+mj-lt"/>
-              <a:buAutoNum type="arabicPeriod"/>
-            </a:pPr>
-            <a:r>
-              <a:rPr lang="en-US" sz="1600" b="1" dirty="0">
-                <a:solidFill>
-                  <a:srgbClr val="000000">
-                    <a:lumMod val="75000"/>
-                    <a:lumOff val="25000"/>
-                  </a:srgbClr>
-                </a:solidFill>
-                <a:latin typeface="Avenir Next LT Pro"/>
-              </a:rPr>
-              <a:t>Total International Calls: </a:t>
-            </a:r>
-            <a:r>
-              <a:rPr lang="en-US" sz="1600" dirty="0">
-                <a:solidFill>
-                  <a:srgbClr val="000000">
-                    <a:lumMod val="75000"/>
-                    <a:lumOff val="25000"/>
-                  </a:srgbClr>
-                </a:solidFill>
-                <a:latin typeface="Avenir Next LT Pro"/>
-              </a:rPr>
-              <a:t>The number of international calls made could signal specific customer behaviors or service usage patterns that relate to churn. </a:t>
-            </a:r>
-          </a:p>
-          <a:p>
-            <a:pPr marL="342900" indent="-342900">
-              <a:buFont typeface="+mj-lt"/>
-              <a:buAutoNum type="arabicPeriod"/>
-            </a:pPr>
-            <a:endParaRPr lang="en-US" sz="1600" dirty="0">
-              <a:solidFill>
-                <a:srgbClr val="000000">
-                  <a:lumMod val="75000"/>
-                  <a:lumOff val="25000"/>
-                </a:srgbClr>
-              </a:solidFill>
-              <a:latin typeface="Avenir Next LT Pro"/>
-            </a:endParaRPr>
-          </a:p>
-          <a:p>
-            <a:pPr marL="788670" lvl="2" indent="-514350"/>
-            <a:endParaRPr kumimoji="0" lang="en-US" sz="1000" i="0" u="none" strike="noStrike" kern="1200" cap="none" spc="0" normalizeH="0" baseline="0" noProof="0" dirty="0">
+            <a:endParaRPr kumimoji="0" lang="en-US" b="0" i="0" u="none" strike="noStrike" kern="1200" cap="none" spc="0" normalizeH="0" baseline="0" noProof="0" dirty="0">
               <a:ln>
                 <a:noFill/>
               </a:ln>
-              <a:solidFill>
-                <a:srgbClr val="000000">
-                  <a:lumMod val="75000"/>
-                  <a:lumOff val="25000"/>
-                </a:srgbClr>
-              </a:solidFill>
               <a:effectLst/>
               <a:uLnTx/>
               <a:uFillTx/>
@@ -9845,13 +10762,10 @@
               <a:buNone/>
               <a:defRPr/>
             </a:pPr>
-            <a:endParaRPr kumimoji="0" lang="en-US" sz="2600" i="0" u="none" strike="noStrike" kern="1200" cap="none" spc="0" normalizeH="0" baseline="0" noProof="0" dirty="0">
+            <a:endParaRPr kumimoji="0" lang="en-US" i="0" u="none" strike="noStrike" kern="1200" cap="none" spc="0" normalizeH="0" baseline="0" noProof="0" dirty="0">
               <a:ln>
                 <a:noFill/>
               </a:ln>
-              <a:solidFill>
-                <a:srgbClr val="000000"/>
-              </a:solidFill>
               <a:effectLst/>
               <a:uLnTx/>
               <a:uFillTx/>
@@ -9868,13 +10782,10 @@
               <a:buNone/>
               <a:defRPr/>
             </a:pPr>
-            <a:endParaRPr kumimoji="0" lang="en-US" sz="2600" i="0" u="none" strike="noStrike" kern="1200" cap="none" spc="0" normalizeH="0" baseline="0" noProof="0" dirty="0">
+            <a:endParaRPr kumimoji="0" lang="en-US" i="0" u="none" strike="noStrike" kern="1200" cap="none" spc="0" normalizeH="0" baseline="0" noProof="0" dirty="0">
               <a:ln>
                 <a:noFill/>
               </a:ln>
-              <a:solidFill>
-                <a:srgbClr val="000000"/>
-              </a:solidFill>
               <a:effectLst/>
               <a:uLnTx/>
               <a:uFillTx/>
@@ -9900,10 +10811,56 @@
           </a:p>
         </p:txBody>
       </p:sp>
+      <p:pic>
+        <p:nvPicPr>
+          <p:cNvPr id="6148" name="Picture 4">
+            <a:extLst>
+              <a:ext uri="{FF2B5EF4-FFF2-40B4-BE49-F238E27FC236}">
+                <a16:creationId xmlns:a16="http://schemas.microsoft.com/office/drawing/2014/main" id="{0AA4019C-1685-2E52-F13A-F1D11F0AA5D3}"/>
+              </a:ext>
+            </a:extLst>
+          </p:cNvPr>
+          <p:cNvPicPr>
+            <a:picLocks noChangeAspect="1" noChangeArrowheads="1"/>
+          </p:cNvPicPr>
+          <p:nvPr/>
+        </p:nvPicPr>
+        <p:blipFill>
+          <a:blip r:embed="rId2">
+            <a:extLst>
+              <a:ext uri="{28A0092B-C50C-407E-A947-70E740481C1C}">
+                <a14:useLocalDpi xmlns:a14="http://schemas.microsoft.com/office/drawing/2010/main" val="0"/>
+              </a:ext>
+            </a:extLst>
+          </a:blip>
+          <a:stretch>
+            <a:fillRect/>
+          </a:stretch>
+        </p:blipFill>
+        <p:spPr bwMode="auto">
+          <a:xfrm>
+            <a:off x="5872711" y="1812898"/>
+            <a:ext cx="6145008" cy="4071068"/>
+          </a:xfrm>
+          <a:prstGeom prst="rect">
+            <a:avLst/>
+          </a:prstGeom>
+          <a:noFill/>
+          <a:extLst>
+            <a:ext uri="{909E8E84-426E-40DD-AFC4-6F175D3DCCD1}">
+              <a14:hiddenFill xmlns:a14="http://schemas.microsoft.com/office/drawing/2010/main">
+                <a:solidFill>
+                  <a:srgbClr val="FFFFFF"/>
+                </a:solidFill>
+              </a14:hiddenFill>
+            </a:ext>
+          </a:extLst>
+        </p:spPr>
+      </p:pic>
     </p:spTree>
     <p:extLst>
       <p:ext uri="{BB962C8B-B14F-4D97-AF65-F5344CB8AC3E}">
-        <p14:creationId xmlns:p14="http://schemas.microsoft.com/office/powerpoint/2010/main" val="4173976318"/>
+        <p14:creationId xmlns:p14="http://schemas.microsoft.com/office/powerpoint/2010/main" val="872879150"/>
       </p:ext>
     </p:extLst>
   </p:cSld>
@@ -9929,7 +10886,7 @@
         <p:cNvPr id="1" name="">
           <a:extLst>
             <a:ext uri="{FF2B5EF4-FFF2-40B4-BE49-F238E27FC236}">
-              <a16:creationId xmlns:a16="http://schemas.microsoft.com/office/drawing/2014/main" id="{B4D9A14F-301C-C76D-DF1E-EB066AD7BCD0}"/>
+              <a16:creationId xmlns:a16="http://schemas.microsoft.com/office/drawing/2014/main" id="{98FA6BCF-D1C8-07FC-5A91-A6586CBE21BC}"/>
             </a:ext>
           </a:extLst>
         </p:cNvPr>
@@ -9946,10 +10903,10 @@
       </p:grpSpPr>
       <p:sp useBgFill="1">
         <p:nvSpPr>
-          <p:cNvPr id="8" name="Rectangle 7">
+          <p:cNvPr id="3079" name="Rectangle 3078">
             <a:extLst>
               <a:ext uri="{FF2B5EF4-FFF2-40B4-BE49-F238E27FC236}">
-                <a16:creationId xmlns:a16="http://schemas.microsoft.com/office/drawing/2014/main" id="{B2377083-D87F-55BF-D636-211D88C26D17}"/>
+                <a16:creationId xmlns:a16="http://schemas.microsoft.com/office/drawing/2014/main" id="{1580E199-3FBA-222C-3180-AAA53E55B5CF}"/>
               </a:ext>
               <a:ext uri="{C183D7F6-B498-43B3-948B-1728B52AA6E4}">
                 <adec:decorative xmlns:adec="http://schemas.microsoft.com/office/drawing/2017/decorative" val="1"/>
@@ -10035,212 +10992,10 @@
       </p:sp>
       <p:sp>
         <p:nvSpPr>
-          <p:cNvPr id="10" name="Rectangle 9">
+          <p:cNvPr id="2" name="Title 1">
             <a:extLst>
               <a:ext uri="{FF2B5EF4-FFF2-40B4-BE49-F238E27FC236}">
-                <a16:creationId xmlns:a16="http://schemas.microsoft.com/office/drawing/2014/main" id="{73AEB1CB-68CA-DBC5-8882-44AE0D819BCD}"/>
-              </a:ext>
-              <a:ext uri="{C183D7F6-B498-43B3-948B-1728B52AA6E4}">
-                <adec:decorative xmlns:adec="http://schemas.microsoft.com/office/drawing/2017/decorative" val="1"/>
-              </a:ext>
-            </a:extLst>
-          </p:cNvPr>
-          <p:cNvSpPr>
-            <a:spLocks noGrp="1" noRot="1" noChangeAspect="1" noMove="1" noResize="1" noEditPoints="1" noAdjustHandles="1" noChangeArrowheads="1" noChangeShapeType="1" noTextEdit="1"/>
-          </p:cNvSpPr>
-          <p:nvPr>
-            <p:extLst>
-              <p:ext uri="{386F3935-93C4-4BCD-93E2-E3B085C9AB24}">
-                <p16:designElem xmlns:p16="http://schemas.microsoft.com/office/powerpoint/2015/main" val="1"/>
-              </p:ext>
-            </p:extLst>
-          </p:nvPr>
-        </p:nvSpPr>
-        <p:spPr>
-          <a:xfrm>
-            <a:off x="0" y="0"/>
-            <a:ext cx="12192000" cy="6858000"/>
-          </a:xfrm>
-          <a:prstGeom prst="rect">
-            <a:avLst/>
-          </a:prstGeom>
-          <a:gradFill flip="none" rotWithShape="1">
-            <a:gsLst>
-              <a:gs pos="10000">
-                <a:schemeClr val="accent5"/>
-              </a:gs>
-              <a:gs pos="90000">
-                <a:schemeClr val="accent1"/>
-              </a:gs>
-              <a:gs pos="70000">
-                <a:schemeClr val="accent2"/>
-              </a:gs>
-              <a:gs pos="30000">
-                <a:schemeClr val="accent4"/>
-              </a:gs>
-              <a:gs pos="50000">
-                <a:schemeClr val="accent3">
-                  <a:lumMod val="60000"/>
-                  <a:lumOff val="40000"/>
-                </a:schemeClr>
-              </a:gs>
-            </a:gsLst>
-            <a:lin ang="7200000" scaled="0"/>
-            <a:tileRect/>
-          </a:gradFill>
-          <a:ln>
-            <a:noFill/>
-          </a:ln>
-        </p:spPr>
-        <p:style>
-          <a:lnRef idx="2">
-            <a:schemeClr val="accent1">
-              <a:shade val="50000"/>
-            </a:schemeClr>
-          </a:lnRef>
-          <a:fillRef idx="1">
-            <a:schemeClr val="accent1"/>
-          </a:fillRef>
-          <a:effectRef idx="0">
-            <a:schemeClr val="accent1"/>
-          </a:effectRef>
-          <a:fontRef idx="minor">
-            <a:schemeClr val="lt1"/>
-          </a:fontRef>
-        </p:style>
-        <p:txBody>
-          <a:bodyPr rtlCol="0" anchor="ctr"/>
-          <a:lstStyle/>
-          <a:p>
-            <a:pPr marL="0" marR="0" lvl="0" indent="0" algn="ctr" defTabSz="914400" rtl="0" eaLnBrk="1" fontAlgn="auto" latinLnBrk="0" hangingPunct="1">
-              <a:lnSpc>
-                <a:spcPct val="100000"/>
-              </a:lnSpc>
-              <a:spcBef>
-                <a:spcPts val="0"/>
-              </a:spcBef>
-              <a:spcAft>
-                <a:spcPts val="0"/>
-              </a:spcAft>
-              <a:buClrTx/>
-              <a:buSzTx/>
-              <a:buFontTx/>
-              <a:buNone/>
-              <a:tabLst/>
-              <a:defRPr/>
-            </a:pPr>
-            <a:endParaRPr kumimoji="0" lang="en-US" sz="1800" b="0" i="0" u="none" strike="noStrike" kern="1200" cap="none" spc="0" normalizeH="0" baseline="0" noProof="0">
-              <a:ln>
-                <a:noFill/>
-              </a:ln>
-              <a:solidFill>
-                <a:srgbClr val="FFFFFF"/>
-              </a:solidFill>
-              <a:effectLst/>
-              <a:uLnTx/>
-              <a:uFillTx/>
-              <a:latin typeface="Avenir Next LT Pro"/>
-              <a:ea typeface="+mn-ea"/>
-              <a:cs typeface="+mn-cs"/>
-            </a:endParaRPr>
-          </a:p>
-        </p:txBody>
-      </p:sp>
-      <p:sp useBgFill="1">
-        <p:nvSpPr>
-          <p:cNvPr id="12" name="Rectangle 11">
-            <a:extLst>
-              <a:ext uri="{FF2B5EF4-FFF2-40B4-BE49-F238E27FC236}">
-                <a16:creationId xmlns:a16="http://schemas.microsoft.com/office/drawing/2014/main" id="{658AF780-4C1B-FB20-9A8B-3718F0114426}"/>
-              </a:ext>
-              <a:ext uri="{C183D7F6-B498-43B3-948B-1728B52AA6E4}">
-                <adec:decorative xmlns:adec="http://schemas.microsoft.com/office/drawing/2017/decorative" val="1"/>
-              </a:ext>
-            </a:extLst>
-          </p:cNvPr>
-          <p:cNvSpPr>
-            <a:spLocks noGrp="1" noRot="1" noChangeAspect="1" noMove="1" noResize="1" noEditPoints="1" noAdjustHandles="1" noChangeArrowheads="1" noChangeShapeType="1" noTextEdit="1"/>
-          </p:cNvSpPr>
-          <p:nvPr>
-            <p:extLst>
-              <p:ext uri="{386F3935-93C4-4BCD-93E2-E3B085C9AB24}">
-                <p16:designElem xmlns:p16="http://schemas.microsoft.com/office/powerpoint/2015/main" val="1"/>
-              </p:ext>
-            </p:extLst>
-          </p:nvPr>
-        </p:nvSpPr>
-        <p:spPr>
-          <a:xfrm>
-            <a:off x="0" y="762000"/>
-            <a:ext cx="12192000" cy="6096000"/>
-          </a:xfrm>
-          <a:prstGeom prst="rect">
-            <a:avLst/>
-          </a:prstGeom>
-          <a:ln w="76200">
-            <a:noFill/>
-          </a:ln>
-        </p:spPr>
-        <p:style>
-          <a:lnRef idx="2">
-            <a:schemeClr val="accent1">
-              <a:shade val="50000"/>
-            </a:schemeClr>
-          </a:lnRef>
-          <a:fillRef idx="1">
-            <a:schemeClr val="accent1"/>
-          </a:fillRef>
-          <a:effectRef idx="0">
-            <a:schemeClr val="accent1"/>
-          </a:effectRef>
-          <a:fontRef idx="minor">
-            <a:schemeClr val="lt1"/>
-          </a:fontRef>
-        </p:style>
-        <p:txBody>
-          <a:bodyPr rtlCol="0" anchor="ctr"/>
-          <a:lstStyle/>
-          <a:p>
-            <a:pPr marL="0" marR="0" lvl="0" indent="0" algn="ctr" defTabSz="914400" rtl="0" eaLnBrk="1" fontAlgn="auto" latinLnBrk="0" hangingPunct="1">
-              <a:lnSpc>
-                <a:spcPct val="100000"/>
-              </a:lnSpc>
-              <a:spcBef>
-                <a:spcPts val="0"/>
-              </a:spcBef>
-              <a:spcAft>
-                <a:spcPts val="0"/>
-              </a:spcAft>
-              <a:buClrTx/>
-              <a:buSzTx/>
-              <a:buFontTx/>
-              <a:buNone/>
-              <a:tabLst/>
-              <a:defRPr/>
-            </a:pPr>
-            <a:endParaRPr kumimoji="0" lang="en-US" sz="1800" b="0" i="0" u="none" strike="noStrike" kern="1200" cap="none" spc="0" normalizeH="0" baseline="0" noProof="0">
-              <a:ln>
-                <a:noFill/>
-              </a:ln>
-              <a:solidFill>
-                <a:srgbClr val="FFFFFF"/>
-              </a:solidFill>
-              <a:effectLst/>
-              <a:uLnTx/>
-              <a:uFillTx/>
-              <a:latin typeface="Avenir Next LT Pro"/>
-              <a:ea typeface="+mn-ea"/>
-              <a:cs typeface="+mn-cs"/>
-            </a:endParaRPr>
-          </a:p>
-        </p:txBody>
-      </p:sp>
-      <p:sp>
-        <p:nvSpPr>
-          <p:cNvPr id="2" name="Title 1">
-            <a:extLst>
-              <a:ext uri="{FF2B5EF4-FFF2-40B4-BE49-F238E27FC236}">
-                <a16:creationId xmlns:a16="http://schemas.microsoft.com/office/drawing/2014/main" id="{FA11DB89-3E68-C197-A4AA-EC3B141B7597}"/>
+                <a16:creationId xmlns:a16="http://schemas.microsoft.com/office/drawing/2014/main" id="{D4A2308F-DA11-DB2B-B9A1-6EAF1C1A4E59}"/>
               </a:ext>
             </a:extLst>
           </p:cNvPr>
@@ -10253,8 +11008,8 @@
         </p:nvSpPr>
         <p:spPr>
           <a:xfrm>
-            <a:off x="533840" y="1081899"/>
-            <a:ext cx="10668000" cy="1345115"/>
+            <a:off x="762000" y="755650"/>
+            <a:ext cx="6092023" cy="1345115"/>
           </a:xfrm>
         </p:spPr>
         <p:txBody>
@@ -10265,16 +11020,8 @@
           <a:p>
             <a:r>
               <a:rPr lang="en-US" dirty="0"/>
-              <a:t>Model Results – </a:t>
-            </a:r>
-            <a:r>
-              <a:rPr lang="en-US" b="1" dirty="0"/>
-              <a:t>Recommendations </a:t>
-            </a:r>
-            <a:br>
-              <a:rPr lang="en-US" b="1" dirty="0"/>
-            </a:br>
-            <a:endParaRPr lang="en-US" dirty="0"/>
+              <a:t>Correlation Matrix</a:t>
+            </a:r>
           </a:p>
         </p:txBody>
       </p:sp>
@@ -10283,7 +11030,7 @@
           <p:cNvPr id="3" name="Content Placeholder 2">
             <a:extLst>
               <a:ext uri="{FF2B5EF4-FFF2-40B4-BE49-F238E27FC236}">
-                <a16:creationId xmlns:a16="http://schemas.microsoft.com/office/drawing/2014/main" id="{8C3F51DD-9D3C-6BBC-5798-1B6850F1C0D0}"/>
+                <a16:creationId xmlns:a16="http://schemas.microsoft.com/office/drawing/2014/main" id="{1FE2CD8C-E4D5-44EE-07B0-8F69E852D5AA}"/>
               </a:ext>
             </a:extLst>
           </p:cNvPr>
@@ -10296,254 +11043,32 @@
         </p:nvSpPr>
         <p:spPr>
           <a:xfrm>
-            <a:off x="276758" y="1866111"/>
-            <a:ext cx="11452996" cy="4229889"/>
+            <a:off x="722244" y="1629246"/>
+            <a:ext cx="5519529" cy="3884983"/>
           </a:xfrm>
         </p:spPr>
         <p:txBody>
           <a:bodyPr>
-            <a:normAutofit fontScale="92500" lnSpcReduction="20000"/>
+            <a:normAutofit/>
           </a:bodyPr>
           <a:lstStyle/>
           <a:p>
-            <a:pPr algn="l"/>
-            <a:r>
-              <a:rPr lang="en-US" sz="2100" b="1" i="0" dirty="0">
-                <a:solidFill>
-                  <a:srgbClr val="000000"/>
-                </a:solidFill>
-                <a:effectLst/>
-                <a:latin typeface="Helvetica Neue"/>
-              </a:rPr>
-              <a:t>Customer Service Calls is the Strongest Predictor</a:t>
-            </a:r>
-          </a:p>
-          <a:p>
-            <a:pPr marL="537210" lvl="1" indent="-171450">
-              <a:buFont typeface="Arial" panose="020B0604020202020204" pitchFamily="34" charset="0"/>
-              <a:buChar char="•"/>
-            </a:pPr>
-            <a:r>
-              <a:rPr lang="en-US" sz="2100" b="0" i="0" dirty="0">
-                <a:solidFill>
-                  <a:srgbClr val="000000"/>
-                </a:solidFill>
-                <a:effectLst/>
-                <a:latin typeface="Helvetica Neue"/>
-              </a:rPr>
-              <a:t>The more frequently a customer contacts customer service, the higher the likelihood of churn. This suggests that resolving customer complaints efficiently could reduce churn. </a:t>
-            </a:r>
-          </a:p>
-          <a:p>
-            <a:r>
-              <a:rPr lang="en-US" sz="2100" b="1" dirty="0">
-                <a:solidFill>
-                  <a:srgbClr val="000000"/>
-                </a:solidFill>
-                <a:latin typeface="Helvetica Neue"/>
-              </a:rPr>
-              <a:t>Customers with an International Plan are at Higher Risk</a:t>
-            </a:r>
-            <a:endParaRPr lang="en-US" sz="2100" b="0" i="0" dirty="0">
-              <a:solidFill>
-                <a:srgbClr val="000000"/>
-              </a:solidFill>
-              <a:effectLst/>
-              <a:latin typeface="Helvetica Neue"/>
-            </a:endParaRPr>
-          </a:p>
-          <a:p>
-            <a:pPr marL="537210" lvl="1" indent="-171450">
-              <a:buFont typeface="Arial" panose="020B0604020202020204" pitchFamily="34" charset="0"/>
-              <a:buChar char="•"/>
-            </a:pPr>
-            <a:r>
-              <a:rPr lang="en-US" sz="2100" b="0" i="0" dirty="0">
-                <a:solidFill>
-                  <a:srgbClr val="000000"/>
-                </a:solidFill>
-                <a:effectLst/>
-                <a:latin typeface="Helvetica Neue"/>
-              </a:rPr>
-              <a:t>These customers may be dissatisfied with the cost or quality of the international calling plan. Improving this service could improve retention. </a:t>
-            </a:r>
-          </a:p>
-          <a:p>
-            <a:pPr marL="365760" marR="0" lvl="0" indent="-365760" algn="l" defTabSz="914400" rtl="0" eaLnBrk="1" fontAlgn="auto" latinLnBrk="0" hangingPunct="1">
-              <a:lnSpc>
-                <a:spcPct val="105000"/>
-              </a:lnSpc>
-              <a:spcBef>
-                <a:spcPts val="900"/>
-              </a:spcBef>
-              <a:spcAft>
-                <a:spcPts val="0"/>
-              </a:spcAft>
+            <a:pPr>
               <a:buClr>
                 <a:srgbClr val="B0A63A"/>
               </a:buClr>
-              <a:buSzTx/>
-              <a:buFont typeface="Avenir Next LT Pro" panose="020B0504020202020204" pitchFamily="34" charset="0"/>
-              <a:buChar char="+"/>
-              <a:tabLst/>
               <a:defRPr/>
             </a:pPr>
             <a:r>
-              <a:rPr kumimoji="0" lang="en-US" sz="2400" b="1" i="0" u="none" strike="noStrike" kern="1200" cap="none" spc="0" normalizeH="0" baseline="0" noProof="0" dirty="0">
-                <a:ln>
-                  <a:noFill/>
-                </a:ln>
-                <a:solidFill>
-                  <a:srgbClr val="000000"/>
-                </a:solidFill>
-                <a:effectLst/>
-                <a:uLnTx/>
-                <a:uFillTx/>
-                <a:latin typeface="Helvetica Neue"/>
-                <a:ea typeface="+mn-ea"/>
-                <a:cs typeface="+mn-cs"/>
+              <a:rPr lang="en-US" dirty="0">
+                <a:latin typeface="Avenir Next LT Pro"/>
               </a:rPr>
-              <a:t>Voice Mail Plan is Predictive</a:t>
-            </a:r>
-            <a:endParaRPr lang="en-US" sz="1500" b="0" i="0" dirty="0">
-              <a:solidFill>
-                <a:srgbClr val="000000"/>
-              </a:solidFill>
-              <a:effectLst/>
-              <a:latin typeface="Helvetica Neue"/>
-            </a:endParaRPr>
-          </a:p>
-          <a:p>
-            <a:pPr marL="537210" lvl="1" indent="-171450">
-              <a:buFont typeface="Arial" panose="020B0604020202020204" pitchFamily="34" charset="0"/>
-              <a:buChar char="•"/>
-            </a:pPr>
-            <a:r>
-              <a:rPr lang="en-US" sz="2200" b="0" i="0" dirty="0">
-                <a:solidFill>
-                  <a:srgbClr val="000000"/>
-                </a:solidFill>
-                <a:effectLst/>
-                <a:latin typeface="Helvetica Neue"/>
-              </a:rPr>
-              <a:t>While less obvious, whether a customer has a voicemail plan or not may relate to overall service usage or satisfaction. This could be worth exploring further. </a:t>
-            </a:r>
-          </a:p>
-          <a:p>
-            <a:pPr marL="365760" marR="0" lvl="0" indent="-365760" algn="l" defTabSz="914400" rtl="0" eaLnBrk="1" fontAlgn="auto" latinLnBrk="0" hangingPunct="1">
-              <a:lnSpc>
-                <a:spcPct val="105000"/>
-              </a:lnSpc>
-              <a:spcBef>
-                <a:spcPts val="900"/>
-              </a:spcBef>
-              <a:spcAft>
-                <a:spcPts val="0"/>
-              </a:spcAft>
-              <a:buClr>
-                <a:srgbClr val="B0A63A"/>
-              </a:buClr>
-              <a:buSzTx/>
-              <a:buFont typeface="Avenir Next LT Pro" panose="020B0504020202020204" pitchFamily="34" charset="0"/>
-              <a:buChar char="+"/>
-              <a:tabLst/>
-              <a:defRPr/>
-            </a:pPr>
-            <a:r>
-              <a:rPr kumimoji="0" lang="en-US" sz="2600" b="1" i="0" u="none" strike="noStrike" kern="1200" cap="none" spc="0" normalizeH="0" baseline="0" noProof="0" dirty="0">
-                <a:ln>
-                  <a:noFill/>
-                </a:ln>
-                <a:solidFill>
-                  <a:srgbClr val="000000"/>
-                </a:solidFill>
-                <a:effectLst/>
-                <a:uLnTx/>
-                <a:uFillTx/>
-                <a:latin typeface="Helvetica Neue"/>
-                <a:ea typeface="+mn-ea"/>
-                <a:cs typeface="+mn-cs"/>
-              </a:rPr>
-              <a:t>Total International Calls </a:t>
-            </a:r>
-            <a:r>
-              <a:rPr kumimoji="0" lang="en-US" sz="2600" b="1" i="0" u="none" strike="noStrike" kern="1200" cap="none" spc="0" normalizeH="0" baseline="0" noProof="0">
-                <a:ln>
-                  <a:noFill/>
-                </a:ln>
-                <a:solidFill>
-                  <a:srgbClr val="000000"/>
-                </a:solidFill>
-                <a:effectLst/>
-                <a:uLnTx/>
-                <a:uFillTx/>
-                <a:latin typeface="Helvetica Neue"/>
-                <a:ea typeface="+mn-ea"/>
-                <a:cs typeface="+mn-cs"/>
-              </a:rPr>
-              <a:t>Adds Context</a:t>
-            </a:r>
-            <a:endParaRPr kumimoji="0" lang="en-US" sz="2600" b="1" i="0" u="none" strike="noStrike" kern="1200" cap="none" spc="0" normalizeH="0" baseline="0" noProof="0" dirty="0">
+              <a:t>Confirm there is no collinearity between features</a:t>
+            </a:r>
+            <a:endParaRPr kumimoji="0" lang="en-US" i="0" u="none" strike="noStrike" kern="1200" cap="none" spc="0" normalizeH="0" baseline="0" noProof="0" dirty="0">
               <a:ln>
                 <a:noFill/>
               </a:ln>
-              <a:solidFill>
-                <a:srgbClr val="000000"/>
-              </a:solidFill>
-              <a:effectLst/>
-              <a:uLnTx/>
-              <a:uFillTx/>
-              <a:latin typeface="Helvetica Neue"/>
-              <a:ea typeface="+mn-ea"/>
-              <a:cs typeface="+mn-cs"/>
-            </a:endParaRPr>
-          </a:p>
-          <a:p>
-            <a:pPr marL="617220" lvl="2" indent="-342900">
-              <a:buClr>
-                <a:schemeClr val="tx1"/>
-              </a:buClr>
-              <a:buFont typeface="Arial" panose="020B0604020202020204" pitchFamily="34" charset="0"/>
-              <a:buChar char="•"/>
-              <a:defRPr/>
-            </a:pPr>
-            <a:r>
-              <a:rPr lang="en-US" b="0" i="0" dirty="0">
-                <a:solidFill>
-                  <a:srgbClr val="000000"/>
-                </a:solidFill>
-                <a:effectLst/>
-                <a:latin typeface="Helvetica Neue"/>
-              </a:rPr>
-              <a:t>Customers making frequent international calls may represent a specific customer segment. Understanding their unique needs (e.g., better international rates or service quality) could reduce churn.</a:t>
-            </a:r>
-          </a:p>
-          <a:p>
-            <a:pPr marL="0" indent="0">
-              <a:buNone/>
-            </a:pPr>
-            <a:endParaRPr lang="en-US" sz="1600" dirty="0">
-              <a:solidFill>
-                <a:srgbClr val="000000">
-                  <a:lumMod val="75000"/>
-                  <a:lumOff val="25000"/>
-                </a:srgbClr>
-              </a:solidFill>
-              <a:latin typeface="Avenir Next LT Pro"/>
-            </a:endParaRPr>
-          </a:p>
-          <a:p>
-            <a:pPr marL="788670" lvl="2" indent="-514350"/>
-            <a:endParaRPr kumimoji="0" lang="en-US" sz="1000" i="0" u="none" strike="noStrike" kern="1200" cap="none" spc="0" normalizeH="0" baseline="0" noProof="0" dirty="0">
-              <a:ln>
-                <a:noFill/>
-              </a:ln>
-              <a:solidFill>
-                <a:srgbClr val="000000">
-                  <a:lumMod val="75000"/>
-                  <a:lumOff val="25000"/>
-                </a:srgbClr>
-              </a:solidFill>
               <a:effectLst/>
               <a:uLnTx/>
               <a:uFillTx/>
@@ -10560,13 +11085,10 @@
               <a:buNone/>
               <a:defRPr/>
             </a:pPr>
-            <a:endParaRPr kumimoji="0" lang="en-US" sz="2600" i="0" u="none" strike="noStrike" kern="1200" cap="none" spc="0" normalizeH="0" baseline="0" noProof="0" dirty="0">
+            <a:endParaRPr kumimoji="0" lang="en-US" i="0" u="none" strike="noStrike" kern="1200" cap="none" spc="0" normalizeH="0" baseline="0" noProof="0" dirty="0">
               <a:ln>
                 <a:noFill/>
               </a:ln>
-              <a:solidFill>
-                <a:srgbClr val="000000"/>
-              </a:solidFill>
               <a:effectLst/>
               <a:uLnTx/>
               <a:uFillTx/>
@@ -10576,29 +11098,6 @@
             </a:endParaRPr>
           </a:p>
           <a:p>
-            <a:pPr marL="0" indent="0">
-              <a:buClr>
-                <a:srgbClr val="B0A63A"/>
-              </a:buClr>
-              <a:buNone/>
-              <a:defRPr/>
-            </a:pPr>
-            <a:endParaRPr kumimoji="0" lang="en-US" sz="2600" i="0" u="none" strike="noStrike" kern="1200" cap="none" spc="0" normalizeH="0" baseline="0" noProof="0" dirty="0">
-              <a:ln>
-                <a:noFill/>
-              </a:ln>
-              <a:solidFill>
-                <a:srgbClr val="000000"/>
-              </a:solidFill>
-              <a:effectLst/>
-              <a:uLnTx/>
-              <a:uFillTx/>
-              <a:latin typeface="Avenir Next LT Pro"/>
-              <a:ea typeface="+mn-ea"/>
-              <a:cs typeface="+mn-cs"/>
-            </a:endParaRPr>
-          </a:p>
-          <a:p>
             <a:pPr lvl="1"/>
             <a:endParaRPr lang="en-US" dirty="0"/>
           </a:p>
@@ -10615,10 +11114,57 @@
           </a:p>
         </p:txBody>
       </p:sp>
+      <p:pic>
+        <p:nvPicPr>
+          <p:cNvPr id="4098" name="Picture 2">
+            <a:extLst>
+              <a:ext uri="{FF2B5EF4-FFF2-40B4-BE49-F238E27FC236}">
+                <a16:creationId xmlns:a16="http://schemas.microsoft.com/office/drawing/2014/main" id="{86306031-5C2E-2A4D-80FA-8A355BFCC1DA}"/>
+              </a:ext>
+            </a:extLst>
+          </p:cNvPr>
+          <p:cNvPicPr>
+            <a:picLocks noChangeAspect="1" noChangeArrowheads="1"/>
+          </p:cNvPicPr>
+          <p:nvPr/>
+        </p:nvPicPr>
+        <p:blipFill>
+          <a:blip r:embed="rId2">
+            <a:extLst>
+              <a:ext uri="{28A0092B-C50C-407E-A947-70E740481C1C}">
+                <a14:useLocalDpi xmlns:a14="http://schemas.microsoft.com/office/drawing/2010/main" val="0"/>
+              </a:ext>
+            </a:extLst>
+          </a:blip>
+          <a:srcRect/>
+          <a:stretch>
+            <a:fillRect/>
+          </a:stretch>
+        </p:blipFill>
+        <p:spPr bwMode="auto">
+          <a:xfrm>
+            <a:off x="6241773" y="1428207"/>
+            <a:ext cx="5513990" cy="5005345"/>
+          </a:xfrm>
+          <a:prstGeom prst="rect">
+            <a:avLst/>
+          </a:prstGeom>
+          <a:noFill/>
+          <a:extLst>
+            <a:ext uri="{909E8E84-426E-40DD-AFC4-6F175D3DCCD1}">
+              <a14:hiddenFill xmlns:a14="http://schemas.microsoft.com/office/drawing/2010/main">
+                <a:solidFill>
+                  <a:srgbClr val="FFFFFF"/>
+                </a:solidFill>
+              </a14:hiddenFill>
+            </a:ext>
+          </a:extLst>
+        </p:spPr>
+      </p:pic>
     </p:spTree>
     <p:extLst>
       <p:ext uri="{BB962C8B-B14F-4D97-AF65-F5344CB8AC3E}">
-        <p14:creationId xmlns:p14="http://schemas.microsoft.com/office/powerpoint/2010/main" val="1533271132"/>
+        <p14:creationId xmlns:p14="http://schemas.microsoft.com/office/powerpoint/2010/main" val="279014751"/>
       </p:ext>
     </p:extLst>
   </p:cSld>

--- a/customer_churn_anlaysis.pptx
+++ b/customer_churn_anlaysis.pptx
@@ -5,7 +5,7 @@
     <p:sldMasterId id="2147483673" r:id="rId1"/>
   </p:sldMasterIdLst>
   <p:notesMasterIdLst>
-    <p:notesMasterId r:id="rId14"/>
+    <p:notesMasterId r:id="rId15"/>
   </p:notesMasterIdLst>
   <p:sldIdLst>
     <p:sldId id="256" r:id="rId2"/>
@@ -18,8 +18,9 @@
     <p:sldId id="267" r:id="rId9"/>
     <p:sldId id="265" r:id="rId10"/>
     <p:sldId id="266" r:id="rId11"/>
-    <p:sldId id="263" r:id="rId12"/>
+    <p:sldId id="268" r:id="rId12"/>
     <p:sldId id="264" r:id="rId13"/>
+    <p:sldId id="269" r:id="rId14"/>
   </p:sldIdLst>
   <p:sldSz cx="12192000" cy="6858000"/>
   <p:notesSz cx="6858000" cy="9144000"/>
@@ -129,7 +130,7 @@
 <file path=ppt/revisionInfo.xml><?xml version="1.0" encoding="utf-8"?>
 <p1510:revInfo xmlns:a="http://schemas.openxmlformats.org/drawingml/2006/main" xmlns:r="http://schemas.openxmlformats.org/officeDocument/2006/relationships" xmlns:p1510="http://schemas.microsoft.com/office/powerpoint/2015/10/main">
   <p1510:revLst>
-    <p1510:client id="{4AB0597C-0072-441D-9633-080F4DC31281}" v="158" dt="2024-12-04T01:06:49.782"/>
+    <p1510:client id="{4AB0597C-0072-441D-9633-080F4DC31281}" v="187" dt="2024-12-04T15:47:48.129"/>
   </p1510:revLst>
 </p1510:revInfo>
 </file>
@@ -139,7 +140,7 @@
   <pc:docChgLst>
     <pc:chgData name="Alec Schonfeld" userId="908fa86f43668255" providerId="LiveId" clId="{4AB0597C-0072-441D-9633-080F4DC31281}"/>
     <pc:docChg chg="undo redo custSel addSld delSld modSld addMainMaster delMainMaster modMainMaster">
-      <pc:chgData name="Alec Schonfeld" userId="908fa86f43668255" providerId="LiveId" clId="{4AB0597C-0072-441D-9633-080F4DC31281}" dt="2024-12-04T03:11:50.328" v="3728" actId="20577"/>
+      <pc:chgData name="Alec Schonfeld" userId="908fa86f43668255" providerId="LiveId" clId="{4AB0597C-0072-441D-9633-080F4DC31281}" dt="2024-12-04T15:49:26.945" v="4441" actId="113"/>
       <pc:docMkLst>
         <pc:docMk/>
       </pc:docMkLst>
@@ -279,7 +280,7 @@
         </pc:picChg>
       </pc:sldChg>
       <pc:sldChg chg="addSp modSp new mod setBg">
-        <pc:chgData name="Alec Schonfeld" userId="908fa86f43668255" providerId="LiveId" clId="{4AB0597C-0072-441D-9633-080F4DC31281}" dt="2024-11-26T22:45:20.180" v="394" actId="20577"/>
+        <pc:chgData name="Alec Schonfeld" userId="908fa86f43668255" providerId="LiveId" clId="{4AB0597C-0072-441D-9633-080F4DC31281}" dt="2024-12-04T15:14:57.236" v="3744" actId="20577"/>
         <pc:sldMkLst>
           <pc:docMk/>
           <pc:sldMk cId="1263158444" sldId="257"/>
@@ -293,7 +294,7 @@
           </ac:spMkLst>
         </pc:spChg>
         <pc:spChg chg="mod">
-          <ac:chgData name="Alec Schonfeld" userId="908fa86f43668255" providerId="LiveId" clId="{4AB0597C-0072-441D-9633-080F4DC31281}" dt="2024-11-26T22:45:20.180" v="394" actId="20577"/>
+          <ac:chgData name="Alec Schonfeld" userId="908fa86f43668255" providerId="LiveId" clId="{4AB0597C-0072-441D-9633-080F4DC31281}" dt="2024-12-04T15:14:57.236" v="3744" actId="20577"/>
           <ac:spMkLst>
             <pc:docMk/>
             <pc:sldMk cId="1263158444" sldId="257"/>
@@ -472,7 +473,7 @@
         </pc:spChg>
       </pc:sldChg>
       <pc:sldChg chg="addSp delSp modSp add mod">
-        <pc:chgData name="Alec Schonfeld" userId="908fa86f43668255" providerId="LiveId" clId="{4AB0597C-0072-441D-9633-080F4DC31281}" dt="2024-12-02T23:35:07.644" v="2468" actId="26606"/>
+        <pc:chgData name="Alec Schonfeld" userId="908fa86f43668255" providerId="LiveId" clId="{4AB0597C-0072-441D-9633-080F4DC31281}" dt="2024-12-04T15:15:04.564" v="3745" actId="14100"/>
         <pc:sldMkLst>
           <pc:docMk/>
           <pc:sldMk cId="2725960149" sldId="259"/>
@@ -486,7 +487,7 @@
           </ac:spMkLst>
         </pc:spChg>
         <pc:spChg chg="mod">
-          <ac:chgData name="Alec Schonfeld" userId="908fa86f43668255" providerId="LiveId" clId="{4AB0597C-0072-441D-9633-080F4DC31281}" dt="2024-12-02T23:33:48.406" v="2460" actId="26606"/>
+          <ac:chgData name="Alec Schonfeld" userId="908fa86f43668255" providerId="LiveId" clId="{4AB0597C-0072-441D-9633-080F4DC31281}" dt="2024-12-04T15:15:04.564" v="3745" actId="14100"/>
           <ac:spMkLst>
             <pc:docMk/>
             <pc:sldMk cId="2725960149" sldId="259"/>
@@ -614,7 +615,7 @@
         </pc:spChg>
       </pc:sldChg>
       <pc:sldChg chg="addSp delSp modSp add mod">
-        <pc:chgData name="Alec Schonfeld" userId="908fa86f43668255" providerId="LiveId" clId="{4AB0597C-0072-441D-9633-080F4DC31281}" dt="2024-12-02T23:35:28.722" v="2472" actId="14100"/>
+        <pc:chgData name="Alec Schonfeld" userId="908fa86f43668255" providerId="LiveId" clId="{4AB0597C-0072-441D-9633-080F4DC31281}" dt="2024-12-04T15:15:15.266" v="3747" actId="14100"/>
         <pc:sldMkLst>
           <pc:docMk/>
           <pc:sldMk cId="2483449933" sldId="260"/>
@@ -628,7 +629,7 @@
           </ac:spMkLst>
         </pc:spChg>
         <pc:spChg chg="mod">
-          <ac:chgData name="Alec Schonfeld" userId="908fa86f43668255" providerId="LiveId" clId="{4AB0597C-0072-441D-9633-080F4DC31281}" dt="2024-12-02T23:33:54.072" v="2461" actId="26606"/>
+          <ac:chgData name="Alec Schonfeld" userId="908fa86f43668255" providerId="LiveId" clId="{4AB0597C-0072-441D-9633-080F4DC31281}" dt="2024-12-04T15:15:15.266" v="3747" actId="14100"/>
           <ac:spMkLst>
             <pc:docMk/>
             <pc:sldMk cId="2483449933" sldId="260"/>
@@ -684,7 +685,7 @@
         </pc:sldMkLst>
       </pc:sldChg>
       <pc:sldChg chg="addSp delSp modSp add mod">
-        <pc:chgData name="Alec Schonfeld" userId="908fa86f43668255" providerId="LiveId" clId="{4AB0597C-0072-441D-9633-080F4DC31281}" dt="2024-12-02T23:40:15.753" v="2481" actId="14100"/>
+        <pc:chgData name="Alec Schonfeld" userId="908fa86f43668255" providerId="LiveId" clId="{4AB0597C-0072-441D-9633-080F4DC31281}" dt="2024-12-04T15:15:40.154" v="3752" actId="1076"/>
         <pc:sldMkLst>
           <pc:docMk/>
           <pc:sldMk cId="2264253089" sldId="261"/>
@@ -698,7 +699,7 @@
           </ac:spMkLst>
         </pc:spChg>
         <pc:spChg chg="add del mod ord">
-          <ac:chgData name="Alec Schonfeld" userId="908fa86f43668255" providerId="LiveId" clId="{4AB0597C-0072-441D-9633-080F4DC31281}" dt="2024-12-02T23:40:13.546" v="2480" actId="14100"/>
+          <ac:chgData name="Alec Schonfeld" userId="908fa86f43668255" providerId="LiveId" clId="{4AB0597C-0072-441D-9633-080F4DC31281}" dt="2024-12-04T15:15:19.813" v="3748" actId="14100"/>
           <ac:spMkLst>
             <pc:docMk/>
             <pc:sldMk cId="2264253089" sldId="261"/>
@@ -826,7 +827,7 @@
           </ac:picMkLst>
         </pc:picChg>
         <pc:picChg chg="add mod">
-          <ac:chgData name="Alec Schonfeld" userId="908fa86f43668255" providerId="LiveId" clId="{4AB0597C-0072-441D-9633-080F4DC31281}" dt="2024-12-02T23:40:11.665" v="2479" actId="14100"/>
+          <ac:chgData name="Alec Schonfeld" userId="908fa86f43668255" providerId="LiveId" clId="{4AB0597C-0072-441D-9633-080F4DC31281}" dt="2024-12-04T15:15:40.154" v="3752" actId="1076"/>
           <ac:picMkLst>
             <pc:docMk/>
             <pc:sldMk cId="2264253089" sldId="261"/>
@@ -968,7 +969,7 @@
         </pc:spChg>
       </pc:sldChg>
       <pc:sldChg chg="addSp delSp modSp add mod">
-        <pc:chgData name="Alec Schonfeld" userId="908fa86f43668255" providerId="LiveId" clId="{4AB0597C-0072-441D-9633-080F4DC31281}" dt="2024-12-04T01:04:33.005" v="3168" actId="478"/>
+        <pc:chgData name="Alec Schonfeld" userId="908fa86f43668255" providerId="LiveId" clId="{4AB0597C-0072-441D-9633-080F4DC31281}" dt="2024-12-04T15:15:28.317" v="3750" actId="14100"/>
         <pc:sldMkLst>
           <pc:docMk/>
           <pc:sldMk cId="3311938744" sldId="262"/>
@@ -982,7 +983,7 @@
           </ac:spMkLst>
         </pc:spChg>
         <pc:spChg chg="mod">
-          <ac:chgData name="Alec Schonfeld" userId="908fa86f43668255" providerId="LiveId" clId="{4AB0597C-0072-441D-9633-080F4DC31281}" dt="2024-12-02T23:40:37.391" v="2488" actId="14100"/>
+          <ac:chgData name="Alec Schonfeld" userId="908fa86f43668255" providerId="LiveId" clId="{4AB0597C-0072-441D-9633-080F4DC31281}" dt="2024-12-04T15:15:23.204" v="3749" actId="14100"/>
           <ac:spMkLst>
             <pc:docMk/>
             <pc:sldMk cId="3311938744" sldId="262"/>
@@ -1022,7 +1023,7 @@
           </ac:spMkLst>
         </pc:spChg>
         <pc:picChg chg="add mod">
-          <ac:chgData name="Alec Schonfeld" userId="908fa86f43668255" providerId="LiveId" clId="{4AB0597C-0072-441D-9633-080F4DC31281}" dt="2024-12-02T23:40:31.092" v="2486" actId="1076"/>
+          <ac:chgData name="Alec Schonfeld" userId="908fa86f43668255" providerId="LiveId" clId="{4AB0597C-0072-441D-9633-080F4DC31281}" dt="2024-12-04T15:15:28.317" v="3750" actId="14100"/>
           <ac:picMkLst>
             <pc:docMk/>
             <pc:sldMk cId="3311938744" sldId="262"/>
@@ -1085,8 +1086,8 @@
           </ac:spMkLst>
         </pc:spChg>
       </pc:sldChg>
-      <pc:sldChg chg="addSp delSp modSp add mod">
-        <pc:chgData name="Alec Schonfeld" userId="908fa86f43668255" providerId="LiveId" clId="{4AB0597C-0072-441D-9633-080F4DC31281}" dt="2024-11-28T21:18:28.403" v="2140"/>
+      <pc:sldChg chg="addSp delSp modSp add del mod">
+        <pc:chgData name="Alec Schonfeld" userId="908fa86f43668255" providerId="LiveId" clId="{4AB0597C-0072-441D-9633-080F4DC31281}" dt="2024-12-04T15:46:26.508" v="4405" actId="47"/>
         <pc:sldMkLst>
           <pc:docMk/>
           <pc:sldMk cId="4173976318" sldId="263"/>
@@ -1133,7 +1134,7 @@
         </pc:picChg>
       </pc:sldChg>
       <pc:sldChg chg="modSp add mod">
-        <pc:chgData name="Alec Schonfeld" userId="908fa86f43668255" providerId="LiveId" clId="{4AB0597C-0072-441D-9633-080F4DC31281}" dt="2024-11-28T21:24:02.514" v="2454" actId="20577"/>
+        <pc:chgData name="Alec Schonfeld" userId="908fa86f43668255" providerId="LiveId" clId="{4AB0597C-0072-441D-9633-080F4DC31281}" dt="2024-12-04T15:46:38.635" v="4407" actId="27636"/>
         <pc:sldMkLst>
           <pc:docMk/>
           <pc:sldMk cId="1533271132" sldId="264"/>
@@ -1147,7 +1148,7 @@
           </ac:spMkLst>
         </pc:spChg>
         <pc:spChg chg="mod">
-          <ac:chgData name="Alec Schonfeld" userId="908fa86f43668255" providerId="LiveId" clId="{4AB0597C-0072-441D-9633-080F4DC31281}" dt="2024-11-28T21:24:02.514" v="2454" actId="20577"/>
+          <ac:chgData name="Alec Schonfeld" userId="908fa86f43668255" providerId="LiveId" clId="{4AB0597C-0072-441D-9633-080F4DC31281}" dt="2024-12-04T15:46:38.635" v="4407" actId="27636"/>
           <ac:spMkLst>
             <pc:docMk/>
             <pc:sldMk cId="1533271132" sldId="264"/>
@@ -1187,7 +1188,7 @@
         </pc:spChg>
       </pc:sldChg>
       <pc:sldChg chg="addSp delSp modSp add mod">
-        <pc:chgData name="Alec Schonfeld" userId="908fa86f43668255" providerId="LiveId" clId="{4AB0597C-0072-441D-9633-080F4DC31281}" dt="2024-12-03T00:31:06.386" v="2627" actId="20577"/>
+        <pc:chgData name="Alec Schonfeld" userId="908fa86f43668255" providerId="LiveId" clId="{4AB0597C-0072-441D-9633-080F4DC31281}" dt="2024-12-04T15:15:55.179" v="3755" actId="20577"/>
         <pc:sldMkLst>
           <pc:docMk/>
           <pc:sldMk cId="279014751" sldId="265"/>
@@ -1201,7 +1202,7 @@
           </ac:spMkLst>
         </pc:spChg>
         <pc:spChg chg="mod">
-          <ac:chgData name="Alec Schonfeld" userId="908fa86f43668255" providerId="LiveId" clId="{4AB0597C-0072-441D-9633-080F4DC31281}" dt="2024-12-03T00:31:06.386" v="2627" actId="20577"/>
+          <ac:chgData name="Alec Schonfeld" userId="908fa86f43668255" providerId="LiveId" clId="{4AB0597C-0072-441D-9633-080F4DC31281}" dt="2024-12-04T15:15:55.179" v="3755" actId="20577"/>
           <ac:spMkLst>
             <pc:docMk/>
             <pc:sldMk cId="279014751" sldId="265"/>
@@ -1256,17 +1257,25 @@
         </pc:spChg>
       </pc:sldChg>
       <pc:sldChg chg="addSp delSp modSp add mod">
-        <pc:chgData name="Alec Schonfeld" userId="908fa86f43668255" providerId="LiveId" clId="{4AB0597C-0072-441D-9633-080F4DC31281}" dt="2024-12-04T03:11:50.328" v="3728" actId="20577"/>
+        <pc:chgData name="Alec Schonfeld" userId="908fa86f43668255" providerId="LiveId" clId="{4AB0597C-0072-441D-9633-080F4DC31281}" dt="2024-12-04T15:46:18.485" v="4404" actId="207"/>
         <pc:sldMkLst>
           <pc:docMk/>
           <pc:sldMk cId="2256875583" sldId="266"/>
         </pc:sldMkLst>
         <pc:spChg chg="mod">
-          <ac:chgData name="Alec Schonfeld" userId="908fa86f43668255" providerId="LiveId" clId="{4AB0597C-0072-441D-9633-080F4DC31281}" dt="2024-12-03T00:48:23.890" v="2926" actId="14100"/>
+          <ac:chgData name="Alec Schonfeld" userId="908fa86f43668255" providerId="LiveId" clId="{4AB0597C-0072-441D-9633-080F4DC31281}" dt="2024-12-04T15:25:32.500" v="4045" actId="14100"/>
           <ac:spMkLst>
             <pc:docMk/>
             <pc:sldMk cId="2256875583" sldId="266"/>
             <ac:spMk id="2" creationId="{75B2DFCA-7A62-06FE-20EA-72B1429897E7}"/>
+          </ac:spMkLst>
+        </pc:spChg>
+        <pc:spChg chg="add del mod">
+          <ac:chgData name="Alec Schonfeld" userId="908fa86f43668255" providerId="LiveId" clId="{4AB0597C-0072-441D-9633-080F4DC31281}" dt="2024-12-04T15:27:34.553" v="4093"/>
+          <ac:spMkLst>
+            <pc:docMk/>
+            <pc:sldMk cId="2256875583" sldId="266"/>
+            <ac:spMk id="3" creationId="{6595EF88-CD92-9753-F914-B575C3E2E641}"/>
           </ac:spMkLst>
         </pc:spChg>
         <pc:spChg chg="del">
@@ -1277,6 +1286,14 @@
             <ac:spMk id="3" creationId="{E14E31A9-CEE9-EBD0-9E49-D02F4E21450E}"/>
           </ac:spMkLst>
         </pc:spChg>
+        <pc:spChg chg="add mod">
+          <ac:chgData name="Alec Schonfeld" userId="908fa86f43668255" providerId="LiveId" clId="{4AB0597C-0072-441D-9633-080F4DC31281}" dt="2024-12-04T15:27:43.515" v="4094" actId="20577"/>
+          <ac:spMkLst>
+            <pc:docMk/>
+            <pc:sldMk cId="2256875583" sldId="266"/>
+            <ac:spMk id="4" creationId="{F915848F-5AE0-D070-AD62-FB66260B1FD7}"/>
+          </ac:spMkLst>
+        </pc:spChg>
         <pc:spChg chg="add del mod">
           <ac:chgData name="Alec Schonfeld" userId="908fa86f43668255" providerId="LiveId" clId="{4AB0597C-0072-441D-9633-080F4DC31281}" dt="2024-12-03T00:40:19.884" v="2656" actId="478"/>
           <ac:spMkLst>
@@ -1286,7 +1303,7 @@
           </ac:spMkLst>
         </pc:spChg>
         <pc:graphicFrameChg chg="add mod modGraphic">
-          <ac:chgData name="Alec Schonfeld" userId="908fa86f43668255" providerId="LiveId" clId="{4AB0597C-0072-441D-9633-080F4DC31281}" dt="2024-12-04T03:11:50.328" v="3728" actId="20577"/>
+          <ac:chgData name="Alec Schonfeld" userId="908fa86f43668255" providerId="LiveId" clId="{4AB0597C-0072-441D-9633-080F4DC31281}" dt="2024-12-04T15:46:18.485" v="4404" actId="207"/>
           <ac:graphicFrameMkLst>
             <pc:docMk/>
             <pc:sldMk cId="2256875583" sldId="266"/>
@@ -1303,7 +1320,7 @@
         </pc:picChg>
       </pc:sldChg>
       <pc:sldChg chg="addSp delSp modSp add mod">
-        <pc:chgData name="Alec Schonfeld" userId="908fa86f43668255" providerId="LiveId" clId="{4AB0597C-0072-441D-9633-080F4DC31281}" dt="2024-12-04T01:09:52.528" v="3458" actId="20577"/>
+        <pc:chgData name="Alec Schonfeld" userId="908fa86f43668255" providerId="LiveId" clId="{4AB0597C-0072-441D-9633-080F4DC31281}" dt="2024-12-04T15:15:48.396" v="3753" actId="14100"/>
         <pc:sldMkLst>
           <pc:docMk/>
           <pc:sldMk cId="872879150" sldId="267"/>
@@ -1317,7 +1334,7 @@
           </ac:spMkLst>
         </pc:spChg>
         <pc:spChg chg="mod">
-          <ac:chgData name="Alec Schonfeld" userId="908fa86f43668255" providerId="LiveId" clId="{4AB0597C-0072-441D-9633-080F4DC31281}" dt="2024-12-04T01:09:52.528" v="3458" actId="20577"/>
+          <ac:chgData name="Alec Schonfeld" userId="908fa86f43668255" providerId="LiveId" clId="{4AB0597C-0072-441D-9633-080F4DC31281}" dt="2024-12-04T15:15:48.396" v="3753" actId="14100"/>
           <ac:spMkLst>
             <pc:docMk/>
             <pc:sldMk cId="872879150" sldId="267"/>
@@ -1377,6 +1394,130 @@
             <pc:docMk/>
             <pc:sldMk cId="2129009124" sldId="267"/>
             <ac:spMk id="3079" creationId="{0D4BDB39-7085-9936-64DE-80CD547B2B31}"/>
+          </ac:spMkLst>
+        </pc:spChg>
+      </pc:sldChg>
+      <pc:sldChg chg="addSp delSp add del setBg delDesignElem">
+        <pc:chgData name="Alec Schonfeld" userId="908fa86f43668255" providerId="LiveId" clId="{4AB0597C-0072-441D-9633-080F4DC31281}" dt="2024-12-04T15:25:22.445" v="4025"/>
+        <pc:sldMkLst>
+          <pc:docMk/>
+          <pc:sldMk cId="102629428" sldId="268"/>
+        </pc:sldMkLst>
+        <pc:spChg chg="add del">
+          <ac:chgData name="Alec Schonfeld" userId="908fa86f43668255" providerId="LiveId" clId="{4AB0597C-0072-441D-9633-080F4DC31281}" dt="2024-12-04T15:25:22.445" v="4025"/>
+          <ac:spMkLst>
+            <pc:docMk/>
+            <pc:sldMk cId="102629428" sldId="268"/>
+            <ac:spMk id="3079" creationId="{8B6C787D-F0FA-5511-4D70-E64F51CF2857}"/>
+          </ac:spMkLst>
+        </pc:spChg>
+      </pc:sldChg>
+      <pc:sldChg chg="addSp modSp add mod">
+        <pc:chgData name="Alec Schonfeld" userId="908fa86f43668255" providerId="LiveId" clId="{4AB0597C-0072-441D-9633-080F4DC31281}" dt="2024-12-04T15:46:11.217" v="4402" actId="207"/>
+        <pc:sldMkLst>
+          <pc:docMk/>
+          <pc:sldMk cId="1025520446" sldId="268"/>
+        </pc:sldMkLst>
+        <pc:spChg chg="mod">
+          <ac:chgData name="Alec Schonfeld" userId="908fa86f43668255" providerId="LiveId" clId="{4AB0597C-0072-441D-9633-080F4DC31281}" dt="2024-12-04T15:28:05.508" v="4112" actId="14100"/>
+          <ac:spMkLst>
+            <pc:docMk/>
+            <pc:sldMk cId="1025520446" sldId="268"/>
+            <ac:spMk id="2" creationId="{52284360-3DFC-4BB1-AB61-6729558093FF}"/>
+          </ac:spMkLst>
+        </pc:spChg>
+        <pc:spChg chg="add">
+          <ac:chgData name="Alec Schonfeld" userId="908fa86f43668255" providerId="LiveId" clId="{4AB0597C-0072-441D-9633-080F4DC31281}" dt="2024-12-04T15:26:35.590" v="4046"/>
+          <ac:spMkLst>
+            <pc:docMk/>
+            <pc:sldMk cId="1025520446" sldId="268"/>
+            <ac:spMk id="3" creationId="{9121AE60-B7B2-1513-B025-71F74DB1802E}"/>
+          </ac:spMkLst>
+        </pc:spChg>
+        <pc:spChg chg="add mod">
+          <ac:chgData name="Alec Schonfeld" userId="908fa86f43668255" providerId="LiveId" clId="{4AB0597C-0072-441D-9633-080F4DC31281}" dt="2024-12-04T15:43:57.510" v="4400" actId="20577"/>
+          <ac:spMkLst>
+            <pc:docMk/>
+            <pc:sldMk cId="1025520446" sldId="268"/>
+            <ac:spMk id="4" creationId="{8FB2F306-4224-FAC8-3215-50C419B064F9}"/>
+          </ac:spMkLst>
+        </pc:spChg>
+        <pc:spChg chg="add">
+          <ac:chgData name="Alec Schonfeld" userId="908fa86f43668255" providerId="LiveId" clId="{4AB0597C-0072-441D-9633-080F4DC31281}" dt="2024-12-04T15:43:32.628" v="4390"/>
+          <ac:spMkLst>
+            <pc:docMk/>
+            <pc:sldMk cId="1025520446" sldId="268"/>
+            <ac:spMk id="5" creationId="{01E8D8C2-4D7B-A698-447D-64F0F47EC76E}"/>
+          </ac:spMkLst>
+        </pc:spChg>
+        <pc:spChg chg="add">
+          <ac:chgData name="Alec Schonfeld" userId="908fa86f43668255" providerId="LiveId" clId="{4AB0597C-0072-441D-9633-080F4DC31281}" dt="2024-12-04T15:43:35.050" v="4392"/>
+          <ac:spMkLst>
+            <pc:docMk/>
+            <pc:sldMk cId="1025520446" sldId="268"/>
+            <ac:spMk id="7" creationId="{0F6DF441-A1EB-8184-FAE2-861DB9551FC5}"/>
+          </ac:spMkLst>
+        </pc:spChg>
+        <pc:spChg chg="add">
+          <ac:chgData name="Alec Schonfeld" userId="908fa86f43668255" providerId="LiveId" clId="{4AB0597C-0072-441D-9633-080F4DC31281}" dt="2024-12-04T15:43:37.410" v="4393"/>
+          <ac:spMkLst>
+            <pc:docMk/>
+            <pc:sldMk cId="1025520446" sldId="268"/>
+            <ac:spMk id="8" creationId="{766C1D6A-8CD0-8C47-F3D6-51A9182A1AA9}"/>
+          </ac:spMkLst>
+        </pc:spChg>
+        <pc:graphicFrameChg chg="mod modGraphic">
+          <ac:chgData name="Alec Schonfeld" userId="908fa86f43668255" providerId="LiveId" clId="{4AB0597C-0072-441D-9633-080F4DC31281}" dt="2024-12-04T15:46:11.217" v="4402" actId="207"/>
+          <ac:graphicFrameMkLst>
+            <pc:docMk/>
+            <pc:sldMk cId="1025520446" sldId="268"/>
+            <ac:graphicFrameMk id="6" creationId="{18CEA421-40B3-A9A0-751E-8079FE3DC6A0}"/>
+          </ac:graphicFrameMkLst>
+        </pc:graphicFrameChg>
+      </pc:sldChg>
+      <pc:sldChg chg="modSp add mod">
+        <pc:chgData name="Alec Schonfeld" userId="908fa86f43668255" providerId="LiveId" clId="{4AB0597C-0072-441D-9633-080F4DC31281}" dt="2024-12-04T15:49:26.945" v="4441" actId="113"/>
+        <pc:sldMkLst>
+          <pc:docMk/>
+          <pc:sldMk cId="747384920" sldId="269"/>
+        </pc:sldMkLst>
+        <pc:spChg chg="mod">
+          <ac:chgData name="Alec Schonfeld" userId="908fa86f43668255" providerId="LiveId" clId="{4AB0597C-0072-441D-9633-080F4DC31281}" dt="2024-12-04T15:49:26.945" v="4441" actId="113"/>
+          <ac:spMkLst>
+            <pc:docMk/>
+            <pc:sldMk cId="747384920" sldId="269"/>
+            <ac:spMk id="3" creationId="{013227AD-933A-EEAF-E6CE-F7C175A14A6A}"/>
+          </ac:spMkLst>
+        </pc:spChg>
+      </pc:sldChg>
+      <pc:sldChg chg="addSp delSp add del setBg delDesignElem">
+        <pc:chgData name="Alec Schonfeld" userId="908fa86f43668255" providerId="LiveId" clId="{4AB0597C-0072-441D-9633-080F4DC31281}" dt="2024-12-04T15:47:48.098" v="4410"/>
+        <pc:sldMkLst>
+          <pc:docMk/>
+          <pc:sldMk cId="2389876977" sldId="269"/>
+        </pc:sldMkLst>
+        <pc:spChg chg="add del">
+          <ac:chgData name="Alec Schonfeld" userId="908fa86f43668255" providerId="LiveId" clId="{4AB0597C-0072-441D-9633-080F4DC31281}" dt="2024-12-04T15:47:48.098" v="4410"/>
+          <ac:spMkLst>
+            <pc:docMk/>
+            <pc:sldMk cId="2389876977" sldId="269"/>
+            <ac:spMk id="8" creationId="{FE8FAA3F-12B5-D681-78C4-79CD919D8B09}"/>
+          </ac:spMkLst>
+        </pc:spChg>
+        <pc:spChg chg="add del">
+          <ac:chgData name="Alec Schonfeld" userId="908fa86f43668255" providerId="LiveId" clId="{4AB0597C-0072-441D-9633-080F4DC31281}" dt="2024-12-04T15:47:48.098" v="4410"/>
+          <ac:spMkLst>
+            <pc:docMk/>
+            <pc:sldMk cId="2389876977" sldId="269"/>
+            <ac:spMk id="10" creationId="{4ABF1CBB-F487-1F9A-FC99-AA606B6174F8}"/>
+          </ac:spMkLst>
+        </pc:spChg>
+        <pc:spChg chg="add del">
+          <ac:chgData name="Alec Schonfeld" userId="908fa86f43668255" providerId="LiveId" clId="{4AB0597C-0072-441D-9633-080F4DC31281}" dt="2024-12-04T15:47:48.098" v="4410"/>
+          <ac:spMkLst>
+            <pc:docMk/>
+            <pc:sldMk cId="2389876977" sldId="269"/>
+            <ac:spMk id="12" creationId="{143CDCCA-32F5-3361-BD12-3B92533AC77C}"/>
           </ac:spMkLst>
         </pc:spChg>
       </pc:sldChg>
@@ -1865,7 +2006,7 @@
           <a:p>
             <a:fld id="{E86C5D06-FEB2-4644-964F-247051B88786}" type="datetimeFigureOut">
               <a:rPr lang="en-US" smtClean="0"/>
-              <a:t>12/2/2024</a:t>
+              <a:t>12/4/2024</a:t>
             </a:fld>
             <a:endParaRPr lang="en-US"/>
           </a:p>
@@ -2216,6 +2357,174 @@
 </p:notes>
 </file>
 
+<file path=ppt/notesSlides/notesSlide2.xml><?xml version="1.0" encoding="utf-8"?>
+<p:notes xmlns:a="http://schemas.openxmlformats.org/drawingml/2006/main" xmlns:r="http://schemas.openxmlformats.org/officeDocument/2006/relationships" xmlns:p="http://schemas.openxmlformats.org/presentationml/2006/main">
+  <p:cSld>
+    <p:spTree>
+      <p:nvGrpSpPr>
+        <p:cNvPr id="1" name="">
+          <a:extLst>
+            <a:ext uri="{FF2B5EF4-FFF2-40B4-BE49-F238E27FC236}">
+              <a16:creationId xmlns:a16="http://schemas.microsoft.com/office/drawing/2014/main" id="{6EAC9605-C801-FB7C-47C1-5E1CD2EC8F3B}"/>
+            </a:ext>
+          </a:extLst>
+        </p:cNvPr>
+        <p:cNvGrpSpPr/>
+        <p:nvPr/>
+      </p:nvGrpSpPr>
+      <p:grpSpPr>
+        <a:xfrm>
+          <a:off x="0" y="0"/>
+          <a:ext cx="0" cy="0"/>
+          <a:chOff x="0" y="0"/>
+          <a:chExt cx="0" cy="0"/>
+        </a:xfrm>
+      </p:grpSpPr>
+      <p:sp>
+        <p:nvSpPr>
+          <p:cNvPr id="2" name="Slide Image Placeholder 1">
+            <a:extLst>
+              <a:ext uri="{FF2B5EF4-FFF2-40B4-BE49-F238E27FC236}">
+                <a16:creationId xmlns:a16="http://schemas.microsoft.com/office/drawing/2014/main" id="{D833EF0C-3A3F-9A26-0B86-9F7F7549FBDA}"/>
+              </a:ext>
+            </a:extLst>
+          </p:cNvPr>
+          <p:cNvSpPr>
+            <a:spLocks noGrp="1" noRot="1" noChangeAspect="1"/>
+          </p:cNvSpPr>
+          <p:nvPr>
+            <p:ph type="sldImg"/>
+          </p:nvPr>
+        </p:nvSpPr>
+        <p:spPr/>
+      </p:sp>
+      <p:sp>
+        <p:nvSpPr>
+          <p:cNvPr id="3" name="Notes Placeholder 2">
+            <a:extLst>
+              <a:ext uri="{FF2B5EF4-FFF2-40B4-BE49-F238E27FC236}">
+                <a16:creationId xmlns:a16="http://schemas.microsoft.com/office/drawing/2014/main" id="{8D30A747-4154-DC3C-F728-A2FADEDCA382}"/>
+              </a:ext>
+            </a:extLst>
+          </p:cNvPr>
+          <p:cNvSpPr>
+            <a:spLocks noGrp="1"/>
+          </p:cNvSpPr>
+          <p:nvPr>
+            <p:ph type="body" idx="1"/>
+          </p:nvPr>
+        </p:nvSpPr>
+        <p:spPr/>
+        <p:txBody>
+          <a:bodyPr/>
+          <a:lstStyle/>
+          <a:p>
+            <a:endParaRPr lang="en-US" dirty="0"/>
+          </a:p>
+        </p:txBody>
+      </p:sp>
+      <p:sp>
+        <p:nvSpPr>
+          <p:cNvPr id="4" name="Slide Number Placeholder 3">
+            <a:extLst>
+              <a:ext uri="{FF2B5EF4-FFF2-40B4-BE49-F238E27FC236}">
+                <a16:creationId xmlns:a16="http://schemas.microsoft.com/office/drawing/2014/main" id="{F2AE3AF9-B74C-FE5C-FCA7-876E6631A6E7}"/>
+              </a:ext>
+            </a:extLst>
+          </p:cNvPr>
+          <p:cNvSpPr>
+            <a:spLocks noGrp="1"/>
+          </p:cNvSpPr>
+          <p:nvPr>
+            <p:ph type="sldNum" sz="quarter" idx="5"/>
+          </p:nvPr>
+        </p:nvSpPr>
+        <p:spPr/>
+        <p:txBody>
+          <a:bodyPr/>
+          <a:lstStyle/>
+          <a:p>
+            <a:pPr marL="0" marR="0" lvl="0" indent="0" algn="r" defTabSz="914400" rtl="0" eaLnBrk="1" fontAlgn="auto" latinLnBrk="0" hangingPunct="1">
+              <a:lnSpc>
+                <a:spcPct val="100000"/>
+              </a:lnSpc>
+              <a:spcBef>
+                <a:spcPts val="0"/>
+              </a:spcBef>
+              <a:spcAft>
+                <a:spcPts val="0"/>
+              </a:spcAft>
+              <a:buClrTx/>
+              <a:buSzTx/>
+              <a:buFontTx/>
+              <a:buNone/>
+              <a:tabLst/>
+              <a:defRPr/>
+            </a:pPr>
+            <a:fld id="{9331C6EB-D02B-4AEE-B618-9F764DB1A96F}" type="slidenum">
+              <a:rPr kumimoji="0" lang="en-US" sz="1200" b="0" i="0" u="none" strike="noStrike" kern="1200" cap="none" spc="0" normalizeH="0" baseline="0" noProof="0" smtClean="0">
+                <a:ln>
+                  <a:noFill/>
+                </a:ln>
+                <a:solidFill>
+                  <a:prstClr val="black"/>
+                </a:solidFill>
+                <a:effectLst/>
+                <a:uLnTx/>
+                <a:uFillTx/>
+                <a:latin typeface="Aptos" panose="02110004020202020204"/>
+                <a:ea typeface="+mn-ea"/>
+                <a:cs typeface="+mn-cs"/>
+              </a:rPr>
+              <a:pPr marL="0" marR="0" lvl="0" indent="0" algn="r" defTabSz="914400" rtl="0" eaLnBrk="1" fontAlgn="auto" latinLnBrk="0" hangingPunct="1">
+                <a:lnSpc>
+                  <a:spcPct val="100000"/>
+                </a:lnSpc>
+                <a:spcBef>
+                  <a:spcPts val="0"/>
+                </a:spcBef>
+                <a:spcAft>
+                  <a:spcPts val="0"/>
+                </a:spcAft>
+                <a:buClrTx/>
+                <a:buSzTx/>
+                <a:buFontTx/>
+                <a:buNone/>
+                <a:tabLst/>
+                <a:defRPr/>
+              </a:pPr>
+              <a:t>13</a:t>
+            </a:fld>
+            <a:endParaRPr kumimoji="0" lang="en-US" sz="1200" b="0" i="0" u="none" strike="noStrike" kern="1200" cap="none" spc="0" normalizeH="0" baseline="0" noProof="0">
+              <a:ln>
+                <a:noFill/>
+              </a:ln>
+              <a:solidFill>
+                <a:prstClr val="black"/>
+              </a:solidFill>
+              <a:effectLst/>
+              <a:uLnTx/>
+              <a:uFillTx/>
+              <a:latin typeface="Aptos" panose="02110004020202020204"/>
+              <a:ea typeface="+mn-ea"/>
+              <a:cs typeface="+mn-cs"/>
+            </a:endParaRPr>
+          </a:p>
+        </p:txBody>
+      </p:sp>
+    </p:spTree>
+    <p:extLst>
+      <p:ext uri="{BB962C8B-B14F-4D97-AF65-F5344CB8AC3E}">
+        <p14:creationId xmlns:p14="http://schemas.microsoft.com/office/powerpoint/2010/main" val="2271889717"/>
+      </p:ext>
+    </p:extLst>
+  </p:cSld>
+  <p:clrMapOvr>
+    <a:masterClrMapping/>
+  </p:clrMapOvr>
+</p:notes>
+</file>
+
 <file path=ppt/slideLayouts/slideLayout1.xml><?xml version="1.0" encoding="utf-8"?>
 <p:sldLayout xmlns:a="http://schemas.openxmlformats.org/drawingml/2006/main" xmlns:r="http://schemas.openxmlformats.org/officeDocument/2006/relationships" xmlns:p="http://schemas.openxmlformats.org/presentationml/2006/main" type="title" preserve="1">
   <p:cSld name="Title Slide">
@@ -2371,7 +2680,7 @@
             <a:fld id="{3F9AFA87-1417-4992-ABD9-27C3BC8CC883}" type="datetimeFigureOut">
               <a:rPr lang="en-US" smtClean="0"/>
               <a:pPr algn="r"/>
-              <a:t>12/2/2024</a:t>
+              <a:t>12/4/2024</a:t>
             </a:fld>
             <a:endParaRPr lang="en-US" dirty="0"/>
           </a:p>
@@ -2572,7 +2881,7 @@
           <a:p>
             <a:fld id="{3F9AFA87-1417-4992-ABD9-27C3BC8CC883}" type="datetimeFigureOut">
               <a:rPr lang="en-US" smtClean="0"/>
-              <a:t>12/2/2024</a:t>
+              <a:t>12/4/2024</a:t>
             </a:fld>
             <a:endParaRPr lang="en-US"/>
           </a:p>
@@ -2782,7 +3091,7 @@
           <a:p>
             <a:fld id="{3F9AFA87-1417-4992-ABD9-27C3BC8CC883}" type="datetimeFigureOut">
               <a:rPr lang="en-US" smtClean="0"/>
-              <a:t>12/2/2024</a:t>
+              <a:t>12/4/2024</a:t>
             </a:fld>
             <a:endParaRPr lang="en-US"/>
           </a:p>
@@ -2990,7 +3299,7 @@
           <a:p>
             <a:fld id="{3F9AFA87-1417-4992-ABD9-27C3BC8CC883}" type="datetimeFigureOut">
               <a:rPr lang="en-US" smtClean="0"/>
-              <a:t>12/2/2024</a:t>
+              <a:t>12/4/2024</a:t>
             </a:fld>
             <a:endParaRPr lang="en-US"/>
           </a:p>
@@ -3264,7 +3573,7 @@
           <a:p>
             <a:fld id="{3F9AFA87-1417-4992-ABD9-27C3BC8CC883}" type="datetimeFigureOut">
               <a:rPr lang="en-US" smtClean="0"/>
-              <a:t>12/2/2024</a:t>
+              <a:t>12/4/2024</a:t>
             </a:fld>
             <a:endParaRPr lang="en-US"/>
           </a:p>
@@ -3529,7 +3838,7 @@
           <a:p>
             <a:fld id="{3F9AFA87-1417-4992-ABD9-27C3BC8CC883}" type="datetimeFigureOut">
               <a:rPr lang="en-US" smtClean="0"/>
-              <a:t>12/2/2024</a:t>
+              <a:t>12/4/2024</a:t>
             </a:fld>
             <a:endParaRPr lang="en-US" dirty="0"/>
           </a:p>
@@ -3916,7 +4225,7 @@
           <a:p>
             <a:fld id="{3F9AFA87-1417-4992-ABD9-27C3BC8CC883}" type="datetimeFigureOut">
               <a:rPr lang="en-US" smtClean="0"/>
-              <a:t>12/2/2024</a:t>
+              <a:t>12/4/2024</a:t>
             </a:fld>
             <a:endParaRPr lang="en-US"/>
           </a:p>
@@ -4086,7 +4395,7 @@
           <a:p>
             <a:fld id="{3F9AFA87-1417-4992-ABD9-27C3BC8CC883}" type="datetimeFigureOut">
               <a:rPr lang="en-US" smtClean="0"/>
-              <a:t>12/2/2024</a:t>
+              <a:t>12/4/2024</a:t>
             </a:fld>
             <a:endParaRPr lang="en-US"/>
           </a:p>
@@ -4199,7 +4508,7 @@
           <a:p>
             <a:fld id="{3F9AFA87-1417-4992-ABD9-27C3BC8CC883}" type="datetimeFigureOut">
               <a:rPr lang="en-US" smtClean="0"/>
-              <a:t>12/2/2024</a:t>
+              <a:t>12/4/2024</a:t>
             </a:fld>
             <a:endParaRPr lang="en-US"/>
           </a:p>
@@ -4519,7 +4828,7 @@
           <a:p>
             <a:fld id="{3F9AFA87-1417-4992-ABD9-27C3BC8CC883}" type="datetimeFigureOut">
               <a:rPr lang="en-US" smtClean="0"/>
-              <a:t>12/2/2024</a:t>
+              <a:t>12/4/2024</a:t>
             </a:fld>
             <a:endParaRPr lang="en-US"/>
           </a:p>
@@ -4824,7 +5133,7 @@
           <a:p>
             <a:fld id="{3F9AFA87-1417-4992-ABD9-27C3BC8CC883}" type="datetimeFigureOut">
               <a:rPr lang="en-US" smtClean="0"/>
-              <a:t>12/2/2024</a:t>
+              <a:t>12/4/2024</a:t>
             </a:fld>
             <a:endParaRPr lang="en-US"/>
           </a:p>
@@ -5067,7 +5376,7 @@
             <a:fld id="{3F9AFA87-1417-4992-ABD9-27C3BC8CC883}" type="datetimeFigureOut">
               <a:rPr lang="en-US" smtClean="0"/>
               <a:pPr algn="r"/>
-              <a:t>12/2/2024</a:t>
+              <a:t>12/4/2024</a:t>
             </a:fld>
             <a:endParaRPr lang="en-US" dirty="0"/>
           </a:p>
@@ -6260,7 +6569,7 @@
         <p:spPr>
           <a:xfrm>
             <a:off x="762000" y="755650"/>
-            <a:ext cx="7225375" cy="1345115"/>
+            <a:ext cx="10668000" cy="1345115"/>
           </a:xfrm>
         </p:spPr>
         <p:txBody>
@@ -6271,7 +6580,15 @@
           <a:p>
             <a:r>
               <a:rPr lang="en-US" dirty="0"/>
-              <a:t>Model Evaluation</a:t>
+              <a:t>Model Evaluation Using </a:t>
+            </a:r>
+            <a:r>
+              <a:rPr lang="en-US" dirty="0" err="1"/>
+              <a:t>Statsmodels</a:t>
+            </a:r>
+            <a:r>
+              <a:rPr lang="en-US" dirty="0"/>
+              <a:t> (1/2)</a:t>
             </a:r>
           </a:p>
         </p:txBody>
@@ -6291,14 +6608,14 @@
           <p:nvPr>
             <p:extLst>
               <p:ext uri="{D42A27DB-BD31-4B8C-83A1-F6EECF244321}">
-                <p14:modId xmlns:p14="http://schemas.microsoft.com/office/powerpoint/2010/main" val="2587138958"/>
+                <p14:modId xmlns:p14="http://schemas.microsoft.com/office/powerpoint/2010/main" val="3431160763"/>
               </p:ext>
             </p:extLst>
           </p:nvPr>
         </p:nvGraphicFramePr>
         <p:xfrm>
           <a:off x="762000" y="1629502"/>
-          <a:ext cx="10792141" cy="2992120"/>
+          <a:ext cx="11042649" cy="3261360"/>
         </p:xfrm>
         <a:graphic>
           <a:graphicData uri="http://schemas.openxmlformats.org/drawingml/2006/table">
@@ -6307,31 +6624,31 @@
                 <a:tableStyleId>{073A0DAA-6AF3-43AB-8588-CEC1D06C72B9}</a:tableStyleId>
               </a:tblPr>
               <a:tblGrid>
-                <a:gridCol w="1605751">
+                <a:gridCol w="1111250">
                   <a:extLst>
                     <a:ext uri="{9D8B030D-6E8A-4147-A177-3AD203B41FA5}">
                       <a16:colId xmlns:a16="http://schemas.microsoft.com/office/drawing/2014/main" val="17199705"/>
                     </a:ext>
                   </a:extLst>
                 </a:gridCol>
-                <a:gridCol w="4045160">
+                <a:gridCol w="4314619">
                   <a:extLst>
                     <a:ext uri="{9D8B030D-6E8A-4147-A177-3AD203B41FA5}">
                       <a16:colId xmlns:a16="http://schemas.microsoft.com/office/drawing/2014/main" val="25984607"/>
                     </a:ext>
                   </a:extLst>
                 </a:gridCol>
-                <a:gridCol w="2924871">
+                <a:gridCol w="2808390">
+                  <a:extLst>
+                    <a:ext uri="{9D8B030D-6E8A-4147-A177-3AD203B41FA5}">
+                      <a16:colId xmlns:a16="http://schemas.microsoft.com/office/drawing/2014/main" val="1366870409"/>
+                    </a:ext>
+                  </a:extLst>
+                </a:gridCol>
+                <a:gridCol w="2808390">
                   <a:extLst>
                     <a:ext uri="{9D8B030D-6E8A-4147-A177-3AD203B41FA5}">
                       <a16:colId xmlns:a16="http://schemas.microsoft.com/office/drawing/2014/main" val="451929716"/>
-                    </a:ext>
-                  </a:extLst>
-                </a:gridCol>
-                <a:gridCol w="2216359">
-                  <a:extLst>
-                    <a:ext uri="{9D8B030D-6E8A-4147-A177-3AD203B41FA5}">
-                      <a16:colId xmlns:a16="http://schemas.microsoft.com/office/drawing/2014/main" val="3302166231"/>
                     </a:ext>
                   </a:extLst>
                 </a:gridCol>
@@ -6370,7 +6687,7 @@
                     <a:p>
                       <a:r>
                         <a:rPr lang="en-US" dirty="0"/>
-                        <a:t>Key Metrics</a:t>
+                        <a:t>Updates from Previous Model</a:t>
                       </a:r>
                     </a:p>
                   </a:txBody>
@@ -6383,7 +6700,7 @@
                     <a:p>
                       <a:r>
                         <a:rPr lang="en-US" dirty="0"/>
-                        <a:t>Next Steps</a:t>
+                        <a:t>Key Metrics</a:t>
                       </a:r>
                     </a:p>
                   </a:txBody>
@@ -6463,15 +6780,8 @@
                       </a:pPr>
                       <a:r>
                         <a:rPr lang="en-US" sz="1400" dirty="0"/>
-                        <a:t>R-squared: 6.25%</a:t>
+                        <a:t>N/A</a:t>
                       </a:r>
-                    </a:p>
-                    <a:p>
-                      <a:pPr marL="285750" indent="-285750">
-                        <a:buFont typeface="Arial" panose="020B0604020202020204" pitchFamily="34" charset="0"/>
-                        <a:buChar char="•"/>
-                      </a:pPr>
-                      <a:endParaRPr lang="en-US" sz="1400" dirty="0"/>
                     </a:p>
                   </a:txBody>
                   <a:tcPr/>
@@ -6481,6 +6791,20 @@
                     <a:bodyPr/>
                     <a:lstStyle/>
                     <a:p>
+                      <a:pPr marL="285750" indent="-285750">
+                        <a:buFont typeface="Arial" panose="020B0604020202020204" pitchFamily="34" charset="0"/>
+                        <a:buChar char="•"/>
+                      </a:pPr>
+                      <a:r>
+                        <a:rPr lang="en-US" sz="1400" dirty="0"/>
+                        <a:t>R-squared: 6.25%</a:t>
+                      </a:r>
+                    </a:p>
+                    <a:p>
+                      <a:pPr marL="285750" indent="-285750">
+                        <a:buFont typeface="Arial" panose="020B0604020202020204" pitchFamily="34" charset="0"/>
+                        <a:buChar char="•"/>
+                      </a:pPr>
                       <a:endParaRPr lang="en-US" sz="1400" dirty="0"/>
                     </a:p>
                   </a:txBody>
@@ -6551,10 +6875,9 @@
                         <a:buChar char="•"/>
                       </a:pPr>
                       <a:r>
-                        <a:rPr lang="en-US" sz="1400"/>
-                        <a:t>R-squared: 13.5%</a:t>
+                        <a:rPr lang="en-US" sz="1400" dirty="0"/>
+                        <a:t>Limit features to those that have high correlation to churn</a:t>
                       </a:r>
-                      <a:endParaRPr lang="en-US" sz="1400" dirty="0"/>
                     </a:p>
                   </a:txBody>
                   <a:tcPr/>
@@ -6564,6 +6887,14 @@
                     <a:bodyPr/>
                     <a:lstStyle/>
                     <a:p>
+                      <a:pPr marL="285750" indent="-285750">
+                        <a:buFont typeface="Arial" panose="020B0604020202020204" pitchFamily="34" charset="0"/>
+                        <a:buChar char="•"/>
+                      </a:pPr>
+                      <a:r>
+                        <a:rPr lang="en-US" sz="1400"/>
+                        <a:t>R-squared: 13.5%</a:t>
+                      </a:r>
                       <a:endParaRPr lang="en-US" sz="1400" dirty="0"/>
                     </a:p>
                   </a:txBody>
@@ -6582,12 +6913,16 @@
                     <a:lstStyle/>
                     <a:p>
                       <a:r>
-                        <a:rPr lang="en-US" sz="1400" dirty="0"/>
-                        <a:t>Feature-less Model</a:t>
+                        <a:rPr lang="en-US" sz="1400" b="1" dirty="0"/>
+                        <a:t>Optimized Model #2</a:t>
                       </a:r>
                     </a:p>
                   </a:txBody>
-                  <a:tcPr/>
+                  <a:tcPr>
+                    <a:solidFill>
+                      <a:srgbClr val="DFE9EF"/>
+                    </a:solidFill>
+                  </a:tcPr>
                 </a:tc>
                 <a:tc>
                   <a:txBody>
@@ -6599,7 +6934,7 @@
                         <a:buChar char="•"/>
                       </a:pPr>
                       <a:r>
-                        <a:rPr lang="en-US" sz="1400" dirty="0"/>
+                        <a:rPr lang="en-US" sz="1400" b="1" dirty="0"/>
                         <a:t>6 Features</a:t>
                       </a:r>
                     </a:p>
@@ -6609,40 +6944,74 @@
                         <a:buChar char="•"/>
                       </a:pPr>
                       <a:r>
-                        <a:rPr lang="en-US" sz="1400" dirty="0"/>
+                        <a:rPr lang="en-US" sz="1400" b="1" dirty="0"/>
                         <a:t>Customer service calls, international plan, voice mail plan, total </a:t>
                       </a:r>
                       <a:r>
-                        <a:rPr lang="en-US" sz="1400" dirty="0" err="1"/>
+                        <a:rPr lang="en-US" sz="1400" b="1" dirty="0" err="1"/>
                         <a:t>intl</a:t>
                       </a:r>
                       <a:r>
-                        <a:rPr lang="en-US" sz="1400" dirty="0"/>
+                        <a:rPr lang="en-US" sz="1400" b="1" dirty="0"/>
                         <a:t> calls</a:t>
                       </a:r>
                     </a:p>
                   </a:txBody>
-                  <a:tcPr/>
+                  <a:tcPr>
+                    <a:solidFill>
+                      <a:srgbClr val="DFE9EF"/>
+                    </a:solidFill>
+                  </a:tcPr>
                 </a:tc>
                 <a:tc>
                   <a:txBody>
                     <a:bodyPr/>
                     <a:lstStyle/>
                     <a:p>
-                      <a:endParaRPr lang="en-US" sz="1400" dirty="0"/>
+                      <a:pPr marL="285750" indent="-285750">
+                        <a:buFont typeface="Arial" panose="020B0604020202020204" pitchFamily="34" charset="0"/>
+                        <a:buChar char="•"/>
+                      </a:pPr>
+                      <a:r>
+                        <a:rPr lang="en-US" sz="1400" b="1" dirty="0"/>
+                        <a:t>Added categorical features such as </a:t>
+                      </a:r>
+                      <a:r>
+                        <a:rPr lang="en-US" sz="1400" b="1" dirty="0" err="1"/>
+                        <a:t>intl</a:t>
+                      </a:r>
+                      <a:r>
+                        <a:rPr lang="en-US" sz="1400" b="1" dirty="0"/>
+                        <a:t> plan and voice mail plan</a:t>
+                      </a:r>
                     </a:p>
                   </a:txBody>
-                  <a:tcPr/>
+                  <a:tcPr>
+                    <a:solidFill>
+                      <a:srgbClr val="DFE9EF"/>
+                    </a:solidFill>
+                  </a:tcPr>
                 </a:tc>
                 <a:tc>
                   <a:txBody>
                     <a:bodyPr/>
                     <a:lstStyle/>
                     <a:p>
-                      <a:endParaRPr lang="en-US" sz="1400" dirty="0"/>
+                      <a:pPr marL="285750" indent="-285750">
+                        <a:buFont typeface="Arial" panose="020B0604020202020204" pitchFamily="34" charset="0"/>
+                        <a:buChar char="•"/>
+                      </a:pPr>
+                      <a:r>
+                        <a:rPr lang="en-US" sz="1400" b="1" dirty="0"/>
+                        <a:t>R-squared 19.1%</a:t>
+                      </a:r>
                     </a:p>
                   </a:txBody>
-                  <a:tcPr/>
+                  <a:tcPr>
+                    <a:solidFill>
+                      <a:srgbClr val="DFE9EF"/>
+                    </a:solidFill>
+                  </a:tcPr>
                 </a:tc>
                 <a:extLst>
                   <a:ext uri="{0D108BD9-81ED-4DB2-BD59-A6C34878D82A}">
@@ -6654,6 +7023,274 @@
           </a:graphicData>
         </a:graphic>
       </p:graphicFrame>
+      <p:sp>
+        <p:nvSpPr>
+          <p:cNvPr id="4" name="Rectangle 1">
+            <a:extLst>
+              <a:ext uri="{FF2B5EF4-FFF2-40B4-BE49-F238E27FC236}">
+                <a16:creationId xmlns:a16="http://schemas.microsoft.com/office/drawing/2014/main" id="{F915848F-5AE0-D070-AD62-FB66260B1FD7}"/>
+              </a:ext>
+            </a:extLst>
+          </p:cNvPr>
+          <p:cNvSpPr>
+            <a:spLocks noChangeArrowheads="1"/>
+          </p:cNvSpPr>
+          <p:nvPr/>
+        </p:nvSpPr>
+        <p:spPr bwMode="auto">
+          <a:xfrm>
+            <a:off x="762000" y="5266573"/>
+            <a:ext cx="11042649" cy="1215717"/>
+          </a:xfrm>
+          <a:prstGeom prst="rect">
+            <a:avLst/>
+          </a:prstGeom>
+          <a:noFill/>
+          <a:ln>
+            <a:noFill/>
+          </a:ln>
+          <a:effectLst/>
+          <a:extLst>
+            <a:ext uri="{909E8E84-426E-40DD-AFC4-6F175D3DCCD1}">
+              <a14:hiddenFill xmlns:a14="http://schemas.microsoft.com/office/drawing/2010/main">
+                <a:solidFill>
+                  <a:schemeClr val="accent1"/>
+                </a:solidFill>
+              </a14:hiddenFill>
+            </a:ext>
+            <a:ext uri="{91240B29-F687-4F45-9708-019B960494DF}">
+              <a14:hiddenLine xmlns:a14="http://schemas.microsoft.com/office/drawing/2010/main" w="9525">
+                <a:solidFill>
+                  <a:schemeClr val="tx1"/>
+                </a:solidFill>
+                <a:miter lim="800000"/>
+                <a:headEnd/>
+                <a:tailEnd/>
+              </a14:hiddenLine>
+            </a:ext>
+            <a:ext uri="{AF507438-7753-43E0-B8FC-AC1667EBCBE1}">
+              <a14:hiddenEffects xmlns:a14="http://schemas.microsoft.com/office/drawing/2010/main">
+                <a:effectLst>
+                  <a:outerShdw dist="35921" dir="2700000" algn="ctr" rotWithShape="0">
+                    <a:schemeClr val="bg2"/>
+                  </a:outerShdw>
+                </a:effectLst>
+              </a14:hiddenEffects>
+            </a:ext>
+          </a:extLst>
+        </p:spPr>
+        <p:txBody>
+          <a:bodyPr vert="horz" wrap="square" lIns="91440" tIns="45720" rIns="91440" bIns="45720" numCol="1" anchor="ctr" anchorCtr="0" compatLnSpc="1">
+            <a:prstTxWarp prst="textNoShape">
+              <a:avLst/>
+            </a:prstTxWarp>
+            <a:spAutoFit/>
+          </a:bodyPr>
+          <a:lstStyle/>
+          <a:p>
+            <a:pPr marR="0" lvl="0" algn="l" defTabSz="914400" rtl="0" eaLnBrk="0" fontAlgn="base" latinLnBrk="0" hangingPunct="0">
+              <a:lnSpc>
+                <a:spcPct val="100000"/>
+              </a:lnSpc>
+              <a:spcBef>
+                <a:spcPct val="0"/>
+              </a:spcBef>
+              <a:spcAft>
+                <a:spcPct val="0"/>
+              </a:spcAft>
+              <a:buClrTx/>
+              <a:buSzTx/>
+              <a:tabLst/>
+            </a:pPr>
+            <a:r>
+              <a:rPr kumimoji="0" lang="en-US" altLang="en-US" sz="1100" b="1" i="0" u="none" strike="noStrike" cap="none" normalizeH="0" baseline="0" dirty="0" err="1">
+                <a:ln>
+                  <a:noFill/>
+                </a:ln>
+                <a:solidFill>
+                  <a:schemeClr val="tx1"/>
+                </a:solidFill>
+                <a:effectLst/>
+                <a:latin typeface="Arial" panose="020B0604020202020204" pitchFamily="34" charset="0"/>
+              </a:rPr>
+              <a:t>Statsmodels</a:t>
+            </a:r>
+            <a:r>
+              <a:rPr kumimoji="0" lang="en-US" altLang="en-US" sz="1100" b="1" i="0" u="none" strike="noStrike" cap="none" normalizeH="0" baseline="0" dirty="0">
+                <a:ln>
+                  <a:noFill/>
+                </a:ln>
+                <a:solidFill>
+                  <a:schemeClr val="tx1"/>
+                </a:solidFill>
+                <a:effectLst/>
+                <a:latin typeface="Arial" panose="020B0604020202020204" pitchFamily="34" charset="0"/>
+              </a:rPr>
+              <a:t> Overview</a:t>
+            </a:r>
+          </a:p>
+          <a:p>
+            <a:pPr marR="0" lvl="0" algn="l" defTabSz="914400" rtl="0" eaLnBrk="0" fontAlgn="base" latinLnBrk="0" hangingPunct="0">
+              <a:lnSpc>
+                <a:spcPct val="100000"/>
+              </a:lnSpc>
+              <a:spcBef>
+                <a:spcPct val="0"/>
+              </a:spcBef>
+              <a:spcAft>
+                <a:spcPct val="0"/>
+              </a:spcAft>
+              <a:buClrTx/>
+              <a:buSzTx/>
+              <a:tabLst/>
+            </a:pPr>
+            <a:endParaRPr kumimoji="0" lang="en-US" altLang="en-US" sz="1100" b="1" i="0" u="none" strike="noStrike" cap="none" normalizeH="0" baseline="0" dirty="0">
+              <a:ln>
+                <a:noFill/>
+              </a:ln>
+              <a:solidFill>
+                <a:schemeClr val="tx1"/>
+              </a:solidFill>
+              <a:effectLst/>
+              <a:latin typeface="Arial" panose="020B0604020202020204" pitchFamily="34" charset="0"/>
+            </a:endParaRPr>
+          </a:p>
+          <a:p>
+            <a:pPr marL="171450" marR="0" lvl="0" indent="-171450" algn="l" defTabSz="914400" rtl="0" eaLnBrk="0" fontAlgn="base" latinLnBrk="0" hangingPunct="0">
+              <a:lnSpc>
+                <a:spcPct val="100000"/>
+              </a:lnSpc>
+              <a:spcBef>
+                <a:spcPct val="0"/>
+              </a:spcBef>
+              <a:spcAft>
+                <a:spcPct val="0"/>
+              </a:spcAft>
+              <a:buClrTx/>
+              <a:buSzTx/>
+              <a:buFont typeface="Arial" panose="020B0604020202020204" pitchFamily="34" charset="0"/>
+              <a:buChar char="•"/>
+              <a:tabLst/>
+            </a:pPr>
+            <a:r>
+              <a:rPr kumimoji="0" lang="en-US" altLang="en-US" sz="1100" b="1" i="0" u="none" strike="noStrike" cap="none" normalizeH="0" baseline="0" dirty="0">
+                <a:ln>
+                  <a:noFill/>
+                </a:ln>
+                <a:solidFill>
+                  <a:schemeClr val="tx1"/>
+                </a:solidFill>
+                <a:effectLst/>
+                <a:latin typeface="Arial" panose="020B0604020202020204" pitchFamily="34" charset="0"/>
+              </a:rPr>
+              <a:t>Focus</a:t>
+            </a:r>
+            <a:r>
+              <a:rPr kumimoji="0" lang="en-US" altLang="en-US" sz="1100" b="0" i="0" u="none" strike="noStrike" cap="none" normalizeH="0" baseline="0" dirty="0">
+                <a:ln>
+                  <a:noFill/>
+                </a:ln>
+                <a:solidFill>
+                  <a:schemeClr val="tx1"/>
+                </a:solidFill>
+                <a:effectLst/>
+                <a:latin typeface="Arial" panose="020B0604020202020204" pitchFamily="34" charset="0"/>
+              </a:rPr>
+              <a:t>: Statistical analysis.</a:t>
+            </a:r>
+          </a:p>
+          <a:p>
+            <a:pPr marL="171450" marR="0" lvl="0" indent="-171450" algn="l" defTabSz="914400" rtl="0" eaLnBrk="0" fontAlgn="base" latinLnBrk="0" hangingPunct="0">
+              <a:lnSpc>
+                <a:spcPct val="100000"/>
+              </a:lnSpc>
+              <a:spcBef>
+                <a:spcPct val="0"/>
+              </a:spcBef>
+              <a:spcAft>
+                <a:spcPct val="0"/>
+              </a:spcAft>
+              <a:buClrTx/>
+              <a:buSzTx/>
+              <a:buFont typeface="Arial" panose="020B0604020202020204" pitchFamily="34" charset="0"/>
+              <a:buChar char="•"/>
+              <a:tabLst/>
+            </a:pPr>
+            <a:r>
+              <a:rPr kumimoji="0" lang="en-US" altLang="en-US" sz="1100" b="0" i="0" u="none" strike="noStrike" cap="none" normalizeH="0" baseline="0" dirty="0">
+                <a:ln>
+                  <a:noFill/>
+                </a:ln>
+                <a:solidFill>
+                  <a:schemeClr val="tx1"/>
+                </a:solidFill>
+                <a:effectLst/>
+                <a:latin typeface="Arial" panose="020B0604020202020204" pitchFamily="34" charset="0"/>
+              </a:rPr>
+              <a:t>Provides detailed statistical summaries and hypothesis testing (e.g., p-values, confidence intervals).</a:t>
+            </a:r>
+          </a:p>
+          <a:p>
+            <a:pPr marL="171450" marR="0" lvl="0" indent="-171450" algn="l" defTabSz="914400" rtl="0" eaLnBrk="0" fontAlgn="base" latinLnBrk="0" hangingPunct="0">
+              <a:lnSpc>
+                <a:spcPct val="100000"/>
+              </a:lnSpc>
+              <a:spcBef>
+                <a:spcPct val="0"/>
+              </a:spcBef>
+              <a:spcAft>
+                <a:spcPct val="0"/>
+              </a:spcAft>
+              <a:buClrTx/>
+              <a:buSzTx/>
+              <a:buFont typeface="Arial" panose="020B0604020202020204" pitchFamily="34" charset="0"/>
+              <a:buChar char="•"/>
+              <a:tabLst/>
+            </a:pPr>
+            <a:r>
+              <a:rPr kumimoji="0" lang="en-US" altLang="en-US" sz="1100" b="0" i="0" u="none" strike="noStrike" cap="none" normalizeH="0" baseline="0" dirty="0">
+                <a:ln>
+                  <a:noFill/>
+                </a:ln>
+                <a:solidFill>
+                  <a:schemeClr val="tx1"/>
+                </a:solidFill>
+                <a:effectLst/>
+                <a:latin typeface="Arial" panose="020B0604020202020204" pitchFamily="34" charset="0"/>
+              </a:rPr>
+              <a:t>Ideal for understanding the relationships between variables in-depth.</a:t>
+            </a:r>
+          </a:p>
+          <a:p>
+            <a:pPr marL="0" marR="0" lvl="0" indent="0" algn="l" defTabSz="914400" rtl="0" eaLnBrk="0" fontAlgn="base" latinLnBrk="0" hangingPunct="0">
+              <a:lnSpc>
+                <a:spcPct val="100000"/>
+              </a:lnSpc>
+              <a:spcBef>
+                <a:spcPct val="0"/>
+              </a:spcBef>
+              <a:spcAft>
+                <a:spcPct val="0"/>
+              </a:spcAft>
+              <a:buClrTx/>
+              <a:buSzTx/>
+              <a:buFontTx/>
+              <a:buNone/>
+              <a:tabLst/>
+            </a:pPr>
+            <a:endParaRPr kumimoji="0" lang="en-US" altLang="en-US" sz="1800" b="0" i="0" u="none" strike="noStrike" cap="none" normalizeH="0" baseline="0" dirty="0">
+              <a:ln>
+                <a:noFill/>
+              </a:ln>
+              <a:solidFill>
+                <a:schemeClr val="tx1"/>
+              </a:solidFill>
+              <a:effectLst/>
+              <a:latin typeface="Arial" panose="020B0604020202020204" pitchFamily="34" charset="0"/>
+            </a:endParaRPr>
+          </a:p>
+        </p:txBody>
+      </p:sp>
     </p:spTree>
     <p:extLst>
       <p:ext uri="{BB962C8B-B14F-4D97-AF65-F5344CB8AC3E}">
@@ -6683,7 +7320,7 @@
         <p:cNvPr id="1" name="">
           <a:extLst>
             <a:ext uri="{FF2B5EF4-FFF2-40B4-BE49-F238E27FC236}">
-              <a16:creationId xmlns:a16="http://schemas.microsoft.com/office/drawing/2014/main" id="{E87E892A-53A6-6BA0-C09A-F5B9746BEB09}"/>
+              <a16:creationId xmlns:a16="http://schemas.microsoft.com/office/drawing/2014/main" id="{C393BB1B-BC86-F559-AC0B-DC042093C0B4}"/>
             </a:ext>
           </a:extLst>
         </p:cNvPr>
@@ -6700,10 +7337,10 @@
       </p:grpSpPr>
       <p:sp useBgFill="1">
         <p:nvSpPr>
-          <p:cNvPr id="8" name="Rectangle 7">
+          <p:cNvPr id="3079" name="Rectangle 3078">
             <a:extLst>
               <a:ext uri="{FF2B5EF4-FFF2-40B4-BE49-F238E27FC236}">
-                <a16:creationId xmlns:a16="http://schemas.microsoft.com/office/drawing/2014/main" id="{EB618EBB-41F5-683D-993B-007B4D75F341}"/>
+                <a16:creationId xmlns:a16="http://schemas.microsoft.com/office/drawing/2014/main" id="{5EA083D2-624F-0D9A-F812-9B4C9780BC13}"/>
               </a:ext>
               <a:ext uri="{C183D7F6-B498-43B3-948B-1728B52AA6E4}">
                 <adec:decorative xmlns:adec="http://schemas.microsoft.com/office/drawing/2017/decorative" val="1"/>
@@ -6789,10 +7426,807 @@
       </p:sp>
       <p:sp>
         <p:nvSpPr>
+          <p:cNvPr id="2" name="Title 1">
+            <a:extLst>
+              <a:ext uri="{FF2B5EF4-FFF2-40B4-BE49-F238E27FC236}">
+                <a16:creationId xmlns:a16="http://schemas.microsoft.com/office/drawing/2014/main" id="{52284360-3DFC-4BB1-AB61-6729558093FF}"/>
+              </a:ext>
+            </a:extLst>
+          </p:cNvPr>
+          <p:cNvSpPr>
+            <a:spLocks noGrp="1"/>
+          </p:cNvSpPr>
+          <p:nvPr>
+            <p:ph type="title"/>
+          </p:nvPr>
+        </p:nvSpPr>
+        <p:spPr>
+          <a:xfrm>
+            <a:off x="762000" y="755650"/>
+            <a:ext cx="10668000" cy="1345115"/>
+          </a:xfrm>
+        </p:spPr>
+        <p:txBody>
+          <a:bodyPr>
+            <a:normAutofit/>
+          </a:bodyPr>
+          <a:lstStyle/>
+          <a:p>
+            <a:r>
+              <a:rPr lang="en-US" dirty="0"/>
+              <a:t>Model Evaluation Using </a:t>
+            </a:r>
+            <a:r>
+              <a:rPr lang="en-US" dirty="0" err="1"/>
+              <a:t>SciKitLearn</a:t>
+            </a:r>
+            <a:endParaRPr lang="en-US" dirty="0"/>
+          </a:p>
+        </p:txBody>
+      </p:sp>
+      <p:graphicFrame>
+        <p:nvGraphicFramePr>
+          <p:cNvPr id="6" name="Table 5">
+            <a:extLst>
+              <a:ext uri="{FF2B5EF4-FFF2-40B4-BE49-F238E27FC236}">
+                <a16:creationId xmlns:a16="http://schemas.microsoft.com/office/drawing/2014/main" id="{18CEA421-40B3-A9A0-751E-8079FE3DC6A0}"/>
+              </a:ext>
+            </a:extLst>
+          </p:cNvPr>
+          <p:cNvGraphicFramePr>
+            <a:graphicFrameLocks noGrp="1"/>
+          </p:cNvGraphicFramePr>
+          <p:nvPr>
+            <p:extLst>
+              <p:ext uri="{D42A27DB-BD31-4B8C-83A1-F6EECF244321}">
+                <p14:modId xmlns:p14="http://schemas.microsoft.com/office/powerpoint/2010/main" val="3218227090"/>
+              </p:ext>
+            </p:extLst>
+          </p:nvPr>
+        </p:nvGraphicFramePr>
+        <p:xfrm>
+          <a:off x="762000" y="1629502"/>
+          <a:ext cx="11042649" cy="3688080"/>
+        </p:xfrm>
+        <a:graphic>
+          <a:graphicData uri="http://schemas.openxmlformats.org/drawingml/2006/table">
+            <a:tbl>
+              <a:tblPr firstRow="1" bandRow="1">
+                <a:tableStyleId>{073A0DAA-6AF3-43AB-8588-CEC1D06C72B9}</a:tableStyleId>
+              </a:tblPr>
+              <a:tblGrid>
+                <a:gridCol w="1111250">
+                  <a:extLst>
+                    <a:ext uri="{9D8B030D-6E8A-4147-A177-3AD203B41FA5}">
+                      <a16:colId xmlns:a16="http://schemas.microsoft.com/office/drawing/2014/main" val="17199705"/>
+                    </a:ext>
+                  </a:extLst>
+                </a:gridCol>
+                <a:gridCol w="4314619">
+                  <a:extLst>
+                    <a:ext uri="{9D8B030D-6E8A-4147-A177-3AD203B41FA5}">
+                      <a16:colId xmlns:a16="http://schemas.microsoft.com/office/drawing/2014/main" val="25984607"/>
+                    </a:ext>
+                  </a:extLst>
+                </a:gridCol>
+                <a:gridCol w="2808390">
+                  <a:extLst>
+                    <a:ext uri="{9D8B030D-6E8A-4147-A177-3AD203B41FA5}">
+                      <a16:colId xmlns:a16="http://schemas.microsoft.com/office/drawing/2014/main" val="1366870409"/>
+                    </a:ext>
+                  </a:extLst>
+                </a:gridCol>
+                <a:gridCol w="2808390">
+                  <a:extLst>
+                    <a:ext uri="{9D8B030D-6E8A-4147-A177-3AD203B41FA5}">
+                      <a16:colId xmlns:a16="http://schemas.microsoft.com/office/drawing/2014/main" val="451929716"/>
+                    </a:ext>
+                  </a:extLst>
+                </a:gridCol>
+              </a:tblGrid>
+              <a:tr h="370840">
+                <a:tc>
+                  <a:txBody>
+                    <a:bodyPr/>
+                    <a:lstStyle/>
+                    <a:p>
+                      <a:r>
+                        <a:rPr lang="en-US" dirty="0"/>
+                        <a:t>Model</a:t>
+                      </a:r>
+                    </a:p>
+                  </a:txBody>
+                  <a:tcPr/>
+                </a:tc>
+                <a:tc>
+                  <a:txBody>
+                    <a:bodyPr/>
+                    <a:lstStyle/>
+                    <a:p>
+                      <a:r>
+                        <a:rPr lang="en-US" dirty="0"/>
+                        <a:t>Features</a:t>
+                      </a:r>
+                    </a:p>
+                  </a:txBody>
+                  <a:tcPr/>
+                </a:tc>
+                <a:tc>
+                  <a:txBody>
+                    <a:bodyPr/>
+                    <a:lstStyle/>
+                    <a:p>
+                      <a:r>
+                        <a:rPr lang="en-US" dirty="0"/>
+                        <a:t>Updates from Previous Model</a:t>
+                      </a:r>
+                    </a:p>
+                  </a:txBody>
+                  <a:tcPr/>
+                </a:tc>
+                <a:tc>
+                  <a:txBody>
+                    <a:bodyPr/>
+                    <a:lstStyle/>
+                    <a:p>
+                      <a:r>
+                        <a:rPr lang="en-US" dirty="0"/>
+                        <a:t>Key Metrics</a:t>
+                      </a:r>
+                    </a:p>
+                  </a:txBody>
+                  <a:tcPr/>
+                </a:tc>
+                <a:extLst>
+                  <a:ext uri="{0D108BD9-81ED-4DB2-BD59-A6C34878D82A}">
+                    <a16:rowId xmlns:a16="http://schemas.microsoft.com/office/drawing/2014/main" val="62201549"/>
+                  </a:ext>
+                </a:extLst>
+              </a:tr>
+              <a:tr h="370840">
+                <a:tc>
+                  <a:txBody>
+                    <a:bodyPr/>
+                    <a:lstStyle/>
+                    <a:p>
+                      <a:r>
+                        <a:rPr lang="en-US" sz="1400" dirty="0" err="1"/>
+                        <a:t>LogReg</a:t>
+                      </a:r>
+                      <a:r>
+                        <a:rPr lang="en-US" sz="1400" dirty="0"/>
+                        <a:t> Baseline Model</a:t>
+                      </a:r>
+                    </a:p>
+                  </a:txBody>
+                  <a:tcPr/>
+                </a:tc>
+                <a:tc>
+                  <a:txBody>
+                    <a:bodyPr/>
+                    <a:lstStyle/>
+                    <a:p>
+                      <a:pPr marL="285750" indent="-285750">
+                        <a:buFont typeface="Arial" panose="020B0604020202020204" pitchFamily="34" charset="0"/>
+                        <a:buChar char="•"/>
+                      </a:pPr>
+                      <a:r>
+                        <a:rPr lang="en-US" sz="1400" dirty="0"/>
+                        <a:t>7 Features</a:t>
+                      </a:r>
+                    </a:p>
+                    <a:p>
+                      <a:pPr marL="285750" indent="-285750">
+                        <a:buFont typeface="Arial" panose="020B0604020202020204" pitchFamily="34" charset="0"/>
+                        <a:buChar char="•"/>
+                      </a:pPr>
+                      <a:r>
+                        <a:rPr lang="en-US" sz="1400" dirty="0"/>
+                        <a:t>customer service calls', 'international plan', 'voice mail plan', 'total </a:t>
+                      </a:r>
+                      <a:r>
+                        <a:rPr lang="en-US" sz="1400" dirty="0" err="1"/>
+                        <a:t>intl</a:t>
+                      </a:r>
+                      <a:r>
+                        <a:rPr lang="en-US" sz="1400" dirty="0"/>
+                        <a:t> calls', 'total day charge', 'total day minutes'</a:t>
+                      </a:r>
+                    </a:p>
+                  </a:txBody>
+                  <a:tcPr/>
+                </a:tc>
+                <a:tc>
+                  <a:txBody>
+                    <a:bodyPr/>
+                    <a:lstStyle/>
+                    <a:p>
+                      <a:pPr marL="285750" indent="-285750">
+                        <a:buFont typeface="Arial" panose="020B0604020202020204" pitchFamily="34" charset="0"/>
+                        <a:buChar char="•"/>
+                      </a:pPr>
+                      <a:r>
+                        <a:rPr lang="en-US" sz="1400" dirty="0"/>
+                        <a:t>N/A</a:t>
+                      </a:r>
+                    </a:p>
+                  </a:txBody>
+                  <a:tcPr/>
+                </a:tc>
+                <a:tc>
+                  <a:txBody>
+                    <a:bodyPr/>
+                    <a:lstStyle/>
+                    <a:p>
+                      <a:pPr marL="285750" indent="-285750">
+                        <a:buFont typeface="Arial" panose="020B0604020202020204" pitchFamily="34" charset="0"/>
+                        <a:buChar char="•"/>
+                      </a:pPr>
+                      <a:r>
+                        <a:rPr lang="en-US" sz="1400" dirty="0"/>
+                        <a:t>AUC 64.5%</a:t>
+                      </a:r>
+                    </a:p>
+                    <a:p>
+                      <a:pPr marL="285750" indent="-285750">
+                        <a:buFont typeface="Arial" panose="020B0604020202020204" pitchFamily="34" charset="0"/>
+                        <a:buChar char="•"/>
+                      </a:pPr>
+                      <a:endParaRPr lang="en-US" sz="1400" dirty="0"/>
+                    </a:p>
+                  </a:txBody>
+                  <a:tcPr/>
+                </a:tc>
+                <a:extLst>
+                  <a:ext uri="{0D108BD9-81ED-4DB2-BD59-A6C34878D82A}">
+                    <a16:rowId xmlns:a16="http://schemas.microsoft.com/office/drawing/2014/main" val="268599275"/>
+                  </a:ext>
+                </a:extLst>
+              </a:tr>
+              <a:tr h="370840">
+                <a:tc>
+                  <a:txBody>
+                    <a:bodyPr/>
+                    <a:lstStyle/>
+                    <a:p>
+                      <a:r>
+                        <a:rPr lang="en-US" sz="1400" b="1" dirty="0" err="1"/>
+                        <a:t>LogReg</a:t>
+                      </a:r>
+                      <a:r>
+                        <a:rPr lang="en-US" sz="1400" b="1" dirty="0"/>
+                        <a:t> Baseline Model #2</a:t>
+                      </a:r>
+                    </a:p>
+                  </a:txBody>
+                  <a:tcPr>
+                    <a:solidFill>
+                      <a:srgbClr val="DFE9EF"/>
+                    </a:solidFill>
+                  </a:tcPr>
+                </a:tc>
+                <a:tc>
+                  <a:txBody>
+                    <a:bodyPr/>
+                    <a:lstStyle/>
+                    <a:p>
+                      <a:pPr marL="285750" indent="-285750">
+                        <a:buFont typeface="Arial" panose="020B0604020202020204" pitchFamily="34" charset="0"/>
+                        <a:buChar char="•"/>
+                      </a:pPr>
+                      <a:r>
+                        <a:rPr lang="en-US" sz="1400" b="1" dirty="0"/>
+                        <a:t>7 Features</a:t>
+                      </a:r>
+                    </a:p>
+                    <a:p>
+                      <a:pPr marL="285750" indent="-285750">
+                        <a:buFont typeface="Arial" panose="020B0604020202020204" pitchFamily="34" charset="0"/>
+                        <a:buChar char="•"/>
+                      </a:pPr>
+                      <a:r>
+                        <a:rPr lang="en-US" sz="1400" b="1" dirty="0"/>
+                        <a:t>customer service calls', 'international plan', 'voice mail plan', 'total </a:t>
+                      </a:r>
+                      <a:r>
+                        <a:rPr lang="en-US" sz="1400" b="1" dirty="0" err="1"/>
+                        <a:t>intl</a:t>
+                      </a:r>
+                      <a:r>
+                        <a:rPr lang="en-US" sz="1400" b="1" dirty="0"/>
+                        <a:t> calls', 'total day charge', 'total day minutes'</a:t>
+                      </a:r>
+                    </a:p>
+                  </a:txBody>
+                  <a:tcPr>
+                    <a:solidFill>
+                      <a:srgbClr val="DFE9EF"/>
+                    </a:solidFill>
+                  </a:tcPr>
+                </a:tc>
+                <a:tc>
+                  <a:txBody>
+                    <a:bodyPr/>
+                    <a:lstStyle/>
+                    <a:p>
+                      <a:pPr marL="285750" indent="-285750">
+                        <a:buFont typeface="Arial" panose="020B0604020202020204" pitchFamily="34" charset="0"/>
+                        <a:buChar char="•"/>
+                      </a:pPr>
+                      <a:r>
+                        <a:rPr lang="en-US" sz="1400" b="1" dirty="0"/>
+                        <a:t>Added an intercept to the model</a:t>
+                      </a:r>
+                    </a:p>
+                  </a:txBody>
+                  <a:tcPr>
+                    <a:solidFill>
+                      <a:srgbClr val="DFE9EF"/>
+                    </a:solidFill>
+                  </a:tcPr>
+                </a:tc>
+                <a:tc>
+                  <a:txBody>
+                    <a:bodyPr/>
+                    <a:lstStyle/>
+                    <a:p>
+                      <a:pPr marL="285750" indent="-285750">
+                        <a:buFont typeface="Arial" panose="020B0604020202020204" pitchFamily="34" charset="0"/>
+                        <a:buChar char="•"/>
+                      </a:pPr>
+                      <a:r>
+                        <a:rPr lang="en-US" sz="1400" b="1" dirty="0"/>
+                        <a:t>AUC 65.2%</a:t>
+                      </a:r>
+                    </a:p>
+                  </a:txBody>
+                  <a:tcPr>
+                    <a:solidFill>
+                      <a:srgbClr val="DFE9EF"/>
+                    </a:solidFill>
+                  </a:tcPr>
+                </a:tc>
+                <a:extLst>
+                  <a:ext uri="{0D108BD9-81ED-4DB2-BD59-A6C34878D82A}">
+                    <a16:rowId xmlns:a16="http://schemas.microsoft.com/office/drawing/2014/main" val="2736182308"/>
+                  </a:ext>
+                </a:extLst>
+              </a:tr>
+              <a:tr h="370840">
+                <a:tc>
+                  <a:txBody>
+                    <a:bodyPr/>
+                    <a:lstStyle/>
+                    <a:p>
+                      <a:r>
+                        <a:rPr lang="en-US" sz="1400" dirty="0"/>
+                        <a:t>Decision Tree Model</a:t>
+                      </a:r>
+                    </a:p>
+                  </a:txBody>
+                  <a:tcPr/>
+                </a:tc>
+                <a:tc>
+                  <a:txBody>
+                    <a:bodyPr/>
+                    <a:lstStyle/>
+                    <a:p>
+                      <a:pPr marL="285750" indent="-285750">
+                        <a:buFont typeface="Arial" panose="020B0604020202020204" pitchFamily="34" charset="0"/>
+                        <a:buChar char="•"/>
+                      </a:pPr>
+                      <a:r>
+                        <a:rPr lang="en-US" sz="1400" dirty="0"/>
+                        <a:t>7 Features</a:t>
+                      </a:r>
+                    </a:p>
+                    <a:p>
+                      <a:pPr marL="285750" indent="-285750">
+                        <a:buFont typeface="Arial" panose="020B0604020202020204" pitchFamily="34" charset="0"/>
+                        <a:buChar char="•"/>
+                      </a:pPr>
+                      <a:r>
+                        <a:rPr lang="en-US" sz="1400" dirty="0"/>
+                        <a:t>customer service calls', 'international plan', 'voice mail plan', 'total </a:t>
+                      </a:r>
+                      <a:r>
+                        <a:rPr lang="en-US" sz="1400" dirty="0" err="1"/>
+                        <a:t>intl</a:t>
+                      </a:r>
+                      <a:r>
+                        <a:rPr lang="en-US" sz="1400" dirty="0"/>
+                        <a:t> calls', 'total day charge', 'total day minutes'</a:t>
+                      </a:r>
+                    </a:p>
+                  </a:txBody>
+                  <a:tcPr/>
+                </a:tc>
+                <a:tc>
+                  <a:txBody>
+                    <a:bodyPr/>
+                    <a:lstStyle/>
+                    <a:p>
+                      <a:pPr marL="285750" indent="-285750">
+                        <a:buFont typeface="Arial" panose="020B0604020202020204" pitchFamily="34" charset="0"/>
+                        <a:buChar char="•"/>
+                      </a:pPr>
+                      <a:r>
+                        <a:rPr lang="en-US" sz="1400" dirty="0"/>
+                        <a:t>Adjust several hyperparameters based on analysis</a:t>
+                      </a:r>
+                    </a:p>
+                    <a:p>
+                      <a:pPr marL="285750" indent="-285750">
+                        <a:buFont typeface="Arial" panose="020B0604020202020204" pitchFamily="34" charset="0"/>
+                        <a:buChar char="•"/>
+                      </a:pPr>
+                      <a:r>
+                        <a:rPr lang="en-US" sz="1400" dirty="0"/>
+                        <a:t>Max features, max depth, min splits, min </a:t>
+                      </a:r>
+                      <a:r>
+                        <a:rPr lang="en-US" sz="1400" dirty="0" err="1"/>
+                        <a:t>leafs</a:t>
+                      </a:r>
+                      <a:endParaRPr lang="en-US" sz="1400" dirty="0"/>
+                    </a:p>
+                  </a:txBody>
+                  <a:tcPr/>
+                </a:tc>
+                <a:tc>
+                  <a:txBody>
+                    <a:bodyPr/>
+                    <a:lstStyle/>
+                    <a:p>
+                      <a:pPr marL="285750" indent="-285750">
+                        <a:buFont typeface="Arial" panose="020B0604020202020204" pitchFamily="34" charset="0"/>
+                        <a:buChar char="•"/>
+                      </a:pPr>
+                      <a:r>
+                        <a:rPr lang="en-US" sz="1400" dirty="0"/>
+                        <a:t>AUC 59.2%</a:t>
+                      </a:r>
+                    </a:p>
+                  </a:txBody>
+                  <a:tcPr/>
+                </a:tc>
+                <a:extLst>
+                  <a:ext uri="{0D108BD9-81ED-4DB2-BD59-A6C34878D82A}">
+                    <a16:rowId xmlns:a16="http://schemas.microsoft.com/office/drawing/2014/main" val="1489104653"/>
+                  </a:ext>
+                </a:extLst>
+              </a:tr>
+            </a:tbl>
+          </a:graphicData>
+        </a:graphic>
+      </p:graphicFrame>
+      <p:sp>
+        <p:nvSpPr>
+          <p:cNvPr id="4" name="Rectangle 1">
+            <a:extLst>
+              <a:ext uri="{FF2B5EF4-FFF2-40B4-BE49-F238E27FC236}">
+                <a16:creationId xmlns:a16="http://schemas.microsoft.com/office/drawing/2014/main" id="{8FB2F306-4224-FAC8-3215-50C419B064F9}"/>
+              </a:ext>
+            </a:extLst>
+          </p:cNvPr>
+          <p:cNvSpPr>
+            <a:spLocks noChangeArrowheads="1"/>
+          </p:cNvSpPr>
+          <p:nvPr/>
+        </p:nvSpPr>
+        <p:spPr bwMode="auto">
+          <a:xfrm>
+            <a:off x="761999" y="5402989"/>
+            <a:ext cx="11042649" cy="769441"/>
+          </a:xfrm>
+          <a:prstGeom prst="rect">
+            <a:avLst/>
+          </a:prstGeom>
+          <a:noFill/>
+          <a:ln>
+            <a:noFill/>
+          </a:ln>
+          <a:effectLst/>
+          <a:extLst>
+            <a:ext uri="{909E8E84-426E-40DD-AFC4-6F175D3DCCD1}">
+              <a14:hiddenFill xmlns:a14="http://schemas.microsoft.com/office/drawing/2010/main">
+                <a:solidFill>
+                  <a:schemeClr val="accent1"/>
+                </a:solidFill>
+              </a14:hiddenFill>
+            </a:ext>
+            <a:ext uri="{91240B29-F687-4F45-9708-019B960494DF}">
+              <a14:hiddenLine xmlns:a14="http://schemas.microsoft.com/office/drawing/2010/main" w="9525">
+                <a:solidFill>
+                  <a:schemeClr val="tx1"/>
+                </a:solidFill>
+                <a:miter lim="800000"/>
+                <a:headEnd/>
+                <a:tailEnd/>
+              </a14:hiddenLine>
+            </a:ext>
+            <a:ext uri="{AF507438-7753-43E0-B8FC-AC1667EBCBE1}">
+              <a14:hiddenEffects xmlns:a14="http://schemas.microsoft.com/office/drawing/2010/main">
+                <a:effectLst>
+                  <a:outerShdw dist="35921" dir="2700000" algn="ctr" rotWithShape="0">
+                    <a:schemeClr val="bg2"/>
+                  </a:outerShdw>
+                </a:effectLst>
+              </a14:hiddenEffects>
+            </a:ext>
+          </a:extLst>
+        </p:spPr>
+        <p:txBody>
+          <a:bodyPr vert="horz" wrap="square" lIns="91440" tIns="45720" rIns="91440" bIns="45720" numCol="1" anchor="ctr" anchorCtr="0" compatLnSpc="1">
+            <a:prstTxWarp prst="textNoShape">
+              <a:avLst/>
+            </a:prstTxWarp>
+            <a:spAutoFit/>
+          </a:bodyPr>
+          <a:lstStyle/>
+          <a:p>
+            <a:pPr marR="0" lvl="0" algn="l" defTabSz="914400" rtl="0" eaLnBrk="0" fontAlgn="base" latinLnBrk="0" hangingPunct="0">
+              <a:lnSpc>
+                <a:spcPct val="100000"/>
+              </a:lnSpc>
+              <a:spcBef>
+                <a:spcPct val="0"/>
+              </a:spcBef>
+              <a:spcAft>
+                <a:spcPct val="0"/>
+              </a:spcAft>
+              <a:buClrTx/>
+              <a:buSzTx/>
+              <a:tabLst/>
+            </a:pPr>
+            <a:r>
+              <a:rPr kumimoji="0" lang="en-US" altLang="en-US" sz="1100" b="1" i="0" u="none" strike="noStrike" cap="none" normalizeH="0" baseline="0" dirty="0">
+                <a:ln>
+                  <a:noFill/>
+                </a:ln>
+                <a:solidFill>
+                  <a:schemeClr val="tx1"/>
+                </a:solidFill>
+                <a:effectLst/>
+                <a:latin typeface="Arial" panose="020B0604020202020204" pitchFamily="34" charset="0"/>
+              </a:rPr>
+              <a:t>AUC Overview</a:t>
+            </a:r>
+          </a:p>
+          <a:p>
+            <a:pPr marL="171450" marR="0" lvl="0" indent="-171450" algn="l" defTabSz="914400" rtl="0" eaLnBrk="0" fontAlgn="base" latinLnBrk="0" hangingPunct="0">
+              <a:lnSpc>
+                <a:spcPct val="100000"/>
+              </a:lnSpc>
+              <a:spcBef>
+                <a:spcPct val="0"/>
+              </a:spcBef>
+              <a:spcAft>
+                <a:spcPct val="0"/>
+              </a:spcAft>
+              <a:buClrTx/>
+              <a:buSzTx/>
+              <a:buFont typeface="Arial" panose="020B0604020202020204" pitchFamily="34" charset="0"/>
+              <a:buChar char="•"/>
+              <a:tabLst/>
+            </a:pPr>
+            <a:r>
+              <a:rPr kumimoji="0" lang="en-US" altLang="en-US" sz="1100" i="0" u="none" strike="noStrike" cap="none" normalizeH="0" baseline="0" dirty="0">
+                <a:ln>
+                  <a:noFill/>
+                </a:ln>
+                <a:solidFill>
+                  <a:schemeClr val="tx1"/>
+                </a:solidFill>
+                <a:effectLst/>
+                <a:latin typeface="Arial" panose="020B0604020202020204" pitchFamily="34" charset="0"/>
+              </a:rPr>
+              <a:t>AUC is a score between 0.5 and 1.0 that shows how well the model separates different groups.</a:t>
+            </a:r>
+          </a:p>
+          <a:p>
+            <a:pPr marL="171450" marR="0" lvl="0" indent="-171450" algn="l" defTabSz="914400" rtl="0" eaLnBrk="0" fontAlgn="base" latinLnBrk="0" hangingPunct="0">
+              <a:lnSpc>
+                <a:spcPct val="100000"/>
+              </a:lnSpc>
+              <a:spcBef>
+                <a:spcPct val="0"/>
+              </a:spcBef>
+              <a:spcAft>
+                <a:spcPct val="0"/>
+              </a:spcAft>
+              <a:buClrTx/>
+              <a:buSzTx/>
+              <a:buFont typeface="Arial" panose="020B0604020202020204" pitchFamily="34" charset="0"/>
+              <a:buChar char="•"/>
+              <a:tabLst/>
+            </a:pPr>
+            <a:r>
+              <a:rPr kumimoji="0" lang="en-US" altLang="en-US" sz="1100" i="0" u="none" strike="noStrike" cap="none" normalizeH="0" baseline="0" dirty="0">
+                <a:ln>
+                  <a:noFill/>
+                </a:ln>
+                <a:solidFill>
+                  <a:schemeClr val="tx1"/>
+                </a:solidFill>
+                <a:effectLst/>
+                <a:latin typeface="Arial" panose="020B0604020202020204" pitchFamily="34" charset="0"/>
+              </a:rPr>
+              <a:t>The higher the AUC, the better the model at making accurate predictions.</a:t>
+            </a:r>
+          </a:p>
+          <a:p>
+            <a:pPr marL="171450" marR="0" lvl="0" indent="-171450" algn="l" defTabSz="914400" rtl="0" eaLnBrk="0" fontAlgn="base" latinLnBrk="0" hangingPunct="0">
+              <a:lnSpc>
+                <a:spcPct val="100000"/>
+              </a:lnSpc>
+              <a:spcBef>
+                <a:spcPct val="0"/>
+              </a:spcBef>
+              <a:spcAft>
+                <a:spcPct val="0"/>
+              </a:spcAft>
+              <a:buClrTx/>
+              <a:buSzTx/>
+              <a:buFont typeface="Arial" panose="020B0604020202020204" pitchFamily="34" charset="0"/>
+              <a:buChar char="•"/>
+              <a:tabLst/>
+            </a:pPr>
+            <a:r>
+              <a:rPr kumimoji="0" lang="en-US" altLang="en-US" sz="1100" i="0" u="none" strike="noStrike" cap="none" normalizeH="0" baseline="0" dirty="0">
+                <a:ln>
+                  <a:noFill/>
+                </a:ln>
+                <a:solidFill>
+                  <a:schemeClr val="tx1"/>
+                </a:solidFill>
+                <a:effectLst/>
+                <a:latin typeface="Arial" panose="020B0604020202020204" pitchFamily="34" charset="0"/>
+              </a:rPr>
+              <a:t>AUC helps us decide if the model is good enough to act on, ensuring we focus on the right people or items.</a:t>
+            </a:r>
+          </a:p>
+        </p:txBody>
+      </p:sp>
+    </p:spTree>
+    <p:extLst>
+      <p:ext uri="{BB962C8B-B14F-4D97-AF65-F5344CB8AC3E}">
+        <p14:creationId xmlns:p14="http://schemas.microsoft.com/office/powerpoint/2010/main" val="1025520446"/>
+      </p:ext>
+    </p:extLst>
+  </p:cSld>
+  <p:clrMapOvr>
+    <a:masterClrMapping/>
+  </p:clrMapOvr>
+</p:sld>
+</file>
+
+<file path=ppt/slides/slide12.xml><?xml version="1.0" encoding="utf-8"?>
+<p:sld xmlns:a="http://schemas.openxmlformats.org/drawingml/2006/main" xmlns:r="http://schemas.openxmlformats.org/officeDocument/2006/relationships" xmlns:p="http://schemas.openxmlformats.org/presentationml/2006/main">
+  <p:cSld>
+    <p:bg>
+      <p:bgPr>
+        <a:solidFill>
+          <a:schemeClr val="bg1"/>
+        </a:solidFill>
+        <a:effectLst/>
+      </p:bgPr>
+    </p:bg>
+    <p:spTree>
+      <p:nvGrpSpPr>
+        <p:cNvPr id="1" name="">
+          <a:extLst>
+            <a:ext uri="{FF2B5EF4-FFF2-40B4-BE49-F238E27FC236}">
+              <a16:creationId xmlns:a16="http://schemas.microsoft.com/office/drawing/2014/main" id="{B4D9A14F-301C-C76D-DF1E-EB066AD7BCD0}"/>
+            </a:ext>
+          </a:extLst>
+        </p:cNvPr>
+        <p:cNvGrpSpPr/>
+        <p:nvPr/>
+      </p:nvGrpSpPr>
+      <p:grpSpPr>
+        <a:xfrm>
+          <a:off x="0" y="0"/>
+          <a:ext cx="0" cy="0"/>
+          <a:chOff x="0" y="0"/>
+          <a:chExt cx="0" cy="0"/>
+        </a:xfrm>
+      </p:grpSpPr>
+      <p:sp useBgFill="1">
+        <p:nvSpPr>
+          <p:cNvPr id="8" name="Rectangle 7">
+            <a:extLst>
+              <a:ext uri="{FF2B5EF4-FFF2-40B4-BE49-F238E27FC236}">
+                <a16:creationId xmlns:a16="http://schemas.microsoft.com/office/drawing/2014/main" id="{B2377083-D87F-55BF-D636-211D88C26D17}"/>
+              </a:ext>
+              <a:ext uri="{C183D7F6-B498-43B3-948B-1728B52AA6E4}">
+                <adec:decorative xmlns:adec="http://schemas.microsoft.com/office/drawing/2017/decorative" val="1"/>
+              </a:ext>
+            </a:extLst>
+          </p:cNvPr>
+          <p:cNvSpPr>
+            <a:spLocks noGrp="1" noRot="1" noChangeAspect="1" noMove="1" noResize="1" noEditPoints="1" noAdjustHandles="1" noChangeArrowheads="1" noChangeShapeType="1" noTextEdit="1"/>
+          </p:cNvSpPr>
+          <p:nvPr>
+            <p:extLst>
+              <p:ext uri="{386F3935-93C4-4BCD-93E2-E3B085C9AB24}">
+                <p16:designElem xmlns:p16="http://schemas.microsoft.com/office/powerpoint/2015/main" val="1"/>
+              </p:ext>
+            </p:extLst>
+          </p:nvPr>
+        </p:nvSpPr>
+        <p:spPr>
+          <a:xfrm>
+            <a:off x="0" y="0"/>
+            <a:ext cx="12192000" cy="6858000"/>
+          </a:xfrm>
+          <a:prstGeom prst="rect">
+            <a:avLst/>
+          </a:prstGeom>
+          <a:ln>
+            <a:noFill/>
+          </a:ln>
+        </p:spPr>
+        <p:style>
+          <a:lnRef idx="2">
+            <a:schemeClr val="accent1">
+              <a:shade val="50000"/>
+            </a:schemeClr>
+          </a:lnRef>
+          <a:fillRef idx="1">
+            <a:schemeClr val="accent1"/>
+          </a:fillRef>
+          <a:effectRef idx="0">
+            <a:schemeClr val="accent1"/>
+          </a:effectRef>
+          <a:fontRef idx="minor">
+            <a:schemeClr val="lt1"/>
+          </a:fontRef>
+        </p:style>
+        <p:txBody>
+          <a:bodyPr rtlCol="0" anchor="ctr"/>
+          <a:lstStyle/>
+          <a:p>
+            <a:pPr marL="0" marR="0" lvl="0" indent="0" algn="ctr" defTabSz="914400" rtl="0" eaLnBrk="1" fontAlgn="auto" latinLnBrk="0" hangingPunct="1">
+              <a:lnSpc>
+                <a:spcPct val="100000"/>
+              </a:lnSpc>
+              <a:spcBef>
+                <a:spcPts val="0"/>
+              </a:spcBef>
+              <a:spcAft>
+                <a:spcPts val="0"/>
+              </a:spcAft>
+              <a:buClrTx/>
+              <a:buSzTx/>
+              <a:buFontTx/>
+              <a:buNone/>
+              <a:tabLst/>
+              <a:defRPr/>
+            </a:pPr>
+            <a:endParaRPr kumimoji="0" lang="en-US" sz="1800" b="0" i="0" u="none" strike="noStrike" kern="1200" cap="none" spc="0" normalizeH="0" baseline="0" noProof="0">
+              <a:ln>
+                <a:noFill/>
+              </a:ln>
+              <a:solidFill>
+                <a:srgbClr val="FFFFFF"/>
+              </a:solidFill>
+              <a:effectLst/>
+              <a:uLnTx/>
+              <a:uFillTx/>
+              <a:latin typeface="Avenir Next LT Pro"/>
+              <a:ea typeface="+mn-ea"/>
+              <a:cs typeface="+mn-cs"/>
+            </a:endParaRPr>
+          </a:p>
+        </p:txBody>
+      </p:sp>
+      <p:sp>
+        <p:nvSpPr>
           <p:cNvPr id="10" name="Rectangle 9">
             <a:extLst>
               <a:ext uri="{FF2B5EF4-FFF2-40B4-BE49-F238E27FC236}">
-                <a16:creationId xmlns:a16="http://schemas.microsoft.com/office/drawing/2014/main" id="{D416AC3C-5DCE-AEE6-2DD0-B717E327E1A9}"/>
+                <a16:creationId xmlns:a16="http://schemas.microsoft.com/office/drawing/2014/main" id="{73AEB1CB-68CA-DBC5-8882-44AE0D819BCD}"/>
               </a:ext>
               <a:ext uri="{C183D7F6-B498-43B3-948B-1728B52AA6E4}">
                 <adec:decorative xmlns:adec="http://schemas.microsoft.com/office/drawing/2017/decorative" val="1"/>
@@ -6905,7 +8339,7 @@
           <p:cNvPr id="12" name="Rectangle 11">
             <a:extLst>
               <a:ext uri="{FF2B5EF4-FFF2-40B4-BE49-F238E27FC236}">
-                <a16:creationId xmlns:a16="http://schemas.microsoft.com/office/drawing/2014/main" id="{1FDC6E00-FF15-4DBA-E113-9736EC2EBF54}"/>
+                <a16:creationId xmlns:a16="http://schemas.microsoft.com/office/drawing/2014/main" id="{658AF780-4C1B-FB20-9A8B-3718F0114426}"/>
               </a:ext>
               <a:ext uri="{C183D7F6-B498-43B3-948B-1728B52AA6E4}">
                 <adec:decorative xmlns:adec="http://schemas.microsoft.com/office/drawing/2017/decorative" val="1"/>
@@ -6994,7 +8428,7 @@
           <p:cNvPr id="2" name="Title 1">
             <a:extLst>
               <a:ext uri="{FF2B5EF4-FFF2-40B4-BE49-F238E27FC236}">
-                <a16:creationId xmlns:a16="http://schemas.microsoft.com/office/drawing/2014/main" id="{C366137E-AEA2-5A04-8B6A-38850090C4E6}"/>
+                <a16:creationId xmlns:a16="http://schemas.microsoft.com/office/drawing/2014/main" id="{FA11DB89-3E68-C197-A4AA-EC3B141B7597}"/>
               </a:ext>
             </a:extLst>
           </p:cNvPr>
@@ -7019,11 +8453,11 @@
           <a:p>
             <a:r>
               <a:rPr lang="en-US" dirty="0"/>
-              <a:t>Model Explanation - </a:t>
+              <a:t>Model Results – </a:t>
             </a:r>
             <a:r>
               <a:rPr lang="en-US" b="1" dirty="0"/>
-              <a:t>Feature Selection</a:t>
+              <a:t>Recommendations </a:t>
             </a:r>
             <a:br>
               <a:rPr lang="en-US" b="1" dirty="0"/>
@@ -7037,7 +8471,7 @@
           <p:cNvPr id="3" name="Content Placeholder 2">
             <a:extLst>
               <a:ext uri="{FF2B5EF4-FFF2-40B4-BE49-F238E27FC236}">
-                <a16:creationId xmlns:a16="http://schemas.microsoft.com/office/drawing/2014/main" id="{EC909ED9-10ED-1D9B-4457-3A7C65949D87}"/>
+                <a16:creationId xmlns:a16="http://schemas.microsoft.com/office/drawing/2014/main" id="{8C3F51DD-9D3C-6BBC-5798-1B6850F1C0D0}"/>
               </a:ext>
             </a:extLst>
           </p:cNvPr>
@@ -7051,7 +8485,7 @@
         <p:spPr>
           <a:xfrm>
             <a:off x="276758" y="1866111"/>
-            <a:ext cx="11452996" cy="3125777"/>
+            <a:ext cx="11452996" cy="4229889"/>
           </a:xfrm>
         </p:spPr>
         <p:txBody>
@@ -7060,143 +8494,190 @@
           </a:bodyPr>
           <a:lstStyle/>
           <a:p>
-            <a:r>
-              <a:rPr lang="en-US" sz="2000" i="1" dirty="0">
+            <a:pPr algn="l"/>
+            <a:r>
+              <a:rPr lang="en-US" sz="1500" b="1" i="0" dirty="0">
                 <a:solidFill>
-                  <a:srgbClr val="000000">
-                    <a:lumMod val="75000"/>
-                    <a:lumOff val="25000"/>
-                  </a:srgbClr>
+                  <a:srgbClr val="000000"/>
                 </a:solidFill>
-                <a:latin typeface="Avenir Next LT Pro"/>
+                <a:effectLst/>
+                <a:latin typeface="Helvetica Neue"/>
               </a:rPr>
-              <a:t>We selected features with the highest correlation with our target Churn variable</a:t>
-            </a:r>
-          </a:p>
-          <a:p>
-            <a:pPr marL="342900" indent="-342900">
-              <a:buFont typeface="+mj-lt"/>
-              <a:buAutoNum type="arabicPeriod"/>
+              <a:t>Customer Service Calls is the Strongest Predictor</a:t>
+            </a:r>
+          </a:p>
+          <a:p>
+            <a:pPr marL="537210" lvl="1" indent="-171450">
+              <a:buFont typeface="Arial" panose="020B0604020202020204" pitchFamily="34" charset="0"/>
+              <a:buChar char="•"/>
             </a:pPr>
             <a:r>
-              <a:rPr lang="en-US" sz="1600" b="1" dirty="0">
+              <a:rPr lang="en-US" sz="1500" b="0" i="0" dirty="0">
                 <a:solidFill>
-                  <a:srgbClr val="000000">
-                    <a:lumMod val="75000"/>
-                    <a:lumOff val="25000"/>
-                  </a:srgbClr>
+                  <a:srgbClr val="000000"/>
                 </a:solidFill>
-                <a:latin typeface="Avenir Next LT Pro"/>
+                <a:effectLst/>
+                <a:latin typeface="Helvetica Neue"/>
               </a:rPr>
-              <a:t>Customer Service Calls: </a:t>
-            </a:r>
-            <a:r>
-              <a:rPr lang="en-US" sz="1600" dirty="0">
+              <a:t>The more frequently a customer contacts customer service, the higher the likelihood of churn. This suggests that resolving customer complaints efficiently could reduce churn. </a:t>
+            </a:r>
+          </a:p>
+          <a:p>
+            <a:r>
+              <a:rPr lang="en-US" sz="1500" b="1" dirty="0">
                 <a:solidFill>
-                  <a:srgbClr val="000000">
-                    <a:lumMod val="75000"/>
-                    <a:lumOff val="25000"/>
-                  </a:srgbClr>
+                  <a:srgbClr val="000000"/>
                 </a:solidFill>
-                <a:latin typeface="Avenir Next LT Pro"/>
+                <a:latin typeface="Helvetica Neue"/>
               </a:rPr>
-              <a:t>Customers who make frequent calls to customer service are more likely to churn. This suggests dissatisfaction or unresolved issues.</a:t>
-            </a:r>
-          </a:p>
-          <a:p>
-            <a:pPr marL="342900" indent="-342900">
-              <a:buFont typeface="+mj-lt"/>
-              <a:buAutoNum type="arabicPeriod"/>
+              <a:t>Customers with an International Plan are at Higher Risk</a:t>
+            </a:r>
+            <a:endParaRPr lang="en-US" sz="1500" b="0" i="0" dirty="0">
+              <a:solidFill>
+                <a:srgbClr val="000000"/>
+              </a:solidFill>
+              <a:effectLst/>
+              <a:latin typeface="Helvetica Neue"/>
+            </a:endParaRPr>
+          </a:p>
+          <a:p>
+            <a:pPr marL="537210" lvl="1" indent="-171450">
+              <a:buFont typeface="Arial" panose="020B0604020202020204" pitchFamily="34" charset="0"/>
+              <a:buChar char="•"/>
             </a:pPr>
             <a:r>
-              <a:rPr lang="en-US" sz="1600" b="1" dirty="0">
+              <a:rPr lang="en-US" sz="1500" b="0" i="0" dirty="0">
                 <a:solidFill>
-                  <a:srgbClr val="000000">
-                    <a:lumMod val="75000"/>
-                    <a:lumOff val="25000"/>
-                  </a:srgbClr>
+                  <a:srgbClr val="000000"/>
                 </a:solidFill>
-                <a:latin typeface="Avenir Next LT Pro"/>
+                <a:effectLst/>
+                <a:latin typeface="Helvetica Neue"/>
               </a:rPr>
-              <a:t>International Plan: </a:t>
-            </a:r>
-            <a:r>
-              <a:rPr lang="en-US" sz="1600" dirty="0">
+              <a:t>These customers may be dissatisfied with the cost or quality of the international calling plan. Improving this service could improve retention. </a:t>
+            </a:r>
+          </a:p>
+          <a:p>
+            <a:pPr marL="365760" marR="0" lvl="0" indent="-365760" algn="l" defTabSz="914400" rtl="0" eaLnBrk="1" fontAlgn="auto" latinLnBrk="0" hangingPunct="1">
+              <a:lnSpc>
+                <a:spcPct val="105000"/>
+              </a:lnSpc>
+              <a:spcBef>
+                <a:spcPts val="900"/>
+              </a:spcBef>
+              <a:spcAft>
+                <a:spcPts val="0"/>
+              </a:spcAft>
+              <a:buClr>
+                <a:srgbClr val="B0A63A"/>
+              </a:buClr>
+              <a:buSzTx/>
+              <a:buFont typeface="Avenir Next LT Pro" panose="020B0504020202020204" pitchFamily="34" charset="0"/>
+              <a:buChar char="+"/>
+              <a:tabLst/>
+              <a:defRPr/>
+            </a:pPr>
+            <a:r>
+              <a:rPr kumimoji="0" lang="en-US" sz="1500" b="1" i="0" u="none" strike="noStrike" kern="1200" cap="none" spc="0" normalizeH="0" baseline="0" noProof="0" dirty="0">
+                <a:ln>
+                  <a:noFill/>
+                </a:ln>
                 <a:solidFill>
-                  <a:srgbClr val="000000">
-                    <a:lumMod val="75000"/>
-                    <a:lumOff val="25000"/>
-                  </a:srgbClr>
+                  <a:srgbClr val="000000"/>
                 </a:solidFill>
-                <a:latin typeface="Avenir Next LT Pro"/>
+                <a:effectLst/>
+                <a:uLnTx/>
+                <a:uFillTx/>
+                <a:latin typeface="Helvetica Neue"/>
+                <a:ea typeface="+mn-ea"/>
+                <a:cs typeface="+mn-cs"/>
               </a:rPr>
-              <a:t>Customers with an international calling plan are more likely to churn. This might indicate dissatisfaction with international service pricing or competitors offering better deals.</a:t>
-            </a:r>
-          </a:p>
-          <a:p>
-            <a:pPr marL="342900" indent="-342900">
-              <a:buFont typeface="+mj-lt"/>
-              <a:buAutoNum type="arabicPeriod"/>
+              <a:t>Voice Mail Plan is Predictive</a:t>
+            </a:r>
+            <a:endParaRPr lang="en-US" sz="1500" b="0" i="0" dirty="0">
+              <a:solidFill>
+                <a:srgbClr val="000000"/>
+              </a:solidFill>
+              <a:effectLst/>
+              <a:latin typeface="Helvetica Neue"/>
+            </a:endParaRPr>
+          </a:p>
+          <a:p>
+            <a:pPr marL="537210" lvl="1" indent="-171450">
+              <a:buFont typeface="Arial" panose="020B0604020202020204" pitchFamily="34" charset="0"/>
+              <a:buChar char="•"/>
             </a:pPr>
             <a:r>
-              <a:rPr lang="en-US" sz="1600" b="1" dirty="0">
+              <a:rPr lang="en-US" sz="1500" b="0" i="0" dirty="0">
                 <a:solidFill>
-                  <a:srgbClr val="000000">
-                    <a:lumMod val="75000"/>
-                    <a:lumOff val="25000"/>
-                  </a:srgbClr>
+                  <a:srgbClr val="000000"/>
                 </a:solidFill>
-                <a:latin typeface="Avenir Next LT Pro"/>
+                <a:effectLst/>
+                <a:latin typeface="Helvetica Neue"/>
               </a:rPr>
-              <a:t>Voice Mail Plan: </a:t>
-            </a:r>
-            <a:r>
-              <a:rPr lang="en-US" sz="1600" dirty="0">
+              <a:t>While less obvious, whether a customer has a voicemail plan or not may relate to overall service usage or satisfaction. This could be worth exploring further. </a:t>
+            </a:r>
+          </a:p>
+          <a:p>
+            <a:pPr marL="365760" marR="0" lvl="0" indent="-365760" algn="l" defTabSz="914400" rtl="0" eaLnBrk="1" fontAlgn="auto" latinLnBrk="0" hangingPunct="1">
+              <a:lnSpc>
+                <a:spcPct val="105000"/>
+              </a:lnSpc>
+              <a:spcBef>
+                <a:spcPts val="900"/>
+              </a:spcBef>
+              <a:spcAft>
+                <a:spcPts val="0"/>
+              </a:spcAft>
+              <a:buClr>
+                <a:srgbClr val="B0A63A"/>
+              </a:buClr>
+              <a:buSzTx/>
+              <a:buFont typeface="Avenir Next LT Pro" panose="020B0504020202020204" pitchFamily="34" charset="0"/>
+              <a:buChar char="+"/>
+              <a:tabLst/>
+              <a:defRPr/>
+            </a:pPr>
+            <a:r>
+              <a:rPr kumimoji="0" lang="en-US" sz="1500" b="1" i="0" u="none" strike="noStrike" kern="1200" cap="none" spc="0" normalizeH="0" baseline="0" noProof="0" dirty="0">
+                <a:ln>
+                  <a:noFill/>
+                </a:ln>
                 <a:solidFill>
-                  <a:srgbClr val="000000">
-                    <a:lumMod val="75000"/>
-                    <a:lumOff val="25000"/>
-                  </a:srgbClr>
+                  <a:srgbClr val="000000"/>
                 </a:solidFill>
-                <a:latin typeface="Avenir Next LT Pro"/>
+                <a:effectLst/>
+                <a:uLnTx/>
+                <a:uFillTx/>
+                <a:latin typeface="Helvetica Neue"/>
+                <a:ea typeface="+mn-ea"/>
+                <a:cs typeface="+mn-cs"/>
               </a:rPr>
-              <a:t>The presence or absence of a voicemail plan also contributes to predicting churn. It could reflect usage patterns or preferences.</a:t>
-            </a:r>
-          </a:p>
-          <a:p>
-            <a:pPr marL="342900" indent="-342900">
-              <a:buFont typeface="+mj-lt"/>
-              <a:buAutoNum type="arabicPeriod"/>
+              <a:t>Total International Calls Adds Context</a:t>
+            </a:r>
+          </a:p>
+          <a:p>
+            <a:pPr marL="617220" lvl="2" indent="-342900">
+              <a:buClr>
+                <a:schemeClr val="tx1"/>
+              </a:buClr>
+              <a:buFont typeface="Arial" panose="020B0604020202020204" pitchFamily="34" charset="0"/>
+              <a:buChar char="•"/>
+              <a:defRPr/>
             </a:pPr>
             <a:r>
-              <a:rPr lang="en-US" sz="1600" b="1" dirty="0">
+              <a:rPr lang="en-US" sz="1500" b="0" i="0" dirty="0">
                 <a:solidFill>
-                  <a:srgbClr val="000000">
-                    <a:lumMod val="75000"/>
-                    <a:lumOff val="25000"/>
-                  </a:srgbClr>
+                  <a:srgbClr val="000000"/>
                 </a:solidFill>
-                <a:latin typeface="Avenir Next LT Pro"/>
+                <a:effectLst/>
+                <a:latin typeface="Helvetica Neue"/>
               </a:rPr>
-              <a:t>Total International Calls: </a:t>
-            </a:r>
-            <a:r>
-              <a:rPr lang="en-US" sz="1600" dirty="0">
-                <a:solidFill>
-                  <a:srgbClr val="000000">
-                    <a:lumMod val="75000"/>
-                    <a:lumOff val="25000"/>
-                  </a:srgbClr>
-                </a:solidFill>
-                <a:latin typeface="Avenir Next LT Pro"/>
-              </a:rPr>
-              <a:t>The number of international calls made could signal specific customer behaviors or service usage patterns that relate to churn. </a:t>
-            </a:r>
-          </a:p>
-          <a:p>
-            <a:pPr marL="342900" indent="-342900">
-              <a:buFont typeface="+mj-lt"/>
-              <a:buAutoNum type="arabicPeriod"/>
+              <a:t>Customers making frequent international calls may represent a specific customer segment. Understanding their unique needs (e.g., better international rates or service quality) could reduce churn.</a:t>
+            </a:r>
+          </a:p>
+          <a:p>
+            <a:pPr marL="0" indent="0">
+              <a:buNone/>
             </a:pPr>
             <a:endParaRPr lang="en-US" sz="1600" dirty="0">
               <a:solidFill>
@@ -7294,7 +8775,7 @@
     </p:spTree>
     <p:extLst>
       <p:ext uri="{BB962C8B-B14F-4D97-AF65-F5344CB8AC3E}">
-        <p14:creationId xmlns:p14="http://schemas.microsoft.com/office/powerpoint/2010/main" val="4173976318"/>
+        <p14:creationId xmlns:p14="http://schemas.microsoft.com/office/powerpoint/2010/main" val="1533271132"/>
       </p:ext>
     </p:extLst>
   </p:cSld>
@@ -7304,7 +8785,7 @@
 </p:sld>
 </file>
 
-<file path=ppt/slides/slide12.xml><?xml version="1.0" encoding="utf-8"?>
+<file path=ppt/slides/slide13.xml><?xml version="1.0" encoding="utf-8"?>
 <p:sld xmlns:a="http://schemas.openxmlformats.org/drawingml/2006/main" xmlns:r="http://schemas.openxmlformats.org/officeDocument/2006/relationships" xmlns:p="http://schemas.openxmlformats.org/presentationml/2006/main">
   <p:cSld>
     <p:bg>
@@ -7320,7 +8801,7 @@
         <p:cNvPr id="1" name="">
           <a:extLst>
             <a:ext uri="{FF2B5EF4-FFF2-40B4-BE49-F238E27FC236}">
-              <a16:creationId xmlns:a16="http://schemas.microsoft.com/office/drawing/2014/main" id="{B4D9A14F-301C-C76D-DF1E-EB066AD7BCD0}"/>
+              <a16:creationId xmlns:a16="http://schemas.microsoft.com/office/drawing/2014/main" id="{CB4CC3BA-0D0F-CB95-BFEB-8D58CF46596E}"/>
             </a:ext>
           </a:extLst>
         </p:cNvPr>
@@ -7340,7 +8821,7 @@
           <p:cNvPr id="8" name="Rectangle 7">
             <a:extLst>
               <a:ext uri="{FF2B5EF4-FFF2-40B4-BE49-F238E27FC236}">
-                <a16:creationId xmlns:a16="http://schemas.microsoft.com/office/drawing/2014/main" id="{B2377083-D87F-55BF-D636-211D88C26D17}"/>
+                <a16:creationId xmlns:a16="http://schemas.microsoft.com/office/drawing/2014/main" id="{E9385F5B-BEA9-3C09-3808-C63FD7247F5E}"/>
               </a:ext>
               <a:ext uri="{C183D7F6-B498-43B3-948B-1728B52AA6E4}">
                 <adec:decorative xmlns:adec="http://schemas.microsoft.com/office/drawing/2017/decorative" val="1"/>
@@ -7429,7 +8910,7 @@
           <p:cNvPr id="10" name="Rectangle 9">
             <a:extLst>
               <a:ext uri="{FF2B5EF4-FFF2-40B4-BE49-F238E27FC236}">
-                <a16:creationId xmlns:a16="http://schemas.microsoft.com/office/drawing/2014/main" id="{73AEB1CB-68CA-DBC5-8882-44AE0D819BCD}"/>
+                <a16:creationId xmlns:a16="http://schemas.microsoft.com/office/drawing/2014/main" id="{DB01A995-6495-0454-1EBC-1503623D52B8}"/>
               </a:ext>
               <a:ext uri="{C183D7F6-B498-43B3-948B-1728B52AA6E4}">
                 <adec:decorative xmlns:adec="http://schemas.microsoft.com/office/drawing/2017/decorative" val="1"/>
@@ -7542,7 +9023,7 @@
           <p:cNvPr id="12" name="Rectangle 11">
             <a:extLst>
               <a:ext uri="{FF2B5EF4-FFF2-40B4-BE49-F238E27FC236}">
-                <a16:creationId xmlns:a16="http://schemas.microsoft.com/office/drawing/2014/main" id="{658AF780-4C1B-FB20-9A8B-3718F0114426}"/>
+                <a16:creationId xmlns:a16="http://schemas.microsoft.com/office/drawing/2014/main" id="{62C2265B-2EB4-BDA4-0ECA-BE42642ABF85}"/>
               </a:ext>
               <a:ext uri="{C183D7F6-B498-43B3-948B-1728B52AA6E4}">
                 <adec:decorative xmlns:adec="http://schemas.microsoft.com/office/drawing/2017/decorative" val="1"/>
@@ -7631,7 +9112,7 @@
           <p:cNvPr id="2" name="Title 1">
             <a:extLst>
               <a:ext uri="{FF2B5EF4-FFF2-40B4-BE49-F238E27FC236}">
-                <a16:creationId xmlns:a16="http://schemas.microsoft.com/office/drawing/2014/main" id="{FA11DB89-3E68-C197-A4AA-EC3B141B7597}"/>
+                <a16:creationId xmlns:a16="http://schemas.microsoft.com/office/drawing/2014/main" id="{93E4F86C-7384-01A8-0F24-1525F12AFC36}"/>
               </a:ext>
             </a:extLst>
           </p:cNvPr>
@@ -7674,7 +9155,7 @@
           <p:cNvPr id="3" name="Content Placeholder 2">
             <a:extLst>
               <a:ext uri="{FF2B5EF4-FFF2-40B4-BE49-F238E27FC236}">
-                <a16:creationId xmlns:a16="http://schemas.microsoft.com/office/drawing/2014/main" id="{8C3F51DD-9D3C-6BBC-5798-1B6850F1C0D0}"/>
+                <a16:creationId xmlns:a16="http://schemas.microsoft.com/office/drawing/2014/main" id="{013227AD-933A-EEAF-E6CE-F7C175A14A6A}"/>
               </a:ext>
             </a:extLst>
           </p:cNvPr>
@@ -7693,220 +9174,182 @@
         </p:spPr>
         <p:txBody>
           <a:bodyPr>
-            <a:normAutofit fontScale="92500" lnSpcReduction="20000"/>
+            <a:normAutofit lnSpcReduction="10000"/>
           </a:bodyPr>
           <a:lstStyle/>
           <a:p>
             <a:pPr algn="l"/>
             <a:r>
-              <a:rPr lang="en-US" sz="2100" b="1" i="0" dirty="0">
+              <a:rPr lang="en-US" sz="1400" b="1" i="0" dirty="0">
                 <a:solidFill>
                   <a:srgbClr val="000000"/>
                 </a:solidFill>
                 <a:effectLst/>
                 <a:latin typeface="Helvetica Neue"/>
               </a:rPr>
-              <a:t>Customer Service Calls is the Strongest Predictor</a:t>
-            </a:r>
-          </a:p>
-          <a:p>
-            <a:pPr marL="537210" lvl="1" indent="-171450">
+              <a:t>Takeaways from the Decision Classifier Model</a:t>
+            </a:r>
+          </a:p>
+          <a:p>
+            <a:pPr>
               <a:buFont typeface="Arial" panose="020B0604020202020204" pitchFamily="34" charset="0"/>
               <a:buChar char="•"/>
             </a:pPr>
             <a:r>
-              <a:rPr lang="en-US" sz="2100" b="0" i="0" dirty="0">
+              <a:rPr lang="en-US" sz="1400" b="0" i="0" dirty="0">
                 <a:solidFill>
                   <a:srgbClr val="000000"/>
                 </a:solidFill>
                 <a:effectLst/>
                 <a:latin typeface="Helvetica Neue"/>
               </a:rPr>
-              <a:t>The more frequently a customer contacts customer service, the higher the likelihood of churn. This suggests that resolving customer complaints efficiently could reduce churn. </a:t>
-            </a:r>
-          </a:p>
-          <a:p>
-            <a:r>
-              <a:rPr lang="en-US" sz="2100" b="1" dirty="0">
-                <a:solidFill>
-                  <a:srgbClr val="000000"/>
-                </a:solidFill>
-                <a:latin typeface="Helvetica Neue"/>
-              </a:rPr>
-              <a:t>Customers with an International Plan are at Higher Risk</a:t>
-            </a:r>
-            <a:endParaRPr lang="en-US" sz="2100" b="0" i="0" dirty="0">
-              <a:solidFill>
-                <a:srgbClr val="000000"/>
-              </a:solidFill>
-              <a:effectLst/>
-              <a:latin typeface="Helvetica Neue"/>
-            </a:endParaRPr>
-          </a:p>
-          <a:p>
-            <a:pPr marL="537210" lvl="1" indent="-171450">
-              <a:buFont typeface="Arial" panose="020B0604020202020204" pitchFamily="34" charset="0"/>
-              <a:buChar char="•"/>
-            </a:pPr>
-            <a:r>
-              <a:rPr lang="en-US" sz="2100" b="0" i="0" dirty="0">
+              <a:t>The decision classifier model helps us predict churn by learning patterns in these selected features. Here’s what we learned:</a:t>
+            </a:r>
+          </a:p>
+          <a:p>
+            <a:pPr lvl="1"/>
+            <a:r>
+              <a:rPr lang="en-US" sz="1400" b="1" i="0" dirty="0">
                 <a:solidFill>
                   <a:srgbClr val="000000"/>
                 </a:solidFill>
                 <a:effectLst/>
                 <a:latin typeface="Helvetica Neue"/>
               </a:rPr>
-              <a:t>These customers may be dissatisfied with the cost or quality of the international calling plan. Improving this service could improve retention. </a:t>
-            </a:r>
-          </a:p>
-          <a:p>
-            <a:pPr marL="365760" marR="0" lvl="0" indent="-365760" algn="l" defTabSz="914400" rtl="0" eaLnBrk="1" fontAlgn="auto" latinLnBrk="0" hangingPunct="1">
-              <a:lnSpc>
-                <a:spcPct val="105000"/>
-              </a:lnSpc>
-              <a:spcBef>
-                <a:spcPts val="900"/>
-              </a:spcBef>
-              <a:spcAft>
-                <a:spcPts val="0"/>
-              </a:spcAft>
-              <a:buClr>
-                <a:srgbClr val="B0A63A"/>
-              </a:buClr>
-              <a:buSzTx/>
-              <a:buFont typeface="Avenir Next LT Pro" panose="020B0504020202020204" pitchFamily="34" charset="0"/>
-              <a:buChar char="+"/>
-              <a:tabLst/>
-              <a:defRPr/>
-            </a:pPr>
-            <a:r>
-              <a:rPr kumimoji="0" lang="en-US" sz="2400" b="1" i="0" u="none" strike="noStrike" kern="1200" cap="none" spc="0" normalizeH="0" baseline="0" noProof="0" dirty="0">
-                <a:ln>
-                  <a:noFill/>
-                </a:ln>
-                <a:solidFill>
-                  <a:srgbClr val="000000"/>
-                </a:solidFill>
-                <a:effectLst/>
-                <a:uLnTx/>
-                <a:uFillTx/>
-                <a:latin typeface="Helvetica Neue"/>
-                <a:ea typeface="+mn-ea"/>
-                <a:cs typeface="+mn-cs"/>
-              </a:rPr>
-              <a:t>Voice Mail Plan is Predictive</a:t>
-            </a:r>
-            <a:endParaRPr lang="en-US" sz="1500" b="0" i="0" dirty="0">
-              <a:solidFill>
-                <a:srgbClr val="000000"/>
-              </a:solidFill>
-              <a:effectLst/>
-              <a:latin typeface="Helvetica Neue"/>
-            </a:endParaRPr>
-          </a:p>
-          <a:p>
-            <a:pPr marL="537210" lvl="1" indent="-171450">
+              <a:t>Customer Service Calls is the Strongest Predictor:</a:t>
+            </a:r>
+          </a:p>
+          <a:p>
+            <a:pPr lvl="1">
               <a:buFont typeface="Arial" panose="020B0604020202020204" pitchFamily="34" charset="0"/>
               <a:buChar char="•"/>
             </a:pPr>
             <a:r>
-              <a:rPr lang="en-US" sz="2200" b="0" i="0" dirty="0">
+              <a:rPr lang="en-US" sz="1400" b="0" i="0" dirty="0">
                 <a:solidFill>
                   <a:srgbClr val="000000"/>
                 </a:solidFill>
                 <a:effectLst/>
                 <a:latin typeface="Helvetica Neue"/>
               </a:rPr>
-              <a:t>While less obvious, whether a customer has a voicemail plan or not may relate to overall service usage or satisfaction. This could be worth exploring further. </a:t>
-            </a:r>
-          </a:p>
-          <a:p>
-            <a:pPr marL="365760" marR="0" lvl="0" indent="-365760" algn="l" defTabSz="914400" rtl="0" eaLnBrk="1" fontAlgn="auto" latinLnBrk="0" hangingPunct="1">
-              <a:lnSpc>
-                <a:spcPct val="105000"/>
-              </a:lnSpc>
-              <a:spcBef>
-                <a:spcPts val="900"/>
-              </a:spcBef>
-              <a:spcAft>
-                <a:spcPts val="0"/>
-              </a:spcAft>
-              <a:buClr>
-                <a:srgbClr val="B0A63A"/>
-              </a:buClr>
-              <a:buSzTx/>
-              <a:buFont typeface="Avenir Next LT Pro" panose="020B0504020202020204" pitchFamily="34" charset="0"/>
-              <a:buChar char="+"/>
-              <a:tabLst/>
-              <a:defRPr/>
-            </a:pPr>
-            <a:r>
-              <a:rPr kumimoji="0" lang="en-US" sz="2600" b="1" i="0" u="none" strike="noStrike" kern="1200" cap="none" spc="0" normalizeH="0" baseline="0" noProof="0" dirty="0">
-                <a:ln>
-                  <a:noFill/>
-                </a:ln>
-                <a:solidFill>
-                  <a:srgbClr val="000000"/>
-                </a:solidFill>
-                <a:effectLst/>
-                <a:uLnTx/>
-                <a:uFillTx/>
-                <a:latin typeface="Helvetica Neue"/>
-                <a:ea typeface="+mn-ea"/>
-                <a:cs typeface="+mn-cs"/>
-              </a:rPr>
-              <a:t>Total International Calls </a:t>
-            </a:r>
-            <a:r>
-              <a:rPr kumimoji="0" lang="en-US" sz="2600" b="1" i="0" u="none" strike="noStrike" kern="1200" cap="none" spc="0" normalizeH="0" baseline="0" noProof="0">
-                <a:ln>
-                  <a:noFill/>
-                </a:ln>
-                <a:solidFill>
-                  <a:srgbClr val="000000"/>
-                </a:solidFill>
-                <a:effectLst/>
-                <a:uLnTx/>
-                <a:uFillTx/>
-                <a:latin typeface="Helvetica Neue"/>
-                <a:ea typeface="+mn-ea"/>
-                <a:cs typeface="+mn-cs"/>
-              </a:rPr>
-              <a:t>Adds Context</a:t>
-            </a:r>
-            <a:endParaRPr kumimoji="0" lang="en-US" sz="2600" b="1" i="0" u="none" strike="noStrike" kern="1200" cap="none" spc="0" normalizeH="0" baseline="0" noProof="0" dirty="0">
-              <a:ln>
-                <a:noFill/>
-              </a:ln>
-              <a:solidFill>
-                <a:srgbClr val="000000"/>
-              </a:solidFill>
-              <a:effectLst/>
-              <a:uLnTx/>
-              <a:uFillTx/>
-              <a:latin typeface="Helvetica Neue"/>
-              <a:ea typeface="+mn-ea"/>
-              <a:cs typeface="+mn-cs"/>
-            </a:endParaRPr>
-          </a:p>
-          <a:p>
-            <a:pPr marL="617220" lvl="2" indent="-342900">
-              <a:buClr>
-                <a:schemeClr val="tx1"/>
-              </a:buClr>
-              <a:buFont typeface="Arial" panose="020B0604020202020204" pitchFamily="34" charset="0"/>
-              <a:buChar char="•"/>
-              <a:defRPr/>
-            </a:pPr>
-            <a:r>
-              <a:rPr lang="en-US" b="0" i="0" dirty="0">
+              <a:t> The more frequently a customer contacts customer service, the higher the likelihood of churn. </a:t>
+            </a:r>
+            <a:r>
+              <a:rPr lang="en-US" sz="1400" b="1" i="0" dirty="0">
                 <a:solidFill>
                   <a:srgbClr val="000000"/>
                 </a:solidFill>
                 <a:effectLst/>
                 <a:latin typeface="Helvetica Neue"/>
               </a:rPr>
-              <a:t>Customers making frequent international calls may represent a specific customer segment. Understanding their unique needs (e.g., better international rates or service quality) could reduce churn.</a:t>
+              <a:t>This suggests that resolving customer complaints efficiently could reduce churn. </a:t>
+            </a:r>
+          </a:p>
+          <a:p>
+            <a:pPr lvl="1"/>
+            <a:r>
+              <a:rPr lang="en-US" sz="1400" b="1" i="0" dirty="0">
+                <a:solidFill>
+                  <a:srgbClr val="000000"/>
+                </a:solidFill>
+                <a:effectLst/>
+                <a:latin typeface="Helvetica Neue"/>
+              </a:rPr>
+              <a:t>Customers with an International Plan are at Higher Risk:</a:t>
+            </a:r>
+          </a:p>
+          <a:p>
+            <a:pPr lvl="1">
+              <a:buFont typeface="Arial" panose="020B0604020202020204" pitchFamily="34" charset="0"/>
+              <a:buChar char="•"/>
+            </a:pPr>
+            <a:r>
+              <a:rPr lang="en-US" sz="1400" b="0" i="0" dirty="0">
+                <a:solidFill>
+                  <a:srgbClr val="000000"/>
+                </a:solidFill>
+                <a:effectLst/>
+                <a:latin typeface="Helvetica Neue"/>
+              </a:rPr>
+              <a:t> These customers may be </a:t>
+            </a:r>
+            <a:r>
+              <a:rPr lang="en-US" sz="1400" b="1" i="0" dirty="0">
+                <a:solidFill>
+                  <a:srgbClr val="000000"/>
+                </a:solidFill>
+                <a:effectLst/>
+                <a:latin typeface="Helvetica Neue"/>
+              </a:rPr>
+              <a:t>dissatisfied with the cost or quality of the international calling plan</a:t>
+            </a:r>
+            <a:r>
+              <a:rPr lang="en-US" sz="1400" b="0" i="0" dirty="0">
+                <a:solidFill>
+                  <a:srgbClr val="000000"/>
+                </a:solidFill>
+                <a:effectLst/>
+                <a:latin typeface="Helvetica Neue"/>
+              </a:rPr>
+              <a:t>. Improving this service could improve retention. </a:t>
+            </a:r>
+          </a:p>
+          <a:p>
+            <a:pPr lvl="1"/>
+            <a:r>
+              <a:rPr lang="en-US" sz="1400" b="1" i="0" dirty="0">
+                <a:solidFill>
+                  <a:srgbClr val="000000"/>
+                </a:solidFill>
+                <a:effectLst/>
+                <a:latin typeface="Helvetica Neue"/>
+              </a:rPr>
+              <a:t>Voice Mail Plan is Predictive:</a:t>
+            </a:r>
+          </a:p>
+          <a:p>
+            <a:pPr lvl="1">
+              <a:buFont typeface="Arial" panose="020B0604020202020204" pitchFamily="34" charset="0"/>
+              <a:buChar char="•"/>
+            </a:pPr>
+            <a:r>
+              <a:rPr lang="en-US" sz="1400" b="0" i="0" dirty="0">
+                <a:solidFill>
+                  <a:srgbClr val="000000"/>
+                </a:solidFill>
+                <a:effectLst/>
+                <a:latin typeface="Helvetica Neue"/>
+              </a:rPr>
+              <a:t> While less obvious, whether a customer has a voicemail plan or not may relate to overall service usage or satisfaction. This could be worth exploring further. </a:t>
+            </a:r>
+          </a:p>
+          <a:p>
+            <a:pPr lvl="1"/>
+            <a:r>
+              <a:rPr lang="en-US" sz="1400" b="1" i="0" dirty="0">
+                <a:solidFill>
+                  <a:srgbClr val="000000"/>
+                </a:solidFill>
+                <a:effectLst/>
+                <a:latin typeface="Helvetica Neue"/>
+              </a:rPr>
+              <a:t>Total International Calls Adds Context:</a:t>
+            </a:r>
+          </a:p>
+          <a:p>
+            <a:pPr lvl="1">
+              <a:buFont typeface="Arial" panose="020B0604020202020204" pitchFamily="34" charset="0"/>
+              <a:buChar char="•"/>
+            </a:pPr>
+            <a:r>
+              <a:rPr lang="en-US" sz="1400" b="0" i="0" dirty="0">
+                <a:solidFill>
+                  <a:srgbClr val="000000"/>
+                </a:solidFill>
+                <a:effectLst/>
+                <a:latin typeface="Helvetica Neue"/>
+              </a:rPr>
+              <a:t> Customers making frequent international calls may represent a specific customer segment. Understanding their unique needs (e.g., better international rates or service quality) could reduce churn.</a:t>
             </a:r>
           </a:p>
           <a:p>
@@ -8009,7 +9452,7 @@
     </p:spTree>
     <p:extLst>
       <p:ext uri="{BB962C8B-B14F-4D97-AF65-F5344CB8AC3E}">
-        <p14:creationId xmlns:p14="http://schemas.microsoft.com/office/powerpoint/2010/main" val="1533271132"/>
+        <p14:creationId xmlns:p14="http://schemas.microsoft.com/office/powerpoint/2010/main" val="747384920"/>
       </p:ext>
     </p:extLst>
   </p:cSld>
@@ -8320,7 +9763,7 @@
             <a:pPr lvl="1"/>
             <a:r>
               <a:rPr lang="en-US" dirty="0"/>
-              <a:t>We are analyzing a telecom company’s dataset to determine what variables cause customers to churn</a:t>
+              <a:t>Analyze a telecom company’s dataset to determine what variables cause customers to churn</a:t>
             </a:r>
           </a:p>
           <a:p>
@@ -9273,8 +10716,8 @@
         </p:nvSpPr>
         <p:spPr>
           <a:xfrm>
-            <a:off x="762001" y="2207969"/>
-            <a:ext cx="3932830" cy="3884983"/>
+            <a:off x="0" y="2207969"/>
+            <a:ext cx="4694831" cy="3884983"/>
           </a:xfrm>
         </p:spPr>
         <p:txBody>
@@ -9304,7 +10747,7 @@
               <a:defRPr/>
             </a:pPr>
             <a:r>
-              <a:rPr kumimoji="0" lang="en-US" b="1" i="0" u="none" strike="noStrike" kern="1200" cap="none" spc="0" normalizeH="0" baseline="0" noProof="0">
+              <a:rPr kumimoji="0" lang="en-US" b="1" i="0" u="none" strike="noStrike" kern="1200" cap="none" spc="0" normalizeH="0" baseline="0" noProof="0" dirty="0">
                 <a:ln>
                   <a:noFill/>
                 </a:ln>
@@ -9334,7 +10777,7 @@
               <a:defRPr/>
             </a:pPr>
             <a:r>
-              <a:rPr kumimoji="0" lang="en-US" b="1" i="0" u="none" strike="noStrike" kern="1200" cap="none" spc="0" normalizeH="0" baseline="0" noProof="0">
+              <a:rPr kumimoji="0" lang="en-US" b="1" i="0" u="none" strike="noStrike" kern="1200" cap="none" spc="0" normalizeH="0" baseline="0" noProof="0" dirty="0">
                 <a:ln>
                   <a:noFill/>
                 </a:ln>
@@ -9352,7 +10795,7 @@
             <a:pPr marL="0" indent="0">
               <a:buNone/>
             </a:pPr>
-            <a:endParaRPr kumimoji="0" lang="en-US" b="0" i="0" u="none" strike="noStrike" kern="1200" cap="none" spc="0" normalizeH="0" baseline="0" noProof="0">
+            <a:endParaRPr kumimoji="0" lang="en-US" b="0" i="0" u="none" strike="noStrike" kern="1200" cap="none" spc="0" normalizeH="0" baseline="0" noProof="0" dirty="0">
               <a:ln>
                 <a:noFill/>
               </a:ln>
@@ -9372,7 +10815,7 @@
               <a:buNone/>
               <a:defRPr/>
             </a:pPr>
-            <a:endParaRPr kumimoji="0" lang="en-US" i="0" u="none" strike="noStrike" kern="1200" cap="none" spc="0" normalizeH="0" baseline="0" noProof="0">
+            <a:endParaRPr kumimoji="0" lang="en-US" i="0" u="none" strike="noStrike" kern="1200" cap="none" spc="0" normalizeH="0" baseline="0" noProof="0" dirty="0">
               <a:ln>
                 <a:noFill/>
               </a:ln>
@@ -9604,8 +11047,8 @@
         </p:nvSpPr>
         <p:spPr>
           <a:xfrm>
-            <a:off x="762001" y="2207969"/>
-            <a:ext cx="3932830" cy="3884983"/>
+            <a:off x="95250" y="2207969"/>
+            <a:ext cx="5530850" cy="3884983"/>
           </a:xfrm>
         </p:spPr>
         <p:txBody>
@@ -9635,7 +11078,7 @@
               <a:defRPr/>
             </a:pPr>
             <a:r>
-              <a:rPr kumimoji="0" lang="en-US" b="0" i="0" u="none" strike="noStrike" kern="1200" cap="none" spc="0" normalizeH="0" baseline="0" noProof="0">
+              <a:rPr kumimoji="0" lang="en-US" b="0" i="0" u="none" strike="noStrike" kern="1200" cap="none" spc="0" normalizeH="0" baseline="0" noProof="0" dirty="0">
                 <a:ln>
                   <a:noFill/>
                 </a:ln>
@@ -9665,12 +11108,12 @@
               <a:defRPr/>
             </a:pPr>
             <a:r>
-              <a:rPr lang="en-US">
+              <a:rPr lang="en-US" dirty="0">
                 <a:latin typeface="Avenir Next LT Pro"/>
               </a:rPr>
               <a:t>Users who do not churn average around 1.5 calls</a:t>
             </a:r>
-            <a:endParaRPr kumimoji="0" lang="en-US" b="0" i="0" u="none" strike="noStrike" kern="1200" cap="none" spc="0" normalizeH="0" baseline="0" noProof="0">
+            <a:endParaRPr kumimoji="0" lang="en-US" b="0" i="0" u="none" strike="noStrike" kern="1200" cap="none" spc="0" normalizeH="0" baseline="0" noProof="0" dirty="0">
               <a:ln>
                 <a:noFill/>
               </a:ln>
@@ -9686,7 +11129,7 @@
             <a:pPr marL="0" indent="0">
               <a:buNone/>
             </a:pPr>
-            <a:endParaRPr kumimoji="0" lang="en-US" b="0" i="0" u="none" strike="noStrike" kern="1200" cap="none" spc="0" normalizeH="0" baseline="0" noProof="0">
+            <a:endParaRPr kumimoji="0" lang="en-US" b="0" i="0" u="none" strike="noStrike" kern="1200" cap="none" spc="0" normalizeH="0" baseline="0" noProof="0" dirty="0">
               <a:ln>
                 <a:noFill/>
               </a:ln>
@@ -9706,7 +11149,7 @@
               <a:buNone/>
               <a:defRPr/>
             </a:pPr>
-            <a:endParaRPr kumimoji="0" lang="en-US" i="0" u="none" strike="noStrike" kern="1200" cap="none" spc="0" normalizeH="0" baseline="0" noProof="0">
+            <a:endParaRPr kumimoji="0" lang="en-US" i="0" u="none" strike="noStrike" kern="1200" cap="none" spc="0" normalizeH="0" baseline="0" noProof="0" dirty="0">
               <a:ln>
                 <a:noFill/>
               </a:ln>
@@ -9938,8 +11381,8 @@
         </p:nvSpPr>
         <p:spPr>
           <a:xfrm>
-            <a:off x="762000" y="2207969"/>
-            <a:ext cx="5201477" cy="3884983"/>
+            <a:off x="292100" y="2207969"/>
+            <a:ext cx="5671377" cy="3884983"/>
           </a:xfrm>
         </p:spPr>
         <p:txBody>
@@ -10145,8 +11588,8 @@
         </p:blipFill>
         <p:spPr bwMode="auto">
           <a:xfrm>
-            <a:off x="6742705" y="1752328"/>
-            <a:ext cx="4350021" cy="4350021"/>
+            <a:off x="6742705" y="1500825"/>
+            <a:ext cx="5157195" cy="5157195"/>
           </a:xfrm>
           <a:prstGeom prst="rect">
             <a:avLst/>
@@ -10320,8 +11763,8 @@
         </p:nvSpPr>
         <p:spPr>
           <a:xfrm>
-            <a:off x="762000" y="2207969"/>
-            <a:ext cx="5519529" cy="3884983"/>
+            <a:off x="292100" y="2207969"/>
+            <a:ext cx="5989429" cy="3884983"/>
           </a:xfrm>
         </p:spPr>
         <p:txBody>
@@ -10467,7 +11910,7 @@
         <p:spPr bwMode="auto">
           <a:xfrm>
             <a:off x="6453416" y="1302567"/>
-            <a:ext cx="4790385" cy="4790385"/>
+            <a:ext cx="5357584" cy="5357584"/>
           </a:xfrm>
           <a:prstGeom prst="rect">
             <a:avLst/>
@@ -10641,8 +12084,8 @@
         </p:nvSpPr>
         <p:spPr>
           <a:xfrm>
-            <a:off x="762001" y="2207969"/>
-            <a:ext cx="4875474" cy="3884983"/>
+            <a:off x="174281" y="2207969"/>
+            <a:ext cx="5463194" cy="3884983"/>
           </a:xfrm>
         </p:spPr>
         <p:txBody>
@@ -11063,7 +12506,7 @@
               <a:rPr lang="en-US" dirty="0">
                 <a:latin typeface="Avenir Next LT Pro"/>
               </a:rPr>
-              <a:t>Confirm there is no collinearity between features</a:t>
+              <a:t>Confirmed there is no collinearity between features</a:t>
             </a:r>
             <a:endParaRPr kumimoji="0" lang="en-US" i="0" u="none" strike="noStrike" kern="1200" cap="none" spc="0" normalizeH="0" baseline="0" noProof="0" dirty="0">
               <a:ln>
